--- a/gosu-ui.pptx
+++ b/gosu-ui.pptx
@@ -11,6 +11,7 @@
     <p:sldId id="260" r:id="rId5"/>
     <p:sldId id="262" r:id="rId6"/>
     <p:sldId id="261" r:id="rId7"/>
+    <p:sldId id="263" r:id="rId8"/>
   </p:sldIdLst>
   <p:sldSz cx="12192000" cy="6858000"/>
   <p:notesSz cx="6858000" cy="9144000"/>
@@ -10373,6 +10374,75 @@
 </p:sld>
 </file>
 
+<file path=ppt/slides/slide7.xml><?xml version="1.0" encoding="utf-8"?>
+<p:sld xmlns:a="http://schemas.openxmlformats.org/drawingml/2006/main" xmlns:r="http://schemas.openxmlformats.org/officeDocument/2006/relationships" xmlns:p="http://schemas.openxmlformats.org/presentationml/2006/main">
+  <p:cSld>
+    <p:spTree>
+      <p:nvGrpSpPr>
+        <p:cNvPr id="1" name=""/>
+        <p:cNvGrpSpPr/>
+        <p:nvPr/>
+      </p:nvGrpSpPr>
+      <p:grpSpPr>
+        <a:xfrm>
+          <a:off x="0" y="0"/>
+          <a:ext cx="0" cy="0"/>
+          <a:chOff x="0" y="0"/>
+          <a:chExt cx="0" cy="0"/>
+        </a:xfrm>
+      </p:grpSpPr>
+      <p:pic>
+        <p:nvPicPr>
+          <p:cNvPr id="3" name="그래픽 2">
+            <a:extLst>
+              <a:ext uri="{FF2B5EF4-FFF2-40B4-BE49-F238E27FC236}">
+                <a16:creationId xmlns:a16="http://schemas.microsoft.com/office/drawing/2014/main" id="{6EF15F76-81F4-63B1-B380-56118D68C9C4}"/>
+              </a:ext>
+            </a:extLst>
+          </p:cNvPr>
+          <p:cNvPicPr>
+            <a:picLocks noChangeAspect="1"/>
+          </p:cNvPicPr>
+          <p:nvPr/>
+        </p:nvPicPr>
+        <p:blipFill>
+          <a:blip r:embed="rId2">
+            <a:extLst>
+              <a:ext uri="{28A0092B-C50C-407E-A947-70E740481C1C}">
+                <a14:useLocalDpi xmlns:a14="http://schemas.microsoft.com/office/drawing/2010/main" val="0"/>
+              </a:ext>
+              <a:ext uri="{96DAC541-7B7A-43D3-8B79-37D633B846F1}">
+                <asvg:svgBlip xmlns:asvg="http://schemas.microsoft.com/office/drawing/2016/SVG/main" r:embed="rId3"/>
+              </a:ext>
+            </a:extLst>
+          </a:blip>
+          <a:stretch>
+            <a:fillRect/>
+          </a:stretch>
+        </p:blipFill>
+        <p:spPr>
+          <a:xfrm>
+            <a:off x="3020267" y="0"/>
+            <a:ext cx="6151465" cy="6858000"/>
+          </a:xfrm>
+          <a:prstGeom prst="rect">
+            <a:avLst/>
+          </a:prstGeom>
+        </p:spPr>
+      </p:pic>
+    </p:spTree>
+    <p:extLst>
+      <p:ext uri="{BB962C8B-B14F-4D97-AF65-F5344CB8AC3E}">
+        <p14:creationId xmlns:p14="http://schemas.microsoft.com/office/powerpoint/2010/main" val="1458503390"/>
+      </p:ext>
+    </p:extLst>
+  </p:cSld>
+  <p:clrMapOvr>
+    <a:masterClrMapping/>
+  </p:clrMapOvr>
+</p:sld>
+</file>
+
 <file path=ppt/theme/theme1.xml><?xml version="1.0" encoding="utf-8"?>
 <a:theme xmlns:a="http://schemas.openxmlformats.org/drawingml/2006/main" name="Office 테마">
   <a:themeElements>

--- a/gosu-ui.pptx
+++ b/gosu-ui.pptx
@@ -5,13 +5,12 @@
     <p:sldMasterId id="2147483648" r:id="rId1"/>
   </p:sldMasterIdLst>
   <p:sldIdLst>
-    <p:sldId id="256" r:id="rId2"/>
-    <p:sldId id="259" r:id="rId3"/>
-    <p:sldId id="258" r:id="rId4"/>
-    <p:sldId id="260" r:id="rId5"/>
-    <p:sldId id="262" r:id="rId6"/>
-    <p:sldId id="261" r:id="rId7"/>
-    <p:sldId id="263" r:id="rId8"/>
+    <p:sldId id="259" r:id="rId2"/>
+    <p:sldId id="260" r:id="rId3"/>
+    <p:sldId id="262" r:id="rId4"/>
+    <p:sldId id="261" r:id="rId5"/>
+    <p:sldId id="258" r:id="rId6"/>
+    <p:sldId id="263" r:id="rId7"/>
   </p:sldIdLst>
   <p:sldSz cx="12192000" cy="6858000"/>
   <p:notesSz cx="6858000" cy="9144000"/>
@@ -3342,86 +3341,6 @@
       </p:grpSpPr>
       <p:sp>
         <p:nvSpPr>
-          <p:cNvPr id="2" name="제목 1">
-            <a:extLst>
-              <a:ext uri="{FF2B5EF4-FFF2-40B4-BE49-F238E27FC236}">
-                <a16:creationId xmlns:a16="http://schemas.microsoft.com/office/drawing/2014/main" id="{5C2AB59D-ACFE-FAF3-70EE-157D6C929156}"/>
-              </a:ext>
-            </a:extLst>
-          </p:cNvPr>
-          <p:cNvSpPr>
-            <a:spLocks noGrp="1"/>
-          </p:cNvSpPr>
-          <p:nvPr>
-            <p:ph type="ctrTitle"/>
-          </p:nvPr>
-        </p:nvSpPr>
-        <p:spPr/>
-        <p:txBody>
-          <a:bodyPr/>
-          <a:lstStyle/>
-          <a:p>
-            <a:endParaRPr lang="ko-KR" altLang="en-US"/>
-          </a:p>
-        </p:txBody>
-      </p:sp>
-      <p:sp>
-        <p:nvSpPr>
-          <p:cNvPr id="3" name="부제목 2">
-            <a:extLst>
-              <a:ext uri="{FF2B5EF4-FFF2-40B4-BE49-F238E27FC236}">
-                <a16:creationId xmlns:a16="http://schemas.microsoft.com/office/drawing/2014/main" id="{62C20332-A304-2210-2D06-75F810F2169E}"/>
-              </a:ext>
-            </a:extLst>
-          </p:cNvPr>
-          <p:cNvSpPr>
-            <a:spLocks noGrp="1"/>
-          </p:cNvSpPr>
-          <p:nvPr>
-            <p:ph type="subTitle" idx="1"/>
-          </p:nvPr>
-        </p:nvSpPr>
-        <p:spPr/>
-        <p:txBody>
-          <a:bodyPr/>
-          <a:lstStyle/>
-          <a:p>
-            <a:endParaRPr lang="ko-KR" altLang="en-US"/>
-          </a:p>
-        </p:txBody>
-      </p:sp>
-    </p:spTree>
-    <p:extLst>
-      <p:ext uri="{BB962C8B-B14F-4D97-AF65-F5344CB8AC3E}">
-        <p14:creationId xmlns:p14="http://schemas.microsoft.com/office/powerpoint/2010/main" val="115217074"/>
-      </p:ext>
-    </p:extLst>
-  </p:cSld>
-  <p:clrMapOvr>
-    <a:masterClrMapping/>
-  </p:clrMapOvr>
-</p:sld>
-</file>
-
-<file path=ppt/slides/slide2.xml><?xml version="1.0" encoding="utf-8"?>
-<p:sld xmlns:a="http://schemas.openxmlformats.org/drawingml/2006/main" xmlns:r="http://schemas.openxmlformats.org/officeDocument/2006/relationships" xmlns:p="http://schemas.openxmlformats.org/presentationml/2006/main">
-  <p:cSld>
-    <p:spTree>
-      <p:nvGrpSpPr>
-        <p:cNvPr id="1" name=""/>
-        <p:cNvGrpSpPr/>
-        <p:nvPr/>
-      </p:nvGrpSpPr>
-      <p:grpSpPr>
-        <a:xfrm>
-          <a:off x="0" y="0"/>
-          <a:ext cx="0" cy="0"/>
-          <a:chOff x="0" y="0"/>
-          <a:chExt cx="0" cy="0"/>
-        </a:xfrm>
-      </p:grpSpPr>
-      <p:sp>
-        <p:nvSpPr>
           <p:cNvPr id="3" name="직사각형 2">
             <a:extLst>
               <a:ext uri="{FF2B5EF4-FFF2-40B4-BE49-F238E27FC236}">
@@ -3491,942 +3410,7 @@
 </p:sld>
 </file>
 
-<file path=ppt/slides/slide3.xml><?xml version="1.0" encoding="utf-8"?>
-<p:sld xmlns:a="http://schemas.openxmlformats.org/drawingml/2006/main" xmlns:r="http://schemas.openxmlformats.org/officeDocument/2006/relationships" xmlns:p="http://schemas.openxmlformats.org/presentationml/2006/main">
-  <p:cSld>
-    <p:spTree>
-      <p:nvGrpSpPr>
-        <p:cNvPr id="1" name=""/>
-        <p:cNvGrpSpPr/>
-        <p:nvPr/>
-      </p:nvGrpSpPr>
-      <p:grpSpPr>
-        <a:xfrm>
-          <a:off x="0" y="0"/>
-          <a:ext cx="0" cy="0"/>
-          <a:chOff x="0" y="0"/>
-          <a:chExt cx="0" cy="0"/>
-        </a:xfrm>
-      </p:grpSpPr>
-      <p:sp>
-        <p:nvSpPr>
-          <p:cNvPr id="13" name="직사각형 12">
-            <a:extLst>
-              <a:ext uri="{FF2B5EF4-FFF2-40B4-BE49-F238E27FC236}">
-                <a16:creationId xmlns:a16="http://schemas.microsoft.com/office/drawing/2014/main" id="{CBE2EBA4-B7A7-CE94-6364-F07290FD5DB6}"/>
-              </a:ext>
-            </a:extLst>
-          </p:cNvPr>
-          <p:cNvSpPr/>
-          <p:nvPr/>
-        </p:nvSpPr>
-        <p:spPr>
-          <a:xfrm>
-            <a:off x="0" y="0"/>
-            <a:ext cx="12192000" cy="559837"/>
-          </a:xfrm>
-          <a:prstGeom prst="rect">
-            <a:avLst/>
-          </a:prstGeom>
-          <a:solidFill>
-            <a:schemeClr val="bg2"/>
-          </a:solidFill>
-          <a:ln>
-            <a:noFill/>
-          </a:ln>
-        </p:spPr>
-        <p:style>
-          <a:lnRef idx="2">
-            <a:schemeClr val="accent1">
-              <a:shade val="50000"/>
-            </a:schemeClr>
-          </a:lnRef>
-          <a:fillRef idx="1">
-            <a:schemeClr val="accent1"/>
-          </a:fillRef>
-          <a:effectRef idx="0">
-            <a:schemeClr val="accent1"/>
-          </a:effectRef>
-          <a:fontRef idx="minor">
-            <a:schemeClr val="lt1"/>
-          </a:fontRef>
-        </p:style>
-        <p:txBody>
-          <a:bodyPr rtlCol="0" anchor="ctr"/>
-          <a:lstStyle/>
-          <a:p>
-            <a:pPr algn="ctr"/>
-            <a:endParaRPr lang="ko-KR" altLang="en-US"/>
-          </a:p>
-        </p:txBody>
-      </p:sp>
-      <p:sp>
-        <p:nvSpPr>
-          <p:cNvPr id="4" name="직사각형 3">
-            <a:extLst>
-              <a:ext uri="{FF2B5EF4-FFF2-40B4-BE49-F238E27FC236}">
-                <a16:creationId xmlns:a16="http://schemas.microsoft.com/office/drawing/2014/main" id="{F55349CF-3223-CC91-09D1-C84B3F1651FA}"/>
-              </a:ext>
-            </a:extLst>
-          </p:cNvPr>
-          <p:cNvSpPr/>
-          <p:nvPr/>
-        </p:nvSpPr>
-        <p:spPr>
-          <a:xfrm>
-            <a:off x="0" y="6298163"/>
-            <a:ext cx="12192000" cy="559837"/>
-          </a:xfrm>
-          <a:prstGeom prst="rect">
-            <a:avLst/>
-          </a:prstGeom>
-          <a:solidFill>
-            <a:schemeClr val="bg2"/>
-          </a:solidFill>
-          <a:ln>
-            <a:noFill/>
-          </a:ln>
-        </p:spPr>
-        <p:style>
-          <a:lnRef idx="2">
-            <a:schemeClr val="accent1">
-              <a:shade val="50000"/>
-            </a:schemeClr>
-          </a:lnRef>
-          <a:fillRef idx="1">
-            <a:schemeClr val="accent1"/>
-          </a:fillRef>
-          <a:effectRef idx="0">
-            <a:schemeClr val="accent1"/>
-          </a:effectRef>
-          <a:fontRef idx="minor">
-            <a:schemeClr val="lt1"/>
-          </a:fontRef>
-        </p:style>
-        <p:txBody>
-          <a:bodyPr rtlCol="0" anchor="ctr"/>
-          <a:lstStyle/>
-          <a:p>
-            <a:pPr algn="ctr"/>
-            <a:endParaRPr lang="ko-KR" altLang="en-US"/>
-          </a:p>
-        </p:txBody>
-      </p:sp>
-      <p:sp>
-        <p:nvSpPr>
-          <p:cNvPr id="5" name="직사각형 4">
-            <a:extLst>
-              <a:ext uri="{FF2B5EF4-FFF2-40B4-BE49-F238E27FC236}">
-                <a16:creationId xmlns:a16="http://schemas.microsoft.com/office/drawing/2014/main" id="{802DB6B5-FAA6-79F1-98D9-6F23BE1E3C85}"/>
-              </a:ext>
-            </a:extLst>
-          </p:cNvPr>
-          <p:cNvSpPr/>
-          <p:nvPr/>
-        </p:nvSpPr>
-        <p:spPr>
-          <a:xfrm>
-            <a:off x="5350635" y="-9501"/>
-            <a:ext cx="1029020" cy="559837"/>
-          </a:xfrm>
-          <a:prstGeom prst="rect">
-            <a:avLst/>
-          </a:prstGeom>
-          <a:solidFill>
-            <a:schemeClr val="accent3"/>
-          </a:solidFill>
-          <a:ln>
-            <a:solidFill>
-              <a:schemeClr val="tx1"/>
-            </a:solidFill>
-          </a:ln>
-        </p:spPr>
-        <p:style>
-          <a:lnRef idx="2">
-            <a:schemeClr val="accent1">
-              <a:shade val="50000"/>
-            </a:schemeClr>
-          </a:lnRef>
-          <a:fillRef idx="1">
-            <a:schemeClr val="accent1"/>
-          </a:fillRef>
-          <a:effectRef idx="0">
-            <a:schemeClr val="accent1"/>
-          </a:effectRef>
-          <a:fontRef idx="minor">
-            <a:schemeClr val="lt1"/>
-          </a:fontRef>
-        </p:style>
-        <p:txBody>
-          <a:bodyPr rtlCol="0" anchor="ctr"/>
-          <a:lstStyle/>
-          <a:p>
-            <a:pPr algn="ctr"/>
-            <a:r>
-              <a:rPr lang="en-US" altLang="ko-KR"/>
-              <a:t>Mods</a:t>
-            </a:r>
-            <a:endParaRPr lang="ko-KR" altLang="en-US"/>
-          </a:p>
-        </p:txBody>
-      </p:sp>
-      <p:sp>
-        <p:nvSpPr>
-          <p:cNvPr id="7" name="직사각형 6">
-            <a:extLst>
-              <a:ext uri="{FF2B5EF4-FFF2-40B4-BE49-F238E27FC236}">
-                <a16:creationId xmlns:a16="http://schemas.microsoft.com/office/drawing/2014/main" id="{CA9BFD7C-DFD4-5312-0BE0-8928C36C4AEF}"/>
-              </a:ext>
-            </a:extLst>
-          </p:cNvPr>
-          <p:cNvSpPr/>
-          <p:nvPr/>
-        </p:nvSpPr>
-        <p:spPr>
-          <a:xfrm>
-            <a:off x="-8389" y="6298163"/>
-            <a:ext cx="1029020" cy="559837"/>
-          </a:xfrm>
-          <a:prstGeom prst="rect">
-            <a:avLst/>
-          </a:prstGeom>
-          <a:solidFill>
-            <a:schemeClr val="accent3"/>
-          </a:solidFill>
-          <a:ln>
-            <a:solidFill>
-              <a:schemeClr val="tx1"/>
-            </a:solidFill>
-          </a:ln>
-        </p:spPr>
-        <p:style>
-          <a:lnRef idx="2">
-            <a:schemeClr val="accent1">
-              <a:shade val="50000"/>
-            </a:schemeClr>
-          </a:lnRef>
-          <a:fillRef idx="1">
-            <a:schemeClr val="accent1"/>
-          </a:fillRef>
-          <a:effectRef idx="0">
-            <a:schemeClr val="accent1"/>
-          </a:effectRef>
-          <a:fontRef idx="minor">
-            <a:schemeClr val="lt1"/>
-          </a:fontRef>
-        </p:style>
-        <p:txBody>
-          <a:bodyPr rtlCol="0" anchor="ctr"/>
-          <a:lstStyle/>
-          <a:p>
-            <a:pPr algn="ctr"/>
-            <a:r>
-              <a:rPr lang="en-US" altLang="ko-KR"/>
-              <a:t>Back</a:t>
-            </a:r>
-            <a:endParaRPr lang="ko-KR" altLang="en-US"/>
-          </a:p>
-        </p:txBody>
-      </p:sp>
-      <p:sp>
-        <p:nvSpPr>
-          <p:cNvPr id="9" name="직사각형 8">
-            <a:extLst>
-              <a:ext uri="{FF2B5EF4-FFF2-40B4-BE49-F238E27FC236}">
-                <a16:creationId xmlns:a16="http://schemas.microsoft.com/office/drawing/2014/main" id="{9A572247-B942-D5F1-81FB-4EDFED2EC5AB}"/>
-              </a:ext>
-            </a:extLst>
-          </p:cNvPr>
-          <p:cNvSpPr/>
-          <p:nvPr/>
-        </p:nvSpPr>
-        <p:spPr>
-          <a:xfrm>
-            <a:off x="10276514" y="5771627"/>
-            <a:ext cx="1915486" cy="1095874"/>
-          </a:xfrm>
-          <a:prstGeom prst="rect">
-            <a:avLst/>
-          </a:prstGeom>
-          <a:solidFill>
-            <a:schemeClr val="accent3"/>
-          </a:solidFill>
-          <a:ln>
-            <a:solidFill>
-              <a:schemeClr val="tx1"/>
-            </a:solidFill>
-          </a:ln>
-        </p:spPr>
-        <p:style>
-          <a:lnRef idx="2">
-            <a:schemeClr val="accent1">
-              <a:shade val="50000"/>
-            </a:schemeClr>
-          </a:lnRef>
-          <a:fillRef idx="1">
-            <a:schemeClr val="accent1"/>
-          </a:fillRef>
-          <a:effectRef idx="0">
-            <a:schemeClr val="accent1"/>
-          </a:effectRef>
-          <a:fontRef idx="minor">
-            <a:schemeClr val="lt1"/>
-          </a:fontRef>
-        </p:style>
-        <p:txBody>
-          <a:bodyPr rtlCol="0" anchor="ctr"/>
-          <a:lstStyle/>
-          <a:p>
-            <a:pPr algn="ctr"/>
-            <a:r>
-              <a:rPr lang="en-US" altLang="ko-KR" sz="2400"/>
-              <a:t>Play</a:t>
-            </a:r>
-            <a:endParaRPr lang="ko-KR" altLang="en-US" sz="2400"/>
-          </a:p>
-        </p:txBody>
-      </p:sp>
-      <p:sp>
-        <p:nvSpPr>
-          <p:cNvPr id="11" name="직사각형 10">
-            <a:extLst>
-              <a:ext uri="{FF2B5EF4-FFF2-40B4-BE49-F238E27FC236}">
-                <a16:creationId xmlns:a16="http://schemas.microsoft.com/office/drawing/2014/main" id="{3AA847A8-0A67-2861-A011-7249D32DB7E4}"/>
-              </a:ext>
-            </a:extLst>
-          </p:cNvPr>
-          <p:cNvSpPr/>
-          <p:nvPr/>
-        </p:nvSpPr>
-        <p:spPr>
-          <a:xfrm>
-            <a:off x="2779922" y="6297050"/>
-            <a:ext cx="1029020" cy="559837"/>
-          </a:xfrm>
-          <a:prstGeom prst="rect">
-            <a:avLst/>
-          </a:prstGeom>
-          <a:solidFill>
-            <a:schemeClr val="accent3"/>
-          </a:solidFill>
-          <a:ln>
-            <a:solidFill>
-              <a:schemeClr val="tx1"/>
-            </a:solidFill>
-          </a:ln>
-        </p:spPr>
-        <p:style>
-          <a:lnRef idx="2">
-            <a:schemeClr val="accent1">
-              <a:shade val="50000"/>
-            </a:schemeClr>
-          </a:lnRef>
-          <a:fillRef idx="1">
-            <a:schemeClr val="accent1"/>
-          </a:fillRef>
-          <a:effectRef idx="0">
-            <a:schemeClr val="accent1"/>
-          </a:effectRef>
-          <a:fontRef idx="minor">
-            <a:schemeClr val="lt1"/>
-          </a:fontRef>
-        </p:style>
-        <p:txBody>
-          <a:bodyPr rtlCol="0" anchor="ctr"/>
-          <a:lstStyle/>
-          <a:p>
-            <a:pPr algn="ctr"/>
-            <a:r>
-              <a:rPr lang="en-US" altLang="ko-KR"/>
-              <a:t>Tags</a:t>
-            </a:r>
-            <a:br>
-              <a:rPr lang="en-US" altLang="ko-KR"/>
-            </a:br>
-            <a:r>
-              <a:rPr lang="en-US" altLang="ko-KR"/>
-              <a:t>Collect.</a:t>
-            </a:r>
-            <a:endParaRPr lang="ko-KR" altLang="en-US"/>
-          </a:p>
-        </p:txBody>
-      </p:sp>
-      <p:sp>
-        <p:nvSpPr>
-          <p:cNvPr id="15" name="직사각형 14">
-            <a:extLst>
-              <a:ext uri="{FF2B5EF4-FFF2-40B4-BE49-F238E27FC236}">
-                <a16:creationId xmlns:a16="http://schemas.microsoft.com/office/drawing/2014/main" id="{B8E9083D-7CF8-C4BE-9644-9BB7DC2E119B}"/>
-              </a:ext>
-            </a:extLst>
-          </p:cNvPr>
-          <p:cNvSpPr/>
-          <p:nvPr/>
-        </p:nvSpPr>
-        <p:spPr>
-          <a:xfrm>
-            <a:off x="3817331" y="6298163"/>
-            <a:ext cx="1029020" cy="559837"/>
-          </a:xfrm>
-          <a:prstGeom prst="rect">
-            <a:avLst/>
-          </a:prstGeom>
-          <a:solidFill>
-            <a:schemeClr val="accent3"/>
-          </a:solidFill>
-          <a:ln>
-            <a:solidFill>
-              <a:schemeClr val="tx1"/>
-            </a:solidFill>
-          </a:ln>
-        </p:spPr>
-        <p:style>
-          <a:lnRef idx="2">
-            <a:schemeClr val="accent1">
-              <a:shade val="50000"/>
-            </a:schemeClr>
-          </a:lnRef>
-          <a:fillRef idx="1">
-            <a:schemeClr val="accent1"/>
-          </a:fillRef>
-          <a:effectRef idx="0">
-            <a:schemeClr val="accent1"/>
-          </a:effectRef>
-          <a:fontRef idx="minor">
-            <a:schemeClr val="lt1"/>
-          </a:fontRef>
-        </p:style>
-        <p:txBody>
-          <a:bodyPr rtlCol="0" anchor="ctr"/>
-          <a:lstStyle/>
-          <a:p>
-            <a:pPr algn="ctr"/>
-            <a:r>
-              <a:rPr lang="en-US" altLang="ko-KR"/>
-              <a:t>Editor</a:t>
-            </a:r>
-            <a:endParaRPr lang="ko-KR" altLang="en-US"/>
-          </a:p>
-        </p:txBody>
-      </p:sp>
-      <p:sp>
-        <p:nvSpPr>
-          <p:cNvPr id="19" name="직사각형 18">
-            <a:extLst>
-              <a:ext uri="{FF2B5EF4-FFF2-40B4-BE49-F238E27FC236}">
-                <a16:creationId xmlns:a16="http://schemas.microsoft.com/office/drawing/2014/main" id="{36B73C17-F75D-DE64-730C-2FD219EEAB3A}"/>
-              </a:ext>
-            </a:extLst>
-          </p:cNvPr>
-          <p:cNvSpPr/>
-          <p:nvPr/>
-        </p:nvSpPr>
-        <p:spPr>
-          <a:xfrm>
-            <a:off x="7416188" y="0"/>
-            <a:ext cx="712694" cy="560950"/>
-          </a:xfrm>
-          <a:prstGeom prst="rect">
-            <a:avLst/>
-          </a:prstGeom>
-          <a:solidFill>
-            <a:schemeClr val="accent3"/>
-          </a:solidFill>
-          <a:ln>
-            <a:solidFill>
-              <a:schemeClr val="tx1"/>
-            </a:solidFill>
-          </a:ln>
-        </p:spPr>
-        <p:style>
-          <a:lnRef idx="2">
-            <a:schemeClr val="accent1">
-              <a:shade val="50000"/>
-            </a:schemeClr>
-          </a:lnRef>
-          <a:fillRef idx="1">
-            <a:schemeClr val="accent1"/>
-          </a:fillRef>
-          <a:effectRef idx="0">
-            <a:schemeClr val="accent1"/>
-          </a:effectRef>
-          <a:fontRef idx="minor">
-            <a:schemeClr val="lt1"/>
-          </a:fontRef>
-        </p:style>
-        <p:txBody>
-          <a:bodyPr rtlCol="0" anchor="ctr"/>
-          <a:lstStyle/>
-          <a:p>
-            <a:pPr algn="ctr"/>
-            <a:r>
-              <a:rPr lang="en-US" altLang="ko-KR" sz="1600"/>
-              <a:t>Img</a:t>
-            </a:r>
-            <a:endParaRPr lang="ko-KR" altLang="en-US" sz="1600"/>
-          </a:p>
-        </p:txBody>
-      </p:sp>
-      <p:sp>
-        <p:nvSpPr>
-          <p:cNvPr id="21" name="직사각형 20">
-            <a:extLst>
-              <a:ext uri="{FF2B5EF4-FFF2-40B4-BE49-F238E27FC236}">
-                <a16:creationId xmlns:a16="http://schemas.microsoft.com/office/drawing/2014/main" id="{783120F7-80E0-5C78-5FC7-A8E41948E1F6}"/>
-              </a:ext>
-            </a:extLst>
-          </p:cNvPr>
-          <p:cNvSpPr/>
-          <p:nvPr/>
-        </p:nvSpPr>
-        <p:spPr>
-          <a:xfrm>
-            <a:off x="8147370" y="-1113"/>
-            <a:ext cx="2039510" cy="559837"/>
-          </a:xfrm>
-          <a:prstGeom prst="rect">
-            <a:avLst/>
-          </a:prstGeom>
-          <a:solidFill>
-            <a:schemeClr val="accent3"/>
-          </a:solidFill>
-          <a:ln>
-            <a:solidFill>
-              <a:schemeClr val="tx1"/>
-            </a:solidFill>
-          </a:ln>
-        </p:spPr>
-        <p:style>
-          <a:lnRef idx="2">
-            <a:schemeClr val="accent1">
-              <a:shade val="50000"/>
-            </a:schemeClr>
-          </a:lnRef>
-          <a:fillRef idx="1">
-            <a:schemeClr val="accent1"/>
-          </a:fillRef>
-          <a:effectRef idx="0">
-            <a:schemeClr val="accent1"/>
-          </a:effectRef>
-          <a:fontRef idx="minor">
-            <a:schemeClr val="lt1"/>
-          </a:fontRef>
-        </p:style>
-        <p:txBody>
-          <a:bodyPr rtlCol="0" anchor="ctr"/>
-          <a:lstStyle/>
-          <a:p>
-            <a:pPr algn="ctr"/>
-            <a:r>
-              <a:rPr lang="en-US" altLang="ko-KR" dirty="0"/>
-              <a:t>User</a:t>
-            </a:r>
-            <a:endParaRPr lang="ko-KR" altLang="en-US" dirty="0"/>
-          </a:p>
-        </p:txBody>
-      </p:sp>
-      <p:sp>
-        <p:nvSpPr>
-          <p:cNvPr id="22" name="직사각형 21">
-            <a:extLst>
-              <a:ext uri="{FF2B5EF4-FFF2-40B4-BE49-F238E27FC236}">
-                <a16:creationId xmlns:a16="http://schemas.microsoft.com/office/drawing/2014/main" id="{106803AF-5303-1F9A-F988-48832606EC10}"/>
-              </a:ext>
-            </a:extLst>
-          </p:cNvPr>
-          <p:cNvSpPr/>
-          <p:nvPr/>
-        </p:nvSpPr>
-        <p:spPr>
-          <a:xfrm>
-            <a:off x="-8389" y="-9501"/>
-            <a:ext cx="4330005" cy="2621903"/>
-          </a:xfrm>
-          <a:prstGeom prst="rect">
-            <a:avLst/>
-          </a:prstGeom>
-        </p:spPr>
-        <p:style>
-          <a:lnRef idx="2">
-            <a:schemeClr val="accent4">
-              <a:shade val="50000"/>
-            </a:schemeClr>
-          </a:lnRef>
-          <a:fillRef idx="1">
-            <a:schemeClr val="accent4"/>
-          </a:fillRef>
-          <a:effectRef idx="0">
-            <a:schemeClr val="accent4"/>
-          </a:effectRef>
-          <a:fontRef idx="minor">
-            <a:schemeClr val="lt1"/>
-          </a:fontRef>
-        </p:style>
-        <p:txBody>
-          <a:bodyPr rtlCol="0" anchor="ctr"/>
-          <a:lstStyle/>
-          <a:p>
-            <a:pPr algn="ctr"/>
-            <a:r>
-              <a:rPr lang="en-US" altLang="ko-KR"/>
-              <a:t>Chart info</a:t>
-            </a:r>
-            <a:endParaRPr lang="ko-KR" altLang="en-US"/>
-          </a:p>
-        </p:txBody>
-      </p:sp>
-      <p:sp>
-        <p:nvSpPr>
-          <p:cNvPr id="24" name="직사각형 23">
-            <a:extLst>
-              <a:ext uri="{FF2B5EF4-FFF2-40B4-BE49-F238E27FC236}">
-                <a16:creationId xmlns:a16="http://schemas.microsoft.com/office/drawing/2014/main" id="{BE994B68-DC4A-0B08-4216-55DF0BCAD89D}"/>
-              </a:ext>
-            </a:extLst>
-          </p:cNvPr>
-          <p:cNvSpPr/>
-          <p:nvPr/>
-        </p:nvSpPr>
-        <p:spPr>
-          <a:xfrm>
-            <a:off x="-8390" y="2596393"/>
-            <a:ext cx="4330005" cy="3691156"/>
-          </a:xfrm>
-          <a:prstGeom prst="rect">
-            <a:avLst/>
-          </a:prstGeom>
-        </p:spPr>
-        <p:style>
-          <a:lnRef idx="2">
-            <a:schemeClr val="accent6">
-              <a:shade val="50000"/>
-            </a:schemeClr>
-          </a:lnRef>
-          <a:fillRef idx="1">
-            <a:schemeClr val="accent6"/>
-          </a:fillRef>
-          <a:effectRef idx="0">
-            <a:schemeClr val="accent6"/>
-          </a:effectRef>
-          <a:fontRef idx="minor">
-            <a:schemeClr val="lt1"/>
-          </a:fontRef>
-        </p:style>
-        <p:txBody>
-          <a:bodyPr rtlCol="0" anchor="ctr"/>
-          <a:lstStyle/>
-          <a:p>
-            <a:pPr algn="ctr"/>
-            <a:r>
-              <a:rPr lang="en-US" altLang="ko-KR" dirty="0"/>
-              <a:t>Ranking</a:t>
-            </a:r>
-          </a:p>
-          <a:p>
-            <a:pPr algn="ctr"/>
-            <a:r>
-              <a:rPr lang="en-US" altLang="ko-KR" dirty="0"/>
-              <a:t>Player list when at lobby</a:t>
-            </a:r>
-            <a:endParaRPr lang="ko-KR" altLang="en-US" dirty="0"/>
-          </a:p>
-        </p:txBody>
-      </p:sp>
-      <p:sp>
-        <p:nvSpPr>
-          <p:cNvPr id="26" name="직사각형 25">
-            <a:extLst>
-              <a:ext uri="{FF2B5EF4-FFF2-40B4-BE49-F238E27FC236}">
-                <a16:creationId xmlns:a16="http://schemas.microsoft.com/office/drawing/2014/main" id="{90367FBA-6188-A74D-C15D-63715A60AFD5}"/>
-              </a:ext>
-            </a:extLst>
-          </p:cNvPr>
-          <p:cNvSpPr/>
-          <p:nvPr/>
-        </p:nvSpPr>
-        <p:spPr>
-          <a:xfrm>
-            <a:off x="6370390" y="-9501"/>
-            <a:ext cx="1029020" cy="559837"/>
-          </a:xfrm>
-          <a:prstGeom prst="rect">
-            <a:avLst/>
-          </a:prstGeom>
-          <a:solidFill>
-            <a:schemeClr val="accent3"/>
-          </a:solidFill>
-          <a:ln>
-            <a:solidFill>
-              <a:schemeClr val="tx1"/>
-            </a:solidFill>
-          </a:ln>
-        </p:spPr>
-        <p:style>
-          <a:lnRef idx="2">
-            <a:schemeClr val="accent1">
-              <a:shade val="50000"/>
-            </a:schemeClr>
-          </a:lnRef>
-          <a:fillRef idx="1">
-            <a:schemeClr val="accent1"/>
-          </a:fillRef>
-          <a:effectRef idx="0">
-            <a:schemeClr val="accent1"/>
-          </a:effectRef>
-          <a:fontRef idx="minor">
-            <a:schemeClr val="lt1"/>
-          </a:fontRef>
-        </p:style>
-        <p:txBody>
-          <a:bodyPr rtlCol="0" anchor="ctr"/>
-          <a:lstStyle/>
-          <a:p>
-            <a:pPr algn="ctr"/>
-            <a:r>
-              <a:rPr lang="en-US" altLang="ko-KR"/>
-              <a:t>Sort</a:t>
-            </a:r>
-            <a:endParaRPr lang="ko-KR" altLang="en-US"/>
-          </a:p>
-        </p:txBody>
-      </p:sp>
-      <p:sp>
-        <p:nvSpPr>
-          <p:cNvPr id="28" name="직사각형 27">
-            <a:extLst>
-              <a:ext uri="{FF2B5EF4-FFF2-40B4-BE49-F238E27FC236}">
-                <a16:creationId xmlns:a16="http://schemas.microsoft.com/office/drawing/2014/main" id="{B00EE38B-799F-650C-81FD-141EA904738F}"/>
-              </a:ext>
-            </a:extLst>
-          </p:cNvPr>
-          <p:cNvSpPr/>
-          <p:nvPr/>
-        </p:nvSpPr>
-        <p:spPr>
-          <a:xfrm>
-            <a:off x="4321615" y="-19001"/>
-            <a:ext cx="1029020" cy="559837"/>
-          </a:xfrm>
-          <a:prstGeom prst="rect">
-            <a:avLst/>
-          </a:prstGeom>
-          <a:solidFill>
-            <a:schemeClr val="accent3"/>
-          </a:solidFill>
-          <a:ln>
-            <a:solidFill>
-              <a:schemeClr val="tx1"/>
-            </a:solidFill>
-          </a:ln>
-        </p:spPr>
-        <p:style>
-          <a:lnRef idx="2">
-            <a:schemeClr val="accent1">
-              <a:shade val="50000"/>
-            </a:schemeClr>
-          </a:lnRef>
-          <a:fillRef idx="1">
-            <a:schemeClr val="accent1"/>
-          </a:fillRef>
-          <a:effectRef idx="0">
-            <a:schemeClr val="accent1"/>
-          </a:effectRef>
-          <a:fontRef idx="minor">
-            <a:schemeClr val="lt1"/>
-          </a:fontRef>
-        </p:style>
-        <p:txBody>
-          <a:bodyPr rtlCol="0" anchor="ctr"/>
-          <a:lstStyle/>
-          <a:p>
-            <a:pPr algn="ctr"/>
-            <a:r>
-              <a:rPr lang="en-US" altLang="ko-KR"/>
-              <a:t>Mode</a:t>
-            </a:r>
-            <a:endParaRPr lang="ko-KR" altLang="en-US"/>
-          </a:p>
-        </p:txBody>
-      </p:sp>
-      <p:sp>
-        <p:nvSpPr>
-          <p:cNvPr id="32" name="직사각형 31">
-            <a:extLst>
-              <a:ext uri="{FF2B5EF4-FFF2-40B4-BE49-F238E27FC236}">
-                <a16:creationId xmlns:a16="http://schemas.microsoft.com/office/drawing/2014/main" id="{0D283D03-E6F9-FDC9-157B-7BB76EFFD791}"/>
-              </a:ext>
-            </a:extLst>
-          </p:cNvPr>
-          <p:cNvSpPr/>
-          <p:nvPr/>
-        </p:nvSpPr>
-        <p:spPr>
-          <a:xfrm>
-            <a:off x="7416188" y="578837"/>
-            <a:ext cx="4784201" cy="279919"/>
-          </a:xfrm>
-          <a:prstGeom prst="rect">
-            <a:avLst/>
-          </a:prstGeom>
-          <a:ln/>
-        </p:spPr>
-        <p:style>
-          <a:lnRef idx="3">
-            <a:schemeClr val="lt1"/>
-          </a:lnRef>
-          <a:fillRef idx="1">
-            <a:schemeClr val="accent1"/>
-          </a:fillRef>
-          <a:effectRef idx="1">
-            <a:schemeClr val="accent1"/>
-          </a:effectRef>
-          <a:fontRef idx="minor">
-            <a:schemeClr val="lt1"/>
-          </a:fontRef>
-        </p:style>
-        <p:txBody>
-          <a:bodyPr rtlCol="0" anchor="ctr"/>
-          <a:lstStyle/>
-          <a:p>
-            <a:pPr algn="ctr"/>
-            <a:r>
-              <a:rPr lang="en-US" altLang="ko-KR"/>
-              <a:t>Search</a:t>
-            </a:r>
-            <a:endParaRPr lang="ko-KR" altLang="en-US"/>
-          </a:p>
-        </p:txBody>
-      </p:sp>
-      <p:sp>
-        <p:nvSpPr>
-          <p:cNvPr id="34" name="직사각형 33">
-            <a:extLst>
-              <a:ext uri="{FF2B5EF4-FFF2-40B4-BE49-F238E27FC236}">
-                <a16:creationId xmlns:a16="http://schemas.microsoft.com/office/drawing/2014/main" id="{588E1E37-2295-3D1E-EFFA-F3242066BF1F}"/>
-              </a:ext>
-            </a:extLst>
-          </p:cNvPr>
-          <p:cNvSpPr/>
-          <p:nvPr/>
-        </p:nvSpPr>
-        <p:spPr>
-          <a:xfrm>
-            <a:off x="4836125" y="6298163"/>
-            <a:ext cx="1029020" cy="559837"/>
-          </a:xfrm>
-          <a:prstGeom prst="rect">
-            <a:avLst/>
-          </a:prstGeom>
-          <a:solidFill>
-            <a:schemeClr val="accent3"/>
-          </a:solidFill>
-          <a:ln>
-            <a:solidFill>
-              <a:schemeClr val="tx1"/>
-            </a:solidFill>
-          </a:ln>
-        </p:spPr>
-        <p:style>
-          <a:lnRef idx="2">
-            <a:schemeClr val="accent1">
-              <a:shade val="50000"/>
-            </a:schemeClr>
-          </a:lnRef>
-          <a:fillRef idx="1">
-            <a:schemeClr val="accent1"/>
-          </a:fillRef>
-          <a:effectRef idx="0">
-            <a:schemeClr val="accent1"/>
-          </a:effectRef>
-          <a:fontRef idx="minor">
-            <a:schemeClr val="lt1"/>
-          </a:fontRef>
-        </p:style>
-        <p:txBody>
-          <a:bodyPr rtlCol="0" anchor="ctr"/>
-          <a:lstStyle/>
-          <a:p>
-            <a:pPr algn="ctr"/>
-            <a:r>
-              <a:rPr lang="en-US" altLang="ko-KR"/>
-              <a:t>Options</a:t>
-            </a:r>
-            <a:endParaRPr lang="ko-KR" altLang="en-US"/>
-          </a:p>
-        </p:txBody>
-      </p:sp>
-      <p:sp>
-        <p:nvSpPr>
-          <p:cNvPr id="3" name="직사각형 2">
-            <a:extLst>
-              <a:ext uri="{FF2B5EF4-FFF2-40B4-BE49-F238E27FC236}">
-                <a16:creationId xmlns:a16="http://schemas.microsoft.com/office/drawing/2014/main" id="{DCB1CA92-C1A3-3222-BF0B-A42BAD23AF3F}"/>
-              </a:ext>
-            </a:extLst>
-          </p:cNvPr>
-          <p:cNvSpPr/>
-          <p:nvPr/>
-        </p:nvSpPr>
-        <p:spPr>
-          <a:xfrm>
-            <a:off x="10186880" y="-9501"/>
-            <a:ext cx="2039510" cy="559837"/>
-          </a:xfrm>
-          <a:prstGeom prst="rect">
-            <a:avLst/>
-          </a:prstGeom>
-          <a:solidFill>
-            <a:schemeClr val="accent3"/>
-          </a:solidFill>
-          <a:ln>
-            <a:solidFill>
-              <a:schemeClr val="tx1"/>
-            </a:solidFill>
-          </a:ln>
-        </p:spPr>
-        <p:style>
-          <a:lnRef idx="2">
-            <a:schemeClr val="accent1">
-              <a:shade val="50000"/>
-            </a:schemeClr>
-          </a:lnRef>
-          <a:fillRef idx="1">
-            <a:schemeClr val="accent1"/>
-          </a:fillRef>
-          <a:effectRef idx="0">
-            <a:schemeClr val="accent1"/>
-          </a:effectRef>
-          <a:fontRef idx="minor">
-            <a:schemeClr val="lt1"/>
-          </a:fontRef>
-        </p:style>
-        <p:txBody>
-          <a:bodyPr rtlCol="0" anchor="ctr"/>
-          <a:lstStyle/>
-          <a:p>
-            <a:pPr algn="ctr"/>
-            <a:r>
-              <a:rPr lang="en-US" altLang="ko-KR"/>
-              <a:t>Statistics</a:t>
-            </a:r>
-            <a:endParaRPr lang="ko-KR" altLang="en-US" dirty="0"/>
-          </a:p>
-        </p:txBody>
-      </p:sp>
-    </p:spTree>
-    <p:extLst>
-      <p:ext uri="{BB962C8B-B14F-4D97-AF65-F5344CB8AC3E}">
-        <p14:creationId xmlns:p14="http://schemas.microsoft.com/office/powerpoint/2010/main" val="3371721876"/>
-      </p:ext>
-    </p:extLst>
-  </p:cSld>
-  <p:clrMapOvr>
-    <a:masterClrMapping/>
-  </p:clrMapOvr>
-</p:sld>
-</file>
-
-<file path=ppt/slides/slide4.xml><?xml version="1.0" encoding="utf-8"?>
+<file path=ppt/slides/slide2.xml><?xml version="1.0" encoding="utf-8"?>
 <p:sld xmlns:a="http://schemas.openxmlformats.org/drawingml/2006/main" xmlns:r="http://schemas.openxmlformats.org/officeDocument/2006/relationships" xmlns:p="http://schemas.openxmlformats.org/presentationml/2006/main">
   <p:cSld>
     <p:bg>
@@ -7877,7 +6861,7 @@
           <a:p>
             <a:pPr algn="ctr"/>
             <a:r>
-              <a:rPr lang="en-US" altLang="ko-KR" sz="1600">
+              <a:rPr lang="en-US" altLang="ko-KR" sz="1600" dirty="0" err="1">
                 <a:solidFill>
                   <a:schemeClr val="bg1"/>
                 </a:solidFill>
@@ -7885,7 +6869,7 @@
               </a:rPr>
               <a:t>Soliely</a:t>
             </a:r>
-            <a:endParaRPr lang="en-US" altLang="ko-KR" sz="2000">
+            <a:endParaRPr lang="en-US" altLang="ko-KR" sz="2000" dirty="0">
               <a:solidFill>
                 <a:schemeClr val="bg1"/>
               </a:solidFill>
@@ -7895,7 +6879,7 @@
           <a:p>
             <a:pPr algn="ctr"/>
             <a:r>
-              <a:rPr lang="en-US" altLang="ko-KR" sz="2400">
+              <a:rPr lang="en-US" altLang="ko-KR" sz="2400" dirty="0">
                 <a:solidFill>
                   <a:schemeClr val="bg1"/>
                 </a:solidFill>
@@ -7903,7 +6887,7 @@
               </a:rPr>
               <a:t>Renatus</a:t>
             </a:r>
-            <a:endParaRPr lang="en-US" altLang="ko-KR" sz="2000">
+            <a:endParaRPr lang="en-US" altLang="ko-KR" sz="2000" dirty="0">
               <a:solidFill>
                 <a:schemeClr val="bg1"/>
               </a:solidFill>
@@ -7913,7 +6897,7 @@
           <a:p>
             <a:pPr algn="ctr"/>
             <a:r>
-              <a:rPr lang="en-US" altLang="ko-KR">
+              <a:rPr lang="en-US" altLang="ko-KR" sz="2000" dirty="0">
                 <a:solidFill>
                   <a:schemeClr val="bg1"/>
                 </a:solidFill>
@@ -7921,12 +6905,6 @@
               </a:rPr>
               <a:t>Normal</a:t>
             </a:r>
-            <a:endParaRPr lang="en-US" altLang="ko-KR" sz="2000">
-              <a:solidFill>
-                <a:schemeClr val="bg1"/>
-              </a:solidFill>
-              <a:latin typeface="Comic Sans MS" panose="030F0702030302020204" pitchFamily="66" charset="0"/>
-            </a:endParaRPr>
           </a:p>
         </p:txBody>
       </p:sp>
@@ -7944,7 +6922,7 @@
         </p:nvSpPr>
         <p:spPr>
           <a:xfrm>
-            <a:off x="7118109" y="977926"/>
+            <a:off x="7118109" y="1003990"/>
             <a:ext cx="1308096" cy="201112"/>
           </a:xfrm>
           <a:prstGeom prst="roundRect">
@@ -7977,15 +6955,15 @@
           <a:p>
             <a:pPr algn="r"/>
             <a:r>
-              <a:rPr lang="en-US" altLang="ko-KR" sz="1050">
+              <a:rPr lang="en-US" altLang="ko-KR" sz="1200" dirty="0">
                 <a:solidFill>
-                  <a:schemeClr val="bg1"/>
+                  <a:srgbClr val="FF0000"/>
                 </a:solidFill>
                 <a:latin typeface="Comic Sans MS" panose="030F0702030302020204" pitchFamily="66" charset="0"/>
               </a:rPr>
-              <a:t>Charter: Gamu</a:t>
-            </a:r>
-            <a:endParaRPr lang="ko-KR" altLang="en-US" sz="1050">
+              <a:t>Ranked</a:t>
+            </a:r>
+            <a:endParaRPr lang="ko-KR" altLang="en-US" sz="1200" dirty="0">
               <a:latin typeface="Comic Sans MS" panose="030F0702030302020204" pitchFamily="66" charset="0"/>
             </a:endParaRPr>
           </a:p>
@@ -8037,7 +7015,7 @@
           <a:lstStyle/>
           <a:p>
             <a:r>
-              <a:rPr lang="ja-JP" altLang="en-US" sz="1050">
+              <a:rPr lang="ja-JP" altLang="en-US" sz="1200" dirty="0">
                 <a:solidFill>
                   <a:schemeClr val="bg1"/>
                 </a:solidFill>
@@ -8045,7 +7023,7 @@
               </a:rPr>
               <a:t>地球ヤバイ</a:t>
             </a:r>
-            <a:endParaRPr lang="ko-KR" altLang="en-US" sz="1050">
+            <a:endParaRPr lang="ko-KR" altLang="en-US" sz="1200" dirty="0">
               <a:latin typeface="Comic Sans MS" panose="030F0702030302020204" pitchFamily="66" charset="0"/>
             </a:endParaRPr>
           </a:p>
@@ -8065,7 +7043,7 @@
         </p:nvSpPr>
         <p:spPr>
           <a:xfrm>
-            <a:off x="3430876" y="826437"/>
+            <a:off x="3385391" y="814535"/>
             <a:ext cx="1785236" cy="364503"/>
           </a:xfrm>
           <a:prstGeom prst="roundRect">
@@ -8097,20 +7075,32 @@
           <a:lstStyle/>
           <a:p>
             <a:r>
-              <a:rPr lang="en-US" altLang="ko-KR" sz="1050">
+              <a:rPr lang="en-US" altLang="ko-KR" sz="1200" dirty="0">
                 <a:latin typeface="Comic Sans MS" panose="030F0702030302020204" pitchFamily="66" charset="0"/>
               </a:rPr>
-              <a:t>Time: 03:28</a:t>
-            </a:r>
-          </a:p>
-          <a:p>
-            <a:r>
-              <a:rPr lang="en-US" altLang="ko-KR" sz="1050">
+              <a:t>03:28</a:t>
+            </a:r>
+          </a:p>
+          <a:p>
+            <a:r>
+              <a:rPr lang="en-US" altLang="ko-KR" sz="1200" dirty="0">
                 <a:latin typeface="Comic Sans MS" panose="030F0702030302020204" pitchFamily="66" charset="0"/>
               </a:rPr>
-              <a:t>BPM: 182 (91-182)</a:t>
-            </a:r>
-            <a:endParaRPr lang="ko-KR" altLang="en-US" sz="1050">
+              <a:t>182 BPM</a:t>
+            </a:r>
+            <a:r>
+              <a:rPr lang="ko-KR" altLang="en-US" sz="1200" dirty="0">
+                <a:latin typeface="Comic Sans MS" panose="030F0702030302020204" pitchFamily="66" charset="0"/>
+              </a:rPr>
+              <a:t> </a:t>
+            </a:r>
+            <a:r>
+              <a:rPr lang="en-US" altLang="ko-KR" sz="1200" dirty="0">
+                <a:latin typeface="Comic Sans MS" panose="030F0702030302020204" pitchFamily="66" charset="0"/>
+              </a:rPr>
+              <a:t>(91-182)</a:t>
+            </a:r>
+            <a:endParaRPr lang="ko-KR" altLang="en-US" sz="1200" dirty="0">
               <a:latin typeface="Comic Sans MS" panose="030F0702030302020204" pitchFamily="66" charset="0"/>
             </a:endParaRPr>
           </a:p>
@@ -8130,8 +7120,8 @@
         </p:nvSpPr>
         <p:spPr>
           <a:xfrm>
-            <a:off x="6664568" y="339238"/>
-            <a:ext cx="1785236" cy="411660"/>
+            <a:off x="7145744" y="361932"/>
+            <a:ext cx="1308097" cy="411660"/>
           </a:xfrm>
           <a:prstGeom prst="roundRect">
             <a:avLst/>
@@ -8163,25 +7153,31 @@
           <a:p>
             <a:pPr algn="r"/>
             <a:r>
-              <a:rPr lang="en-US" altLang="ko-KR" sz="1050">
+              <a:rPr lang="en-US" altLang="ko-KR" sz="1200" dirty="0" err="1">
                 <a:solidFill>
-                  <a:srgbClr val="FF0000"/>
+                  <a:schemeClr val="bg1"/>
                 </a:solidFill>
                 <a:latin typeface="Comic Sans MS" panose="030F0702030302020204" pitchFamily="66" charset="0"/>
               </a:rPr>
-              <a:t>Ranked</a:t>
-            </a:r>
+              <a:t>Gamu</a:t>
+            </a:r>
+            <a:endParaRPr lang="en-US" altLang="ko-KR" sz="1200" dirty="0">
+              <a:solidFill>
+                <a:srgbClr val="FF0000"/>
+              </a:solidFill>
+              <a:latin typeface="Comic Sans MS" panose="030F0702030302020204" pitchFamily="66" charset="0"/>
+            </a:endParaRPr>
           </a:p>
           <a:p>
             <a:pPr algn="r"/>
             <a:r>
-              <a:rPr lang="ko-KR" altLang="en-US" sz="1050">
+              <a:rPr lang="ko-KR" altLang="en-US" sz="1200" dirty="0">
                 <a:latin typeface="Comic Sans MS" panose="030F0702030302020204" pitchFamily="66" charset="0"/>
               </a:rPr>
               <a:t>◎ </a:t>
             </a:r>
             <a:r>
-              <a:rPr lang="en-US" altLang="ko-KR" sz="1050">
+              <a:rPr lang="en-US" altLang="ko-KR" sz="1200" dirty="0">
                 <a:latin typeface="Comic Sans MS" panose="030F0702030302020204" pitchFamily="66" charset="0"/>
               </a:rPr>
               <a:t>820</a:t>
@@ -8190,12 +7186,12 @@
           <a:p>
             <a:pPr algn="r"/>
             <a:r>
-              <a:rPr lang="en-US" altLang="ko-KR" sz="1050">
+              <a:rPr lang="en-US" altLang="ko-KR" sz="1200" dirty="0">
                 <a:latin typeface="Comic Sans MS" panose="030F0702030302020204" pitchFamily="66" charset="0"/>
               </a:rPr>
               <a:t>LN: 6%</a:t>
             </a:r>
-            <a:endParaRPr lang="ko-KR" altLang="en-US" sz="1050">
+            <a:endParaRPr lang="ko-KR" altLang="en-US" sz="1200" dirty="0">
               <a:latin typeface="Comic Sans MS" panose="030F0702030302020204" pitchFamily="66" charset="0"/>
             </a:endParaRPr>
           </a:p>
@@ -9192,7 +8188,7 @@
 </p:sld>
 </file>
 
-<file path=ppt/slides/slide5.xml><?xml version="1.0" encoding="utf-8"?>
+<file path=ppt/slides/slide3.xml><?xml version="1.0" encoding="utf-8"?>
 <p:sld xmlns:a="http://schemas.openxmlformats.org/drawingml/2006/main" xmlns:r="http://schemas.openxmlformats.org/officeDocument/2006/relationships" xmlns:p="http://schemas.openxmlformats.org/presentationml/2006/main">
   <p:cSld>
     <p:bg>
@@ -10096,7 +9092,7 @@
 </p:sld>
 </file>
 
-<file path=ppt/slides/slide6.xml><?xml version="1.0" encoding="utf-8"?>
+<file path=ppt/slides/slide4.xml><?xml version="1.0" encoding="utf-8"?>
 <p:sld xmlns:a="http://schemas.openxmlformats.org/drawingml/2006/main" xmlns:r="http://schemas.openxmlformats.org/officeDocument/2006/relationships" xmlns:p="http://schemas.openxmlformats.org/presentationml/2006/main">
   <p:cSld>
     <p:spTree>
@@ -10374,7 +9370,942 @@
 </p:sld>
 </file>
 
-<file path=ppt/slides/slide7.xml><?xml version="1.0" encoding="utf-8"?>
+<file path=ppt/slides/slide5.xml><?xml version="1.0" encoding="utf-8"?>
+<p:sld xmlns:a="http://schemas.openxmlformats.org/drawingml/2006/main" xmlns:r="http://schemas.openxmlformats.org/officeDocument/2006/relationships" xmlns:p="http://schemas.openxmlformats.org/presentationml/2006/main">
+  <p:cSld>
+    <p:spTree>
+      <p:nvGrpSpPr>
+        <p:cNvPr id="1" name=""/>
+        <p:cNvGrpSpPr/>
+        <p:nvPr/>
+      </p:nvGrpSpPr>
+      <p:grpSpPr>
+        <a:xfrm>
+          <a:off x="0" y="0"/>
+          <a:ext cx="0" cy="0"/>
+          <a:chOff x="0" y="0"/>
+          <a:chExt cx="0" cy="0"/>
+        </a:xfrm>
+      </p:grpSpPr>
+      <p:sp>
+        <p:nvSpPr>
+          <p:cNvPr id="13" name="직사각형 12">
+            <a:extLst>
+              <a:ext uri="{FF2B5EF4-FFF2-40B4-BE49-F238E27FC236}">
+                <a16:creationId xmlns:a16="http://schemas.microsoft.com/office/drawing/2014/main" id="{CBE2EBA4-B7A7-CE94-6364-F07290FD5DB6}"/>
+              </a:ext>
+            </a:extLst>
+          </p:cNvPr>
+          <p:cNvSpPr/>
+          <p:nvPr/>
+        </p:nvSpPr>
+        <p:spPr>
+          <a:xfrm>
+            <a:off x="0" y="0"/>
+            <a:ext cx="12192000" cy="559837"/>
+          </a:xfrm>
+          <a:prstGeom prst="rect">
+            <a:avLst/>
+          </a:prstGeom>
+          <a:solidFill>
+            <a:schemeClr val="bg2"/>
+          </a:solidFill>
+          <a:ln>
+            <a:noFill/>
+          </a:ln>
+        </p:spPr>
+        <p:style>
+          <a:lnRef idx="2">
+            <a:schemeClr val="accent1">
+              <a:shade val="50000"/>
+            </a:schemeClr>
+          </a:lnRef>
+          <a:fillRef idx="1">
+            <a:schemeClr val="accent1"/>
+          </a:fillRef>
+          <a:effectRef idx="0">
+            <a:schemeClr val="accent1"/>
+          </a:effectRef>
+          <a:fontRef idx="minor">
+            <a:schemeClr val="lt1"/>
+          </a:fontRef>
+        </p:style>
+        <p:txBody>
+          <a:bodyPr rtlCol="0" anchor="ctr"/>
+          <a:lstStyle/>
+          <a:p>
+            <a:pPr algn="ctr"/>
+            <a:endParaRPr lang="ko-KR" altLang="en-US"/>
+          </a:p>
+        </p:txBody>
+      </p:sp>
+      <p:sp>
+        <p:nvSpPr>
+          <p:cNvPr id="4" name="직사각형 3">
+            <a:extLst>
+              <a:ext uri="{FF2B5EF4-FFF2-40B4-BE49-F238E27FC236}">
+                <a16:creationId xmlns:a16="http://schemas.microsoft.com/office/drawing/2014/main" id="{F55349CF-3223-CC91-09D1-C84B3F1651FA}"/>
+              </a:ext>
+            </a:extLst>
+          </p:cNvPr>
+          <p:cNvSpPr/>
+          <p:nvPr/>
+        </p:nvSpPr>
+        <p:spPr>
+          <a:xfrm>
+            <a:off x="0" y="6298163"/>
+            <a:ext cx="12192000" cy="559837"/>
+          </a:xfrm>
+          <a:prstGeom prst="rect">
+            <a:avLst/>
+          </a:prstGeom>
+          <a:solidFill>
+            <a:schemeClr val="bg2"/>
+          </a:solidFill>
+          <a:ln>
+            <a:noFill/>
+          </a:ln>
+        </p:spPr>
+        <p:style>
+          <a:lnRef idx="2">
+            <a:schemeClr val="accent1">
+              <a:shade val="50000"/>
+            </a:schemeClr>
+          </a:lnRef>
+          <a:fillRef idx="1">
+            <a:schemeClr val="accent1"/>
+          </a:fillRef>
+          <a:effectRef idx="0">
+            <a:schemeClr val="accent1"/>
+          </a:effectRef>
+          <a:fontRef idx="minor">
+            <a:schemeClr val="lt1"/>
+          </a:fontRef>
+        </p:style>
+        <p:txBody>
+          <a:bodyPr rtlCol="0" anchor="ctr"/>
+          <a:lstStyle/>
+          <a:p>
+            <a:pPr algn="ctr"/>
+            <a:endParaRPr lang="ko-KR" altLang="en-US"/>
+          </a:p>
+        </p:txBody>
+      </p:sp>
+      <p:sp>
+        <p:nvSpPr>
+          <p:cNvPr id="5" name="직사각형 4">
+            <a:extLst>
+              <a:ext uri="{FF2B5EF4-FFF2-40B4-BE49-F238E27FC236}">
+                <a16:creationId xmlns:a16="http://schemas.microsoft.com/office/drawing/2014/main" id="{802DB6B5-FAA6-79F1-98D9-6F23BE1E3C85}"/>
+              </a:ext>
+            </a:extLst>
+          </p:cNvPr>
+          <p:cNvSpPr/>
+          <p:nvPr/>
+        </p:nvSpPr>
+        <p:spPr>
+          <a:xfrm>
+            <a:off x="5350635" y="-9501"/>
+            <a:ext cx="1029020" cy="559837"/>
+          </a:xfrm>
+          <a:prstGeom prst="rect">
+            <a:avLst/>
+          </a:prstGeom>
+          <a:solidFill>
+            <a:schemeClr val="accent3"/>
+          </a:solidFill>
+          <a:ln>
+            <a:solidFill>
+              <a:schemeClr val="tx1"/>
+            </a:solidFill>
+          </a:ln>
+        </p:spPr>
+        <p:style>
+          <a:lnRef idx="2">
+            <a:schemeClr val="accent1">
+              <a:shade val="50000"/>
+            </a:schemeClr>
+          </a:lnRef>
+          <a:fillRef idx="1">
+            <a:schemeClr val="accent1"/>
+          </a:fillRef>
+          <a:effectRef idx="0">
+            <a:schemeClr val="accent1"/>
+          </a:effectRef>
+          <a:fontRef idx="minor">
+            <a:schemeClr val="lt1"/>
+          </a:fontRef>
+        </p:style>
+        <p:txBody>
+          <a:bodyPr rtlCol="0" anchor="ctr"/>
+          <a:lstStyle/>
+          <a:p>
+            <a:pPr algn="ctr"/>
+            <a:r>
+              <a:rPr lang="en-US" altLang="ko-KR"/>
+              <a:t>Mods</a:t>
+            </a:r>
+            <a:endParaRPr lang="ko-KR" altLang="en-US"/>
+          </a:p>
+        </p:txBody>
+      </p:sp>
+      <p:sp>
+        <p:nvSpPr>
+          <p:cNvPr id="7" name="직사각형 6">
+            <a:extLst>
+              <a:ext uri="{FF2B5EF4-FFF2-40B4-BE49-F238E27FC236}">
+                <a16:creationId xmlns:a16="http://schemas.microsoft.com/office/drawing/2014/main" id="{CA9BFD7C-DFD4-5312-0BE0-8928C36C4AEF}"/>
+              </a:ext>
+            </a:extLst>
+          </p:cNvPr>
+          <p:cNvSpPr/>
+          <p:nvPr/>
+        </p:nvSpPr>
+        <p:spPr>
+          <a:xfrm>
+            <a:off x="-8389" y="6298163"/>
+            <a:ext cx="1029020" cy="559837"/>
+          </a:xfrm>
+          <a:prstGeom prst="rect">
+            <a:avLst/>
+          </a:prstGeom>
+          <a:solidFill>
+            <a:schemeClr val="accent3"/>
+          </a:solidFill>
+          <a:ln>
+            <a:solidFill>
+              <a:schemeClr val="tx1"/>
+            </a:solidFill>
+          </a:ln>
+        </p:spPr>
+        <p:style>
+          <a:lnRef idx="2">
+            <a:schemeClr val="accent1">
+              <a:shade val="50000"/>
+            </a:schemeClr>
+          </a:lnRef>
+          <a:fillRef idx="1">
+            <a:schemeClr val="accent1"/>
+          </a:fillRef>
+          <a:effectRef idx="0">
+            <a:schemeClr val="accent1"/>
+          </a:effectRef>
+          <a:fontRef idx="minor">
+            <a:schemeClr val="lt1"/>
+          </a:fontRef>
+        </p:style>
+        <p:txBody>
+          <a:bodyPr rtlCol="0" anchor="ctr"/>
+          <a:lstStyle/>
+          <a:p>
+            <a:pPr algn="ctr"/>
+            <a:r>
+              <a:rPr lang="en-US" altLang="ko-KR"/>
+              <a:t>Back</a:t>
+            </a:r>
+            <a:endParaRPr lang="ko-KR" altLang="en-US"/>
+          </a:p>
+        </p:txBody>
+      </p:sp>
+      <p:sp>
+        <p:nvSpPr>
+          <p:cNvPr id="9" name="직사각형 8">
+            <a:extLst>
+              <a:ext uri="{FF2B5EF4-FFF2-40B4-BE49-F238E27FC236}">
+                <a16:creationId xmlns:a16="http://schemas.microsoft.com/office/drawing/2014/main" id="{9A572247-B942-D5F1-81FB-4EDFED2EC5AB}"/>
+              </a:ext>
+            </a:extLst>
+          </p:cNvPr>
+          <p:cNvSpPr/>
+          <p:nvPr/>
+        </p:nvSpPr>
+        <p:spPr>
+          <a:xfrm>
+            <a:off x="10276514" y="5771627"/>
+            <a:ext cx="1915486" cy="1095874"/>
+          </a:xfrm>
+          <a:prstGeom prst="rect">
+            <a:avLst/>
+          </a:prstGeom>
+          <a:solidFill>
+            <a:schemeClr val="accent3"/>
+          </a:solidFill>
+          <a:ln>
+            <a:solidFill>
+              <a:schemeClr val="tx1"/>
+            </a:solidFill>
+          </a:ln>
+        </p:spPr>
+        <p:style>
+          <a:lnRef idx="2">
+            <a:schemeClr val="accent1">
+              <a:shade val="50000"/>
+            </a:schemeClr>
+          </a:lnRef>
+          <a:fillRef idx="1">
+            <a:schemeClr val="accent1"/>
+          </a:fillRef>
+          <a:effectRef idx="0">
+            <a:schemeClr val="accent1"/>
+          </a:effectRef>
+          <a:fontRef idx="minor">
+            <a:schemeClr val="lt1"/>
+          </a:fontRef>
+        </p:style>
+        <p:txBody>
+          <a:bodyPr rtlCol="0" anchor="ctr"/>
+          <a:lstStyle/>
+          <a:p>
+            <a:pPr algn="ctr"/>
+            <a:r>
+              <a:rPr lang="en-US" altLang="ko-KR" sz="2400"/>
+              <a:t>Play</a:t>
+            </a:r>
+            <a:endParaRPr lang="ko-KR" altLang="en-US" sz="2400"/>
+          </a:p>
+        </p:txBody>
+      </p:sp>
+      <p:sp>
+        <p:nvSpPr>
+          <p:cNvPr id="11" name="직사각형 10">
+            <a:extLst>
+              <a:ext uri="{FF2B5EF4-FFF2-40B4-BE49-F238E27FC236}">
+                <a16:creationId xmlns:a16="http://schemas.microsoft.com/office/drawing/2014/main" id="{3AA847A8-0A67-2861-A011-7249D32DB7E4}"/>
+              </a:ext>
+            </a:extLst>
+          </p:cNvPr>
+          <p:cNvSpPr/>
+          <p:nvPr/>
+        </p:nvSpPr>
+        <p:spPr>
+          <a:xfrm>
+            <a:off x="2779922" y="6297050"/>
+            <a:ext cx="1029020" cy="559837"/>
+          </a:xfrm>
+          <a:prstGeom prst="rect">
+            <a:avLst/>
+          </a:prstGeom>
+          <a:solidFill>
+            <a:schemeClr val="accent3"/>
+          </a:solidFill>
+          <a:ln>
+            <a:solidFill>
+              <a:schemeClr val="tx1"/>
+            </a:solidFill>
+          </a:ln>
+        </p:spPr>
+        <p:style>
+          <a:lnRef idx="2">
+            <a:schemeClr val="accent1">
+              <a:shade val="50000"/>
+            </a:schemeClr>
+          </a:lnRef>
+          <a:fillRef idx="1">
+            <a:schemeClr val="accent1"/>
+          </a:fillRef>
+          <a:effectRef idx="0">
+            <a:schemeClr val="accent1"/>
+          </a:effectRef>
+          <a:fontRef idx="minor">
+            <a:schemeClr val="lt1"/>
+          </a:fontRef>
+        </p:style>
+        <p:txBody>
+          <a:bodyPr rtlCol="0" anchor="ctr"/>
+          <a:lstStyle/>
+          <a:p>
+            <a:pPr algn="ctr"/>
+            <a:r>
+              <a:rPr lang="en-US" altLang="ko-KR"/>
+              <a:t>Tags</a:t>
+            </a:r>
+            <a:br>
+              <a:rPr lang="en-US" altLang="ko-KR"/>
+            </a:br>
+            <a:r>
+              <a:rPr lang="en-US" altLang="ko-KR"/>
+              <a:t>Collect.</a:t>
+            </a:r>
+            <a:endParaRPr lang="ko-KR" altLang="en-US"/>
+          </a:p>
+        </p:txBody>
+      </p:sp>
+      <p:sp>
+        <p:nvSpPr>
+          <p:cNvPr id="15" name="직사각형 14">
+            <a:extLst>
+              <a:ext uri="{FF2B5EF4-FFF2-40B4-BE49-F238E27FC236}">
+                <a16:creationId xmlns:a16="http://schemas.microsoft.com/office/drawing/2014/main" id="{B8E9083D-7CF8-C4BE-9644-9BB7DC2E119B}"/>
+              </a:ext>
+            </a:extLst>
+          </p:cNvPr>
+          <p:cNvSpPr/>
+          <p:nvPr/>
+        </p:nvSpPr>
+        <p:spPr>
+          <a:xfrm>
+            <a:off x="3817331" y="6298163"/>
+            <a:ext cx="1029020" cy="559837"/>
+          </a:xfrm>
+          <a:prstGeom prst="rect">
+            <a:avLst/>
+          </a:prstGeom>
+          <a:solidFill>
+            <a:schemeClr val="accent3"/>
+          </a:solidFill>
+          <a:ln>
+            <a:solidFill>
+              <a:schemeClr val="tx1"/>
+            </a:solidFill>
+          </a:ln>
+        </p:spPr>
+        <p:style>
+          <a:lnRef idx="2">
+            <a:schemeClr val="accent1">
+              <a:shade val="50000"/>
+            </a:schemeClr>
+          </a:lnRef>
+          <a:fillRef idx="1">
+            <a:schemeClr val="accent1"/>
+          </a:fillRef>
+          <a:effectRef idx="0">
+            <a:schemeClr val="accent1"/>
+          </a:effectRef>
+          <a:fontRef idx="minor">
+            <a:schemeClr val="lt1"/>
+          </a:fontRef>
+        </p:style>
+        <p:txBody>
+          <a:bodyPr rtlCol="0" anchor="ctr"/>
+          <a:lstStyle/>
+          <a:p>
+            <a:pPr algn="ctr"/>
+            <a:r>
+              <a:rPr lang="en-US" altLang="ko-KR"/>
+              <a:t>Editor</a:t>
+            </a:r>
+            <a:endParaRPr lang="ko-KR" altLang="en-US"/>
+          </a:p>
+        </p:txBody>
+      </p:sp>
+      <p:sp>
+        <p:nvSpPr>
+          <p:cNvPr id="19" name="직사각형 18">
+            <a:extLst>
+              <a:ext uri="{FF2B5EF4-FFF2-40B4-BE49-F238E27FC236}">
+                <a16:creationId xmlns:a16="http://schemas.microsoft.com/office/drawing/2014/main" id="{36B73C17-F75D-DE64-730C-2FD219EEAB3A}"/>
+              </a:ext>
+            </a:extLst>
+          </p:cNvPr>
+          <p:cNvSpPr/>
+          <p:nvPr/>
+        </p:nvSpPr>
+        <p:spPr>
+          <a:xfrm>
+            <a:off x="7416188" y="0"/>
+            <a:ext cx="712694" cy="560950"/>
+          </a:xfrm>
+          <a:prstGeom prst="rect">
+            <a:avLst/>
+          </a:prstGeom>
+          <a:solidFill>
+            <a:schemeClr val="accent3"/>
+          </a:solidFill>
+          <a:ln>
+            <a:solidFill>
+              <a:schemeClr val="tx1"/>
+            </a:solidFill>
+          </a:ln>
+        </p:spPr>
+        <p:style>
+          <a:lnRef idx="2">
+            <a:schemeClr val="accent1">
+              <a:shade val="50000"/>
+            </a:schemeClr>
+          </a:lnRef>
+          <a:fillRef idx="1">
+            <a:schemeClr val="accent1"/>
+          </a:fillRef>
+          <a:effectRef idx="0">
+            <a:schemeClr val="accent1"/>
+          </a:effectRef>
+          <a:fontRef idx="minor">
+            <a:schemeClr val="lt1"/>
+          </a:fontRef>
+        </p:style>
+        <p:txBody>
+          <a:bodyPr rtlCol="0" anchor="ctr"/>
+          <a:lstStyle/>
+          <a:p>
+            <a:pPr algn="ctr"/>
+            <a:r>
+              <a:rPr lang="en-US" altLang="ko-KR" sz="1600"/>
+              <a:t>Img</a:t>
+            </a:r>
+            <a:endParaRPr lang="ko-KR" altLang="en-US" sz="1600"/>
+          </a:p>
+        </p:txBody>
+      </p:sp>
+      <p:sp>
+        <p:nvSpPr>
+          <p:cNvPr id="21" name="직사각형 20">
+            <a:extLst>
+              <a:ext uri="{FF2B5EF4-FFF2-40B4-BE49-F238E27FC236}">
+                <a16:creationId xmlns:a16="http://schemas.microsoft.com/office/drawing/2014/main" id="{783120F7-80E0-5C78-5FC7-A8E41948E1F6}"/>
+              </a:ext>
+            </a:extLst>
+          </p:cNvPr>
+          <p:cNvSpPr/>
+          <p:nvPr/>
+        </p:nvSpPr>
+        <p:spPr>
+          <a:xfrm>
+            <a:off x="8147370" y="-1113"/>
+            <a:ext cx="2039510" cy="559837"/>
+          </a:xfrm>
+          <a:prstGeom prst="rect">
+            <a:avLst/>
+          </a:prstGeom>
+          <a:solidFill>
+            <a:schemeClr val="accent3"/>
+          </a:solidFill>
+          <a:ln>
+            <a:solidFill>
+              <a:schemeClr val="tx1"/>
+            </a:solidFill>
+          </a:ln>
+        </p:spPr>
+        <p:style>
+          <a:lnRef idx="2">
+            <a:schemeClr val="accent1">
+              <a:shade val="50000"/>
+            </a:schemeClr>
+          </a:lnRef>
+          <a:fillRef idx="1">
+            <a:schemeClr val="accent1"/>
+          </a:fillRef>
+          <a:effectRef idx="0">
+            <a:schemeClr val="accent1"/>
+          </a:effectRef>
+          <a:fontRef idx="minor">
+            <a:schemeClr val="lt1"/>
+          </a:fontRef>
+        </p:style>
+        <p:txBody>
+          <a:bodyPr rtlCol="0" anchor="ctr"/>
+          <a:lstStyle/>
+          <a:p>
+            <a:pPr algn="ctr"/>
+            <a:r>
+              <a:rPr lang="en-US" altLang="ko-KR" dirty="0"/>
+              <a:t>User</a:t>
+            </a:r>
+            <a:endParaRPr lang="ko-KR" altLang="en-US" dirty="0"/>
+          </a:p>
+        </p:txBody>
+      </p:sp>
+      <p:sp>
+        <p:nvSpPr>
+          <p:cNvPr id="22" name="직사각형 21">
+            <a:extLst>
+              <a:ext uri="{FF2B5EF4-FFF2-40B4-BE49-F238E27FC236}">
+                <a16:creationId xmlns:a16="http://schemas.microsoft.com/office/drawing/2014/main" id="{106803AF-5303-1F9A-F988-48832606EC10}"/>
+              </a:ext>
+            </a:extLst>
+          </p:cNvPr>
+          <p:cNvSpPr/>
+          <p:nvPr/>
+        </p:nvSpPr>
+        <p:spPr>
+          <a:xfrm>
+            <a:off x="-8389" y="-9501"/>
+            <a:ext cx="4330005" cy="2621903"/>
+          </a:xfrm>
+          <a:prstGeom prst="rect">
+            <a:avLst/>
+          </a:prstGeom>
+        </p:spPr>
+        <p:style>
+          <a:lnRef idx="2">
+            <a:schemeClr val="accent4">
+              <a:shade val="50000"/>
+            </a:schemeClr>
+          </a:lnRef>
+          <a:fillRef idx="1">
+            <a:schemeClr val="accent4"/>
+          </a:fillRef>
+          <a:effectRef idx="0">
+            <a:schemeClr val="accent4"/>
+          </a:effectRef>
+          <a:fontRef idx="minor">
+            <a:schemeClr val="lt1"/>
+          </a:fontRef>
+        </p:style>
+        <p:txBody>
+          <a:bodyPr rtlCol="0" anchor="ctr"/>
+          <a:lstStyle/>
+          <a:p>
+            <a:pPr algn="ctr"/>
+            <a:r>
+              <a:rPr lang="en-US" altLang="ko-KR"/>
+              <a:t>Chart info</a:t>
+            </a:r>
+            <a:endParaRPr lang="ko-KR" altLang="en-US"/>
+          </a:p>
+        </p:txBody>
+      </p:sp>
+      <p:sp>
+        <p:nvSpPr>
+          <p:cNvPr id="24" name="직사각형 23">
+            <a:extLst>
+              <a:ext uri="{FF2B5EF4-FFF2-40B4-BE49-F238E27FC236}">
+                <a16:creationId xmlns:a16="http://schemas.microsoft.com/office/drawing/2014/main" id="{BE994B68-DC4A-0B08-4216-55DF0BCAD89D}"/>
+              </a:ext>
+            </a:extLst>
+          </p:cNvPr>
+          <p:cNvSpPr/>
+          <p:nvPr/>
+        </p:nvSpPr>
+        <p:spPr>
+          <a:xfrm>
+            <a:off x="-8390" y="2596393"/>
+            <a:ext cx="4330005" cy="3691156"/>
+          </a:xfrm>
+          <a:prstGeom prst="rect">
+            <a:avLst/>
+          </a:prstGeom>
+        </p:spPr>
+        <p:style>
+          <a:lnRef idx="2">
+            <a:schemeClr val="accent6">
+              <a:shade val="50000"/>
+            </a:schemeClr>
+          </a:lnRef>
+          <a:fillRef idx="1">
+            <a:schemeClr val="accent6"/>
+          </a:fillRef>
+          <a:effectRef idx="0">
+            <a:schemeClr val="accent6"/>
+          </a:effectRef>
+          <a:fontRef idx="minor">
+            <a:schemeClr val="lt1"/>
+          </a:fontRef>
+        </p:style>
+        <p:txBody>
+          <a:bodyPr rtlCol="0" anchor="ctr"/>
+          <a:lstStyle/>
+          <a:p>
+            <a:pPr algn="ctr"/>
+            <a:r>
+              <a:rPr lang="en-US" altLang="ko-KR" dirty="0"/>
+              <a:t>Ranking</a:t>
+            </a:r>
+          </a:p>
+          <a:p>
+            <a:pPr algn="ctr"/>
+            <a:r>
+              <a:rPr lang="en-US" altLang="ko-KR" dirty="0"/>
+              <a:t>Player list when at lobby</a:t>
+            </a:r>
+            <a:endParaRPr lang="ko-KR" altLang="en-US" dirty="0"/>
+          </a:p>
+        </p:txBody>
+      </p:sp>
+      <p:sp>
+        <p:nvSpPr>
+          <p:cNvPr id="26" name="직사각형 25">
+            <a:extLst>
+              <a:ext uri="{FF2B5EF4-FFF2-40B4-BE49-F238E27FC236}">
+                <a16:creationId xmlns:a16="http://schemas.microsoft.com/office/drawing/2014/main" id="{90367FBA-6188-A74D-C15D-63715A60AFD5}"/>
+              </a:ext>
+            </a:extLst>
+          </p:cNvPr>
+          <p:cNvSpPr/>
+          <p:nvPr/>
+        </p:nvSpPr>
+        <p:spPr>
+          <a:xfrm>
+            <a:off x="6370390" y="-9501"/>
+            <a:ext cx="1029020" cy="559837"/>
+          </a:xfrm>
+          <a:prstGeom prst="rect">
+            <a:avLst/>
+          </a:prstGeom>
+          <a:solidFill>
+            <a:schemeClr val="accent3"/>
+          </a:solidFill>
+          <a:ln>
+            <a:solidFill>
+              <a:schemeClr val="tx1"/>
+            </a:solidFill>
+          </a:ln>
+        </p:spPr>
+        <p:style>
+          <a:lnRef idx="2">
+            <a:schemeClr val="accent1">
+              <a:shade val="50000"/>
+            </a:schemeClr>
+          </a:lnRef>
+          <a:fillRef idx="1">
+            <a:schemeClr val="accent1"/>
+          </a:fillRef>
+          <a:effectRef idx="0">
+            <a:schemeClr val="accent1"/>
+          </a:effectRef>
+          <a:fontRef idx="minor">
+            <a:schemeClr val="lt1"/>
+          </a:fontRef>
+        </p:style>
+        <p:txBody>
+          <a:bodyPr rtlCol="0" anchor="ctr"/>
+          <a:lstStyle/>
+          <a:p>
+            <a:pPr algn="ctr"/>
+            <a:r>
+              <a:rPr lang="en-US" altLang="ko-KR"/>
+              <a:t>Sort</a:t>
+            </a:r>
+            <a:endParaRPr lang="ko-KR" altLang="en-US"/>
+          </a:p>
+        </p:txBody>
+      </p:sp>
+      <p:sp>
+        <p:nvSpPr>
+          <p:cNvPr id="28" name="직사각형 27">
+            <a:extLst>
+              <a:ext uri="{FF2B5EF4-FFF2-40B4-BE49-F238E27FC236}">
+                <a16:creationId xmlns:a16="http://schemas.microsoft.com/office/drawing/2014/main" id="{B00EE38B-799F-650C-81FD-141EA904738F}"/>
+              </a:ext>
+            </a:extLst>
+          </p:cNvPr>
+          <p:cNvSpPr/>
+          <p:nvPr/>
+        </p:nvSpPr>
+        <p:spPr>
+          <a:xfrm>
+            <a:off x="4321615" y="-19001"/>
+            <a:ext cx="1029020" cy="559837"/>
+          </a:xfrm>
+          <a:prstGeom prst="rect">
+            <a:avLst/>
+          </a:prstGeom>
+          <a:solidFill>
+            <a:schemeClr val="accent3"/>
+          </a:solidFill>
+          <a:ln>
+            <a:solidFill>
+              <a:schemeClr val="tx1"/>
+            </a:solidFill>
+          </a:ln>
+        </p:spPr>
+        <p:style>
+          <a:lnRef idx="2">
+            <a:schemeClr val="accent1">
+              <a:shade val="50000"/>
+            </a:schemeClr>
+          </a:lnRef>
+          <a:fillRef idx="1">
+            <a:schemeClr val="accent1"/>
+          </a:fillRef>
+          <a:effectRef idx="0">
+            <a:schemeClr val="accent1"/>
+          </a:effectRef>
+          <a:fontRef idx="minor">
+            <a:schemeClr val="lt1"/>
+          </a:fontRef>
+        </p:style>
+        <p:txBody>
+          <a:bodyPr rtlCol="0" anchor="ctr"/>
+          <a:lstStyle/>
+          <a:p>
+            <a:pPr algn="ctr"/>
+            <a:r>
+              <a:rPr lang="en-US" altLang="ko-KR"/>
+              <a:t>Mode</a:t>
+            </a:r>
+            <a:endParaRPr lang="ko-KR" altLang="en-US"/>
+          </a:p>
+        </p:txBody>
+      </p:sp>
+      <p:sp>
+        <p:nvSpPr>
+          <p:cNvPr id="32" name="직사각형 31">
+            <a:extLst>
+              <a:ext uri="{FF2B5EF4-FFF2-40B4-BE49-F238E27FC236}">
+                <a16:creationId xmlns:a16="http://schemas.microsoft.com/office/drawing/2014/main" id="{0D283D03-E6F9-FDC9-157B-7BB76EFFD791}"/>
+              </a:ext>
+            </a:extLst>
+          </p:cNvPr>
+          <p:cNvSpPr/>
+          <p:nvPr/>
+        </p:nvSpPr>
+        <p:spPr>
+          <a:xfrm>
+            <a:off x="7416188" y="578837"/>
+            <a:ext cx="4784201" cy="279919"/>
+          </a:xfrm>
+          <a:prstGeom prst="rect">
+            <a:avLst/>
+          </a:prstGeom>
+          <a:ln/>
+        </p:spPr>
+        <p:style>
+          <a:lnRef idx="3">
+            <a:schemeClr val="lt1"/>
+          </a:lnRef>
+          <a:fillRef idx="1">
+            <a:schemeClr val="accent1"/>
+          </a:fillRef>
+          <a:effectRef idx="1">
+            <a:schemeClr val="accent1"/>
+          </a:effectRef>
+          <a:fontRef idx="minor">
+            <a:schemeClr val="lt1"/>
+          </a:fontRef>
+        </p:style>
+        <p:txBody>
+          <a:bodyPr rtlCol="0" anchor="ctr"/>
+          <a:lstStyle/>
+          <a:p>
+            <a:pPr algn="ctr"/>
+            <a:r>
+              <a:rPr lang="en-US" altLang="ko-KR"/>
+              <a:t>Search</a:t>
+            </a:r>
+            <a:endParaRPr lang="ko-KR" altLang="en-US"/>
+          </a:p>
+        </p:txBody>
+      </p:sp>
+      <p:sp>
+        <p:nvSpPr>
+          <p:cNvPr id="34" name="직사각형 33">
+            <a:extLst>
+              <a:ext uri="{FF2B5EF4-FFF2-40B4-BE49-F238E27FC236}">
+                <a16:creationId xmlns:a16="http://schemas.microsoft.com/office/drawing/2014/main" id="{588E1E37-2295-3D1E-EFFA-F3242066BF1F}"/>
+              </a:ext>
+            </a:extLst>
+          </p:cNvPr>
+          <p:cNvSpPr/>
+          <p:nvPr/>
+        </p:nvSpPr>
+        <p:spPr>
+          <a:xfrm>
+            <a:off x="4836125" y="6298163"/>
+            <a:ext cx="1029020" cy="559837"/>
+          </a:xfrm>
+          <a:prstGeom prst="rect">
+            <a:avLst/>
+          </a:prstGeom>
+          <a:solidFill>
+            <a:schemeClr val="accent3"/>
+          </a:solidFill>
+          <a:ln>
+            <a:solidFill>
+              <a:schemeClr val="tx1"/>
+            </a:solidFill>
+          </a:ln>
+        </p:spPr>
+        <p:style>
+          <a:lnRef idx="2">
+            <a:schemeClr val="accent1">
+              <a:shade val="50000"/>
+            </a:schemeClr>
+          </a:lnRef>
+          <a:fillRef idx="1">
+            <a:schemeClr val="accent1"/>
+          </a:fillRef>
+          <a:effectRef idx="0">
+            <a:schemeClr val="accent1"/>
+          </a:effectRef>
+          <a:fontRef idx="minor">
+            <a:schemeClr val="lt1"/>
+          </a:fontRef>
+        </p:style>
+        <p:txBody>
+          <a:bodyPr rtlCol="0" anchor="ctr"/>
+          <a:lstStyle/>
+          <a:p>
+            <a:pPr algn="ctr"/>
+            <a:r>
+              <a:rPr lang="en-US" altLang="ko-KR"/>
+              <a:t>Options</a:t>
+            </a:r>
+            <a:endParaRPr lang="ko-KR" altLang="en-US"/>
+          </a:p>
+        </p:txBody>
+      </p:sp>
+      <p:sp>
+        <p:nvSpPr>
+          <p:cNvPr id="3" name="직사각형 2">
+            <a:extLst>
+              <a:ext uri="{FF2B5EF4-FFF2-40B4-BE49-F238E27FC236}">
+                <a16:creationId xmlns:a16="http://schemas.microsoft.com/office/drawing/2014/main" id="{DCB1CA92-C1A3-3222-BF0B-A42BAD23AF3F}"/>
+              </a:ext>
+            </a:extLst>
+          </p:cNvPr>
+          <p:cNvSpPr/>
+          <p:nvPr/>
+        </p:nvSpPr>
+        <p:spPr>
+          <a:xfrm>
+            <a:off x="10186880" y="-9501"/>
+            <a:ext cx="2039510" cy="559837"/>
+          </a:xfrm>
+          <a:prstGeom prst="rect">
+            <a:avLst/>
+          </a:prstGeom>
+          <a:solidFill>
+            <a:schemeClr val="accent3"/>
+          </a:solidFill>
+          <a:ln>
+            <a:solidFill>
+              <a:schemeClr val="tx1"/>
+            </a:solidFill>
+          </a:ln>
+        </p:spPr>
+        <p:style>
+          <a:lnRef idx="2">
+            <a:schemeClr val="accent1">
+              <a:shade val="50000"/>
+            </a:schemeClr>
+          </a:lnRef>
+          <a:fillRef idx="1">
+            <a:schemeClr val="accent1"/>
+          </a:fillRef>
+          <a:effectRef idx="0">
+            <a:schemeClr val="accent1"/>
+          </a:effectRef>
+          <a:fontRef idx="minor">
+            <a:schemeClr val="lt1"/>
+          </a:fontRef>
+        </p:style>
+        <p:txBody>
+          <a:bodyPr rtlCol="0" anchor="ctr"/>
+          <a:lstStyle/>
+          <a:p>
+            <a:pPr algn="ctr"/>
+            <a:r>
+              <a:rPr lang="en-US" altLang="ko-KR"/>
+              <a:t>Statistics</a:t>
+            </a:r>
+            <a:endParaRPr lang="ko-KR" altLang="en-US" dirty="0"/>
+          </a:p>
+        </p:txBody>
+      </p:sp>
+    </p:spTree>
+    <p:extLst>
+      <p:ext uri="{BB962C8B-B14F-4D97-AF65-F5344CB8AC3E}">
+        <p14:creationId xmlns:p14="http://schemas.microsoft.com/office/powerpoint/2010/main" val="3371721876"/>
+      </p:ext>
+    </p:extLst>
+  </p:cSld>
+  <p:clrMapOvr>
+    <a:masterClrMapping/>
+  </p:clrMapOvr>
+</p:sld>
+</file>
+
+<file path=ppt/slides/slide6.xml><?xml version="1.0" encoding="utf-8"?>
 <p:sld xmlns:a="http://schemas.openxmlformats.org/drawingml/2006/main" xmlns:r="http://schemas.openxmlformats.org/officeDocument/2006/relationships" xmlns:p="http://schemas.openxmlformats.org/presentationml/2006/main">
   <p:cSld>
     <p:spTree>

--- a/gosu-ui.pptx
+++ b/gosu-ui.pptx
@@ -4,13 +4,17 @@
   <p:sldMasterIdLst>
     <p:sldMasterId id="2147483648" r:id="rId1"/>
   </p:sldMasterIdLst>
+  <p:notesMasterIdLst>
+    <p:notesMasterId r:id="rId9"/>
+  </p:notesMasterIdLst>
   <p:sldIdLst>
     <p:sldId id="259" r:id="rId2"/>
     <p:sldId id="260" r:id="rId3"/>
-    <p:sldId id="262" r:id="rId4"/>
-    <p:sldId id="261" r:id="rId5"/>
-    <p:sldId id="258" r:id="rId6"/>
-    <p:sldId id="263" r:id="rId7"/>
+    <p:sldId id="264" r:id="rId4"/>
+    <p:sldId id="262" r:id="rId5"/>
+    <p:sldId id="261" r:id="rId6"/>
+    <p:sldId id="258" r:id="rId7"/>
+    <p:sldId id="263" r:id="rId8"/>
   </p:sldIdLst>
   <p:sldSz cx="12192000" cy="6858000"/>
   <p:notesSz cx="6858000" cy="9144000"/>
@@ -123,6 +127,439 @@
     <p1510:client id="{003C4458-A72F-4395-AA0C-D9E8DFE3A312}" v="59" dt="2022-09-13T14:49:07.110"/>
   </p1510:revLst>
 </p1510:revInfo>
+</file>
+
+<file path=ppt/notesMasters/notesMaster1.xml><?xml version="1.0" encoding="utf-8"?>
+<p:notesMaster xmlns:a="http://schemas.openxmlformats.org/drawingml/2006/main" xmlns:r="http://schemas.openxmlformats.org/officeDocument/2006/relationships" xmlns:p="http://schemas.openxmlformats.org/presentationml/2006/main">
+  <p:cSld>
+    <p:bg>
+      <p:bgRef idx="1001">
+        <a:schemeClr val="bg1"/>
+      </p:bgRef>
+    </p:bg>
+    <p:spTree>
+      <p:nvGrpSpPr>
+        <p:cNvPr id="1" name=""/>
+        <p:cNvGrpSpPr/>
+        <p:nvPr/>
+      </p:nvGrpSpPr>
+      <p:grpSpPr>
+        <a:xfrm>
+          <a:off x="0" y="0"/>
+          <a:ext cx="0" cy="0"/>
+          <a:chOff x="0" y="0"/>
+          <a:chExt cx="0" cy="0"/>
+        </a:xfrm>
+      </p:grpSpPr>
+      <p:sp>
+        <p:nvSpPr>
+          <p:cNvPr id="2" name="머리글 개체 틀 1"/>
+          <p:cNvSpPr>
+            <a:spLocks noGrp="1"/>
+          </p:cNvSpPr>
+          <p:nvPr>
+            <p:ph type="hdr" sz="quarter"/>
+          </p:nvPr>
+        </p:nvSpPr>
+        <p:spPr>
+          <a:xfrm>
+            <a:off x="0" y="0"/>
+            <a:ext cx="2971800" cy="458788"/>
+          </a:xfrm>
+          <a:prstGeom prst="rect">
+            <a:avLst/>
+          </a:prstGeom>
+        </p:spPr>
+        <p:txBody>
+          <a:bodyPr vert="horz" lIns="91440" tIns="45720" rIns="91440" bIns="45720" rtlCol="0"/>
+          <a:lstStyle>
+            <a:lvl1pPr algn="l">
+              <a:defRPr sz="1200"/>
+            </a:lvl1pPr>
+          </a:lstStyle>
+          <a:p>
+            <a:endParaRPr lang="ko-KR" altLang="en-US"/>
+          </a:p>
+        </p:txBody>
+      </p:sp>
+      <p:sp>
+        <p:nvSpPr>
+          <p:cNvPr id="3" name="날짜 개체 틀 2"/>
+          <p:cNvSpPr>
+            <a:spLocks noGrp="1"/>
+          </p:cNvSpPr>
+          <p:nvPr>
+            <p:ph type="dt" idx="1"/>
+          </p:nvPr>
+        </p:nvSpPr>
+        <p:spPr>
+          <a:xfrm>
+            <a:off x="3884613" y="0"/>
+            <a:ext cx="2971800" cy="458788"/>
+          </a:xfrm>
+          <a:prstGeom prst="rect">
+            <a:avLst/>
+          </a:prstGeom>
+        </p:spPr>
+        <p:txBody>
+          <a:bodyPr vert="horz" lIns="91440" tIns="45720" rIns="91440" bIns="45720" rtlCol="0"/>
+          <a:lstStyle>
+            <a:lvl1pPr algn="r">
+              <a:defRPr sz="1200"/>
+            </a:lvl1pPr>
+          </a:lstStyle>
+          <a:p>
+            <a:fld id="{29E79E71-CE1C-407F-A875-4BDA80D256F6}" type="datetimeFigureOut">
+              <a:rPr lang="ko-KR" altLang="en-US" smtClean="0"/>
+              <a:t>2022-09-14</a:t>
+            </a:fld>
+            <a:endParaRPr lang="ko-KR" altLang="en-US"/>
+          </a:p>
+        </p:txBody>
+      </p:sp>
+      <p:sp>
+        <p:nvSpPr>
+          <p:cNvPr id="4" name="슬라이드 이미지 개체 틀 3"/>
+          <p:cNvSpPr>
+            <a:spLocks noGrp="1" noRot="1" noChangeAspect="1"/>
+          </p:cNvSpPr>
+          <p:nvPr>
+            <p:ph type="sldImg" idx="2"/>
+          </p:nvPr>
+        </p:nvSpPr>
+        <p:spPr>
+          <a:xfrm>
+            <a:off x="685800" y="1143000"/>
+            <a:ext cx="5486400" cy="3086100"/>
+          </a:xfrm>
+          <a:prstGeom prst="rect">
+            <a:avLst/>
+          </a:prstGeom>
+          <a:noFill/>
+          <a:ln w="12700">
+            <a:solidFill>
+              <a:prstClr val="black"/>
+            </a:solidFill>
+          </a:ln>
+        </p:spPr>
+        <p:txBody>
+          <a:bodyPr vert="horz" lIns="91440" tIns="45720" rIns="91440" bIns="45720" rtlCol="0" anchor="ctr"/>
+          <a:lstStyle/>
+          <a:p>
+            <a:endParaRPr lang="ko-KR" altLang="en-US"/>
+          </a:p>
+        </p:txBody>
+      </p:sp>
+      <p:sp>
+        <p:nvSpPr>
+          <p:cNvPr id="5" name="슬라이드 노트 개체 틀 4"/>
+          <p:cNvSpPr>
+            <a:spLocks noGrp="1"/>
+          </p:cNvSpPr>
+          <p:nvPr>
+            <p:ph type="body" sz="quarter" idx="3"/>
+          </p:nvPr>
+        </p:nvSpPr>
+        <p:spPr>
+          <a:xfrm>
+            <a:off x="685800" y="4400550"/>
+            <a:ext cx="5486400" cy="3600450"/>
+          </a:xfrm>
+          <a:prstGeom prst="rect">
+            <a:avLst/>
+          </a:prstGeom>
+        </p:spPr>
+        <p:txBody>
+          <a:bodyPr vert="horz" lIns="91440" tIns="45720" rIns="91440" bIns="45720" rtlCol="0"/>
+          <a:lstStyle/>
+          <a:p>
+            <a:pPr lvl="0"/>
+            <a:r>
+              <a:rPr lang="ko-KR" altLang="en-US"/>
+              <a:t>마스터 텍스트 스타일을 편집하려면 클릭</a:t>
+            </a:r>
+          </a:p>
+          <a:p>
+            <a:pPr lvl="1"/>
+            <a:r>
+              <a:rPr lang="ko-KR" altLang="en-US"/>
+              <a:t>두 번째 수준</a:t>
+            </a:r>
+          </a:p>
+          <a:p>
+            <a:pPr lvl="2"/>
+            <a:r>
+              <a:rPr lang="ko-KR" altLang="en-US"/>
+              <a:t>세 번째 수준</a:t>
+            </a:r>
+          </a:p>
+          <a:p>
+            <a:pPr lvl="3"/>
+            <a:r>
+              <a:rPr lang="ko-KR" altLang="en-US"/>
+              <a:t>네 번째 수준</a:t>
+            </a:r>
+          </a:p>
+          <a:p>
+            <a:pPr lvl="4"/>
+            <a:r>
+              <a:rPr lang="ko-KR" altLang="en-US"/>
+              <a:t>다섯 번째 수준</a:t>
+            </a:r>
+          </a:p>
+        </p:txBody>
+      </p:sp>
+      <p:sp>
+        <p:nvSpPr>
+          <p:cNvPr id="6" name="바닥글 개체 틀 5"/>
+          <p:cNvSpPr>
+            <a:spLocks noGrp="1"/>
+          </p:cNvSpPr>
+          <p:nvPr>
+            <p:ph type="ftr" sz="quarter" idx="4"/>
+          </p:nvPr>
+        </p:nvSpPr>
+        <p:spPr>
+          <a:xfrm>
+            <a:off x="0" y="8685213"/>
+            <a:ext cx="2971800" cy="458787"/>
+          </a:xfrm>
+          <a:prstGeom prst="rect">
+            <a:avLst/>
+          </a:prstGeom>
+        </p:spPr>
+        <p:txBody>
+          <a:bodyPr vert="horz" lIns="91440" tIns="45720" rIns="91440" bIns="45720" rtlCol="0" anchor="b"/>
+          <a:lstStyle>
+            <a:lvl1pPr algn="l">
+              <a:defRPr sz="1200"/>
+            </a:lvl1pPr>
+          </a:lstStyle>
+          <a:p>
+            <a:endParaRPr lang="ko-KR" altLang="en-US"/>
+          </a:p>
+        </p:txBody>
+      </p:sp>
+      <p:sp>
+        <p:nvSpPr>
+          <p:cNvPr id="7" name="슬라이드 번호 개체 틀 6"/>
+          <p:cNvSpPr>
+            <a:spLocks noGrp="1"/>
+          </p:cNvSpPr>
+          <p:nvPr>
+            <p:ph type="sldNum" sz="quarter" idx="5"/>
+          </p:nvPr>
+        </p:nvSpPr>
+        <p:spPr>
+          <a:xfrm>
+            <a:off x="3884613" y="8685213"/>
+            <a:ext cx="2971800" cy="458787"/>
+          </a:xfrm>
+          <a:prstGeom prst="rect">
+            <a:avLst/>
+          </a:prstGeom>
+        </p:spPr>
+        <p:txBody>
+          <a:bodyPr vert="horz" lIns="91440" tIns="45720" rIns="91440" bIns="45720" rtlCol="0" anchor="b"/>
+          <a:lstStyle>
+            <a:lvl1pPr algn="r">
+              <a:defRPr sz="1200"/>
+            </a:lvl1pPr>
+          </a:lstStyle>
+          <a:p>
+            <a:fld id="{9F9AD086-5AFC-45A2-ACDA-DE9787FD86B3}" type="slidenum">
+              <a:rPr lang="ko-KR" altLang="en-US" smtClean="0"/>
+              <a:t>‹#›</a:t>
+            </a:fld>
+            <a:endParaRPr lang="ko-KR" altLang="en-US"/>
+          </a:p>
+        </p:txBody>
+      </p:sp>
+    </p:spTree>
+    <p:extLst>
+      <p:ext uri="{BB962C8B-B14F-4D97-AF65-F5344CB8AC3E}">
+        <p14:creationId xmlns:p14="http://schemas.microsoft.com/office/powerpoint/2010/main" val="2362474264"/>
+      </p:ext>
+    </p:extLst>
+  </p:cSld>
+  <p:clrMap bg1="lt1" tx1="dk1" bg2="lt2" tx2="dk2" accent1="accent1" accent2="accent2" accent3="accent3" accent4="accent4" accent5="accent5" accent6="accent6" hlink="hlink" folHlink="folHlink"/>
+  <p:notesStyle>
+    <a:lvl1pPr marL="0" algn="l" defTabSz="914400" rtl="0" eaLnBrk="1" latinLnBrk="1" hangingPunct="1">
+      <a:defRPr sz="1200" kern="1200">
+        <a:solidFill>
+          <a:schemeClr val="tx1"/>
+        </a:solidFill>
+        <a:latin typeface="+mn-lt"/>
+        <a:ea typeface="+mn-ea"/>
+        <a:cs typeface="+mn-cs"/>
+      </a:defRPr>
+    </a:lvl1pPr>
+    <a:lvl2pPr marL="457200" algn="l" defTabSz="914400" rtl="0" eaLnBrk="1" latinLnBrk="1" hangingPunct="1">
+      <a:defRPr sz="1200" kern="1200">
+        <a:solidFill>
+          <a:schemeClr val="tx1"/>
+        </a:solidFill>
+        <a:latin typeface="+mn-lt"/>
+        <a:ea typeface="+mn-ea"/>
+        <a:cs typeface="+mn-cs"/>
+      </a:defRPr>
+    </a:lvl2pPr>
+    <a:lvl3pPr marL="914400" algn="l" defTabSz="914400" rtl="0" eaLnBrk="1" latinLnBrk="1" hangingPunct="1">
+      <a:defRPr sz="1200" kern="1200">
+        <a:solidFill>
+          <a:schemeClr val="tx1"/>
+        </a:solidFill>
+        <a:latin typeface="+mn-lt"/>
+        <a:ea typeface="+mn-ea"/>
+        <a:cs typeface="+mn-cs"/>
+      </a:defRPr>
+    </a:lvl3pPr>
+    <a:lvl4pPr marL="1371600" algn="l" defTabSz="914400" rtl="0" eaLnBrk="1" latinLnBrk="1" hangingPunct="1">
+      <a:defRPr sz="1200" kern="1200">
+        <a:solidFill>
+          <a:schemeClr val="tx1"/>
+        </a:solidFill>
+        <a:latin typeface="+mn-lt"/>
+        <a:ea typeface="+mn-ea"/>
+        <a:cs typeface="+mn-cs"/>
+      </a:defRPr>
+    </a:lvl4pPr>
+    <a:lvl5pPr marL="1828800" algn="l" defTabSz="914400" rtl="0" eaLnBrk="1" latinLnBrk="1" hangingPunct="1">
+      <a:defRPr sz="1200" kern="1200">
+        <a:solidFill>
+          <a:schemeClr val="tx1"/>
+        </a:solidFill>
+        <a:latin typeface="+mn-lt"/>
+        <a:ea typeface="+mn-ea"/>
+        <a:cs typeface="+mn-cs"/>
+      </a:defRPr>
+    </a:lvl5pPr>
+    <a:lvl6pPr marL="2286000" algn="l" defTabSz="914400" rtl="0" eaLnBrk="1" latinLnBrk="1" hangingPunct="1">
+      <a:defRPr sz="1200" kern="1200">
+        <a:solidFill>
+          <a:schemeClr val="tx1"/>
+        </a:solidFill>
+        <a:latin typeface="+mn-lt"/>
+        <a:ea typeface="+mn-ea"/>
+        <a:cs typeface="+mn-cs"/>
+      </a:defRPr>
+    </a:lvl6pPr>
+    <a:lvl7pPr marL="2743200" algn="l" defTabSz="914400" rtl="0" eaLnBrk="1" latinLnBrk="1" hangingPunct="1">
+      <a:defRPr sz="1200" kern="1200">
+        <a:solidFill>
+          <a:schemeClr val="tx1"/>
+        </a:solidFill>
+        <a:latin typeface="+mn-lt"/>
+        <a:ea typeface="+mn-ea"/>
+        <a:cs typeface="+mn-cs"/>
+      </a:defRPr>
+    </a:lvl7pPr>
+    <a:lvl8pPr marL="3200400" algn="l" defTabSz="914400" rtl="0" eaLnBrk="1" latinLnBrk="1" hangingPunct="1">
+      <a:defRPr sz="1200" kern="1200">
+        <a:solidFill>
+          <a:schemeClr val="tx1"/>
+        </a:solidFill>
+        <a:latin typeface="+mn-lt"/>
+        <a:ea typeface="+mn-ea"/>
+        <a:cs typeface="+mn-cs"/>
+      </a:defRPr>
+    </a:lvl8pPr>
+    <a:lvl9pPr marL="3657600" algn="l" defTabSz="914400" rtl="0" eaLnBrk="1" latinLnBrk="1" hangingPunct="1">
+      <a:defRPr sz="1200" kern="1200">
+        <a:solidFill>
+          <a:schemeClr val="tx1"/>
+        </a:solidFill>
+        <a:latin typeface="+mn-lt"/>
+        <a:ea typeface="+mn-ea"/>
+        <a:cs typeface="+mn-cs"/>
+      </a:defRPr>
+    </a:lvl9pPr>
+  </p:notesStyle>
+</p:notesMaster>
+</file>
+
+<file path=ppt/notesSlides/notesSlide1.xml><?xml version="1.0" encoding="utf-8"?>
+<p:notes xmlns:a="http://schemas.openxmlformats.org/drawingml/2006/main" xmlns:r="http://schemas.openxmlformats.org/officeDocument/2006/relationships" xmlns:p="http://schemas.openxmlformats.org/presentationml/2006/main">
+  <p:cSld>
+    <p:spTree>
+      <p:nvGrpSpPr>
+        <p:cNvPr id="1" name=""/>
+        <p:cNvGrpSpPr/>
+        <p:nvPr/>
+      </p:nvGrpSpPr>
+      <p:grpSpPr>
+        <a:xfrm>
+          <a:off x="0" y="0"/>
+          <a:ext cx="0" cy="0"/>
+          <a:chOff x="0" y="0"/>
+          <a:chExt cx="0" cy="0"/>
+        </a:xfrm>
+      </p:grpSpPr>
+      <p:sp>
+        <p:nvSpPr>
+          <p:cNvPr id="2" name="슬라이드 이미지 개체 틀 1"/>
+          <p:cNvSpPr>
+            <a:spLocks noGrp="1" noRot="1" noChangeAspect="1"/>
+          </p:cNvSpPr>
+          <p:nvPr>
+            <p:ph type="sldImg"/>
+          </p:nvPr>
+        </p:nvSpPr>
+        <p:spPr/>
+      </p:sp>
+      <p:sp>
+        <p:nvSpPr>
+          <p:cNvPr id="3" name="슬라이드 노트 개체 틀 2"/>
+          <p:cNvSpPr>
+            <a:spLocks noGrp="1"/>
+          </p:cNvSpPr>
+          <p:nvPr>
+            <p:ph type="body" idx="1"/>
+          </p:nvPr>
+        </p:nvSpPr>
+        <p:spPr/>
+        <p:txBody>
+          <a:bodyPr/>
+          <a:lstStyle/>
+          <a:p>
+            <a:endParaRPr lang="ko-KR" altLang="en-US"/>
+          </a:p>
+        </p:txBody>
+      </p:sp>
+      <p:sp>
+        <p:nvSpPr>
+          <p:cNvPr id="4" name="슬라이드 번호 개체 틀 3"/>
+          <p:cNvSpPr>
+            <a:spLocks noGrp="1"/>
+          </p:cNvSpPr>
+          <p:nvPr>
+            <p:ph type="sldNum" sz="quarter" idx="5"/>
+          </p:nvPr>
+        </p:nvSpPr>
+        <p:spPr/>
+        <p:txBody>
+          <a:bodyPr/>
+          <a:lstStyle/>
+          <a:p>
+            <a:fld id="{9F9AD086-5AFC-45A2-ACDA-DE9787FD86B3}" type="slidenum">
+              <a:rPr lang="ko-KR" altLang="en-US" smtClean="0"/>
+              <a:t>2</a:t>
+            </a:fld>
+            <a:endParaRPr lang="ko-KR" altLang="en-US"/>
+          </a:p>
+        </p:txBody>
+      </p:sp>
+    </p:spTree>
+    <p:extLst>
+      <p:ext uri="{BB962C8B-B14F-4D97-AF65-F5344CB8AC3E}">
+        <p14:creationId xmlns:p14="http://schemas.microsoft.com/office/powerpoint/2010/main" val="1316445596"/>
+      </p:ext>
+    </p:extLst>
+  </p:cSld>
+  <p:clrMapOvr>
+    <a:masterClrMapping/>
+  </p:clrMapOvr>
+</p:notes>
 </file>
 
 <file path=ppt/slideLayouts/slideLayout1.xml><?xml version="1.0" encoding="utf-8"?>
@@ -4880,7 +5317,7 @@
           <p:nvPr/>
         </p:nvPicPr>
         <p:blipFill>
-          <a:blip r:embed="rId2"/>
+          <a:blip r:embed="rId3"/>
           <a:stretch>
             <a:fillRect/>
           </a:stretch>
@@ -5389,13 +5826,13 @@
           <p:nvPr/>
         </p:nvPicPr>
         <p:blipFill>
-          <a:blip r:embed="rId3">
+          <a:blip r:embed="rId4">
             <a:extLst>
               <a:ext uri="{28A0092B-C50C-407E-A947-70E740481C1C}">
                 <a14:useLocalDpi xmlns:a14="http://schemas.microsoft.com/office/drawing/2010/main" val="0"/>
               </a:ext>
               <a:ext uri="{96DAC541-7B7A-43D3-8B79-37D633B846F1}">
-                <asvg:svgBlip xmlns:asvg="http://schemas.microsoft.com/office/drawing/2016/SVG/main" r:embed="rId4"/>
+                <asvg:svgBlip xmlns:asvg="http://schemas.microsoft.com/office/drawing/2016/SVG/main" r:embed="rId5"/>
               </a:ext>
             </a:extLst>
           </a:blip>
@@ -5928,7 +6365,7 @@
           <p:nvPr/>
         </p:nvPicPr>
         <p:blipFill>
-          <a:blip r:embed="rId2"/>
+          <a:blip r:embed="rId3"/>
           <a:stretch>
             <a:fillRect/>
           </a:stretch>
@@ -6458,13 +6895,13 @@
           <p:nvPr/>
         </p:nvPicPr>
         <p:blipFill>
-          <a:blip r:embed="rId5">
+          <a:blip r:embed="rId6">
             <a:extLst>
               <a:ext uri="{28A0092B-C50C-407E-A947-70E740481C1C}">
                 <a14:useLocalDpi xmlns:a14="http://schemas.microsoft.com/office/drawing/2010/main" val="0"/>
               </a:ext>
               <a:ext uri="{96DAC541-7B7A-43D3-8B79-37D633B846F1}">
-                <asvg:svgBlip xmlns:asvg="http://schemas.microsoft.com/office/drawing/2016/SVG/main" r:embed="rId6"/>
+                <asvg:svgBlip xmlns:asvg="http://schemas.microsoft.com/office/drawing/2016/SVG/main" r:embed="rId7"/>
               </a:ext>
             </a:extLst>
           </a:blip>
@@ -6497,13 +6934,13 @@
           <p:nvPr/>
         </p:nvPicPr>
         <p:blipFill>
-          <a:blip r:embed="rId7">
+          <a:blip r:embed="rId8">
             <a:extLst>
               <a:ext uri="{28A0092B-C50C-407E-A947-70E740481C1C}">
                 <a14:useLocalDpi xmlns:a14="http://schemas.microsoft.com/office/drawing/2010/main" val="0"/>
               </a:ext>
               <a:ext uri="{96DAC541-7B7A-43D3-8B79-37D633B846F1}">
-                <asvg:svgBlip xmlns:asvg="http://schemas.microsoft.com/office/drawing/2016/SVG/main" r:embed="rId8"/>
+                <asvg:svgBlip xmlns:asvg="http://schemas.microsoft.com/office/drawing/2016/SVG/main" r:embed="rId9"/>
               </a:ext>
             </a:extLst>
           </a:blip>
@@ -8189,6 +8626,138 @@
 </file>
 
 <file path=ppt/slides/slide3.xml><?xml version="1.0" encoding="utf-8"?>
+<p:sld xmlns:a="http://schemas.openxmlformats.org/drawingml/2006/main" xmlns:r="http://schemas.openxmlformats.org/officeDocument/2006/relationships" xmlns:p="http://schemas.openxmlformats.org/presentationml/2006/main">
+  <p:cSld>
+    <p:bg>
+      <p:bgPr>
+        <a:solidFill>
+          <a:schemeClr val="accent6"/>
+        </a:solidFill>
+        <a:effectLst/>
+      </p:bgPr>
+    </p:bg>
+    <p:spTree>
+      <p:nvGrpSpPr>
+        <p:cNvPr id="1" name=""/>
+        <p:cNvGrpSpPr/>
+        <p:nvPr/>
+      </p:nvGrpSpPr>
+      <p:grpSpPr>
+        <a:xfrm>
+          <a:off x="0" y="0"/>
+          <a:ext cx="0" cy="0"/>
+          <a:chOff x="0" y="0"/>
+          <a:chExt cx="0" cy="0"/>
+        </a:xfrm>
+      </p:grpSpPr>
+      <p:sp>
+        <p:nvSpPr>
+          <p:cNvPr id="5" name="사각형: 둥근 모서리 4">
+            <a:extLst>
+              <a:ext uri="{FF2B5EF4-FFF2-40B4-BE49-F238E27FC236}">
+                <a16:creationId xmlns:a16="http://schemas.microsoft.com/office/drawing/2014/main" id="{632760B4-E3D7-4950-B786-9760105C1EC7}"/>
+              </a:ext>
+            </a:extLst>
+          </p:cNvPr>
+          <p:cNvSpPr/>
+          <p:nvPr/>
+        </p:nvSpPr>
+        <p:spPr>
+          <a:xfrm>
+            <a:off x="3412117" y="279377"/>
+            <a:ext cx="5022966" cy="931016"/>
+          </a:xfrm>
+          <a:prstGeom prst="roundRect">
+            <a:avLst/>
+          </a:prstGeom>
+          <a:noFill/>
+          <a:ln>
+            <a:solidFill>
+              <a:schemeClr val="bg1"/>
+            </a:solidFill>
+          </a:ln>
+        </p:spPr>
+        <p:style>
+          <a:lnRef idx="2">
+            <a:schemeClr val="dk1"/>
+          </a:lnRef>
+          <a:fillRef idx="1">
+            <a:schemeClr val="lt1"/>
+          </a:fillRef>
+          <a:effectRef idx="0">
+            <a:schemeClr val="dk1"/>
+          </a:effectRef>
+          <a:fontRef idx="minor">
+            <a:schemeClr val="dk1"/>
+          </a:fontRef>
+        </p:style>
+        <p:txBody>
+          <a:bodyPr rtlCol="0" anchor="ctr"/>
+          <a:lstStyle/>
+          <a:p>
+            <a:pPr algn="ctr"/>
+            <a:r>
+              <a:rPr lang="en-US" altLang="ko-KR" sz="1600" dirty="0" err="1">
+                <a:solidFill>
+                  <a:schemeClr val="bg1"/>
+                </a:solidFill>
+                <a:latin typeface="Comic Sans MS" panose="030F0702030302020204" pitchFamily="66" charset="0"/>
+              </a:rPr>
+              <a:t>Soliely</a:t>
+            </a:r>
+            <a:endParaRPr lang="en-US" altLang="ko-KR" sz="2000" dirty="0">
+              <a:solidFill>
+                <a:schemeClr val="bg1"/>
+              </a:solidFill>
+              <a:latin typeface="Comic Sans MS" panose="030F0702030302020204" pitchFamily="66" charset="0"/>
+            </a:endParaRPr>
+          </a:p>
+          <a:p>
+            <a:pPr algn="ctr"/>
+            <a:r>
+              <a:rPr lang="en-US" altLang="ko-KR" sz="2400" dirty="0">
+                <a:solidFill>
+                  <a:schemeClr val="bg1"/>
+                </a:solidFill>
+                <a:latin typeface="Comic Sans MS" panose="030F0702030302020204" pitchFamily="66" charset="0"/>
+              </a:rPr>
+              <a:t>Renatus</a:t>
+            </a:r>
+            <a:endParaRPr lang="en-US" altLang="ko-KR" sz="2000" dirty="0">
+              <a:solidFill>
+                <a:schemeClr val="bg1"/>
+              </a:solidFill>
+              <a:latin typeface="Comic Sans MS" panose="030F0702030302020204" pitchFamily="66" charset="0"/>
+            </a:endParaRPr>
+          </a:p>
+          <a:p>
+            <a:pPr algn="ctr"/>
+            <a:r>
+              <a:rPr lang="en-US" altLang="ko-KR" sz="2000" dirty="0">
+                <a:solidFill>
+                  <a:schemeClr val="bg1"/>
+                </a:solidFill>
+                <a:latin typeface="Comic Sans MS" panose="030F0702030302020204" pitchFamily="66" charset="0"/>
+              </a:rPr>
+              <a:t>Normal</a:t>
+            </a:r>
+          </a:p>
+        </p:txBody>
+      </p:sp>
+    </p:spTree>
+    <p:extLst>
+      <p:ext uri="{BB962C8B-B14F-4D97-AF65-F5344CB8AC3E}">
+        <p14:creationId xmlns:p14="http://schemas.microsoft.com/office/powerpoint/2010/main" val="515698349"/>
+      </p:ext>
+    </p:extLst>
+  </p:cSld>
+  <p:clrMapOvr>
+    <a:masterClrMapping/>
+  </p:clrMapOvr>
+</p:sld>
+</file>
+
+<file path=ppt/slides/slide4.xml><?xml version="1.0" encoding="utf-8"?>
 <p:sld xmlns:a="http://schemas.openxmlformats.org/drawingml/2006/main" xmlns:r="http://schemas.openxmlformats.org/officeDocument/2006/relationships" xmlns:p="http://schemas.openxmlformats.org/presentationml/2006/main">
   <p:cSld>
     <p:bg>
@@ -9092,7 +9661,7 @@
 </p:sld>
 </file>
 
-<file path=ppt/slides/slide4.xml><?xml version="1.0" encoding="utf-8"?>
+<file path=ppt/slides/slide5.xml><?xml version="1.0" encoding="utf-8"?>
 <p:sld xmlns:a="http://schemas.openxmlformats.org/drawingml/2006/main" xmlns:r="http://schemas.openxmlformats.org/officeDocument/2006/relationships" xmlns:p="http://schemas.openxmlformats.org/presentationml/2006/main">
   <p:cSld>
     <p:spTree>
@@ -9370,7 +9939,7 @@
 </p:sld>
 </file>
 
-<file path=ppt/slides/slide5.xml><?xml version="1.0" encoding="utf-8"?>
+<file path=ppt/slides/slide6.xml><?xml version="1.0" encoding="utf-8"?>
 <p:sld xmlns:a="http://schemas.openxmlformats.org/drawingml/2006/main" xmlns:r="http://schemas.openxmlformats.org/officeDocument/2006/relationships" xmlns:p="http://schemas.openxmlformats.org/presentationml/2006/main">
   <p:cSld>
     <p:spTree>
@@ -10305,7 +10874,7 @@
 </p:sld>
 </file>
 
-<file path=ppt/slides/slide6.xml><?xml version="1.0" encoding="utf-8"?>
+<file path=ppt/slides/slide7.xml><?xml version="1.0" encoding="utf-8"?>
 <p:sld xmlns:a="http://schemas.openxmlformats.org/drawingml/2006/main" xmlns:r="http://schemas.openxmlformats.org/officeDocument/2006/relationships" xmlns:p="http://schemas.openxmlformats.org/presentationml/2006/main">
   <p:cSld>
     <p:spTree>
@@ -10667,4 +11236,299 @@
     </a:ext>
   </a:extLst>
 </a:theme>
+</file>
+
+<file path=ppt/theme/theme2.xml><?xml version="1.0" encoding="utf-8"?>
+<a:theme xmlns:a="http://schemas.openxmlformats.org/drawingml/2006/main" name="Office 테마">
+  <a:themeElements>
+    <a:clrScheme name="Office">
+      <a:dk1>
+        <a:sysClr val="windowText" lastClr="000000"/>
+      </a:dk1>
+      <a:lt1>
+        <a:sysClr val="window" lastClr="FFFFFF"/>
+      </a:lt1>
+      <a:dk2>
+        <a:srgbClr val="44546A"/>
+      </a:dk2>
+      <a:lt2>
+        <a:srgbClr val="E7E6E6"/>
+      </a:lt2>
+      <a:accent1>
+        <a:srgbClr val="4472C4"/>
+      </a:accent1>
+      <a:accent2>
+        <a:srgbClr val="ED7D31"/>
+      </a:accent2>
+      <a:accent3>
+        <a:srgbClr val="A5A5A5"/>
+      </a:accent3>
+      <a:accent4>
+        <a:srgbClr val="FFC000"/>
+      </a:accent4>
+      <a:accent5>
+        <a:srgbClr val="5B9BD5"/>
+      </a:accent5>
+      <a:accent6>
+        <a:srgbClr val="70AD47"/>
+      </a:accent6>
+      <a:hlink>
+        <a:srgbClr val="0563C1"/>
+      </a:hlink>
+      <a:folHlink>
+        <a:srgbClr val="954F72"/>
+      </a:folHlink>
+    </a:clrScheme>
+    <a:fontScheme name="Office">
+      <a:majorFont>
+        <a:latin typeface="맑은 고딕" panose="020F0302020204030204"/>
+        <a:ea typeface=""/>
+        <a:cs typeface=""/>
+        <a:font script="Jpan" typeface="游ゴシック Light"/>
+        <a:font script="Hang" typeface="맑은 고딕"/>
+        <a:font script="Hans" typeface="等线 Light"/>
+        <a:font script="Hant" typeface="新細明體"/>
+        <a:font script="Arab" typeface="Times New Roman"/>
+        <a:font script="Hebr" typeface="Times New Roman"/>
+        <a:font script="Thai" typeface="Angsana New"/>
+        <a:font script="Ethi" typeface="Nyala"/>
+        <a:font script="Beng" typeface="Vrinda"/>
+        <a:font script="Gujr" typeface="Shruti"/>
+        <a:font script="Khmr" typeface="MoolBoran"/>
+        <a:font script="Knda" typeface="Tunga"/>
+        <a:font script="Guru" typeface="Raavi"/>
+        <a:font script="Cans" typeface="Euphemia"/>
+        <a:font script="Cher" typeface="Plantagenet Cherokee"/>
+        <a:font script="Yiii" typeface="Microsoft Yi Baiti"/>
+        <a:font script="Tibt" typeface="Microsoft Himalaya"/>
+        <a:font script="Thaa" typeface="MV Boli"/>
+        <a:font script="Deva" typeface="Mangal"/>
+        <a:font script="Telu" typeface="Gautami"/>
+        <a:font script="Taml" typeface="Latha"/>
+        <a:font script="Syrc" typeface="Estrangelo Edessa"/>
+        <a:font script="Orya" typeface="Kalinga"/>
+        <a:font script="Mlym" typeface="Kartika"/>
+        <a:font script="Laoo" typeface="DokChampa"/>
+        <a:font script="Sinh" typeface="Iskoola Pota"/>
+        <a:font script="Mong" typeface="Mongolian Baiti"/>
+        <a:font script="Viet" typeface="Times New Roman"/>
+        <a:font script="Uigh" typeface="Microsoft Uighur"/>
+        <a:font script="Geor" typeface="Sylfaen"/>
+        <a:font script="Armn" typeface="Arial"/>
+        <a:font script="Bugi" typeface="Leelawadee UI"/>
+        <a:font script="Bopo" typeface="Microsoft JhengHei"/>
+        <a:font script="Java" typeface="Javanese Text"/>
+        <a:font script="Lisu" typeface="Segoe UI"/>
+        <a:font script="Mymr" typeface="Myanmar Text"/>
+        <a:font script="Nkoo" typeface="Ebrima"/>
+        <a:font script="Olck" typeface="Nirmala UI"/>
+        <a:font script="Osma" typeface="Ebrima"/>
+        <a:font script="Phag" typeface="Phagspa"/>
+        <a:font script="Syrn" typeface="Estrangelo Edessa"/>
+        <a:font script="Syrj" typeface="Estrangelo Edessa"/>
+        <a:font script="Syre" typeface="Estrangelo Edessa"/>
+        <a:font script="Sora" typeface="Nirmala UI"/>
+        <a:font script="Tale" typeface="Microsoft Tai Le"/>
+        <a:font script="Talu" typeface="Microsoft New Tai Lue"/>
+        <a:font script="Tfng" typeface="Ebrima"/>
+      </a:majorFont>
+      <a:minorFont>
+        <a:latin typeface="맑은 고딕" panose="020F0502020204030204"/>
+        <a:ea typeface=""/>
+        <a:cs typeface=""/>
+        <a:font script="Jpan" typeface="游ゴシック"/>
+        <a:font script="Hang" typeface="맑은 고딕"/>
+        <a:font script="Hans" typeface="等线"/>
+        <a:font script="Hant" typeface="新細明體"/>
+        <a:font script="Arab" typeface="Arial"/>
+        <a:font script="Hebr" typeface="Arial"/>
+        <a:font script="Thai" typeface="Cordia New"/>
+        <a:font script="Ethi" typeface="Nyala"/>
+        <a:font script="Beng" typeface="Vrinda"/>
+        <a:font script="Gujr" typeface="Shruti"/>
+        <a:font script="Khmr" typeface="DaunPenh"/>
+        <a:font script="Knda" typeface="Tunga"/>
+        <a:font script="Guru" typeface="Raavi"/>
+        <a:font script="Cans" typeface="Euphemia"/>
+        <a:font script="Cher" typeface="Plantagenet Cherokee"/>
+        <a:font script="Yiii" typeface="Microsoft Yi Baiti"/>
+        <a:font script="Tibt" typeface="Microsoft Himalaya"/>
+        <a:font script="Thaa" typeface="MV Boli"/>
+        <a:font script="Deva" typeface="Mangal"/>
+        <a:font script="Telu" typeface="Gautami"/>
+        <a:font script="Taml" typeface="Latha"/>
+        <a:font script="Syrc" typeface="Estrangelo Edessa"/>
+        <a:font script="Orya" typeface="Kalinga"/>
+        <a:font script="Mlym" typeface="Kartika"/>
+        <a:font script="Laoo" typeface="DokChampa"/>
+        <a:font script="Sinh" typeface="Iskoola Pota"/>
+        <a:font script="Mong" typeface="Mongolian Baiti"/>
+        <a:font script="Viet" typeface="Arial"/>
+        <a:font script="Uigh" typeface="Microsoft Uighur"/>
+        <a:font script="Geor" typeface="Sylfaen"/>
+        <a:font script="Armn" typeface="Arial"/>
+        <a:font script="Bugi" typeface="Leelawadee UI"/>
+        <a:font script="Bopo" typeface="Microsoft JhengHei"/>
+        <a:font script="Java" typeface="Javanese Text"/>
+        <a:font script="Lisu" typeface="Segoe UI"/>
+        <a:font script="Mymr" typeface="Myanmar Text"/>
+        <a:font script="Nkoo" typeface="Ebrima"/>
+        <a:font script="Olck" typeface="Nirmala UI"/>
+        <a:font script="Osma" typeface="Ebrima"/>
+        <a:font script="Phag" typeface="Phagspa"/>
+        <a:font script="Syrn" typeface="Estrangelo Edessa"/>
+        <a:font script="Syrj" typeface="Estrangelo Edessa"/>
+        <a:font script="Syre" typeface="Estrangelo Edessa"/>
+        <a:font script="Sora" typeface="Nirmala UI"/>
+        <a:font script="Tale" typeface="Microsoft Tai Le"/>
+        <a:font script="Talu" typeface="Microsoft New Tai Lue"/>
+        <a:font script="Tfng" typeface="Ebrima"/>
+      </a:minorFont>
+    </a:fontScheme>
+    <a:fmtScheme name="Office">
+      <a:fillStyleLst>
+        <a:solidFill>
+          <a:schemeClr val="phClr"/>
+        </a:solidFill>
+        <a:gradFill rotWithShape="1">
+          <a:gsLst>
+            <a:gs pos="0">
+              <a:schemeClr val="phClr">
+                <a:lumMod val="110000"/>
+                <a:satMod val="105000"/>
+                <a:tint val="67000"/>
+              </a:schemeClr>
+            </a:gs>
+            <a:gs pos="50000">
+              <a:schemeClr val="phClr">
+                <a:lumMod val="105000"/>
+                <a:satMod val="103000"/>
+                <a:tint val="73000"/>
+              </a:schemeClr>
+            </a:gs>
+            <a:gs pos="100000">
+              <a:schemeClr val="phClr">
+                <a:lumMod val="105000"/>
+                <a:satMod val="109000"/>
+                <a:tint val="81000"/>
+              </a:schemeClr>
+            </a:gs>
+          </a:gsLst>
+          <a:lin ang="5400000" scaled="0"/>
+        </a:gradFill>
+        <a:gradFill rotWithShape="1">
+          <a:gsLst>
+            <a:gs pos="0">
+              <a:schemeClr val="phClr">
+                <a:satMod val="103000"/>
+                <a:lumMod val="102000"/>
+                <a:tint val="94000"/>
+              </a:schemeClr>
+            </a:gs>
+            <a:gs pos="50000">
+              <a:schemeClr val="phClr">
+                <a:satMod val="110000"/>
+                <a:lumMod val="100000"/>
+                <a:shade val="100000"/>
+              </a:schemeClr>
+            </a:gs>
+            <a:gs pos="100000">
+              <a:schemeClr val="phClr">
+                <a:lumMod val="99000"/>
+                <a:satMod val="120000"/>
+                <a:shade val="78000"/>
+              </a:schemeClr>
+            </a:gs>
+          </a:gsLst>
+          <a:lin ang="5400000" scaled="0"/>
+        </a:gradFill>
+      </a:fillStyleLst>
+      <a:lnStyleLst>
+        <a:ln w="6350" cap="flat" cmpd="sng" algn="ctr">
+          <a:solidFill>
+            <a:schemeClr val="phClr"/>
+          </a:solidFill>
+          <a:prstDash val="solid"/>
+          <a:miter lim="800000"/>
+        </a:ln>
+        <a:ln w="12700" cap="flat" cmpd="sng" algn="ctr">
+          <a:solidFill>
+            <a:schemeClr val="phClr"/>
+          </a:solidFill>
+          <a:prstDash val="solid"/>
+          <a:miter lim="800000"/>
+        </a:ln>
+        <a:ln w="19050" cap="flat" cmpd="sng" algn="ctr">
+          <a:solidFill>
+            <a:schemeClr val="phClr"/>
+          </a:solidFill>
+          <a:prstDash val="solid"/>
+          <a:miter lim="800000"/>
+        </a:ln>
+      </a:lnStyleLst>
+      <a:effectStyleLst>
+        <a:effectStyle>
+          <a:effectLst/>
+        </a:effectStyle>
+        <a:effectStyle>
+          <a:effectLst/>
+        </a:effectStyle>
+        <a:effectStyle>
+          <a:effectLst>
+            <a:outerShdw blurRad="57150" dist="19050" dir="5400000" algn="ctr" rotWithShape="0">
+              <a:srgbClr val="000000">
+                <a:alpha val="63000"/>
+              </a:srgbClr>
+            </a:outerShdw>
+          </a:effectLst>
+        </a:effectStyle>
+      </a:effectStyleLst>
+      <a:bgFillStyleLst>
+        <a:solidFill>
+          <a:schemeClr val="phClr"/>
+        </a:solidFill>
+        <a:solidFill>
+          <a:schemeClr val="phClr">
+            <a:tint val="95000"/>
+            <a:satMod val="170000"/>
+          </a:schemeClr>
+        </a:solidFill>
+        <a:gradFill rotWithShape="1">
+          <a:gsLst>
+            <a:gs pos="0">
+              <a:schemeClr val="phClr">
+                <a:tint val="93000"/>
+                <a:satMod val="150000"/>
+                <a:shade val="98000"/>
+                <a:lumMod val="102000"/>
+              </a:schemeClr>
+            </a:gs>
+            <a:gs pos="50000">
+              <a:schemeClr val="phClr">
+                <a:tint val="98000"/>
+                <a:satMod val="130000"/>
+                <a:shade val="90000"/>
+                <a:lumMod val="103000"/>
+              </a:schemeClr>
+            </a:gs>
+            <a:gs pos="100000">
+              <a:schemeClr val="phClr">
+                <a:shade val="63000"/>
+                <a:satMod val="120000"/>
+              </a:schemeClr>
+            </a:gs>
+          </a:gsLst>
+          <a:lin ang="5400000" scaled="0"/>
+        </a:gradFill>
+      </a:bgFillStyleLst>
+    </a:fmtScheme>
+  </a:themeElements>
+  <a:objectDefaults/>
+  <a:extraClrSchemeLst/>
+  <a:extLst>
+    <a:ext uri="{05A4C25C-085E-4340-85A3-A5531E510DB2}">
+      <thm15:themeFamily xmlns:thm15="http://schemas.microsoft.com/office/thememl/2012/main" name="Office Theme" id="{62F939B6-93AF-4DB8-9C6B-D6C7DFDC589F}" vid="{4A3C46E8-61CC-4603-A589-7422A47A8E4A}"/>
+    </a:ext>
+  </a:extLst>
+</a:theme>
 </file>
--- a/gosu-ui.pptx
+++ b/gosu-ui.pptx
@@ -5,16 +5,20 @@
     <p:sldMasterId id="2147483648" r:id="rId1"/>
   </p:sldMasterIdLst>
   <p:notesMasterIdLst>
-    <p:notesMasterId r:id="rId9"/>
+    <p:notesMasterId r:id="rId13"/>
   </p:notesMasterIdLst>
   <p:sldIdLst>
     <p:sldId id="259" r:id="rId2"/>
     <p:sldId id="260" r:id="rId3"/>
-    <p:sldId id="264" r:id="rId4"/>
-    <p:sldId id="262" r:id="rId5"/>
-    <p:sldId id="261" r:id="rId6"/>
-    <p:sldId id="258" r:id="rId7"/>
-    <p:sldId id="263" r:id="rId8"/>
+    <p:sldId id="265" r:id="rId4"/>
+    <p:sldId id="264" r:id="rId5"/>
+    <p:sldId id="262" r:id="rId6"/>
+    <p:sldId id="270" r:id="rId7"/>
+    <p:sldId id="261" r:id="rId8"/>
+    <p:sldId id="258" r:id="rId9"/>
+    <p:sldId id="263" r:id="rId10"/>
+    <p:sldId id="267" r:id="rId11"/>
+    <p:sldId id="268" r:id="rId12"/>
   </p:sldIdLst>
   <p:sldSz cx="12192000" cy="6858000"/>
   <p:notesSz cx="6858000" cy="9144000"/>
@@ -211,7 +215,7 @@
           <a:p>
             <a:fld id="{29E79E71-CE1C-407F-A875-4BDA80D256F6}" type="datetimeFigureOut">
               <a:rPr lang="ko-KR" altLang="en-US" smtClean="0"/>
-              <a:t>2022-09-14</a:t>
+              <a:t>2022-09-15</a:t>
             </a:fld>
             <a:endParaRPr lang="ko-KR" altLang="en-US"/>
           </a:p>
@@ -562,6 +566,90 @@
 </p:notes>
 </file>
 
+<file path=ppt/notesSlides/notesSlide2.xml><?xml version="1.0" encoding="utf-8"?>
+<p:notes xmlns:a="http://schemas.openxmlformats.org/drawingml/2006/main" xmlns:r="http://schemas.openxmlformats.org/officeDocument/2006/relationships" xmlns:p="http://schemas.openxmlformats.org/presentationml/2006/main">
+  <p:cSld>
+    <p:spTree>
+      <p:nvGrpSpPr>
+        <p:cNvPr id="1" name=""/>
+        <p:cNvGrpSpPr/>
+        <p:nvPr/>
+      </p:nvGrpSpPr>
+      <p:grpSpPr>
+        <a:xfrm>
+          <a:off x="0" y="0"/>
+          <a:ext cx="0" cy="0"/>
+          <a:chOff x="0" y="0"/>
+          <a:chExt cx="0" cy="0"/>
+        </a:xfrm>
+      </p:grpSpPr>
+      <p:sp>
+        <p:nvSpPr>
+          <p:cNvPr id="2" name="슬라이드 이미지 개체 틀 1"/>
+          <p:cNvSpPr>
+            <a:spLocks noGrp="1" noRot="1" noChangeAspect="1"/>
+          </p:cNvSpPr>
+          <p:nvPr>
+            <p:ph type="sldImg"/>
+          </p:nvPr>
+        </p:nvSpPr>
+        <p:spPr/>
+      </p:sp>
+      <p:sp>
+        <p:nvSpPr>
+          <p:cNvPr id="3" name="슬라이드 노트 개체 틀 2"/>
+          <p:cNvSpPr>
+            <a:spLocks noGrp="1"/>
+          </p:cNvSpPr>
+          <p:nvPr>
+            <p:ph type="body" idx="1"/>
+          </p:nvPr>
+        </p:nvSpPr>
+        <p:spPr/>
+        <p:txBody>
+          <a:bodyPr/>
+          <a:lstStyle/>
+          <a:p>
+            <a:endParaRPr lang="ko-KR" altLang="en-US"/>
+          </a:p>
+        </p:txBody>
+      </p:sp>
+      <p:sp>
+        <p:nvSpPr>
+          <p:cNvPr id="4" name="슬라이드 번호 개체 틀 3"/>
+          <p:cNvSpPr>
+            <a:spLocks noGrp="1"/>
+          </p:cNvSpPr>
+          <p:nvPr>
+            <p:ph type="sldNum" sz="quarter" idx="5"/>
+          </p:nvPr>
+        </p:nvSpPr>
+        <p:spPr/>
+        <p:txBody>
+          <a:bodyPr/>
+          <a:lstStyle/>
+          <a:p>
+            <a:fld id="{9F9AD086-5AFC-45A2-ACDA-DE9787FD86B3}" type="slidenum">
+              <a:rPr lang="ko-KR" altLang="en-US" smtClean="0"/>
+              <a:t>3</a:t>
+            </a:fld>
+            <a:endParaRPr lang="ko-KR" altLang="en-US"/>
+          </a:p>
+        </p:txBody>
+      </p:sp>
+    </p:spTree>
+    <p:extLst>
+      <p:ext uri="{BB962C8B-B14F-4D97-AF65-F5344CB8AC3E}">
+        <p14:creationId xmlns:p14="http://schemas.microsoft.com/office/powerpoint/2010/main" val="2456294171"/>
+      </p:ext>
+    </p:extLst>
+  </p:cSld>
+  <p:clrMapOvr>
+    <a:masterClrMapping/>
+  </p:clrMapOvr>
+</p:notes>
+</file>
+
 <file path=ppt/slideLayouts/slideLayout1.xml><?xml version="1.0" encoding="utf-8"?>
 <p:sldLayout xmlns:a="http://schemas.openxmlformats.org/drawingml/2006/main" xmlns:r="http://schemas.openxmlformats.org/officeDocument/2006/relationships" xmlns:p="http://schemas.openxmlformats.org/presentationml/2006/main" type="title" preserve="1">
   <p:cSld name="제목 슬라이드">
@@ -709,7 +797,7 @@
           <a:p>
             <a:fld id="{9A87183D-DD90-4DD0-9571-682C12DD2772}" type="datetimeFigureOut">
               <a:rPr lang="ko-KR" altLang="en-US" smtClean="0"/>
-              <a:t>2022-09-14</a:t>
+              <a:t>2022-09-15</a:t>
             </a:fld>
             <a:endParaRPr lang="ko-KR" altLang="en-US"/>
           </a:p>
@@ -907,7 +995,7 @@
           <a:p>
             <a:fld id="{9A87183D-DD90-4DD0-9571-682C12DD2772}" type="datetimeFigureOut">
               <a:rPr lang="ko-KR" altLang="en-US" smtClean="0"/>
-              <a:t>2022-09-14</a:t>
+              <a:t>2022-09-15</a:t>
             </a:fld>
             <a:endParaRPr lang="ko-KR" altLang="en-US"/>
           </a:p>
@@ -1115,7 +1203,7 @@
           <a:p>
             <a:fld id="{9A87183D-DD90-4DD0-9571-682C12DD2772}" type="datetimeFigureOut">
               <a:rPr lang="ko-KR" altLang="en-US" smtClean="0"/>
-              <a:t>2022-09-14</a:t>
+              <a:t>2022-09-15</a:t>
             </a:fld>
             <a:endParaRPr lang="ko-KR" altLang="en-US"/>
           </a:p>
@@ -1313,7 +1401,7 @@
           <a:p>
             <a:fld id="{9A87183D-DD90-4DD0-9571-682C12DD2772}" type="datetimeFigureOut">
               <a:rPr lang="ko-KR" altLang="en-US" smtClean="0"/>
-              <a:t>2022-09-14</a:t>
+              <a:t>2022-09-15</a:t>
             </a:fld>
             <a:endParaRPr lang="ko-KR" altLang="en-US"/>
           </a:p>
@@ -1588,7 +1676,7 @@
           <a:p>
             <a:fld id="{9A87183D-DD90-4DD0-9571-682C12DD2772}" type="datetimeFigureOut">
               <a:rPr lang="ko-KR" altLang="en-US" smtClean="0"/>
-              <a:t>2022-09-14</a:t>
+              <a:t>2022-09-15</a:t>
             </a:fld>
             <a:endParaRPr lang="ko-KR" altLang="en-US"/>
           </a:p>
@@ -1853,7 +1941,7 @@
           <a:p>
             <a:fld id="{9A87183D-DD90-4DD0-9571-682C12DD2772}" type="datetimeFigureOut">
               <a:rPr lang="ko-KR" altLang="en-US" smtClean="0"/>
-              <a:t>2022-09-14</a:t>
+              <a:t>2022-09-15</a:t>
             </a:fld>
             <a:endParaRPr lang="ko-KR" altLang="en-US"/>
           </a:p>
@@ -2265,7 +2353,7 @@
           <a:p>
             <a:fld id="{9A87183D-DD90-4DD0-9571-682C12DD2772}" type="datetimeFigureOut">
               <a:rPr lang="ko-KR" altLang="en-US" smtClean="0"/>
-              <a:t>2022-09-14</a:t>
+              <a:t>2022-09-15</a:t>
             </a:fld>
             <a:endParaRPr lang="ko-KR" altLang="en-US"/>
           </a:p>
@@ -2406,7 +2494,7 @@
           <a:p>
             <a:fld id="{9A87183D-DD90-4DD0-9571-682C12DD2772}" type="datetimeFigureOut">
               <a:rPr lang="ko-KR" altLang="en-US" smtClean="0"/>
-              <a:t>2022-09-14</a:t>
+              <a:t>2022-09-15</a:t>
             </a:fld>
             <a:endParaRPr lang="ko-KR" altLang="en-US"/>
           </a:p>
@@ -2519,7 +2607,7 @@
           <a:p>
             <a:fld id="{9A87183D-DD90-4DD0-9571-682C12DD2772}" type="datetimeFigureOut">
               <a:rPr lang="ko-KR" altLang="en-US" smtClean="0"/>
-              <a:t>2022-09-14</a:t>
+              <a:t>2022-09-15</a:t>
             </a:fld>
             <a:endParaRPr lang="ko-KR" altLang="en-US"/>
           </a:p>
@@ -2830,7 +2918,7 @@
           <a:p>
             <a:fld id="{9A87183D-DD90-4DD0-9571-682C12DD2772}" type="datetimeFigureOut">
               <a:rPr lang="ko-KR" altLang="en-US" smtClean="0"/>
-              <a:t>2022-09-14</a:t>
+              <a:t>2022-09-15</a:t>
             </a:fld>
             <a:endParaRPr lang="ko-KR" altLang="en-US"/>
           </a:p>
@@ -3118,7 +3206,7 @@
           <a:p>
             <a:fld id="{9A87183D-DD90-4DD0-9571-682C12DD2772}" type="datetimeFigureOut">
               <a:rPr lang="ko-KR" altLang="en-US" smtClean="0"/>
-              <a:t>2022-09-14</a:t>
+              <a:t>2022-09-15</a:t>
             </a:fld>
             <a:endParaRPr lang="ko-KR" altLang="en-US"/>
           </a:p>
@@ -3359,7 +3447,7 @@
           <a:p>
             <a:fld id="{9A87183D-DD90-4DD0-9571-682C12DD2772}" type="datetimeFigureOut">
               <a:rPr lang="ko-KR" altLang="en-US" smtClean="0"/>
-              <a:t>2022-09-14</a:t>
+              <a:t>2022-09-15</a:t>
             </a:fld>
             <a:endParaRPr lang="ko-KR" altLang="en-US"/>
           </a:p>
@@ -3847,6 +3935,224 @@
 </p:sld>
 </file>
 
+<file path=ppt/slides/slide10.xml><?xml version="1.0" encoding="utf-8"?>
+<p:sld xmlns:a="http://schemas.openxmlformats.org/drawingml/2006/main" xmlns:r="http://schemas.openxmlformats.org/officeDocument/2006/relationships" xmlns:p="http://schemas.openxmlformats.org/presentationml/2006/main">
+  <p:cSld>
+    <p:spTree>
+      <p:nvGrpSpPr>
+        <p:cNvPr id="1" name=""/>
+        <p:cNvGrpSpPr/>
+        <p:nvPr/>
+      </p:nvGrpSpPr>
+      <p:grpSpPr>
+        <a:xfrm>
+          <a:off x="0" y="0"/>
+          <a:ext cx="0" cy="0"/>
+          <a:chOff x="0" y="0"/>
+          <a:chExt cx="0" cy="0"/>
+        </a:xfrm>
+      </p:grpSpPr>
+      <p:sp>
+        <p:nvSpPr>
+          <p:cNvPr id="4" name="타원 3">
+            <a:extLst>
+              <a:ext uri="{FF2B5EF4-FFF2-40B4-BE49-F238E27FC236}">
+                <a16:creationId xmlns:a16="http://schemas.microsoft.com/office/drawing/2014/main" id="{6BEC0AAC-FE02-DF27-3A44-CD87A258999E}"/>
+              </a:ext>
+            </a:extLst>
+          </p:cNvPr>
+          <p:cNvSpPr/>
+          <p:nvPr/>
+        </p:nvSpPr>
+        <p:spPr>
+          <a:xfrm>
+            <a:off x="4749679" y="2738865"/>
+            <a:ext cx="1716126" cy="1716126"/>
+          </a:xfrm>
+          <a:prstGeom prst="ellipse">
+            <a:avLst/>
+          </a:prstGeom>
+        </p:spPr>
+        <p:style>
+          <a:lnRef idx="2">
+            <a:schemeClr val="accent1">
+              <a:shade val="50000"/>
+            </a:schemeClr>
+          </a:lnRef>
+          <a:fillRef idx="1">
+            <a:schemeClr val="accent1"/>
+          </a:fillRef>
+          <a:effectRef idx="0">
+            <a:schemeClr val="accent1"/>
+          </a:effectRef>
+          <a:fontRef idx="minor">
+            <a:schemeClr val="lt1"/>
+          </a:fontRef>
+        </p:style>
+        <p:txBody>
+          <a:bodyPr rtlCol="0" anchor="ctr"/>
+          <a:lstStyle/>
+          <a:p>
+            <a:pPr algn="ctr"/>
+            <a:endParaRPr lang="ko-KR" altLang="en-US"/>
+          </a:p>
+        </p:txBody>
+      </p:sp>
+      <p:sp>
+        <p:nvSpPr>
+          <p:cNvPr id="6" name="타원 5">
+            <a:extLst>
+              <a:ext uri="{FF2B5EF4-FFF2-40B4-BE49-F238E27FC236}">
+                <a16:creationId xmlns:a16="http://schemas.microsoft.com/office/drawing/2014/main" id="{F3166636-5269-EF3C-0EE9-F6D39995609A}"/>
+              </a:ext>
+            </a:extLst>
+          </p:cNvPr>
+          <p:cNvSpPr/>
+          <p:nvPr/>
+        </p:nvSpPr>
+        <p:spPr>
+          <a:xfrm>
+            <a:off x="5399727" y="3394331"/>
+            <a:ext cx="416030" cy="416030"/>
+          </a:xfrm>
+          <a:prstGeom prst="ellipse">
+            <a:avLst/>
+          </a:prstGeom>
+        </p:spPr>
+        <p:style>
+          <a:lnRef idx="2">
+            <a:schemeClr val="accent1">
+              <a:shade val="50000"/>
+            </a:schemeClr>
+          </a:lnRef>
+          <a:fillRef idx="1">
+            <a:schemeClr val="accent1"/>
+          </a:fillRef>
+          <a:effectRef idx="0">
+            <a:schemeClr val="accent1"/>
+          </a:effectRef>
+          <a:fontRef idx="minor">
+            <a:schemeClr val="lt1"/>
+          </a:fontRef>
+        </p:style>
+        <p:txBody>
+          <a:bodyPr rtlCol="0" anchor="ctr"/>
+          <a:lstStyle/>
+          <a:p>
+            <a:pPr algn="ctr"/>
+            <a:endParaRPr lang="ko-KR" altLang="en-US"/>
+          </a:p>
+        </p:txBody>
+      </p:sp>
+    </p:spTree>
+    <p:extLst>
+      <p:ext uri="{BB962C8B-B14F-4D97-AF65-F5344CB8AC3E}">
+        <p14:creationId xmlns:p14="http://schemas.microsoft.com/office/powerpoint/2010/main" val="1679457705"/>
+      </p:ext>
+    </p:extLst>
+  </p:cSld>
+  <p:clrMapOvr>
+    <a:masterClrMapping/>
+  </p:clrMapOvr>
+</p:sld>
+</file>
+
+<file path=ppt/slides/slide11.xml><?xml version="1.0" encoding="utf-8"?>
+<p:sld xmlns:a="http://schemas.openxmlformats.org/drawingml/2006/main" xmlns:r="http://schemas.openxmlformats.org/officeDocument/2006/relationships" xmlns:p="http://schemas.openxmlformats.org/presentationml/2006/main">
+  <p:cSld>
+    <p:bg>
+      <p:bgPr>
+        <a:solidFill>
+          <a:srgbClr val="FC4D02"/>
+        </a:solidFill>
+        <a:effectLst/>
+      </p:bgPr>
+    </p:bg>
+    <p:spTree>
+      <p:nvGrpSpPr>
+        <p:cNvPr id="1" name=""/>
+        <p:cNvGrpSpPr/>
+        <p:nvPr/>
+      </p:nvGrpSpPr>
+      <p:grpSpPr>
+        <a:xfrm>
+          <a:off x="0" y="0"/>
+          <a:ext cx="0" cy="0"/>
+          <a:chOff x="0" y="0"/>
+          <a:chExt cx="0" cy="0"/>
+        </a:xfrm>
+      </p:grpSpPr>
+      <p:sp>
+        <p:nvSpPr>
+          <p:cNvPr id="2" name="원형: 비어 있음 1">
+            <a:extLst>
+              <a:ext uri="{FF2B5EF4-FFF2-40B4-BE49-F238E27FC236}">
+                <a16:creationId xmlns:a16="http://schemas.microsoft.com/office/drawing/2014/main" id="{6536DFD2-7F6C-16CF-1DCE-63B2206BAD7D}"/>
+              </a:ext>
+            </a:extLst>
+          </p:cNvPr>
+          <p:cNvSpPr/>
+          <p:nvPr/>
+        </p:nvSpPr>
+        <p:spPr>
+          <a:xfrm flipH="1">
+            <a:off x="5913967" y="3492450"/>
+            <a:ext cx="82876" cy="82876"/>
+          </a:xfrm>
+          <a:prstGeom prst="donut">
+            <a:avLst>
+              <a:gd name="adj" fmla="val 35052"/>
+            </a:avLst>
+          </a:prstGeom>
+          <a:solidFill>
+            <a:schemeClr val="bg1"/>
+          </a:solidFill>
+          <a:ln>
+            <a:noFill/>
+          </a:ln>
+        </p:spPr>
+        <p:style>
+          <a:lnRef idx="2">
+            <a:schemeClr val="accent1">
+              <a:shade val="50000"/>
+            </a:schemeClr>
+          </a:lnRef>
+          <a:fillRef idx="1">
+            <a:schemeClr val="accent1"/>
+          </a:fillRef>
+          <a:effectRef idx="0">
+            <a:schemeClr val="accent1"/>
+          </a:effectRef>
+          <a:fontRef idx="minor">
+            <a:schemeClr val="lt1"/>
+          </a:fontRef>
+        </p:style>
+        <p:txBody>
+          <a:bodyPr rtlCol="0" anchor="ctr"/>
+          <a:lstStyle/>
+          <a:p>
+            <a:pPr algn="ctr"/>
+            <a:endParaRPr lang="ko-KR" altLang="en-US">
+              <a:solidFill>
+                <a:schemeClr val="tx1"/>
+              </a:solidFill>
+            </a:endParaRPr>
+          </a:p>
+        </p:txBody>
+      </p:sp>
+    </p:spTree>
+    <p:extLst>
+      <p:ext uri="{BB962C8B-B14F-4D97-AF65-F5344CB8AC3E}">
+        <p14:creationId xmlns:p14="http://schemas.microsoft.com/office/powerpoint/2010/main" val="1139370144"/>
+      </p:ext>
+    </p:extLst>
+  </p:cSld>
+  <p:clrMapOvr>
+    <a:masterClrMapping/>
+  </p:clrMapOvr>
+</p:sld>
+</file>
+
 <file path=ppt/slides/slide2.xml><?xml version="1.0" encoding="utf-8"?>
 <p:sld xmlns:a="http://schemas.openxmlformats.org/drawingml/2006/main" xmlns:r="http://schemas.openxmlformats.org/officeDocument/2006/relationships" xmlns:p="http://schemas.openxmlformats.org/presentationml/2006/main">
   <p:cSld>
@@ -8628,6 +8934,5250 @@
 <file path=ppt/slides/slide3.xml><?xml version="1.0" encoding="utf-8"?>
 <p:sld xmlns:a="http://schemas.openxmlformats.org/drawingml/2006/main" xmlns:r="http://schemas.openxmlformats.org/officeDocument/2006/relationships" xmlns:p="http://schemas.openxmlformats.org/presentationml/2006/main">
   <p:cSld>
+    <p:spTree>
+      <p:nvGrpSpPr>
+        <p:cNvPr id="1" name=""/>
+        <p:cNvGrpSpPr/>
+        <p:nvPr/>
+      </p:nvGrpSpPr>
+      <p:grpSpPr>
+        <a:xfrm>
+          <a:off x="0" y="0"/>
+          <a:ext cx="0" cy="0"/>
+          <a:chOff x="0" y="0"/>
+          <a:chExt cx="0" cy="0"/>
+        </a:xfrm>
+      </p:grpSpPr>
+      <p:sp>
+        <p:nvSpPr>
+          <p:cNvPr id="16" name="사각형: 둥근 모서리 15">
+            <a:extLst>
+              <a:ext uri="{FF2B5EF4-FFF2-40B4-BE49-F238E27FC236}">
+                <a16:creationId xmlns:a16="http://schemas.microsoft.com/office/drawing/2014/main" id="{459BF020-BC45-547A-234E-6DD489F98139}"/>
+              </a:ext>
+            </a:extLst>
+          </p:cNvPr>
+          <p:cNvSpPr/>
+          <p:nvPr/>
+        </p:nvSpPr>
+        <p:spPr>
+          <a:xfrm>
+            <a:off x="9345336" y="2432104"/>
+            <a:ext cx="2846664" cy="545988"/>
+          </a:xfrm>
+          <a:prstGeom prst="roundRect">
+            <a:avLst/>
+          </a:prstGeom>
+          <a:gradFill flip="none" rotWithShape="1">
+            <a:gsLst>
+              <a:gs pos="0">
+                <a:schemeClr val="dk1">
+                  <a:lumMod val="67000"/>
+                </a:schemeClr>
+              </a:gs>
+              <a:gs pos="48000">
+                <a:schemeClr val="dk1">
+                  <a:lumMod val="97000"/>
+                  <a:lumOff val="3000"/>
+                </a:schemeClr>
+              </a:gs>
+              <a:gs pos="100000">
+                <a:schemeClr val="dk1">
+                  <a:lumMod val="60000"/>
+                  <a:lumOff val="40000"/>
+                </a:schemeClr>
+              </a:gs>
+            </a:gsLst>
+            <a:lin ang="16200000" scaled="1"/>
+            <a:tileRect/>
+          </a:gradFill>
+          <a:ln>
+            <a:noFill/>
+          </a:ln>
+        </p:spPr>
+        <p:style>
+          <a:lnRef idx="0">
+            <a:scrgbClr r="0" g="0" b="0"/>
+          </a:lnRef>
+          <a:fillRef idx="0">
+            <a:scrgbClr r="0" g="0" b="0"/>
+          </a:fillRef>
+          <a:effectRef idx="0">
+            <a:scrgbClr r="0" g="0" b="0"/>
+          </a:effectRef>
+          <a:fontRef idx="minor">
+            <a:schemeClr val="lt1"/>
+          </a:fontRef>
+        </p:style>
+        <p:txBody>
+          <a:bodyPr rtlCol="0" anchor="ctr"/>
+          <a:lstStyle/>
+          <a:p>
+            <a:endParaRPr lang="ko-KR" altLang="en-US" sz="1400">
+              <a:solidFill>
+                <a:schemeClr val="tx1"/>
+              </a:solidFill>
+              <a:latin typeface="Comic Sans MS" panose="030F0702030302020204" pitchFamily="66" charset="0"/>
+            </a:endParaRPr>
+          </a:p>
+        </p:txBody>
+      </p:sp>
+      <p:sp>
+        <p:nvSpPr>
+          <p:cNvPr id="18" name="사각형: 둥근 모서리 17">
+            <a:extLst>
+              <a:ext uri="{FF2B5EF4-FFF2-40B4-BE49-F238E27FC236}">
+                <a16:creationId xmlns:a16="http://schemas.microsoft.com/office/drawing/2014/main" id="{63AA0E5B-6348-E8BA-6877-8BB135DB8F09}"/>
+              </a:ext>
+            </a:extLst>
+          </p:cNvPr>
+          <p:cNvSpPr/>
+          <p:nvPr/>
+        </p:nvSpPr>
+        <p:spPr>
+          <a:xfrm>
+            <a:off x="8710206" y="2432104"/>
+            <a:ext cx="629174" cy="545988"/>
+          </a:xfrm>
+          <a:prstGeom prst="roundRect">
+            <a:avLst/>
+          </a:prstGeom>
+        </p:spPr>
+        <p:style>
+          <a:lnRef idx="2">
+            <a:schemeClr val="accent4">
+              <a:shade val="50000"/>
+            </a:schemeClr>
+          </a:lnRef>
+          <a:fillRef idx="1">
+            <a:schemeClr val="accent4"/>
+          </a:fillRef>
+          <a:effectRef idx="0">
+            <a:schemeClr val="accent4"/>
+          </a:effectRef>
+          <a:fontRef idx="minor">
+            <a:schemeClr val="lt1"/>
+          </a:fontRef>
+        </p:style>
+        <p:txBody>
+          <a:bodyPr rtlCol="0" anchor="ctr"/>
+          <a:lstStyle/>
+          <a:p>
+            <a:pPr algn="ctr"/>
+            <a:r>
+              <a:rPr lang="en-US" altLang="ko-KR" b="1">
+                <a:solidFill>
+                  <a:schemeClr val="tx1"/>
+                </a:solidFill>
+                <a:latin typeface="Comic Sans MS" panose="030F0702030302020204" pitchFamily="66" charset="0"/>
+              </a:rPr>
+              <a:t>14</a:t>
+            </a:r>
+            <a:endParaRPr lang="ko-KR" altLang="en-US" b="1">
+              <a:solidFill>
+                <a:schemeClr val="tx1"/>
+              </a:solidFill>
+              <a:latin typeface="Comic Sans MS" panose="030F0702030302020204" pitchFamily="66" charset="0"/>
+            </a:endParaRPr>
+          </a:p>
+        </p:txBody>
+      </p:sp>
+      <p:sp>
+        <p:nvSpPr>
+          <p:cNvPr id="20" name="사각형: 둥근 모서리 19">
+            <a:extLst>
+              <a:ext uri="{FF2B5EF4-FFF2-40B4-BE49-F238E27FC236}">
+                <a16:creationId xmlns:a16="http://schemas.microsoft.com/office/drawing/2014/main" id="{01EEB412-F1C8-6C7E-16C6-F619BD9391B4}"/>
+              </a:ext>
+            </a:extLst>
+          </p:cNvPr>
+          <p:cNvSpPr/>
+          <p:nvPr/>
+        </p:nvSpPr>
+        <p:spPr>
+          <a:xfrm>
+            <a:off x="9776571" y="1876561"/>
+            <a:ext cx="2852619" cy="545988"/>
+          </a:xfrm>
+          <a:prstGeom prst="roundRect">
+            <a:avLst/>
+          </a:prstGeom>
+          <a:gradFill flip="none" rotWithShape="1">
+            <a:gsLst>
+              <a:gs pos="0">
+                <a:schemeClr val="dk1">
+                  <a:lumMod val="67000"/>
+                </a:schemeClr>
+              </a:gs>
+              <a:gs pos="48000">
+                <a:schemeClr val="dk1">
+                  <a:lumMod val="97000"/>
+                  <a:lumOff val="3000"/>
+                </a:schemeClr>
+              </a:gs>
+              <a:gs pos="100000">
+                <a:schemeClr val="dk1">
+                  <a:lumMod val="60000"/>
+                  <a:lumOff val="40000"/>
+                </a:schemeClr>
+              </a:gs>
+            </a:gsLst>
+            <a:lin ang="16200000" scaled="1"/>
+            <a:tileRect/>
+          </a:gradFill>
+          <a:ln>
+            <a:noFill/>
+          </a:ln>
+        </p:spPr>
+        <p:style>
+          <a:lnRef idx="0">
+            <a:scrgbClr r="0" g="0" b="0"/>
+          </a:lnRef>
+          <a:fillRef idx="0">
+            <a:scrgbClr r="0" g="0" b="0"/>
+          </a:fillRef>
+          <a:effectRef idx="0">
+            <a:scrgbClr r="0" g="0" b="0"/>
+          </a:effectRef>
+          <a:fontRef idx="minor">
+            <a:schemeClr val="lt1"/>
+          </a:fontRef>
+        </p:style>
+        <p:txBody>
+          <a:bodyPr rtlCol="0" anchor="ctr"/>
+          <a:lstStyle/>
+          <a:p>
+            <a:endParaRPr lang="ko-KR" altLang="en-US" sz="1400">
+              <a:solidFill>
+                <a:schemeClr val="tx1"/>
+              </a:solidFill>
+              <a:latin typeface="Comic Sans MS" panose="030F0702030302020204" pitchFamily="66" charset="0"/>
+            </a:endParaRPr>
+          </a:p>
+        </p:txBody>
+      </p:sp>
+      <p:sp>
+        <p:nvSpPr>
+          <p:cNvPr id="22" name="사각형: 둥근 모서리 21">
+            <a:extLst>
+              <a:ext uri="{FF2B5EF4-FFF2-40B4-BE49-F238E27FC236}">
+                <a16:creationId xmlns:a16="http://schemas.microsoft.com/office/drawing/2014/main" id="{41E177B1-0F68-24CC-C741-5DC7278CDD76}"/>
+              </a:ext>
+            </a:extLst>
+          </p:cNvPr>
+          <p:cNvSpPr/>
+          <p:nvPr/>
+        </p:nvSpPr>
+        <p:spPr>
+          <a:xfrm>
+            <a:off x="9147397" y="1876561"/>
+            <a:ext cx="629174" cy="545988"/>
+          </a:xfrm>
+          <a:prstGeom prst="roundRect">
+            <a:avLst/>
+          </a:prstGeom>
+        </p:spPr>
+        <p:style>
+          <a:lnRef idx="1">
+            <a:schemeClr val="accent1"/>
+          </a:lnRef>
+          <a:fillRef idx="2">
+            <a:schemeClr val="accent1"/>
+          </a:fillRef>
+          <a:effectRef idx="1">
+            <a:schemeClr val="accent1"/>
+          </a:effectRef>
+          <a:fontRef idx="minor">
+            <a:schemeClr val="dk1"/>
+          </a:fontRef>
+        </p:style>
+        <p:txBody>
+          <a:bodyPr rtlCol="0" anchor="ctr"/>
+          <a:lstStyle/>
+          <a:p>
+            <a:pPr algn="ctr"/>
+            <a:endParaRPr lang="ko-KR" altLang="en-US" b="1">
+              <a:solidFill>
+                <a:schemeClr val="tx1"/>
+              </a:solidFill>
+              <a:latin typeface="Comic Sans MS" panose="030F0702030302020204" pitchFamily="66" charset="0"/>
+            </a:endParaRPr>
+          </a:p>
+        </p:txBody>
+      </p:sp>
+      <p:sp>
+        <p:nvSpPr>
+          <p:cNvPr id="24" name="사각형: 둥근 모서리 23">
+            <a:extLst>
+              <a:ext uri="{FF2B5EF4-FFF2-40B4-BE49-F238E27FC236}">
+                <a16:creationId xmlns:a16="http://schemas.microsoft.com/office/drawing/2014/main" id="{27D3066D-2690-E5C8-FB74-CADC6F7198C1}"/>
+              </a:ext>
+            </a:extLst>
+          </p:cNvPr>
+          <p:cNvSpPr/>
+          <p:nvPr/>
+        </p:nvSpPr>
+        <p:spPr>
+          <a:xfrm>
+            <a:off x="10059059" y="1330573"/>
+            <a:ext cx="2846664" cy="545988"/>
+          </a:xfrm>
+          <a:prstGeom prst="roundRect">
+            <a:avLst/>
+          </a:prstGeom>
+          <a:gradFill flip="none" rotWithShape="1">
+            <a:gsLst>
+              <a:gs pos="0">
+                <a:schemeClr val="dk1">
+                  <a:lumMod val="67000"/>
+                </a:schemeClr>
+              </a:gs>
+              <a:gs pos="48000">
+                <a:schemeClr val="dk1">
+                  <a:lumMod val="97000"/>
+                  <a:lumOff val="3000"/>
+                </a:schemeClr>
+              </a:gs>
+              <a:gs pos="100000">
+                <a:schemeClr val="dk1">
+                  <a:lumMod val="60000"/>
+                  <a:lumOff val="40000"/>
+                </a:schemeClr>
+              </a:gs>
+            </a:gsLst>
+            <a:lin ang="16200000" scaled="1"/>
+            <a:tileRect/>
+          </a:gradFill>
+          <a:ln>
+            <a:noFill/>
+          </a:ln>
+        </p:spPr>
+        <p:style>
+          <a:lnRef idx="0">
+            <a:scrgbClr r="0" g="0" b="0"/>
+          </a:lnRef>
+          <a:fillRef idx="0">
+            <a:scrgbClr r="0" g="0" b="0"/>
+          </a:fillRef>
+          <a:effectRef idx="0">
+            <a:scrgbClr r="0" g="0" b="0"/>
+          </a:effectRef>
+          <a:fontRef idx="minor">
+            <a:schemeClr val="lt1"/>
+          </a:fontRef>
+        </p:style>
+        <p:txBody>
+          <a:bodyPr rtlCol="0" anchor="ctr"/>
+          <a:lstStyle/>
+          <a:p>
+            <a:endParaRPr lang="ko-KR" altLang="en-US" sz="1400">
+              <a:solidFill>
+                <a:schemeClr val="tx1"/>
+              </a:solidFill>
+              <a:latin typeface="Comic Sans MS" panose="030F0702030302020204" pitchFamily="66" charset="0"/>
+            </a:endParaRPr>
+          </a:p>
+        </p:txBody>
+      </p:sp>
+      <p:sp>
+        <p:nvSpPr>
+          <p:cNvPr id="26" name="사각형: 둥근 모서리 25">
+            <a:extLst>
+              <a:ext uri="{FF2B5EF4-FFF2-40B4-BE49-F238E27FC236}">
+                <a16:creationId xmlns:a16="http://schemas.microsoft.com/office/drawing/2014/main" id="{ABC90369-4965-9A45-0BE9-0FFBD28CC1AA}"/>
+              </a:ext>
+            </a:extLst>
+          </p:cNvPr>
+          <p:cNvSpPr/>
+          <p:nvPr/>
+        </p:nvSpPr>
+        <p:spPr>
+          <a:xfrm>
+            <a:off x="9423929" y="1330573"/>
+            <a:ext cx="629174" cy="545988"/>
+          </a:xfrm>
+          <a:prstGeom prst="roundRect">
+            <a:avLst/>
+          </a:prstGeom>
+        </p:spPr>
+        <p:style>
+          <a:lnRef idx="2">
+            <a:schemeClr val="accent6">
+              <a:shade val="50000"/>
+            </a:schemeClr>
+          </a:lnRef>
+          <a:fillRef idx="1">
+            <a:schemeClr val="accent6"/>
+          </a:fillRef>
+          <a:effectRef idx="0">
+            <a:schemeClr val="accent6"/>
+          </a:effectRef>
+          <a:fontRef idx="minor">
+            <a:schemeClr val="lt1"/>
+          </a:fontRef>
+        </p:style>
+        <p:txBody>
+          <a:bodyPr rtlCol="0" anchor="ctr"/>
+          <a:lstStyle/>
+          <a:p>
+            <a:pPr algn="ctr"/>
+            <a:endParaRPr lang="ko-KR" altLang="en-US" b="1">
+              <a:solidFill>
+                <a:schemeClr val="tx1"/>
+              </a:solidFill>
+              <a:latin typeface="Comic Sans MS" panose="030F0702030302020204" pitchFamily="66" charset="0"/>
+            </a:endParaRPr>
+          </a:p>
+        </p:txBody>
+      </p:sp>
+      <p:sp>
+        <p:nvSpPr>
+          <p:cNvPr id="28" name="사각형: 둥근 모서리 27">
+            <a:extLst>
+              <a:ext uri="{FF2B5EF4-FFF2-40B4-BE49-F238E27FC236}">
+                <a16:creationId xmlns:a16="http://schemas.microsoft.com/office/drawing/2014/main" id="{F6AE6ACF-76D4-65AF-F5A6-A1C409C1CA16}"/>
+              </a:ext>
+            </a:extLst>
+          </p:cNvPr>
+          <p:cNvSpPr/>
+          <p:nvPr/>
+        </p:nvSpPr>
+        <p:spPr>
+          <a:xfrm>
+            <a:off x="10337080" y="774825"/>
+            <a:ext cx="2852619" cy="545988"/>
+          </a:xfrm>
+          <a:prstGeom prst="roundRect">
+            <a:avLst/>
+          </a:prstGeom>
+          <a:gradFill flip="none" rotWithShape="1">
+            <a:gsLst>
+              <a:gs pos="0">
+                <a:schemeClr val="dk1">
+                  <a:lumMod val="67000"/>
+                </a:schemeClr>
+              </a:gs>
+              <a:gs pos="48000">
+                <a:schemeClr val="dk1">
+                  <a:lumMod val="97000"/>
+                  <a:lumOff val="3000"/>
+                </a:schemeClr>
+              </a:gs>
+              <a:gs pos="100000">
+                <a:schemeClr val="dk1">
+                  <a:lumMod val="60000"/>
+                  <a:lumOff val="40000"/>
+                </a:schemeClr>
+              </a:gs>
+            </a:gsLst>
+            <a:lin ang="16200000" scaled="1"/>
+            <a:tileRect/>
+          </a:gradFill>
+          <a:ln>
+            <a:noFill/>
+          </a:ln>
+        </p:spPr>
+        <p:style>
+          <a:lnRef idx="0">
+            <a:scrgbClr r="0" g="0" b="0"/>
+          </a:lnRef>
+          <a:fillRef idx="0">
+            <a:scrgbClr r="0" g="0" b="0"/>
+          </a:fillRef>
+          <a:effectRef idx="0">
+            <a:scrgbClr r="0" g="0" b="0"/>
+          </a:effectRef>
+          <a:fontRef idx="minor">
+            <a:schemeClr val="lt1"/>
+          </a:fontRef>
+        </p:style>
+        <p:txBody>
+          <a:bodyPr rtlCol="0" anchor="ctr"/>
+          <a:lstStyle/>
+          <a:p>
+            <a:endParaRPr lang="ko-KR" altLang="en-US" sz="1400">
+              <a:solidFill>
+                <a:schemeClr val="tx1"/>
+              </a:solidFill>
+              <a:latin typeface="Comic Sans MS" panose="030F0702030302020204" pitchFamily="66" charset="0"/>
+            </a:endParaRPr>
+          </a:p>
+        </p:txBody>
+      </p:sp>
+      <p:sp>
+        <p:nvSpPr>
+          <p:cNvPr id="30" name="사각형: 둥근 모서리 29">
+            <a:extLst>
+              <a:ext uri="{FF2B5EF4-FFF2-40B4-BE49-F238E27FC236}">
+                <a16:creationId xmlns:a16="http://schemas.microsoft.com/office/drawing/2014/main" id="{A5C6FA8D-43ED-7A71-DD0F-0566E719685E}"/>
+              </a:ext>
+            </a:extLst>
+          </p:cNvPr>
+          <p:cNvSpPr/>
+          <p:nvPr/>
+        </p:nvSpPr>
+        <p:spPr>
+          <a:xfrm>
+            <a:off x="9707906" y="774825"/>
+            <a:ext cx="629174" cy="545988"/>
+          </a:xfrm>
+          <a:prstGeom prst="roundRect">
+            <a:avLst/>
+          </a:prstGeom>
+        </p:spPr>
+        <p:style>
+          <a:lnRef idx="2">
+            <a:schemeClr val="accent6">
+              <a:shade val="50000"/>
+            </a:schemeClr>
+          </a:lnRef>
+          <a:fillRef idx="1">
+            <a:schemeClr val="accent6"/>
+          </a:fillRef>
+          <a:effectRef idx="0">
+            <a:schemeClr val="accent6"/>
+          </a:effectRef>
+          <a:fontRef idx="minor">
+            <a:schemeClr val="lt1"/>
+          </a:fontRef>
+        </p:style>
+        <p:txBody>
+          <a:bodyPr rtlCol="0" anchor="ctr"/>
+          <a:lstStyle/>
+          <a:p>
+            <a:pPr algn="ctr"/>
+            <a:endParaRPr lang="ko-KR" altLang="en-US" b="1">
+              <a:solidFill>
+                <a:schemeClr val="tx1"/>
+              </a:solidFill>
+              <a:latin typeface="Comic Sans MS" panose="030F0702030302020204" pitchFamily="66" charset="0"/>
+            </a:endParaRPr>
+          </a:p>
+        </p:txBody>
+      </p:sp>
+      <p:sp>
+        <p:nvSpPr>
+          <p:cNvPr id="32" name="사각형: 둥근 모서리 31">
+            <a:extLst>
+              <a:ext uri="{FF2B5EF4-FFF2-40B4-BE49-F238E27FC236}">
+                <a16:creationId xmlns:a16="http://schemas.microsoft.com/office/drawing/2014/main" id="{918E82F4-969A-16E4-3453-20426DF1D47D}"/>
+              </a:ext>
+            </a:extLst>
+          </p:cNvPr>
+          <p:cNvSpPr/>
+          <p:nvPr/>
+        </p:nvSpPr>
+        <p:spPr>
+          <a:xfrm>
+            <a:off x="9916360" y="4645052"/>
+            <a:ext cx="2852619" cy="545988"/>
+          </a:xfrm>
+          <a:prstGeom prst="roundRect">
+            <a:avLst/>
+          </a:prstGeom>
+          <a:gradFill flip="none" rotWithShape="1">
+            <a:gsLst>
+              <a:gs pos="0">
+                <a:schemeClr val="dk1">
+                  <a:lumMod val="67000"/>
+                </a:schemeClr>
+              </a:gs>
+              <a:gs pos="48000">
+                <a:schemeClr val="dk1">
+                  <a:lumMod val="97000"/>
+                  <a:lumOff val="3000"/>
+                </a:schemeClr>
+              </a:gs>
+              <a:gs pos="100000">
+                <a:schemeClr val="dk1">
+                  <a:lumMod val="60000"/>
+                  <a:lumOff val="40000"/>
+                </a:schemeClr>
+              </a:gs>
+            </a:gsLst>
+            <a:lin ang="16200000" scaled="1"/>
+            <a:tileRect/>
+          </a:gradFill>
+          <a:ln>
+            <a:noFill/>
+          </a:ln>
+        </p:spPr>
+        <p:style>
+          <a:lnRef idx="0">
+            <a:scrgbClr r="0" g="0" b="0"/>
+          </a:lnRef>
+          <a:fillRef idx="0">
+            <a:scrgbClr r="0" g="0" b="0"/>
+          </a:fillRef>
+          <a:effectRef idx="0">
+            <a:scrgbClr r="0" g="0" b="0"/>
+          </a:effectRef>
+          <a:fontRef idx="minor">
+            <a:schemeClr val="lt1"/>
+          </a:fontRef>
+        </p:style>
+        <p:txBody>
+          <a:bodyPr rtlCol="0" anchor="ctr"/>
+          <a:lstStyle/>
+          <a:p>
+            <a:endParaRPr lang="ko-KR" altLang="en-US" sz="1400">
+              <a:solidFill>
+                <a:schemeClr val="tx1"/>
+              </a:solidFill>
+              <a:latin typeface="Comic Sans MS" panose="030F0702030302020204" pitchFamily="66" charset="0"/>
+            </a:endParaRPr>
+          </a:p>
+        </p:txBody>
+      </p:sp>
+      <p:sp>
+        <p:nvSpPr>
+          <p:cNvPr id="34" name="사각형: 둥근 모서리 33">
+            <a:extLst>
+              <a:ext uri="{FF2B5EF4-FFF2-40B4-BE49-F238E27FC236}">
+                <a16:creationId xmlns:a16="http://schemas.microsoft.com/office/drawing/2014/main" id="{E7DDD59F-C938-3017-A47F-F9BC96EE3211}"/>
+              </a:ext>
+            </a:extLst>
+          </p:cNvPr>
+          <p:cNvSpPr/>
+          <p:nvPr/>
+        </p:nvSpPr>
+        <p:spPr>
+          <a:xfrm>
+            <a:off x="9287186" y="4645052"/>
+            <a:ext cx="629174" cy="545988"/>
+          </a:xfrm>
+          <a:prstGeom prst="roundRect">
+            <a:avLst/>
+          </a:prstGeom>
+        </p:spPr>
+        <p:style>
+          <a:lnRef idx="1">
+            <a:schemeClr val="accent1"/>
+          </a:lnRef>
+          <a:fillRef idx="2">
+            <a:schemeClr val="accent1"/>
+          </a:fillRef>
+          <a:effectRef idx="1">
+            <a:schemeClr val="accent1"/>
+          </a:effectRef>
+          <a:fontRef idx="minor">
+            <a:schemeClr val="dk1"/>
+          </a:fontRef>
+        </p:style>
+        <p:txBody>
+          <a:bodyPr rtlCol="0" anchor="ctr"/>
+          <a:lstStyle/>
+          <a:p>
+            <a:pPr algn="ctr"/>
+            <a:endParaRPr lang="ko-KR" altLang="en-US" b="1">
+              <a:solidFill>
+                <a:schemeClr val="tx1"/>
+              </a:solidFill>
+              <a:latin typeface="Comic Sans MS" panose="030F0702030302020204" pitchFamily="66" charset="0"/>
+            </a:endParaRPr>
+          </a:p>
+        </p:txBody>
+      </p:sp>
+      <p:sp>
+        <p:nvSpPr>
+          <p:cNvPr id="40" name="사각형: 둥근 모서리 39">
+            <a:extLst>
+              <a:ext uri="{FF2B5EF4-FFF2-40B4-BE49-F238E27FC236}">
+                <a16:creationId xmlns:a16="http://schemas.microsoft.com/office/drawing/2014/main" id="{49EA5170-5B3F-4AF8-A35E-DC162EB4B2E2}"/>
+              </a:ext>
+            </a:extLst>
+          </p:cNvPr>
+          <p:cNvSpPr/>
+          <p:nvPr/>
+        </p:nvSpPr>
+        <p:spPr>
+          <a:xfrm>
+            <a:off x="9040475" y="4692522"/>
+            <a:ext cx="2852619" cy="545988"/>
+          </a:xfrm>
+          <a:prstGeom prst="roundRect">
+            <a:avLst/>
+          </a:prstGeom>
+          <a:gradFill flip="none" rotWithShape="1">
+            <a:gsLst>
+              <a:gs pos="0">
+                <a:schemeClr val="dk1">
+                  <a:lumMod val="67000"/>
+                </a:schemeClr>
+              </a:gs>
+              <a:gs pos="48000">
+                <a:schemeClr val="dk1">
+                  <a:lumMod val="97000"/>
+                  <a:lumOff val="3000"/>
+                </a:schemeClr>
+              </a:gs>
+              <a:gs pos="100000">
+                <a:schemeClr val="dk1">
+                  <a:lumMod val="60000"/>
+                  <a:lumOff val="40000"/>
+                </a:schemeClr>
+              </a:gs>
+            </a:gsLst>
+            <a:lin ang="16200000" scaled="1"/>
+            <a:tileRect/>
+          </a:gradFill>
+          <a:ln>
+            <a:noFill/>
+          </a:ln>
+        </p:spPr>
+        <p:style>
+          <a:lnRef idx="0">
+            <a:scrgbClr r="0" g="0" b="0"/>
+          </a:lnRef>
+          <a:fillRef idx="0">
+            <a:scrgbClr r="0" g="0" b="0"/>
+          </a:fillRef>
+          <a:effectRef idx="0">
+            <a:scrgbClr r="0" g="0" b="0"/>
+          </a:effectRef>
+          <a:fontRef idx="minor">
+            <a:schemeClr val="lt1"/>
+          </a:fontRef>
+        </p:style>
+        <p:txBody>
+          <a:bodyPr rtlCol="0" anchor="ctr"/>
+          <a:lstStyle/>
+          <a:p>
+            <a:endParaRPr lang="ko-KR" altLang="en-US" sz="1400">
+              <a:solidFill>
+                <a:schemeClr val="tx1"/>
+              </a:solidFill>
+              <a:latin typeface="Comic Sans MS" panose="030F0702030302020204" pitchFamily="66" charset="0"/>
+            </a:endParaRPr>
+          </a:p>
+        </p:txBody>
+      </p:sp>
+      <p:sp>
+        <p:nvSpPr>
+          <p:cNvPr id="44" name="사각형: 둥근 모서리 43">
+            <a:extLst>
+              <a:ext uri="{FF2B5EF4-FFF2-40B4-BE49-F238E27FC236}">
+                <a16:creationId xmlns:a16="http://schemas.microsoft.com/office/drawing/2014/main" id="{70F80685-381F-A094-B212-C25D773A5F28}"/>
+              </a:ext>
+            </a:extLst>
+          </p:cNvPr>
+          <p:cNvSpPr/>
+          <p:nvPr/>
+        </p:nvSpPr>
+        <p:spPr>
+          <a:xfrm>
+            <a:off x="10827305" y="6290124"/>
+            <a:ext cx="2852619" cy="545988"/>
+          </a:xfrm>
+          <a:prstGeom prst="roundRect">
+            <a:avLst/>
+          </a:prstGeom>
+          <a:gradFill flip="none" rotWithShape="1">
+            <a:gsLst>
+              <a:gs pos="0">
+                <a:schemeClr val="dk1">
+                  <a:lumMod val="67000"/>
+                </a:schemeClr>
+              </a:gs>
+              <a:gs pos="48000">
+                <a:schemeClr val="dk1">
+                  <a:lumMod val="97000"/>
+                  <a:lumOff val="3000"/>
+                </a:schemeClr>
+              </a:gs>
+              <a:gs pos="100000">
+                <a:schemeClr val="dk1">
+                  <a:lumMod val="60000"/>
+                  <a:lumOff val="40000"/>
+                </a:schemeClr>
+              </a:gs>
+            </a:gsLst>
+            <a:lin ang="16200000" scaled="1"/>
+            <a:tileRect/>
+          </a:gradFill>
+          <a:ln>
+            <a:noFill/>
+          </a:ln>
+        </p:spPr>
+        <p:style>
+          <a:lnRef idx="0">
+            <a:scrgbClr r="0" g="0" b="0"/>
+          </a:lnRef>
+          <a:fillRef idx="0">
+            <a:scrgbClr r="0" g="0" b="0"/>
+          </a:fillRef>
+          <a:effectRef idx="0">
+            <a:scrgbClr r="0" g="0" b="0"/>
+          </a:effectRef>
+          <a:fontRef idx="minor">
+            <a:schemeClr val="lt1"/>
+          </a:fontRef>
+        </p:style>
+        <p:txBody>
+          <a:bodyPr rtlCol="0" anchor="ctr"/>
+          <a:lstStyle/>
+          <a:p>
+            <a:endParaRPr lang="ko-KR" altLang="en-US" sz="1400">
+              <a:solidFill>
+                <a:schemeClr val="tx1"/>
+              </a:solidFill>
+              <a:latin typeface="Comic Sans MS" panose="030F0702030302020204" pitchFamily="66" charset="0"/>
+            </a:endParaRPr>
+          </a:p>
+        </p:txBody>
+      </p:sp>
+      <p:sp>
+        <p:nvSpPr>
+          <p:cNvPr id="46" name="사각형: 둥근 모서리 45">
+            <a:extLst>
+              <a:ext uri="{FF2B5EF4-FFF2-40B4-BE49-F238E27FC236}">
+                <a16:creationId xmlns:a16="http://schemas.microsoft.com/office/drawing/2014/main" id="{10F53AE2-D4FB-3A4E-5193-E253E557A1E9}"/>
+              </a:ext>
+            </a:extLst>
+          </p:cNvPr>
+          <p:cNvSpPr/>
+          <p:nvPr/>
+        </p:nvSpPr>
+        <p:spPr>
+          <a:xfrm>
+            <a:off x="10177685" y="6290124"/>
+            <a:ext cx="629174" cy="545988"/>
+          </a:xfrm>
+          <a:prstGeom prst="roundRect">
+            <a:avLst/>
+          </a:prstGeom>
+        </p:spPr>
+        <p:style>
+          <a:lnRef idx="1">
+            <a:schemeClr val="accent1"/>
+          </a:lnRef>
+          <a:fillRef idx="2">
+            <a:schemeClr val="accent1"/>
+          </a:fillRef>
+          <a:effectRef idx="1">
+            <a:schemeClr val="accent1"/>
+          </a:effectRef>
+          <a:fontRef idx="minor">
+            <a:schemeClr val="dk1"/>
+          </a:fontRef>
+        </p:style>
+        <p:txBody>
+          <a:bodyPr rtlCol="0" anchor="ctr"/>
+          <a:lstStyle/>
+          <a:p>
+            <a:pPr algn="ctr"/>
+            <a:endParaRPr lang="ko-KR" altLang="en-US" b="1">
+              <a:solidFill>
+                <a:schemeClr val="tx1"/>
+              </a:solidFill>
+              <a:latin typeface="Comic Sans MS" panose="030F0702030302020204" pitchFamily="66" charset="0"/>
+            </a:endParaRPr>
+          </a:p>
+        </p:txBody>
+      </p:sp>
+      <p:sp>
+        <p:nvSpPr>
+          <p:cNvPr id="48" name="사각형: 둥근 모서리 47">
+            <a:extLst>
+              <a:ext uri="{FF2B5EF4-FFF2-40B4-BE49-F238E27FC236}">
+                <a16:creationId xmlns:a16="http://schemas.microsoft.com/office/drawing/2014/main" id="{509CF338-EB24-DB67-44C8-D58BA105589B}"/>
+              </a:ext>
+            </a:extLst>
+          </p:cNvPr>
+          <p:cNvSpPr/>
+          <p:nvPr/>
+        </p:nvSpPr>
+        <p:spPr>
+          <a:xfrm>
+            <a:off x="10464044" y="5753742"/>
+            <a:ext cx="2846664" cy="545988"/>
+          </a:xfrm>
+          <a:prstGeom prst="roundRect">
+            <a:avLst/>
+          </a:prstGeom>
+          <a:gradFill flip="none" rotWithShape="1">
+            <a:gsLst>
+              <a:gs pos="0">
+                <a:schemeClr val="dk1">
+                  <a:lumMod val="67000"/>
+                </a:schemeClr>
+              </a:gs>
+              <a:gs pos="48000">
+                <a:schemeClr val="dk1">
+                  <a:lumMod val="97000"/>
+                  <a:lumOff val="3000"/>
+                </a:schemeClr>
+              </a:gs>
+              <a:gs pos="100000">
+                <a:schemeClr val="dk1">
+                  <a:lumMod val="60000"/>
+                  <a:lumOff val="40000"/>
+                </a:schemeClr>
+              </a:gs>
+            </a:gsLst>
+            <a:lin ang="16200000" scaled="1"/>
+            <a:tileRect/>
+          </a:gradFill>
+          <a:ln>
+            <a:noFill/>
+          </a:ln>
+        </p:spPr>
+        <p:style>
+          <a:lnRef idx="0">
+            <a:scrgbClr r="0" g="0" b="0"/>
+          </a:lnRef>
+          <a:fillRef idx="0">
+            <a:scrgbClr r="0" g="0" b="0"/>
+          </a:fillRef>
+          <a:effectRef idx="0">
+            <a:scrgbClr r="0" g="0" b="0"/>
+          </a:effectRef>
+          <a:fontRef idx="minor">
+            <a:schemeClr val="lt1"/>
+          </a:fontRef>
+        </p:style>
+        <p:txBody>
+          <a:bodyPr rtlCol="0" anchor="ctr"/>
+          <a:lstStyle/>
+          <a:p>
+            <a:endParaRPr lang="ko-KR" altLang="en-US" sz="1400">
+              <a:solidFill>
+                <a:schemeClr val="tx1"/>
+              </a:solidFill>
+              <a:latin typeface="Comic Sans MS" panose="030F0702030302020204" pitchFamily="66" charset="0"/>
+            </a:endParaRPr>
+          </a:p>
+        </p:txBody>
+      </p:sp>
+      <p:sp>
+        <p:nvSpPr>
+          <p:cNvPr id="50" name="사각형: 둥근 모서리 49">
+            <a:extLst>
+              <a:ext uri="{FF2B5EF4-FFF2-40B4-BE49-F238E27FC236}">
+                <a16:creationId xmlns:a16="http://schemas.microsoft.com/office/drawing/2014/main" id="{B1C2839C-33E2-1A7C-8031-980F835F6E6A}"/>
+              </a:ext>
+            </a:extLst>
+          </p:cNvPr>
+          <p:cNvSpPr/>
+          <p:nvPr/>
+        </p:nvSpPr>
+        <p:spPr>
+          <a:xfrm>
+            <a:off x="9828914" y="5753742"/>
+            <a:ext cx="629174" cy="545988"/>
+          </a:xfrm>
+          <a:prstGeom prst="roundRect">
+            <a:avLst/>
+          </a:prstGeom>
+        </p:spPr>
+        <p:style>
+          <a:lnRef idx="2">
+            <a:schemeClr val="accent6">
+              <a:shade val="50000"/>
+            </a:schemeClr>
+          </a:lnRef>
+          <a:fillRef idx="1">
+            <a:schemeClr val="accent6"/>
+          </a:fillRef>
+          <a:effectRef idx="0">
+            <a:schemeClr val="accent6"/>
+          </a:effectRef>
+          <a:fontRef idx="minor">
+            <a:schemeClr val="lt1"/>
+          </a:fontRef>
+        </p:style>
+        <p:txBody>
+          <a:bodyPr rtlCol="0" anchor="ctr"/>
+          <a:lstStyle/>
+          <a:p>
+            <a:pPr algn="ctr"/>
+            <a:endParaRPr lang="ko-KR" altLang="en-US" b="1">
+              <a:solidFill>
+                <a:schemeClr val="tx1"/>
+              </a:solidFill>
+              <a:latin typeface="Comic Sans MS" panose="030F0702030302020204" pitchFamily="66" charset="0"/>
+            </a:endParaRPr>
+          </a:p>
+        </p:txBody>
+      </p:sp>
+      <p:sp>
+        <p:nvSpPr>
+          <p:cNvPr id="52" name="사각형: 둥근 모서리 51">
+            <a:extLst>
+              <a:ext uri="{FF2B5EF4-FFF2-40B4-BE49-F238E27FC236}">
+                <a16:creationId xmlns:a16="http://schemas.microsoft.com/office/drawing/2014/main" id="{BA540B38-5DB8-BF82-6DAD-DA77CA7B3EC6}"/>
+              </a:ext>
+            </a:extLst>
+          </p:cNvPr>
+          <p:cNvSpPr/>
+          <p:nvPr/>
+        </p:nvSpPr>
+        <p:spPr>
+          <a:xfrm>
+            <a:off x="10157193" y="5185160"/>
+            <a:ext cx="2852619" cy="545988"/>
+          </a:xfrm>
+          <a:prstGeom prst="roundRect">
+            <a:avLst/>
+          </a:prstGeom>
+          <a:gradFill flip="none" rotWithShape="1">
+            <a:gsLst>
+              <a:gs pos="0">
+                <a:schemeClr val="dk1">
+                  <a:lumMod val="67000"/>
+                </a:schemeClr>
+              </a:gs>
+              <a:gs pos="48000">
+                <a:schemeClr val="dk1">
+                  <a:lumMod val="97000"/>
+                  <a:lumOff val="3000"/>
+                </a:schemeClr>
+              </a:gs>
+              <a:gs pos="100000">
+                <a:schemeClr val="dk1">
+                  <a:lumMod val="60000"/>
+                  <a:lumOff val="40000"/>
+                </a:schemeClr>
+              </a:gs>
+            </a:gsLst>
+            <a:lin ang="16200000" scaled="1"/>
+            <a:tileRect/>
+          </a:gradFill>
+          <a:ln>
+            <a:noFill/>
+          </a:ln>
+        </p:spPr>
+        <p:style>
+          <a:lnRef idx="0">
+            <a:scrgbClr r="0" g="0" b="0"/>
+          </a:lnRef>
+          <a:fillRef idx="0">
+            <a:scrgbClr r="0" g="0" b="0"/>
+          </a:fillRef>
+          <a:effectRef idx="0">
+            <a:scrgbClr r="0" g="0" b="0"/>
+          </a:effectRef>
+          <a:fontRef idx="minor">
+            <a:schemeClr val="lt1"/>
+          </a:fontRef>
+        </p:style>
+        <p:txBody>
+          <a:bodyPr rtlCol="0" anchor="ctr"/>
+          <a:lstStyle/>
+          <a:p>
+            <a:endParaRPr lang="ko-KR" altLang="en-US" sz="1400">
+              <a:solidFill>
+                <a:schemeClr val="tx1"/>
+              </a:solidFill>
+              <a:latin typeface="Comic Sans MS" panose="030F0702030302020204" pitchFamily="66" charset="0"/>
+            </a:endParaRPr>
+          </a:p>
+        </p:txBody>
+      </p:sp>
+      <p:sp>
+        <p:nvSpPr>
+          <p:cNvPr id="54" name="사각형: 둥근 모서리 53">
+            <a:extLst>
+              <a:ext uri="{FF2B5EF4-FFF2-40B4-BE49-F238E27FC236}">
+                <a16:creationId xmlns:a16="http://schemas.microsoft.com/office/drawing/2014/main" id="{F3414BE8-A8D6-B105-96E6-E10173577C3B}"/>
+              </a:ext>
+            </a:extLst>
+          </p:cNvPr>
+          <p:cNvSpPr/>
+          <p:nvPr/>
+        </p:nvSpPr>
+        <p:spPr>
+          <a:xfrm>
+            <a:off x="9528019" y="5185160"/>
+            <a:ext cx="629174" cy="545988"/>
+          </a:xfrm>
+          <a:prstGeom prst="roundRect">
+            <a:avLst/>
+          </a:prstGeom>
+        </p:spPr>
+        <p:style>
+          <a:lnRef idx="2">
+            <a:schemeClr val="accent6">
+              <a:shade val="50000"/>
+            </a:schemeClr>
+          </a:lnRef>
+          <a:fillRef idx="1">
+            <a:schemeClr val="accent6"/>
+          </a:fillRef>
+          <a:effectRef idx="0">
+            <a:schemeClr val="accent6"/>
+          </a:effectRef>
+          <a:fontRef idx="minor">
+            <a:schemeClr val="lt1"/>
+          </a:fontRef>
+        </p:style>
+        <p:txBody>
+          <a:bodyPr rtlCol="0" anchor="ctr"/>
+          <a:lstStyle/>
+          <a:p>
+            <a:pPr algn="ctr"/>
+            <a:endParaRPr lang="ko-KR" altLang="en-US" b="1">
+              <a:solidFill>
+                <a:schemeClr val="tx1"/>
+              </a:solidFill>
+              <a:latin typeface="Comic Sans MS" panose="030F0702030302020204" pitchFamily="66" charset="0"/>
+            </a:endParaRPr>
+          </a:p>
+        </p:txBody>
+      </p:sp>
+      <p:sp>
+        <p:nvSpPr>
+          <p:cNvPr id="56" name="사각형: 둥근 모서리 55">
+            <a:extLst>
+              <a:ext uri="{FF2B5EF4-FFF2-40B4-BE49-F238E27FC236}">
+                <a16:creationId xmlns:a16="http://schemas.microsoft.com/office/drawing/2014/main" id="{D64EF5FA-A818-8E6B-201F-95AD62D3BD4E}"/>
+              </a:ext>
+            </a:extLst>
+          </p:cNvPr>
+          <p:cNvSpPr/>
+          <p:nvPr/>
+        </p:nvSpPr>
+        <p:spPr>
+          <a:xfrm>
+            <a:off x="10786367" y="262776"/>
+            <a:ext cx="2852619" cy="545988"/>
+          </a:xfrm>
+          <a:prstGeom prst="roundRect">
+            <a:avLst/>
+          </a:prstGeom>
+          <a:gradFill flip="none" rotWithShape="1">
+            <a:gsLst>
+              <a:gs pos="0">
+                <a:schemeClr val="dk1">
+                  <a:lumMod val="67000"/>
+                </a:schemeClr>
+              </a:gs>
+              <a:gs pos="48000">
+                <a:schemeClr val="dk1">
+                  <a:lumMod val="97000"/>
+                  <a:lumOff val="3000"/>
+                </a:schemeClr>
+              </a:gs>
+              <a:gs pos="100000">
+                <a:schemeClr val="dk1">
+                  <a:lumMod val="60000"/>
+                  <a:lumOff val="40000"/>
+                </a:schemeClr>
+              </a:gs>
+            </a:gsLst>
+            <a:lin ang="16200000" scaled="1"/>
+            <a:tileRect/>
+          </a:gradFill>
+          <a:ln>
+            <a:noFill/>
+          </a:ln>
+        </p:spPr>
+        <p:style>
+          <a:lnRef idx="0">
+            <a:scrgbClr r="0" g="0" b="0"/>
+          </a:lnRef>
+          <a:fillRef idx="0">
+            <a:scrgbClr r="0" g="0" b="0"/>
+          </a:fillRef>
+          <a:effectRef idx="0">
+            <a:scrgbClr r="0" g="0" b="0"/>
+          </a:effectRef>
+          <a:fontRef idx="minor">
+            <a:schemeClr val="lt1"/>
+          </a:fontRef>
+        </p:style>
+        <p:txBody>
+          <a:bodyPr rtlCol="0" anchor="ctr"/>
+          <a:lstStyle/>
+          <a:p>
+            <a:endParaRPr lang="ko-KR" altLang="en-US" sz="1400">
+              <a:solidFill>
+                <a:schemeClr val="tx1"/>
+              </a:solidFill>
+              <a:latin typeface="Comic Sans MS" panose="030F0702030302020204" pitchFamily="66" charset="0"/>
+            </a:endParaRPr>
+          </a:p>
+        </p:txBody>
+      </p:sp>
+      <p:sp>
+        <p:nvSpPr>
+          <p:cNvPr id="58" name="사각형: 둥근 모서리 57">
+            <a:extLst>
+              <a:ext uri="{FF2B5EF4-FFF2-40B4-BE49-F238E27FC236}">
+                <a16:creationId xmlns:a16="http://schemas.microsoft.com/office/drawing/2014/main" id="{04E9D3D4-8BBF-06FC-2297-9FAC91556BB5}"/>
+              </a:ext>
+            </a:extLst>
+          </p:cNvPr>
+          <p:cNvSpPr/>
+          <p:nvPr/>
+        </p:nvSpPr>
+        <p:spPr>
+          <a:xfrm>
+            <a:off x="10157193" y="262776"/>
+            <a:ext cx="629174" cy="545988"/>
+          </a:xfrm>
+          <a:prstGeom prst="roundRect">
+            <a:avLst/>
+          </a:prstGeom>
+        </p:spPr>
+        <p:style>
+          <a:lnRef idx="2">
+            <a:schemeClr val="accent6">
+              <a:shade val="50000"/>
+            </a:schemeClr>
+          </a:lnRef>
+          <a:fillRef idx="1">
+            <a:schemeClr val="accent6"/>
+          </a:fillRef>
+          <a:effectRef idx="0">
+            <a:schemeClr val="accent6"/>
+          </a:effectRef>
+          <a:fontRef idx="minor">
+            <a:schemeClr val="lt1"/>
+          </a:fontRef>
+        </p:style>
+        <p:txBody>
+          <a:bodyPr rtlCol="0" anchor="ctr"/>
+          <a:lstStyle/>
+          <a:p>
+            <a:pPr algn="ctr"/>
+            <a:endParaRPr lang="ko-KR" altLang="en-US" b="1">
+              <a:solidFill>
+                <a:schemeClr val="tx1"/>
+              </a:solidFill>
+              <a:latin typeface="Comic Sans MS" panose="030F0702030302020204" pitchFamily="66" charset="0"/>
+            </a:endParaRPr>
+          </a:p>
+        </p:txBody>
+      </p:sp>
+      <p:pic>
+        <p:nvPicPr>
+          <p:cNvPr id="66" name="그림 65">
+            <a:extLst>
+              <a:ext uri="{FF2B5EF4-FFF2-40B4-BE49-F238E27FC236}">
+                <a16:creationId xmlns:a16="http://schemas.microsoft.com/office/drawing/2014/main" id="{0786ECA1-5EF9-97DD-5369-F1C1569E2157}"/>
+              </a:ext>
+            </a:extLst>
+          </p:cNvPr>
+          <p:cNvPicPr>
+            <a:picLocks noChangeAspect="1"/>
+          </p:cNvPicPr>
+          <p:nvPr/>
+        </p:nvPicPr>
+        <p:blipFill>
+          <a:blip r:embed="rId3"/>
+          <a:stretch>
+            <a:fillRect/>
+          </a:stretch>
+        </p:blipFill>
+        <p:spPr>
+          <a:xfrm>
+            <a:off x="5724" y="18714"/>
+            <a:ext cx="884481" cy="874431"/>
+          </a:xfrm>
+          <a:prstGeom prst="rect">
+            <a:avLst/>
+          </a:prstGeom>
+        </p:spPr>
+      </p:pic>
+      <p:sp>
+        <p:nvSpPr>
+          <p:cNvPr id="84" name="사각형: 둥근 모서리 83">
+            <a:extLst>
+              <a:ext uri="{FF2B5EF4-FFF2-40B4-BE49-F238E27FC236}">
+                <a16:creationId xmlns:a16="http://schemas.microsoft.com/office/drawing/2014/main" id="{FDB6CAEE-6A69-3AC4-77A1-B86C83F8EEF6}"/>
+              </a:ext>
+            </a:extLst>
+          </p:cNvPr>
+          <p:cNvSpPr/>
+          <p:nvPr/>
+        </p:nvSpPr>
+        <p:spPr>
+          <a:xfrm>
+            <a:off x="3817695" y="6317285"/>
+            <a:ext cx="920629" cy="545988"/>
+          </a:xfrm>
+          <a:prstGeom prst="roundRect">
+            <a:avLst>
+              <a:gd name="adj" fmla="val 0"/>
+            </a:avLst>
+          </a:prstGeom>
+          <a:gradFill flip="none" rotWithShape="1">
+            <a:gsLst>
+              <a:gs pos="0">
+                <a:schemeClr val="accent3">
+                  <a:lumMod val="67000"/>
+                </a:schemeClr>
+              </a:gs>
+              <a:gs pos="48000">
+                <a:schemeClr val="accent3">
+                  <a:lumMod val="97000"/>
+                  <a:lumOff val="3000"/>
+                </a:schemeClr>
+              </a:gs>
+              <a:gs pos="100000">
+                <a:schemeClr val="accent3">
+                  <a:lumMod val="60000"/>
+                  <a:lumOff val="40000"/>
+                </a:schemeClr>
+              </a:gs>
+            </a:gsLst>
+            <a:lin ang="16200000" scaled="1"/>
+            <a:tileRect/>
+          </a:gradFill>
+          <a:ln>
+            <a:solidFill>
+              <a:schemeClr val="tx1"/>
+            </a:solidFill>
+          </a:ln>
+        </p:spPr>
+        <p:style>
+          <a:lnRef idx="0">
+            <a:scrgbClr r="0" g="0" b="0"/>
+          </a:lnRef>
+          <a:fillRef idx="0">
+            <a:scrgbClr r="0" g="0" b="0"/>
+          </a:fillRef>
+          <a:effectRef idx="0">
+            <a:scrgbClr r="0" g="0" b="0"/>
+          </a:effectRef>
+          <a:fontRef idx="minor">
+            <a:schemeClr val="lt1"/>
+          </a:fontRef>
+        </p:style>
+        <p:txBody>
+          <a:bodyPr rtlCol="0" anchor="ctr"/>
+          <a:lstStyle/>
+          <a:p>
+            <a:pPr algn="ctr"/>
+            <a:r>
+              <a:rPr lang="en-US" altLang="ko-KR" sz="1200" b="1" dirty="0">
+                <a:solidFill>
+                  <a:schemeClr val="tx1"/>
+                </a:solidFill>
+                <a:latin typeface="Comic Sans MS" panose="030F0702030302020204" pitchFamily="66" charset="0"/>
+              </a:rPr>
+              <a:t>Mods</a:t>
+            </a:r>
+          </a:p>
+          <a:p>
+            <a:pPr algn="ctr"/>
+            <a:r>
+              <a:rPr lang="en-US" altLang="ko-KR" sz="1200" b="1" dirty="0">
+                <a:solidFill>
+                  <a:schemeClr val="tx1"/>
+                </a:solidFill>
+                <a:latin typeface="Comic Sans MS" panose="030F0702030302020204" pitchFamily="66" charset="0"/>
+              </a:rPr>
+              <a:t>1.25x</a:t>
+            </a:r>
+          </a:p>
+        </p:txBody>
+      </p:sp>
+      <p:sp>
+        <p:nvSpPr>
+          <p:cNvPr id="86" name="사각형: 둥근 모서리 85">
+            <a:extLst>
+              <a:ext uri="{FF2B5EF4-FFF2-40B4-BE49-F238E27FC236}">
+                <a16:creationId xmlns:a16="http://schemas.microsoft.com/office/drawing/2014/main" id="{D8697C7E-AE2F-A441-4FA1-319C349EA890}"/>
+              </a:ext>
+            </a:extLst>
+          </p:cNvPr>
+          <p:cNvSpPr/>
+          <p:nvPr/>
+        </p:nvSpPr>
+        <p:spPr>
+          <a:xfrm>
+            <a:off x="4716571" y="6317285"/>
+            <a:ext cx="2390230" cy="545988"/>
+          </a:xfrm>
+          <a:prstGeom prst="roundRect">
+            <a:avLst>
+              <a:gd name="adj" fmla="val 0"/>
+            </a:avLst>
+          </a:prstGeom>
+          <a:ln/>
+        </p:spPr>
+        <p:style>
+          <a:lnRef idx="2">
+            <a:schemeClr val="accent4">
+              <a:shade val="50000"/>
+            </a:schemeClr>
+          </a:lnRef>
+          <a:fillRef idx="1">
+            <a:schemeClr val="accent4"/>
+          </a:fillRef>
+          <a:effectRef idx="0">
+            <a:schemeClr val="accent4"/>
+          </a:effectRef>
+          <a:fontRef idx="minor">
+            <a:schemeClr val="lt1"/>
+          </a:fontRef>
+        </p:style>
+        <p:txBody>
+          <a:bodyPr rtlCol="0" anchor="ctr"/>
+          <a:lstStyle/>
+          <a:p>
+            <a:pPr algn="ctr"/>
+            <a:r>
+              <a:rPr lang="en-US" altLang="ko-KR" sz="2400" b="1">
+                <a:solidFill>
+                  <a:schemeClr val="tx1"/>
+                </a:solidFill>
+                <a:latin typeface="Comic Sans MS" panose="030F0702030302020204" pitchFamily="66" charset="0"/>
+              </a:rPr>
+              <a:t>Piano7</a:t>
+            </a:r>
+            <a:endParaRPr lang="en-US" altLang="ko-KR" b="1">
+              <a:solidFill>
+                <a:schemeClr val="tx1"/>
+              </a:solidFill>
+              <a:latin typeface="Comic Sans MS" panose="030F0702030302020204" pitchFamily="66" charset="0"/>
+            </a:endParaRPr>
+          </a:p>
+        </p:txBody>
+      </p:sp>
+      <p:sp>
+        <p:nvSpPr>
+          <p:cNvPr id="88" name="사각형: 둥근 모서리 87">
+            <a:extLst>
+              <a:ext uri="{FF2B5EF4-FFF2-40B4-BE49-F238E27FC236}">
+                <a16:creationId xmlns:a16="http://schemas.microsoft.com/office/drawing/2014/main" id="{65AC843F-FC63-CAA8-6BFF-40B95FAB3063}"/>
+              </a:ext>
+            </a:extLst>
+          </p:cNvPr>
+          <p:cNvSpPr/>
+          <p:nvPr/>
+        </p:nvSpPr>
+        <p:spPr>
+          <a:xfrm>
+            <a:off x="7115993" y="6314128"/>
+            <a:ext cx="920629" cy="545988"/>
+          </a:xfrm>
+          <a:prstGeom prst="roundRect">
+            <a:avLst>
+              <a:gd name="adj" fmla="val 0"/>
+            </a:avLst>
+          </a:prstGeom>
+          <a:gradFill flip="none" rotWithShape="1">
+            <a:gsLst>
+              <a:gs pos="0">
+                <a:schemeClr val="accent3">
+                  <a:lumMod val="67000"/>
+                </a:schemeClr>
+              </a:gs>
+              <a:gs pos="48000">
+                <a:schemeClr val="accent3">
+                  <a:lumMod val="97000"/>
+                  <a:lumOff val="3000"/>
+                </a:schemeClr>
+              </a:gs>
+              <a:gs pos="100000">
+                <a:schemeClr val="accent3">
+                  <a:lumMod val="60000"/>
+                  <a:lumOff val="40000"/>
+                </a:schemeClr>
+              </a:gs>
+            </a:gsLst>
+            <a:lin ang="16200000" scaled="1"/>
+            <a:tileRect/>
+          </a:gradFill>
+          <a:ln>
+            <a:solidFill>
+              <a:schemeClr val="tx1"/>
+            </a:solidFill>
+          </a:ln>
+        </p:spPr>
+        <p:style>
+          <a:lnRef idx="0">
+            <a:scrgbClr r="0" g="0" b="0"/>
+          </a:lnRef>
+          <a:fillRef idx="0">
+            <a:scrgbClr r="0" g="0" b="0"/>
+          </a:fillRef>
+          <a:effectRef idx="0">
+            <a:scrgbClr r="0" g="0" b="0"/>
+          </a:effectRef>
+          <a:fontRef idx="minor">
+            <a:schemeClr val="lt1"/>
+          </a:fontRef>
+        </p:style>
+        <p:txBody>
+          <a:bodyPr rtlCol="0" anchor="ctr"/>
+          <a:lstStyle/>
+          <a:p>
+            <a:pPr algn="ctr"/>
+            <a:r>
+              <a:rPr lang="en-US" altLang="ko-KR" sz="1100" b="1">
+                <a:solidFill>
+                  <a:schemeClr val="tx1"/>
+                </a:solidFill>
+                <a:latin typeface="Comic Sans MS" panose="030F0702030302020204" pitchFamily="66" charset="0"/>
+              </a:rPr>
+              <a:t>Options</a:t>
+            </a:r>
+          </a:p>
+        </p:txBody>
+      </p:sp>
+      <p:sp>
+        <p:nvSpPr>
+          <p:cNvPr id="90" name="사각형: 둥근 모서리 89">
+            <a:extLst>
+              <a:ext uri="{FF2B5EF4-FFF2-40B4-BE49-F238E27FC236}">
+                <a16:creationId xmlns:a16="http://schemas.microsoft.com/office/drawing/2014/main" id="{F69E3B84-7831-B7E3-F8B6-431E0E4AE6FC}"/>
+              </a:ext>
+            </a:extLst>
+          </p:cNvPr>
+          <p:cNvSpPr/>
+          <p:nvPr/>
+        </p:nvSpPr>
+        <p:spPr>
+          <a:xfrm>
+            <a:off x="587585" y="1712056"/>
+            <a:ext cx="2095500" cy="545988"/>
+          </a:xfrm>
+          <a:prstGeom prst="roundRect">
+            <a:avLst>
+              <a:gd name="adj" fmla="val 0"/>
+            </a:avLst>
+          </a:prstGeom>
+          <a:solidFill>
+            <a:srgbClr val="808080"/>
+          </a:solidFill>
+          <a:ln>
+            <a:noFill/>
+          </a:ln>
+        </p:spPr>
+        <p:style>
+          <a:lnRef idx="0">
+            <a:scrgbClr r="0" g="0" b="0"/>
+          </a:lnRef>
+          <a:fillRef idx="0">
+            <a:scrgbClr r="0" g="0" b="0"/>
+          </a:fillRef>
+          <a:effectRef idx="0">
+            <a:scrgbClr r="0" g="0" b="0"/>
+          </a:effectRef>
+          <a:fontRef idx="minor">
+            <a:schemeClr val="lt1"/>
+          </a:fontRef>
+        </p:style>
+        <p:txBody>
+          <a:bodyPr rtlCol="0" anchor="ctr"/>
+          <a:lstStyle/>
+          <a:p>
+            <a:pPr algn="r"/>
+            <a:r>
+              <a:rPr lang="en-US" altLang="ko-KR" sz="1400" dirty="0">
+                <a:solidFill>
+                  <a:schemeClr val="bg1"/>
+                </a:solidFill>
+                <a:latin typeface="Comic Sans MS" panose="030F0702030302020204" pitchFamily="66" charset="0"/>
+              </a:rPr>
+              <a:t>AwesomePlayer1</a:t>
+            </a:r>
+          </a:p>
+          <a:p>
+            <a:pPr algn="r"/>
+            <a:r>
+              <a:rPr lang="en-US" altLang="ko-KR" sz="1400" dirty="0">
+                <a:solidFill>
+                  <a:schemeClr val="bg1"/>
+                </a:solidFill>
+                <a:latin typeface="Comic Sans MS" panose="030F0702030302020204" pitchFamily="66" charset="0"/>
+              </a:rPr>
+              <a:t>1,099,912</a:t>
+            </a:r>
+          </a:p>
+        </p:txBody>
+      </p:sp>
+      <p:sp>
+        <p:nvSpPr>
+          <p:cNvPr id="94" name="사각형: 둥근 모서리 93">
+            <a:extLst>
+              <a:ext uri="{FF2B5EF4-FFF2-40B4-BE49-F238E27FC236}">
+                <a16:creationId xmlns:a16="http://schemas.microsoft.com/office/drawing/2014/main" id="{EFFB9295-0230-C213-9916-3834B6DCD257}"/>
+              </a:ext>
+            </a:extLst>
+          </p:cNvPr>
+          <p:cNvSpPr/>
+          <p:nvPr/>
+        </p:nvSpPr>
+        <p:spPr>
+          <a:xfrm>
+            <a:off x="587585" y="1711872"/>
+            <a:ext cx="142875" cy="545988"/>
+          </a:xfrm>
+          <a:prstGeom prst="roundRect">
+            <a:avLst>
+              <a:gd name="adj" fmla="val 0"/>
+            </a:avLst>
+          </a:prstGeom>
+          <a:solidFill>
+            <a:srgbClr val="808080"/>
+          </a:solidFill>
+        </p:spPr>
+        <p:style>
+          <a:lnRef idx="2">
+            <a:schemeClr val="accent4">
+              <a:shade val="50000"/>
+            </a:schemeClr>
+          </a:lnRef>
+          <a:fillRef idx="1">
+            <a:schemeClr val="accent4"/>
+          </a:fillRef>
+          <a:effectRef idx="0">
+            <a:schemeClr val="accent4"/>
+          </a:effectRef>
+          <a:fontRef idx="minor">
+            <a:schemeClr val="lt1"/>
+          </a:fontRef>
+        </p:style>
+        <p:txBody>
+          <a:bodyPr rtlCol="0" anchor="ctr"/>
+          <a:lstStyle/>
+          <a:p>
+            <a:pPr algn="ctr"/>
+            <a:endParaRPr lang="ko-KR" altLang="en-US" sz="1400">
+              <a:solidFill>
+                <a:schemeClr val="bg1"/>
+              </a:solidFill>
+              <a:latin typeface="Comic Sans MS" panose="030F0702030302020204" pitchFamily="66" charset="0"/>
+            </a:endParaRPr>
+          </a:p>
+        </p:txBody>
+      </p:sp>
+      <p:sp>
+        <p:nvSpPr>
+          <p:cNvPr id="96" name="사각형: 둥근 모서리 95">
+            <a:extLst>
+              <a:ext uri="{FF2B5EF4-FFF2-40B4-BE49-F238E27FC236}">
+                <a16:creationId xmlns:a16="http://schemas.microsoft.com/office/drawing/2014/main" id="{D9A02D45-E130-7B9D-3779-2800423BA352}"/>
+              </a:ext>
+            </a:extLst>
+          </p:cNvPr>
+          <p:cNvSpPr/>
+          <p:nvPr/>
+        </p:nvSpPr>
+        <p:spPr>
+          <a:xfrm>
+            <a:off x="2683086" y="1711872"/>
+            <a:ext cx="629174" cy="545988"/>
+          </a:xfrm>
+          <a:prstGeom prst="roundRect">
+            <a:avLst>
+              <a:gd name="adj" fmla="val 0"/>
+            </a:avLst>
+          </a:prstGeom>
+          <a:solidFill>
+            <a:srgbClr val="808080"/>
+          </a:solidFill>
+          <a:ln>
+            <a:solidFill>
+              <a:schemeClr val="tx1"/>
+            </a:solidFill>
+          </a:ln>
+        </p:spPr>
+        <p:style>
+          <a:lnRef idx="0">
+            <a:scrgbClr r="0" g="0" b="0"/>
+          </a:lnRef>
+          <a:fillRef idx="0">
+            <a:scrgbClr r="0" g="0" b="0"/>
+          </a:fillRef>
+          <a:effectRef idx="0">
+            <a:scrgbClr r="0" g="0" b="0"/>
+          </a:effectRef>
+          <a:fontRef idx="minor">
+            <a:schemeClr val="lt1"/>
+          </a:fontRef>
+        </p:style>
+        <p:txBody>
+          <a:bodyPr rtlCol="0" anchor="ctr"/>
+          <a:lstStyle/>
+          <a:p>
+            <a:pPr algn="ctr"/>
+            <a:r>
+              <a:rPr lang="en-US" altLang="ko-KR" sz="1200" b="1" dirty="0">
+                <a:solidFill>
+                  <a:schemeClr val="bg1"/>
+                </a:solidFill>
+                <a:latin typeface="Comic Sans MS" panose="030F0702030302020204" pitchFamily="66" charset="0"/>
+              </a:rPr>
+              <a:t>1.50</a:t>
+            </a:r>
+          </a:p>
+          <a:p>
+            <a:pPr algn="ctr"/>
+            <a:r>
+              <a:rPr lang="en-US" altLang="ko-KR" sz="1200" b="1" dirty="0">
+                <a:solidFill>
+                  <a:schemeClr val="bg1"/>
+                </a:solidFill>
+                <a:latin typeface="Comic Sans MS" panose="030F0702030302020204" pitchFamily="66" charset="0"/>
+              </a:rPr>
+              <a:t>MR</a:t>
+            </a:r>
+          </a:p>
+        </p:txBody>
+      </p:sp>
+      <p:sp>
+        <p:nvSpPr>
+          <p:cNvPr id="111" name="사각형: 둥근 모서리 110">
+            <a:extLst>
+              <a:ext uri="{FF2B5EF4-FFF2-40B4-BE49-F238E27FC236}">
+                <a16:creationId xmlns:a16="http://schemas.microsoft.com/office/drawing/2014/main" id="{845A82C1-4280-D0E1-C06F-E286982B2C02}"/>
+              </a:ext>
+            </a:extLst>
+          </p:cNvPr>
+          <p:cNvSpPr/>
+          <p:nvPr/>
+        </p:nvSpPr>
+        <p:spPr>
+          <a:xfrm>
+            <a:off x="586978" y="2274407"/>
+            <a:ext cx="2095500" cy="545988"/>
+          </a:xfrm>
+          <a:prstGeom prst="roundRect">
+            <a:avLst/>
+          </a:prstGeom>
+          <a:solidFill>
+            <a:srgbClr val="808080"/>
+          </a:solidFill>
+          <a:ln>
+            <a:noFill/>
+          </a:ln>
+        </p:spPr>
+        <p:style>
+          <a:lnRef idx="0">
+            <a:scrgbClr r="0" g="0" b="0"/>
+          </a:lnRef>
+          <a:fillRef idx="0">
+            <a:scrgbClr r="0" g="0" b="0"/>
+          </a:fillRef>
+          <a:effectRef idx="0">
+            <a:scrgbClr r="0" g="0" b="0"/>
+          </a:effectRef>
+          <a:fontRef idx="minor">
+            <a:schemeClr val="lt1"/>
+          </a:fontRef>
+        </p:style>
+        <p:txBody>
+          <a:bodyPr rtlCol="0" anchor="ctr"/>
+          <a:lstStyle/>
+          <a:p>
+            <a:pPr algn="r"/>
+            <a:r>
+              <a:rPr lang="en-US" altLang="ko-KR" sz="1400">
+                <a:solidFill>
+                  <a:schemeClr val="bg1"/>
+                </a:solidFill>
+                <a:latin typeface="Comic Sans MS" panose="030F0702030302020204" pitchFamily="66" charset="0"/>
+              </a:rPr>
+              <a:t>AwesomePlayer2</a:t>
+            </a:r>
+          </a:p>
+          <a:p>
+            <a:pPr algn="r"/>
+            <a:r>
+              <a:rPr lang="en-US" altLang="ko-KR" sz="1400">
+                <a:solidFill>
+                  <a:schemeClr val="bg1"/>
+                </a:solidFill>
+                <a:latin typeface="Comic Sans MS" panose="030F0702030302020204" pitchFamily="66" charset="0"/>
+              </a:rPr>
+              <a:t>1,095,019</a:t>
+            </a:r>
+          </a:p>
+        </p:txBody>
+      </p:sp>
+      <p:sp>
+        <p:nvSpPr>
+          <p:cNvPr id="113" name="사각형: 둥근 모서리 112">
+            <a:extLst>
+              <a:ext uri="{FF2B5EF4-FFF2-40B4-BE49-F238E27FC236}">
+                <a16:creationId xmlns:a16="http://schemas.microsoft.com/office/drawing/2014/main" id="{61E0F455-8856-26DA-6900-D932208A10A4}"/>
+              </a:ext>
+            </a:extLst>
+          </p:cNvPr>
+          <p:cNvSpPr/>
+          <p:nvPr/>
+        </p:nvSpPr>
+        <p:spPr>
+          <a:xfrm>
+            <a:off x="586978" y="2274223"/>
+            <a:ext cx="142875" cy="545988"/>
+          </a:xfrm>
+          <a:prstGeom prst="roundRect">
+            <a:avLst/>
+          </a:prstGeom>
+          <a:solidFill>
+            <a:srgbClr val="808080"/>
+          </a:solidFill>
+        </p:spPr>
+        <p:style>
+          <a:lnRef idx="2">
+            <a:schemeClr val="accent6">
+              <a:shade val="50000"/>
+            </a:schemeClr>
+          </a:lnRef>
+          <a:fillRef idx="1">
+            <a:schemeClr val="accent6"/>
+          </a:fillRef>
+          <a:effectRef idx="0">
+            <a:schemeClr val="accent6"/>
+          </a:effectRef>
+          <a:fontRef idx="minor">
+            <a:schemeClr val="lt1"/>
+          </a:fontRef>
+        </p:style>
+        <p:txBody>
+          <a:bodyPr rtlCol="0" anchor="ctr"/>
+          <a:lstStyle/>
+          <a:p>
+            <a:pPr algn="ctr"/>
+            <a:endParaRPr lang="ko-KR" altLang="en-US" sz="1400">
+              <a:solidFill>
+                <a:schemeClr val="bg1"/>
+              </a:solidFill>
+              <a:latin typeface="Comic Sans MS" panose="030F0702030302020204" pitchFamily="66" charset="0"/>
+            </a:endParaRPr>
+          </a:p>
+        </p:txBody>
+      </p:sp>
+      <p:sp>
+        <p:nvSpPr>
+          <p:cNvPr id="115" name="사각형: 둥근 모서리 114">
+            <a:extLst>
+              <a:ext uri="{FF2B5EF4-FFF2-40B4-BE49-F238E27FC236}">
+                <a16:creationId xmlns:a16="http://schemas.microsoft.com/office/drawing/2014/main" id="{A50D631D-DCCA-C672-66C9-DF8176748960}"/>
+              </a:ext>
+            </a:extLst>
+          </p:cNvPr>
+          <p:cNvSpPr/>
+          <p:nvPr/>
+        </p:nvSpPr>
+        <p:spPr>
+          <a:xfrm>
+            <a:off x="2682479" y="2274223"/>
+            <a:ext cx="629174" cy="545988"/>
+          </a:xfrm>
+          <a:prstGeom prst="roundRect">
+            <a:avLst/>
+          </a:prstGeom>
+          <a:solidFill>
+            <a:srgbClr val="808080"/>
+          </a:solidFill>
+          <a:ln>
+            <a:solidFill>
+              <a:schemeClr val="tx1"/>
+            </a:solidFill>
+          </a:ln>
+        </p:spPr>
+        <p:style>
+          <a:lnRef idx="0">
+            <a:scrgbClr r="0" g="0" b="0"/>
+          </a:lnRef>
+          <a:fillRef idx="0">
+            <a:scrgbClr r="0" g="0" b="0"/>
+          </a:fillRef>
+          <a:effectRef idx="0">
+            <a:scrgbClr r="0" g="0" b="0"/>
+          </a:effectRef>
+          <a:fontRef idx="minor">
+            <a:schemeClr val="lt1"/>
+          </a:fontRef>
+        </p:style>
+        <p:txBody>
+          <a:bodyPr rtlCol="0" anchor="ctr"/>
+          <a:lstStyle/>
+          <a:p>
+            <a:pPr algn="ctr"/>
+            <a:r>
+              <a:rPr lang="en-US" altLang="ko-KR" sz="1200" b="1" dirty="0">
+                <a:solidFill>
+                  <a:schemeClr val="bg1"/>
+                </a:solidFill>
+                <a:latin typeface="Comic Sans MS" panose="030F0702030302020204" pitchFamily="66" charset="0"/>
+              </a:rPr>
+              <a:t>1.50</a:t>
+            </a:r>
+          </a:p>
+          <a:p>
+            <a:pPr algn="ctr"/>
+            <a:endParaRPr lang="en-US" altLang="ko-KR" sz="1200" b="1" dirty="0">
+              <a:solidFill>
+                <a:schemeClr val="bg1"/>
+              </a:solidFill>
+              <a:latin typeface="Comic Sans MS" panose="030F0702030302020204" pitchFamily="66" charset="0"/>
+            </a:endParaRPr>
+          </a:p>
+        </p:txBody>
+      </p:sp>
+      <p:sp>
+        <p:nvSpPr>
+          <p:cNvPr id="117" name="사각형: 둥근 모서리 116">
+            <a:extLst>
+              <a:ext uri="{FF2B5EF4-FFF2-40B4-BE49-F238E27FC236}">
+                <a16:creationId xmlns:a16="http://schemas.microsoft.com/office/drawing/2014/main" id="{966AD631-D322-E5DF-9A32-AC42A232CCA8}"/>
+              </a:ext>
+            </a:extLst>
+          </p:cNvPr>
+          <p:cNvSpPr/>
+          <p:nvPr/>
+        </p:nvSpPr>
+        <p:spPr>
+          <a:xfrm>
+            <a:off x="34528" y="2274223"/>
+            <a:ext cx="532524" cy="545988"/>
+          </a:xfrm>
+          <a:prstGeom prst="roundRect">
+            <a:avLst/>
+          </a:prstGeom>
+          <a:solidFill>
+            <a:srgbClr val="808080"/>
+          </a:solidFill>
+        </p:spPr>
+        <p:style>
+          <a:lnRef idx="2">
+            <a:schemeClr val="accent6"/>
+          </a:lnRef>
+          <a:fillRef idx="1">
+            <a:schemeClr val="lt1"/>
+          </a:fillRef>
+          <a:effectRef idx="0">
+            <a:schemeClr val="accent6"/>
+          </a:effectRef>
+          <a:fontRef idx="minor">
+            <a:schemeClr val="dk1"/>
+          </a:fontRef>
+        </p:style>
+        <p:txBody>
+          <a:bodyPr rtlCol="0" anchor="ctr"/>
+          <a:lstStyle/>
+          <a:p>
+            <a:pPr algn="ctr"/>
+            <a:endParaRPr lang="ko-KR" altLang="en-US" sz="1400">
+              <a:solidFill>
+                <a:schemeClr val="bg1"/>
+              </a:solidFill>
+              <a:latin typeface="Comic Sans MS" panose="030F0702030302020204" pitchFamily="66" charset="0"/>
+            </a:endParaRPr>
+          </a:p>
+        </p:txBody>
+      </p:sp>
+      <p:sp>
+        <p:nvSpPr>
+          <p:cNvPr id="121" name="사각형: 둥근 모서리 120">
+            <a:extLst>
+              <a:ext uri="{FF2B5EF4-FFF2-40B4-BE49-F238E27FC236}">
+                <a16:creationId xmlns:a16="http://schemas.microsoft.com/office/drawing/2014/main" id="{6A2A4885-BCE8-683E-5C31-3DC35C9494AF}"/>
+              </a:ext>
+            </a:extLst>
+          </p:cNvPr>
+          <p:cNvSpPr/>
+          <p:nvPr/>
+        </p:nvSpPr>
+        <p:spPr>
+          <a:xfrm>
+            <a:off x="586978" y="2828713"/>
+            <a:ext cx="2095500" cy="545988"/>
+          </a:xfrm>
+          <a:prstGeom prst="roundRect">
+            <a:avLst/>
+          </a:prstGeom>
+          <a:solidFill>
+            <a:srgbClr val="808080"/>
+          </a:solidFill>
+          <a:ln>
+            <a:noFill/>
+          </a:ln>
+        </p:spPr>
+        <p:style>
+          <a:lnRef idx="0">
+            <a:scrgbClr r="0" g="0" b="0"/>
+          </a:lnRef>
+          <a:fillRef idx="0">
+            <a:scrgbClr r="0" g="0" b="0"/>
+          </a:fillRef>
+          <a:effectRef idx="0">
+            <a:scrgbClr r="0" g="0" b="0"/>
+          </a:effectRef>
+          <a:fontRef idx="minor">
+            <a:schemeClr val="lt1"/>
+          </a:fontRef>
+        </p:style>
+        <p:txBody>
+          <a:bodyPr rtlCol="0" anchor="ctr"/>
+          <a:lstStyle/>
+          <a:p>
+            <a:pPr algn="r"/>
+            <a:r>
+              <a:rPr lang="en-US" altLang="ko-KR" sz="1400">
+                <a:solidFill>
+                  <a:schemeClr val="bg1"/>
+                </a:solidFill>
+                <a:latin typeface="Comic Sans MS" panose="030F0702030302020204" pitchFamily="66" charset="0"/>
+              </a:rPr>
+              <a:t>AwesomePlayer3</a:t>
+            </a:r>
+          </a:p>
+          <a:p>
+            <a:pPr algn="r"/>
+            <a:r>
+              <a:rPr lang="en-US" altLang="ko-KR" sz="1400">
+                <a:solidFill>
+                  <a:schemeClr val="bg1"/>
+                </a:solidFill>
+                <a:latin typeface="Comic Sans MS" panose="030F0702030302020204" pitchFamily="66" charset="0"/>
+              </a:rPr>
+              <a:t>1,090,077</a:t>
+            </a:r>
+          </a:p>
+        </p:txBody>
+      </p:sp>
+      <p:sp>
+        <p:nvSpPr>
+          <p:cNvPr id="125" name="사각형: 둥근 모서리 124">
+            <a:extLst>
+              <a:ext uri="{FF2B5EF4-FFF2-40B4-BE49-F238E27FC236}">
+                <a16:creationId xmlns:a16="http://schemas.microsoft.com/office/drawing/2014/main" id="{1055CE94-02E7-70E5-B93E-1C4B976FCCED}"/>
+              </a:ext>
+            </a:extLst>
+          </p:cNvPr>
+          <p:cNvSpPr/>
+          <p:nvPr/>
+        </p:nvSpPr>
+        <p:spPr>
+          <a:xfrm>
+            <a:off x="2682479" y="2828529"/>
+            <a:ext cx="629174" cy="545988"/>
+          </a:xfrm>
+          <a:prstGeom prst="roundRect">
+            <a:avLst/>
+          </a:prstGeom>
+          <a:solidFill>
+            <a:srgbClr val="808080"/>
+          </a:solidFill>
+          <a:ln>
+            <a:solidFill>
+              <a:schemeClr val="tx1"/>
+            </a:solidFill>
+          </a:ln>
+        </p:spPr>
+        <p:style>
+          <a:lnRef idx="0">
+            <a:scrgbClr r="0" g="0" b="0"/>
+          </a:lnRef>
+          <a:fillRef idx="0">
+            <a:scrgbClr r="0" g="0" b="0"/>
+          </a:fillRef>
+          <a:effectRef idx="0">
+            <a:scrgbClr r="0" g="0" b="0"/>
+          </a:effectRef>
+          <a:fontRef idx="minor">
+            <a:schemeClr val="lt1"/>
+          </a:fontRef>
+        </p:style>
+        <p:txBody>
+          <a:bodyPr rtlCol="0" anchor="ctr"/>
+          <a:lstStyle/>
+          <a:p>
+            <a:pPr algn="ctr"/>
+            <a:r>
+              <a:rPr lang="en-US" altLang="ko-KR" sz="1200" b="1">
+                <a:solidFill>
+                  <a:schemeClr val="bg1"/>
+                </a:solidFill>
+                <a:latin typeface="Comic Sans MS" panose="030F0702030302020204" pitchFamily="66" charset="0"/>
+              </a:rPr>
+              <a:t>1.50</a:t>
+            </a:r>
+          </a:p>
+          <a:p>
+            <a:pPr algn="ctr"/>
+            <a:endParaRPr lang="en-US" altLang="ko-KR" sz="1200" b="1">
+              <a:solidFill>
+                <a:schemeClr val="bg1"/>
+              </a:solidFill>
+              <a:latin typeface="Comic Sans MS" panose="030F0702030302020204" pitchFamily="66" charset="0"/>
+            </a:endParaRPr>
+          </a:p>
+        </p:txBody>
+      </p:sp>
+      <p:sp>
+        <p:nvSpPr>
+          <p:cNvPr id="127" name="사각형: 둥근 모서리 126">
+            <a:extLst>
+              <a:ext uri="{FF2B5EF4-FFF2-40B4-BE49-F238E27FC236}">
+                <a16:creationId xmlns:a16="http://schemas.microsoft.com/office/drawing/2014/main" id="{59B1A2B0-4916-6AD8-6E39-8D351CFE68B6}"/>
+              </a:ext>
+            </a:extLst>
+          </p:cNvPr>
+          <p:cNvSpPr/>
+          <p:nvPr/>
+        </p:nvSpPr>
+        <p:spPr>
+          <a:xfrm>
+            <a:off x="34528" y="2828529"/>
+            <a:ext cx="532524" cy="545988"/>
+          </a:xfrm>
+          <a:prstGeom prst="roundRect">
+            <a:avLst/>
+          </a:prstGeom>
+          <a:solidFill>
+            <a:srgbClr val="808080"/>
+          </a:solidFill>
+        </p:spPr>
+        <p:style>
+          <a:lnRef idx="2">
+            <a:schemeClr val="accent1">
+              <a:shade val="50000"/>
+            </a:schemeClr>
+          </a:lnRef>
+          <a:fillRef idx="1">
+            <a:schemeClr val="accent1"/>
+          </a:fillRef>
+          <a:effectRef idx="0">
+            <a:schemeClr val="accent1"/>
+          </a:effectRef>
+          <a:fontRef idx="minor">
+            <a:schemeClr val="lt1"/>
+          </a:fontRef>
+        </p:style>
+        <p:txBody>
+          <a:bodyPr rtlCol="0" anchor="ctr"/>
+          <a:lstStyle/>
+          <a:p>
+            <a:pPr algn="ctr"/>
+            <a:endParaRPr lang="ko-KR" altLang="en-US" sz="1400">
+              <a:solidFill>
+                <a:schemeClr val="bg1"/>
+              </a:solidFill>
+              <a:latin typeface="Comic Sans MS" panose="030F0702030302020204" pitchFamily="66" charset="0"/>
+            </a:endParaRPr>
+          </a:p>
+        </p:txBody>
+      </p:sp>
+      <p:sp>
+        <p:nvSpPr>
+          <p:cNvPr id="131" name="사각형: 둥근 모서리 130">
+            <a:extLst>
+              <a:ext uri="{FF2B5EF4-FFF2-40B4-BE49-F238E27FC236}">
+                <a16:creationId xmlns:a16="http://schemas.microsoft.com/office/drawing/2014/main" id="{7B6784AF-9803-617C-B786-93463B9F959D}"/>
+              </a:ext>
+            </a:extLst>
+          </p:cNvPr>
+          <p:cNvSpPr/>
+          <p:nvPr/>
+        </p:nvSpPr>
+        <p:spPr>
+          <a:xfrm>
+            <a:off x="586978" y="3387669"/>
+            <a:ext cx="2095500" cy="545988"/>
+          </a:xfrm>
+          <a:prstGeom prst="roundRect">
+            <a:avLst/>
+          </a:prstGeom>
+          <a:solidFill>
+            <a:srgbClr val="808080"/>
+          </a:solidFill>
+          <a:ln>
+            <a:noFill/>
+          </a:ln>
+        </p:spPr>
+        <p:style>
+          <a:lnRef idx="0">
+            <a:scrgbClr r="0" g="0" b="0"/>
+          </a:lnRef>
+          <a:fillRef idx="0">
+            <a:scrgbClr r="0" g="0" b="0"/>
+          </a:fillRef>
+          <a:effectRef idx="0">
+            <a:scrgbClr r="0" g="0" b="0"/>
+          </a:effectRef>
+          <a:fontRef idx="minor">
+            <a:schemeClr val="lt1"/>
+          </a:fontRef>
+        </p:style>
+        <p:txBody>
+          <a:bodyPr rtlCol="0" anchor="ctr"/>
+          <a:lstStyle/>
+          <a:p>
+            <a:pPr algn="r"/>
+            <a:r>
+              <a:rPr lang="en-US" altLang="ko-KR" sz="1400">
+                <a:solidFill>
+                  <a:schemeClr val="bg1"/>
+                </a:solidFill>
+                <a:latin typeface="Comic Sans MS" panose="030F0702030302020204" pitchFamily="66" charset="0"/>
+              </a:rPr>
+              <a:t>MuangMuangE</a:t>
+            </a:r>
+          </a:p>
+          <a:p>
+            <a:pPr algn="r"/>
+            <a:r>
+              <a:rPr lang="en-US" altLang="ko-KR" sz="1400">
+                <a:solidFill>
+                  <a:schemeClr val="bg1"/>
+                </a:solidFill>
+                <a:latin typeface="Comic Sans MS" panose="030F0702030302020204" pitchFamily="66" charset="0"/>
+              </a:rPr>
+              <a:t>1,098,912</a:t>
+            </a:r>
+          </a:p>
+        </p:txBody>
+      </p:sp>
+      <p:pic>
+        <p:nvPicPr>
+          <p:cNvPr id="133" name="그림 132">
+            <a:extLst>
+              <a:ext uri="{FF2B5EF4-FFF2-40B4-BE49-F238E27FC236}">
+                <a16:creationId xmlns:a16="http://schemas.microsoft.com/office/drawing/2014/main" id="{B97F6D43-D90E-11E2-7AD0-5AC11F0B08FA}"/>
+              </a:ext>
+            </a:extLst>
+          </p:cNvPr>
+          <p:cNvPicPr>
+            <a:picLocks noChangeAspect="1"/>
+          </p:cNvPicPr>
+          <p:nvPr/>
+        </p:nvPicPr>
+        <p:blipFill>
+          <a:blip r:embed="rId3"/>
+          <a:stretch>
+            <a:fillRect/>
+          </a:stretch>
+        </p:blipFill>
+        <p:spPr>
+          <a:xfrm>
+            <a:off x="34528" y="3387485"/>
+            <a:ext cx="552450" cy="546172"/>
+          </a:xfrm>
+          <a:prstGeom prst="rect">
+            <a:avLst/>
+          </a:prstGeom>
+          <a:solidFill>
+            <a:srgbClr val="808080"/>
+          </a:solidFill>
+        </p:spPr>
+      </p:pic>
+      <p:sp>
+        <p:nvSpPr>
+          <p:cNvPr id="135" name="사각형: 둥근 모서리 134">
+            <a:extLst>
+              <a:ext uri="{FF2B5EF4-FFF2-40B4-BE49-F238E27FC236}">
+                <a16:creationId xmlns:a16="http://schemas.microsoft.com/office/drawing/2014/main" id="{8D699299-D87F-059C-C9D1-4E24E0635BD8}"/>
+              </a:ext>
+            </a:extLst>
+          </p:cNvPr>
+          <p:cNvSpPr/>
+          <p:nvPr/>
+        </p:nvSpPr>
+        <p:spPr>
+          <a:xfrm>
+            <a:off x="586978" y="3387485"/>
+            <a:ext cx="142875" cy="545988"/>
+          </a:xfrm>
+          <a:prstGeom prst="roundRect">
+            <a:avLst/>
+          </a:prstGeom>
+          <a:solidFill>
+            <a:srgbClr val="808080"/>
+          </a:solidFill>
+        </p:spPr>
+        <p:style>
+          <a:lnRef idx="2">
+            <a:schemeClr val="accent4">
+              <a:shade val="50000"/>
+            </a:schemeClr>
+          </a:lnRef>
+          <a:fillRef idx="1">
+            <a:schemeClr val="accent4"/>
+          </a:fillRef>
+          <a:effectRef idx="0">
+            <a:schemeClr val="accent4"/>
+          </a:effectRef>
+          <a:fontRef idx="minor">
+            <a:schemeClr val="lt1"/>
+          </a:fontRef>
+        </p:style>
+        <p:txBody>
+          <a:bodyPr rtlCol="0" anchor="ctr"/>
+          <a:lstStyle/>
+          <a:p>
+            <a:pPr algn="ctr"/>
+            <a:endParaRPr lang="ko-KR" altLang="en-US" sz="1400">
+              <a:solidFill>
+                <a:schemeClr val="bg1"/>
+              </a:solidFill>
+              <a:latin typeface="Comic Sans MS" panose="030F0702030302020204" pitchFamily="66" charset="0"/>
+            </a:endParaRPr>
+          </a:p>
+        </p:txBody>
+      </p:sp>
+      <p:sp>
+        <p:nvSpPr>
+          <p:cNvPr id="137" name="사각형: 둥근 모서리 136">
+            <a:extLst>
+              <a:ext uri="{FF2B5EF4-FFF2-40B4-BE49-F238E27FC236}">
+                <a16:creationId xmlns:a16="http://schemas.microsoft.com/office/drawing/2014/main" id="{BDCE4E46-7FA0-9E9F-4915-A7560B0377EB}"/>
+              </a:ext>
+            </a:extLst>
+          </p:cNvPr>
+          <p:cNvSpPr/>
+          <p:nvPr/>
+        </p:nvSpPr>
+        <p:spPr>
+          <a:xfrm>
+            <a:off x="2682479" y="3387485"/>
+            <a:ext cx="629174" cy="545988"/>
+          </a:xfrm>
+          <a:prstGeom prst="roundRect">
+            <a:avLst/>
+          </a:prstGeom>
+          <a:solidFill>
+            <a:srgbClr val="808080"/>
+          </a:solidFill>
+          <a:ln>
+            <a:solidFill>
+              <a:schemeClr val="tx1"/>
+            </a:solidFill>
+          </a:ln>
+        </p:spPr>
+        <p:style>
+          <a:lnRef idx="0">
+            <a:scrgbClr r="0" g="0" b="0"/>
+          </a:lnRef>
+          <a:fillRef idx="0">
+            <a:scrgbClr r="0" g="0" b="0"/>
+          </a:fillRef>
+          <a:effectRef idx="0">
+            <a:scrgbClr r="0" g="0" b="0"/>
+          </a:effectRef>
+          <a:fontRef idx="minor">
+            <a:schemeClr val="lt1"/>
+          </a:fontRef>
+        </p:style>
+        <p:txBody>
+          <a:bodyPr rtlCol="0" anchor="ctr"/>
+          <a:lstStyle/>
+          <a:p>
+            <a:r>
+              <a:rPr lang="en-US" altLang="ko-KR" sz="1200" b="1">
+                <a:solidFill>
+                  <a:schemeClr val="bg1"/>
+                </a:solidFill>
+                <a:latin typeface="Comic Sans MS" panose="030F0702030302020204" pitchFamily="66" charset="0"/>
+              </a:rPr>
+              <a:t>1.25</a:t>
+            </a:r>
+          </a:p>
+          <a:p>
+            <a:endParaRPr lang="en-US" altLang="ko-KR" sz="1200" b="1">
+              <a:solidFill>
+                <a:schemeClr val="bg1"/>
+              </a:solidFill>
+              <a:latin typeface="Comic Sans MS" panose="030F0702030302020204" pitchFamily="66" charset="0"/>
+            </a:endParaRPr>
+          </a:p>
+        </p:txBody>
+      </p:sp>
+      <p:sp>
+        <p:nvSpPr>
+          <p:cNvPr id="139" name="사각형: 둥근 모서리 138">
+            <a:extLst>
+              <a:ext uri="{FF2B5EF4-FFF2-40B4-BE49-F238E27FC236}">
+                <a16:creationId xmlns:a16="http://schemas.microsoft.com/office/drawing/2014/main" id="{A63F1A30-390E-E231-CC21-2F7CA4918D23}"/>
+              </a:ext>
+            </a:extLst>
+          </p:cNvPr>
+          <p:cNvSpPr/>
+          <p:nvPr/>
+        </p:nvSpPr>
+        <p:spPr>
+          <a:xfrm>
+            <a:off x="581022" y="3912881"/>
+            <a:ext cx="2095500" cy="545988"/>
+          </a:xfrm>
+          <a:prstGeom prst="roundRect">
+            <a:avLst/>
+          </a:prstGeom>
+          <a:solidFill>
+            <a:srgbClr val="808080"/>
+          </a:solidFill>
+          <a:ln>
+            <a:noFill/>
+          </a:ln>
+        </p:spPr>
+        <p:style>
+          <a:lnRef idx="0">
+            <a:scrgbClr r="0" g="0" b="0"/>
+          </a:lnRef>
+          <a:fillRef idx="0">
+            <a:scrgbClr r="0" g="0" b="0"/>
+          </a:fillRef>
+          <a:effectRef idx="0">
+            <a:scrgbClr r="0" g="0" b="0"/>
+          </a:effectRef>
+          <a:fontRef idx="minor">
+            <a:schemeClr val="lt1"/>
+          </a:fontRef>
+        </p:style>
+        <p:txBody>
+          <a:bodyPr rtlCol="0" anchor="ctr"/>
+          <a:lstStyle/>
+          <a:p>
+            <a:pPr algn="r"/>
+            <a:r>
+              <a:rPr lang="en-US" altLang="ko-KR" sz="1400">
+                <a:solidFill>
+                  <a:schemeClr val="bg1"/>
+                </a:solidFill>
+                <a:latin typeface="Comic Sans MS" panose="030F0702030302020204" pitchFamily="66" charset="0"/>
+              </a:rPr>
+              <a:t>AwesomePlayer4</a:t>
+            </a:r>
+          </a:p>
+          <a:p>
+            <a:pPr algn="r"/>
+            <a:r>
+              <a:rPr lang="en-US" altLang="ko-KR" sz="1400">
+                <a:solidFill>
+                  <a:schemeClr val="bg1"/>
+                </a:solidFill>
+                <a:latin typeface="Comic Sans MS" panose="030F0702030302020204" pitchFamily="66" charset="0"/>
+              </a:rPr>
+              <a:t>1,092,912</a:t>
+            </a:r>
+          </a:p>
+        </p:txBody>
+      </p:sp>
+      <p:sp>
+        <p:nvSpPr>
+          <p:cNvPr id="145" name="사각형: 둥근 모서리 144">
+            <a:extLst>
+              <a:ext uri="{FF2B5EF4-FFF2-40B4-BE49-F238E27FC236}">
+                <a16:creationId xmlns:a16="http://schemas.microsoft.com/office/drawing/2014/main" id="{B128CA87-36EF-709D-D1DA-755A3F5A990D}"/>
+              </a:ext>
+            </a:extLst>
+          </p:cNvPr>
+          <p:cNvSpPr/>
+          <p:nvPr/>
+        </p:nvSpPr>
+        <p:spPr>
+          <a:xfrm>
+            <a:off x="2676523" y="3912697"/>
+            <a:ext cx="629174" cy="545988"/>
+          </a:xfrm>
+          <a:prstGeom prst="roundRect">
+            <a:avLst/>
+          </a:prstGeom>
+          <a:solidFill>
+            <a:srgbClr val="808080"/>
+          </a:solidFill>
+          <a:ln>
+            <a:solidFill>
+              <a:schemeClr val="tx1"/>
+            </a:solidFill>
+          </a:ln>
+        </p:spPr>
+        <p:style>
+          <a:lnRef idx="0">
+            <a:scrgbClr r="0" g="0" b="0"/>
+          </a:lnRef>
+          <a:fillRef idx="0">
+            <a:scrgbClr r="0" g="0" b="0"/>
+          </a:fillRef>
+          <a:effectRef idx="0">
+            <a:scrgbClr r="0" g="0" b="0"/>
+          </a:effectRef>
+          <a:fontRef idx="minor">
+            <a:schemeClr val="lt1"/>
+          </a:fontRef>
+        </p:style>
+        <p:txBody>
+          <a:bodyPr rtlCol="0" anchor="ctr"/>
+          <a:lstStyle/>
+          <a:p>
+            <a:r>
+              <a:rPr lang="en-US" altLang="ko-KR" sz="1200" b="1">
+                <a:solidFill>
+                  <a:schemeClr val="bg1"/>
+                </a:solidFill>
+                <a:latin typeface="Comic Sans MS" panose="030F0702030302020204" pitchFamily="66" charset="0"/>
+              </a:rPr>
+              <a:t>1.25</a:t>
+            </a:r>
+          </a:p>
+          <a:p>
+            <a:endParaRPr lang="en-US" altLang="ko-KR" sz="1200" b="1">
+              <a:solidFill>
+                <a:schemeClr val="bg1"/>
+              </a:solidFill>
+              <a:latin typeface="Comic Sans MS" panose="030F0702030302020204" pitchFamily="66" charset="0"/>
+            </a:endParaRPr>
+          </a:p>
+        </p:txBody>
+      </p:sp>
+      <p:sp>
+        <p:nvSpPr>
+          <p:cNvPr id="147" name="사각형: 둥근 모서리 146">
+            <a:extLst>
+              <a:ext uri="{FF2B5EF4-FFF2-40B4-BE49-F238E27FC236}">
+                <a16:creationId xmlns:a16="http://schemas.microsoft.com/office/drawing/2014/main" id="{BA610295-967E-3156-AAA0-A03D7332F10F}"/>
+              </a:ext>
+            </a:extLst>
+          </p:cNvPr>
+          <p:cNvSpPr/>
+          <p:nvPr/>
+        </p:nvSpPr>
+        <p:spPr>
+          <a:xfrm>
+            <a:off x="586978" y="4458309"/>
+            <a:ext cx="2095500" cy="545988"/>
+          </a:xfrm>
+          <a:prstGeom prst="roundRect">
+            <a:avLst/>
+          </a:prstGeom>
+          <a:solidFill>
+            <a:srgbClr val="808080"/>
+          </a:solidFill>
+          <a:ln>
+            <a:noFill/>
+          </a:ln>
+        </p:spPr>
+        <p:style>
+          <a:lnRef idx="0">
+            <a:scrgbClr r="0" g="0" b="0"/>
+          </a:lnRef>
+          <a:fillRef idx="0">
+            <a:scrgbClr r="0" g="0" b="0"/>
+          </a:fillRef>
+          <a:effectRef idx="0">
+            <a:scrgbClr r="0" g="0" b="0"/>
+          </a:effectRef>
+          <a:fontRef idx="minor">
+            <a:schemeClr val="lt1"/>
+          </a:fontRef>
+        </p:style>
+        <p:txBody>
+          <a:bodyPr rtlCol="0" anchor="ctr"/>
+          <a:lstStyle/>
+          <a:p>
+            <a:pPr algn="r"/>
+            <a:r>
+              <a:rPr lang="en-US" altLang="ko-KR" sz="1400">
+                <a:solidFill>
+                  <a:schemeClr val="bg1"/>
+                </a:solidFill>
+                <a:latin typeface="Comic Sans MS" panose="030F0702030302020204" pitchFamily="66" charset="0"/>
+              </a:rPr>
+              <a:t>AwesomePlayer5</a:t>
+            </a:r>
+          </a:p>
+          <a:p>
+            <a:pPr algn="r"/>
+            <a:r>
+              <a:rPr lang="en-US" altLang="ko-KR" sz="1400">
+                <a:solidFill>
+                  <a:schemeClr val="bg1"/>
+                </a:solidFill>
+                <a:latin typeface="Comic Sans MS" panose="030F0702030302020204" pitchFamily="66" charset="0"/>
+              </a:rPr>
+              <a:t>1,099,077</a:t>
+            </a:r>
+          </a:p>
+        </p:txBody>
+      </p:sp>
+      <p:sp>
+        <p:nvSpPr>
+          <p:cNvPr id="149" name="사각형: 둥근 모서리 148">
+            <a:extLst>
+              <a:ext uri="{FF2B5EF4-FFF2-40B4-BE49-F238E27FC236}">
+                <a16:creationId xmlns:a16="http://schemas.microsoft.com/office/drawing/2014/main" id="{36998334-05F9-D1F7-CD4D-4EB908709396}"/>
+              </a:ext>
+            </a:extLst>
+          </p:cNvPr>
+          <p:cNvSpPr/>
+          <p:nvPr/>
+        </p:nvSpPr>
+        <p:spPr>
+          <a:xfrm>
+            <a:off x="2682479" y="4458125"/>
+            <a:ext cx="629174" cy="545988"/>
+          </a:xfrm>
+          <a:prstGeom prst="roundRect">
+            <a:avLst/>
+          </a:prstGeom>
+          <a:solidFill>
+            <a:srgbClr val="808080"/>
+          </a:solidFill>
+          <a:ln>
+            <a:solidFill>
+              <a:schemeClr val="tx1"/>
+            </a:solidFill>
+          </a:ln>
+        </p:spPr>
+        <p:style>
+          <a:lnRef idx="0">
+            <a:scrgbClr r="0" g="0" b="0"/>
+          </a:lnRef>
+          <a:fillRef idx="0">
+            <a:scrgbClr r="0" g="0" b="0"/>
+          </a:fillRef>
+          <a:effectRef idx="0">
+            <a:scrgbClr r="0" g="0" b="0"/>
+          </a:effectRef>
+          <a:fontRef idx="minor">
+            <a:schemeClr val="lt1"/>
+          </a:fontRef>
+        </p:style>
+        <p:txBody>
+          <a:bodyPr rtlCol="0" anchor="ctr"/>
+          <a:lstStyle/>
+          <a:p>
+            <a:pPr algn="ctr"/>
+            <a:endParaRPr lang="en-US" altLang="ko-KR" sz="1200" b="1">
+              <a:solidFill>
+                <a:schemeClr val="bg1"/>
+              </a:solidFill>
+              <a:latin typeface="Comic Sans MS" panose="030F0702030302020204" pitchFamily="66" charset="0"/>
+            </a:endParaRPr>
+          </a:p>
+          <a:p>
+            <a:pPr algn="ctr"/>
+            <a:endParaRPr lang="en-US" altLang="ko-KR" sz="1200" b="1">
+              <a:solidFill>
+                <a:schemeClr val="bg1"/>
+              </a:solidFill>
+              <a:latin typeface="Comic Sans MS" panose="030F0702030302020204" pitchFamily="66" charset="0"/>
+            </a:endParaRPr>
+          </a:p>
+        </p:txBody>
+      </p:sp>
+      <p:sp>
+        <p:nvSpPr>
+          <p:cNvPr id="151" name="사각형: 둥근 모서리 150">
+            <a:extLst>
+              <a:ext uri="{FF2B5EF4-FFF2-40B4-BE49-F238E27FC236}">
+                <a16:creationId xmlns:a16="http://schemas.microsoft.com/office/drawing/2014/main" id="{F1B1E88E-69C5-18FD-0B77-3349AA5F08CC}"/>
+              </a:ext>
+            </a:extLst>
+          </p:cNvPr>
+          <p:cNvSpPr/>
+          <p:nvPr/>
+        </p:nvSpPr>
+        <p:spPr>
+          <a:xfrm>
+            <a:off x="34528" y="4458125"/>
+            <a:ext cx="532524" cy="545988"/>
+          </a:xfrm>
+          <a:prstGeom prst="roundRect">
+            <a:avLst/>
+          </a:prstGeom>
+          <a:solidFill>
+            <a:srgbClr val="808080"/>
+          </a:solidFill>
+        </p:spPr>
+        <p:style>
+          <a:lnRef idx="2">
+            <a:schemeClr val="accent1">
+              <a:shade val="50000"/>
+            </a:schemeClr>
+          </a:lnRef>
+          <a:fillRef idx="1">
+            <a:schemeClr val="accent1"/>
+          </a:fillRef>
+          <a:effectRef idx="0">
+            <a:schemeClr val="accent1"/>
+          </a:effectRef>
+          <a:fontRef idx="minor">
+            <a:schemeClr val="lt1"/>
+          </a:fontRef>
+        </p:style>
+        <p:txBody>
+          <a:bodyPr rtlCol="0" anchor="ctr"/>
+          <a:lstStyle/>
+          <a:p>
+            <a:pPr algn="ctr"/>
+            <a:endParaRPr lang="ko-KR" altLang="en-US" sz="1400">
+              <a:solidFill>
+                <a:schemeClr val="bg1"/>
+              </a:solidFill>
+              <a:latin typeface="Comic Sans MS" panose="030F0702030302020204" pitchFamily="66" charset="0"/>
+            </a:endParaRPr>
+          </a:p>
+        </p:txBody>
+      </p:sp>
+      <p:sp>
+        <p:nvSpPr>
+          <p:cNvPr id="157" name="사각형: 둥근 모서리 156">
+            <a:extLst>
+              <a:ext uri="{FF2B5EF4-FFF2-40B4-BE49-F238E27FC236}">
+                <a16:creationId xmlns:a16="http://schemas.microsoft.com/office/drawing/2014/main" id="{584F4C5B-3CFC-B3F5-07AB-9327CA97C466}"/>
+              </a:ext>
+            </a:extLst>
+          </p:cNvPr>
+          <p:cNvSpPr/>
+          <p:nvPr/>
+        </p:nvSpPr>
+        <p:spPr>
+          <a:xfrm>
+            <a:off x="34528" y="3924034"/>
+            <a:ext cx="532524" cy="545988"/>
+          </a:xfrm>
+          <a:prstGeom prst="roundRect">
+            <a:avLst/>
+          </a:prstGeom>
+          <a:solidFill>
+            <a:srgbClr val="808080"/>
+          </a:solidFill>
+        </p:spPr>
+        <p:style>
+          <a:lnRef idx="2">
+            <a:schemeClr val="accent4"/>
+          </a:lnRef>
+          <a:fillRef idx="1">
+            <a:schemeClr val="lt1"/>
+          </a:fillRef>
+          <a:effectRef idx="0">
+            <a:schemeClr val="accent4"/>
+          </a:effectRef>
+          <a:fontRef idx="minor">
+            <a:schemeClr val="dk1"/>
+          </a:fontRef>
+        </p:style>
+        <p:txBody>
+          <a:bodyPr rtlCol="0" anchor="ctr"/>
+          <a:lstStyle/>
+          <a:p>
+            <a:pPr algn="ctr"/>
+            <a:endParaRPr lang="ko-KR" altLang="en-US" sz="1400">
+              <a:solidFill>
+                <a:schemeClr val="bg1"/>
+              </a:solidFill>
+              <a:latin typeface="Comic Sans MS" panose="030F0702030302020204" pitchFamily="66" charset="0"/>
+            </a:endParaRPr>
+          </a:p>
+        </p:txBody>
+      </p:sp>
+      <p:pic>
+        <p:nvPicPr>
+          <p:cNvPr id="161" name="그래픽 160" descr="비행기 단색으로 채워진">
+            <a:extLst>
+              <a:ext uri="{FF2B5EF4-FFF2-40B4-BE49-F238E27FC236}">
+                <a16:creationId xmlns:a16="http://schemas.microsoft.com/office/drawing/2014/main" id="{CCB94006-1C54-77E6-85ED-B68293236CF3}"/>
+              </a:ext>
+            </a:extLst>
+          </p:cNvPr>
+          <p:cNvPicPr>
+            <a:picLocks noChangeAspect="1"/>
+          </p:cNvPicPr>
+          <p:nvPr/>
+        </p:nvPicPr>
+        <p:blipFill>
+          <a:blip r:embed="rId4">
+            <a:extLst>
+              <a:ext uri="{28A0092B-C50C-407E-A947-70E740481C1C}">
+                <a14:useLocalDpi xmlns:a14="http://schemas.microsoft.com/office/drawing/2010/main" val="0"/>
+              </a:ext>
+              <a:ext uri="{96DAC541-7B7A-43D3-8B79-37D633B846F1}">
+                <asvg:svgBlip xmlns:asvg="http://schemas.microsoft.com/office/drawing/2016/SVG/main" r:embed="rId5"/>
+              </a:ext>
+            </a:extLst>
+          </a:blip>
+          <a:stretch>
+            <a:fillRect/>
+          </a:stretch>
+        </p:blipFill>
+        <p:spPr>
+          <a:xfrm>
+            <a:off x="55580" y="2308784"/>
+            <a:ext cx="511472" cy="511472"/>
+          </a:xfrm>
+          <a:prstGeom prst="rect">
+            <a:avLst/>
+          </a:prstGeom>
+        </p:spPr>
+      </p:pic>
+      <p:pic>
+        <p:nvPicPr>
+          <p:cNvPr id="163" name="그래픽 162" descr="천사 같은 얼굴(윤곽선) 윤곽선">
+            <a:extLst>
+              <a:ext uri="{FF2B5EF4-FFF2-40B4-BE49-F238E27FC236}">
+                <a16:creationId xmlns:a16="http://schemas.microsoft.com/office/drawing/2014/main" id="{6B0171CA-E38E-FBC1-7CE6-E83ADEA539F2}"/>
+              </a:ext>
+            </a:extLst>
+          </p:cNvPr>
+          <p:cNvPicPr>
+            <a:picLocks noChangeAspect="1"/>
+          </p:cNvPicPr>
+          <p:nvPr/>
+        </p:nvPicPr>
+        <p:blipFill>
+          <a:blip r:embed="rId6">
+            <a:extLst>
+              <a:ext uri="{28A0092B-C50C-407E-A947-70E740481C1C}">
+                <a14:useLocalDpi xmlns:a14="http://schemas.microsoft.com/office/drawing/2010/main" val="0"/>
+              </a:ext>
+              <a:ext uri="{96DAC541-7B7A-43D3-8B79-37D633B846F1}">
+                <asvg:svgBlip xmlns:asvg="http://schemas.microsoft.com/office/drawing/2016/SVG/main" r:embed="rId7"/>
+              </a:ext>
+            </a:extLst>
+          </a:blip>
+          <a:stretch>
+            <a:fillRect/>
+          </a:stretch>
+        </p:blipFill>
+        <p:spPr>
+          <a:xfrm>
+            <a:off x="34529" y="2870084"/>
+            <a:ext cx="553056" cy="553056"/>
+          </a:xfrm>
+          <a:prstGeom prst="rect">
+            <a:avLst/>
+          </a:prstGeom>
+        </p:spPr>
+      </p:pic>
+      <p:sp>
+        <p:nvSpPr>
+          <p:cNvPr id="165" name="사각형: 둥근 모서리 164">
+            <a:extLst>
+              <a:ext uri="{FF2B5EF4-FFF2-40B4-BE49-F238E27FC236}">
+                <a16:creationId xmlns:a16="http://schemas.microsoft.com/office/drawing/2014/main" id="{B512EDBF-9CD9-500E-973A-854008A071DD}"/>
+              </a:ext>
+            </a:extLst>
+          </p:cNvPr>
+          <p:cNvSpPr/>
+          <p:nvPr/>
+        </p:nvSpPr>
+        <p:spPr>
+          <a:xfrm>
+            <a:off x="587585" y="4453364"/>
+            <a:ext cx="142875" cy="545988"/>
+          </a:xfrm>
+          <a:prstGeom prst="roundRect">
+            <a:avLst/>
+          </a:prstGeom>
+          <a:solidFill>
+            <a:srgbClr val="808080"/>
+          </a:solidFill>
+        </p:spPr>
+        <p:style>
+          <a:lnRef idx="2">
+            <a:schemeClr val="accent4">
+              <a:shade val="50000"/>
+            </a:schemeClr>
+          </a:lnRef>
+          <a:fillRef idx="1">
+            <a:schemeClr val="accent4"/>
+          </a:fillRef>
+          <a:effectRef idx="0">
+            <a:schemeClr val="accent4"/>
+          </a:effectRef>
+          <a:fontRef idx="minor">
+            <a:schemeClr val="lt1"/>
+          </a:fontRef>
+        </p:style>
+        <p:txBody>
+          <a:bodyPr rtlCol="0" anchor="ctr"/>
+          <a:lstStyle/>
+          <a:p>
+            <a:pPr algn="ctr"/>
+            <a:endParaRPr lang="ko-KR" altLang="en-US" sz="1400">
+              <a:solidFill>
+                <a:schemeClr val="bg1"/>
+              </a:solidFill>
+              <a:latin typeface="Comic Sans MS" panose="030F0702030302020204" pitchFamily="66" charset="0"/>
+            </a:endParaRPr>
+          </a:p>
+        </p:txBody>
+      </p:sp>
+      <p:sp>
+        <p:nvSpPr>
+          <p:cNvPr id="167" name="사각형: 둥근 모서리 166">
+            <a:extLst>
+              <a:ext uri="{FF2B5EF4-FFF2-40B4-BE49-F238E27FC236}">
+                <a16:creationId xmlns:a16="http://schemas.microsoft.com/office/drawing/2014/main" id="{50F1E9B9-F5CF-690B-3C07-A1BBF23C9A0E}"/>
+              </a:ext>
+            </a:extLst>
+          </p:cNvPr>
+          <p:cNvSpPr/>
+          <p:nvPr/>
+        </p:nvSpPr>
+        <p:spPr>
+          <a:xfrm>
+            <a:off x="581021" y="5008720"/>
+            <a:ext cx="2095500" cy="545988"/>
+          </a:xfrm>
+          <a:prstGeom prst="roundRect">
+            <a:avLst/>
+          </a:prstGeom>
+          <a:solidFill>
+            <a:srgbClr val="808080"/>
+          </a:solidFill>
+          <a:ln>
+            <a:noFill/>
+          </a:ln>
+        </p:spPr>
+        <p:style>
+          <a:lnRef idx="0">
+            <a:scrgbClr r="0" g="0" b="0"/>
+          </a:lnRef>
+          <a:fillRef idx="0">
+            <a:scrgbClr r="0" g="0" b="0"/>
+          </a:fillRef>
+          <a:effectRef idx="0">
+            <a:scrgbClr r="0" g="0" b="0"/>
+          </a:effectRef>
+          <a:fontRef idx="minor">
+            <a:schemeClr val="lt1"/>
+          </a:fontRef>
+        </p:style>
+        <p:txBody>
+          <a:bodyPr rtlCol="0" anchor="ctr"/>
+          <a:lstStyle/>
+          <a:p>
+            <a:pPr algn="r"/>
+            <a:r>
+              <a:rPr lang="en-US" altLang="ko-KR" sz="1400">
+                <a:solidFill>
+                  <a:schemeClr val="bg1"/>
+                </a:solidFill>
+                <a:latin typeface="Comic Sans MS" panose="030F0702030302020204" pitchFamily="66" charset="0"/>
+              </a:rPr>
+              <a:t>AwesomePlayer6</a:t>
+            </a:r>
+          </a:p>
+          <a:p>
+            <a:pPr algn="r"/>
+            <a:r>
+              <a:rPr lang="en-US" altLang="ko-KR" sz="1400">
+                <a:solidFill>
+                  <a:schemeClr val="bg1"/>
+                </a:solidFill>
+                <a:latin typeface="Comic Sans MS" panose="030F0702030302020204" pitchFamily="66" charset="0"/>
+              </a:rPr>
+              <a:t>1,095,812</a:t>
+            </a:r>
+          </a:p>
+        </p:txBody>
+      </p:sp>
+      <p:sp>
+        <p:nvSpPr>
+          <p:cNvPr id="169" name="사각형: 둥근 모서리 168">
+            <a:extLst>
+              <a:ext uri="{FF2B5EF4-FFF2-40B4-BE49-F238E27FC236}">
+                <a16:creationId xmlns:a16="http://schemas.microsoft.com/office/drawing/2014/main" id="{19EAA1C0-367D-2C92-B905-1AE0E59D4F28}"/>
+              </a:ext>
+            </a:extLst>
+          </p:cNvPr>
+          <p:cNvSpPr/>
+          <p:nvPr/>
+        </p:nvSpPr>
+        <p:spPr>
+          <a:xfrm>
+            <a:off x="2676522" y="5008536"/>
+            <a:ext cx="629174" cy="545988"/>
+          </a:xfrm>
+          <a:prstGeom prst="roundRect">
+            <a:avLst/>
+          </a:prstGeom>
+          <a:solidFill>
+            <a:srgbClr val="808080"/>
+          </a:solidFill>
+          <a:ln>
+            <a:solidFill>
+              <a:schemeClr val="tx1"/>
+            </a:solidFill>
+          </a:ln>
+        </p:spPr>
+        <p:style>
+          <a:lnRef idx="0">
+            <a:scrgbClr r="0" g="0" b="0"/>
+          </a:lnRef>
+          <a:fillRef idx="0">
+            <a:scrgbClr r="0" g="0" b="0"/>
+          </a:fillRef>
+          <a:effectRef idx="0">
+            <a:scrgbClr r="0" g="0" b="0"/>
+          </a:effectRef>
+          <a:fontRef idx="minor">
+            <a:schemeClr val="lt1"/>
+          </a:fontRef>
+        </p:style>
+        <p:txBody>
+          <a:bodyPr rtlCol="0" anchor="ctr"/>
+          <a:lstStyle/>
+          <a:p>
+            <a:pPr algn="ctr"/>
+            <a:endParaRPr lang="en-US" altLang="ko-KR" sz="1200" b="1">
+              <a:solidFill>
+                <a:schemeClr val="bg1"/>
+              </a:solidFill>
+              <a:latin typeface="Comic Sans MS" panose="030F0702030302020204" pitchFamily="66" charset="0"/>
+            </a:endParaRPr>
+          </a:p>
+          <a:p>
+            <a:pPr algn="ctr"/>
+            <a:endParaRPr lang="en-US" altLang="ko-KR" sz="1200" b="1">
+              <a:solidFill>
+                <a:schemeClr val="bg1"/>
+              </a:solidFill>
+              <a:latin typeface="Comic Sans MS" panose="030F0702030302020204" pitchFamily="66" charset="0"/>
+            </a:endParaRPr>
+          </a:p>
+        </p:txBody>
+      </p:sp>
+      <p:sp>
+        <p:nvSpPr>
+          <p:cNvPr id="171" name="사각형: 둥근 모서리 170">
+            <a:extLst>
+              <a:ext uri="{FF2B5EF4-FFF2-40B4-BE49-F238E27FC236}">
+                <a16:creationId xmlns:a16="http://schemas.microsoft.com/office/drawing/2014/main" id="{C98DB95B-49C8-1EA3-F71C-6A0E1343165D}"/>
+              </a:ext>
+            </a:extLst>
+          </p:cNvPr>
+          <p:cNvSpPr/>
+          <p:nvPr/>
+        </p:nvSpPr>
+        <p:spPr>
+          <a:xfrm>
+            <a:off x="28571" y="5008536"/>
+            <a:ext cx="532524" cy="545988"/>
+          </a:xfrm>
+          <a:prstGeom prst="roundRect">
+            <a:avLst/>
+          </a:prstGeom>
+          <a:solidFill>
+            <a:srgbClr val="808080"/>
+          </a:solidFill>
+        </p:spPr>
+        <p:style>
+          <a:lnRef idx="2">
+            <a:schemeClr val="accent1">
+              <a:shade val="50000"/>
+            </a:schemeClr>
+          </a:lnRef>
+          <a:fillRef idx="1">
+            <a:schemeClr val="accent1"/>
+          </a:fillRef>
+          <a:effectRef idx="0">
+            <a:schemeClr val="accent1"/>
+          </a:effectRef>
+          <a:fontRef idx="minor">
+            <a:schemeClr val="lt1"/>
+          </a:fontRef>
+        </p:style>
+        <p:txBody>
+          <a:bodyPr rtlCol="0" anchor="ctr"/>
+          <a:lstStyle/>
+          <a:p>
+            <a:pPr algn="ctr"/>
+            <a:endParaRPr lang="ko-KR" altLang="en-US" sz="1400">
+              <a:solidFill>
+                <a:schemeClr val="bg1"/>
+              </a:solidFill>
+              <a:latin typeface="Comic Sans MS" panose="030F0702030302020204" pitchFamily="66" charset="0"/>
+            </a:endParaRPr>
+          </a:p>
+        </p:txBody>
+      </p:sp>
+      <p:sp>
+        <p:nvSpPr>
+          <p:cNvPr id="173" name="사각형: 둥근 모서리 172">
+            <a:extLst>
+              <a:ext uri="{FF2B5EF4-FFF2-40B4-BE49-F238E27FC236}">
+                <a16:creationId xmlns:a16="http://schemas.microsoft.com/office/drawing/2014/main" id="{4261F091-0723-33F0-5C53-FECC269C406A}"/>
+              </a:ext>
+            </a:extLst>
+          </p:cNvPr>
+          <p:cNvSpPr/>
+          <p:nvPr/>
+        </p:nvSpPr>
+        <p:spPr>
+          <a:xfrm>
+            <a:off x="581628" y="5003775"/>
+            <a:ext cx="142875" cy="545988"/>
+          </a:xfrm>
+          <a:prstGeom prst="roundRect">
+            <a:avLst/>
+          </a:prstGeom>
+          <a:solidFill>
+            <a:srgbClr val="808080"/>
+          </a:solidFill>
+        </p:spPr>
+        <p:style>
+          <a:lnRef idx="2">
+            <a:schemeClr val="accent4">
+              <a:shade val="50000"/>
+            </a:schemeClr>
+          </a:lnRef>
+          <a:fillRef idx="1">
+            <a:schemeClr val="accent4"/>
+          </a:fillRef>
+          <a:effectRef idx="0">
+            <a:schemeClr val="accent4"/>
+          </a:effectRef>
+          <a:fontRef idx="minor">
+            <a:schemeClr val="lt1"/>
+          </a:fontRef>
+        </p:style>
+        <p:txBody>
+          <a:bodyPr rtlCol="0" anchor="ctr"/>
+          <a:lstStyle/>
+          <a:p>
+            <a:pPr algn="ctr"/>
+            <a:endParaRPr lang="ko-KR" altLang="en-US" sz="1400">
+              <a:solidFill>
+                <a:schemeClr val="bg1"/>
+              </a:solidFill>
+              <a:latin typeface="Comic Sans MS" panose="030F0702030302020204" pitchFamily="66" charset="0"/>
+            </a:endParaRPr>
+          </a:p>
+        </p:txBody>
+      </p:sp>
+      <p:sp>
+        <p:nvSpPr>
+          <p:cNvPr id="176" name="사각형: 둥근 모서리 175">
+            <a:extLst>
+              <a:ext uri="{FF2B5EF4-FFF2-40B4-BE49-F238E27FC236}">
+                <a16:creationId xmlns:a16="http://schemas.microsoft.com/office/drawing/2014/main" id="{63F021A7-9314-7A94-F307-379CA689F1DA}"/>
+              </a:ext>
+            </a:extLst>
+          </p:cNvPr>
+          <p:cNvSpPr/>
+          <p:nvPr/>
+        </p:nvSpPr>
+        <p:spPr>
+          <a:xfrm>
+            <a:off x="3412117" y="279377"/>
+            <a:ext cx="5022966" cy="931016"/>
+          </a:xfrm>
+          <a:prstGeom prst="roundRect">
+            <a:avLst/>
+          </a:prstGeom>
+          <a:noFill/>
+          <a:ln>
+            <a:solidFill>
+              <a:schemeClr val="bg1"/>
+            </a:solidFill>
+          </a:ln>
+        </p:spPr>
+        <p:style>
+          <a:lnRef idx="2">
+            <a:schemeClr val="dk1"/>
+          </a:lnRef>
+          <a:fillRef idx="1">
+            <a:schemeClr val="lt1"/>
+          </a:fillRef>
+          <a:effectRef idx="0">
+            <a:schemeClr val="dk1"/>
+          </a:effectRef>
+          <a:fontRef idx="minor">
+            <a:schemeClr val="dk1"/>
+          </a:fontRef>
+        </p:style>
+        <p:txBody>
+          <a:bodyPr rtlCol="0" anchor="ctr"/>
+          <a:lstStyle/>
+          <a:p>
+            <a:pPr algn="ctr"/>
+            <a:r>
+              <a:rPr lang="en-US" altLang="ko-KR" sz="1600" dirty="0" err="1">
+                <a:solidFill>
+                  <a:schemeClr val="tx1"/>
+                </a:solidFill>
+                <a:latin typeface="Comic Sans MS" panose="030F0702030302020204" pitchFamily="66" charset="0"/>
+              </a:rPr>
+              <a:t>Soliely</a:t>
+            </a:r>
+            <a:endParaRPr lang="en-US" altLang="ko-KR" sz="2000" dirty="0">
+              <a:solidFill>
+                <a:schemeClr val="tx1"/>
+              </a:solidFill>
+              <a:latin typeface="Comic Sans MS" panose="030F0702030302020204" pitchFamily="66" charset="0"/>
+            </a:endParaRPr>
+          </a:p>
+          <a:p>
+            <a:pPr algn="ctr"/>
+            <a:r>
+              <a:rPr lang="en-US" altLang="ko-KR" sz="2400" dirty="0">
+                <a:solidFill>
+                  <a:schemeClr val="tx1"/>
+                </a:solidFill>
+                <a:latin typeface="Comic Sans MS" panose="030F0702030302020204" pitchFamily="66" charset="0"/>
+              </a:rPr>
+              <a:t>Renatus</a:t>
+            </a:r>
+            <a:endParaRPr lang="en-US" altLang="ko-KR" sz="2000" dirty="0">
+              <a:solidFill>
+                <a:schemeClr val="tx1"/>
+              </a:solidFill>
+              <a:latin typeface="Comic Sans MS" panose="030F0702030302020204" pitchFamily="66" charset="0"/>
+            </a:endParaRPr>
+          </a:p>
+          <a:p>
+            <a:pPr algn="ctr"/>
+            <a:r>
+              <a:rPr lang="en-US" altLang="ko-KR" sz="2000" dirty="0">
+                <a:solidFill>
+                  <a:schemeClr val="tx1"/>
+                </a:solidFill>
+                <a:latin typeface="Comic Sans MS" panose="030F0702030302020204" pitchFamily="66" charset="0"/>
+              </a:rPr>
+              <a:t>Normal</a:t>
+            </a:r>
+          </a:p>
+        </p:txBody>
+      </p:sp>
+      <p:sp>
+        <p:nvSpPr>
+          <p:cNvPr id="181" name="사각형: 둥근 모서리 180">
+            <a:extLst>
+              <a:ext uri="{FF2B5EF4-FFF2-40B4-BE49-F238E27FC236}">
+                <a16:creationId xmlns:a16="http://schemas.microsoft.com/office/drawing/2014/main" id="{5364F883-7853-E8E6-D1B1-EDE44391055F}"/>
+              </a:ext>
+            </a:extLst>
+          </p:cNvPr>
+          <p:cNvSpPr/>
+          <p:nvPr/>
+        </p:nvSpPr>
+        <p:spPr>
+          <a:xfrm>
+            <a:off x="7118109" y="1003990"/>
+            <a:ext cx="1308096" cy="201112"/>
+          </a:xfrm>
+          <a:prstGeom prst="roundRect">
+            <a:avLst/>
+          </a:prstGeom>
+          <a:noFill/>
+          <a:ln>
+            <a:noFill/>
+          </a:ln>
+        </p:spPr>
+        <p:style>
+          <a:lnRef idx="2">
+            <a:schemeClr val="accent1">
+              <a:shade val="50000"/>
+            </a:schemeClr>
+          </a:lnRef>
+          <a:fillRef idx="1">
+            <a:schemeClr val="accent1"/>
+          </a:fillRef>
+          <a:effectRef idx="0">
+            <a:schemeClr val="accent1"/>
+          </a:effectRef>
+          <a:fontRef idx="minor">
+            <a:schemeClr val="lt1"/>
+          </a:fontRef>
+        </p:style>
+        <p:txBody>
+          <a:bodyPr rtlCol="0" anchor="ctr"/>
+          <a:lstStyle/>
+          <a:p>
+            <a:pPr algn="r"/>
+            <a:r>
+              <a:rPr lang="en-US" altLang="ko-KR" sz="1200" dirty="0">
+                <a:solidFill>
+                  <a:schemeClr val="tx1"/>
+                </a:solidFill>
+                <a:latin typeface="Comic Sans MS" panose="030F0702030302020204" pitchFamily="66" charset="0"/>
+              </a:rPr>
+              <a:t>Ranked</a:t>
+            </a:r>
+            <a:endParaRPr lang="ko-KR" altLang="en-US" sz="1200" dirty="0">
+              <a:solidFill>
+                <a:schemeClr val="tx1"/>
+              </a:solidFill>
+              <a:latin typeface="Comic Sans MS" panose="030F0702030302020204" pitchFamily="66" charset="0"/>
+            </a:endParaRPr>
+          </a:p>
+        </p:txBody>
+      </p:sp>
+      <p:sp>
+        <p:nvSpPr>
+          <p:cNvPr id="183" name="사각형: 둥근 모서리 182">
+            <a:extLst>
+              <a:ext uri="{FF2B5EF4-FFF2-40B4-BE49-F238E27FC236}">
+                <a16:creationId xmlns:a16="http://schemas.microsoft.com/office/drawing/2014/main" id="{12CE051A-C448-A759-B16C-D70717128DBE}"/>
+              </a:ext>
+            </a:extLst>
+          </p:cNvPr>
+          <p:cNvSpPr/>
+          <p:nvPr/>
+        </p:nvSpPr>
+        <p:spPr>
+          <a:xfrm>
+            <a:off x="3430876" y="327428"/>
+            <a:ext cx="1411622" cy="200025"/>
+          </a:xfrm>
+          <a:prstGeom prst="roundRect">
+            <a:avLst/>
+          </a:prstGeom>
+          <a:noFill/>
+          <a:ln>
+            <a:noFill/>
+          </a:ln>
+        </p:spPr>
+        <p:style>
+          <a:lnRef idx="2">
+            <a:schemeClr val="accent1">
+              <a:shade val="50000"/>
+            </a:schemeClr>
+          </a:lnRef>
+          <a:fillRef idx="1">
+            <a:schemeClr val="accent1"/>
+          </a:fillRef>
+          <a:effectRef idx="0">
+            <a:schemeClr val="accent1"/>
+          </a:effectRef>
+          <a:fontRef idx="minor">
+            <a:schemeClr val="lt1"/>
+          </a:fontRef>
+        </p:style>
+        <p:txBody>
+          <a:bodyPr rtlCol="0" anchor="ctr"/>
+          <a:lstStyle/>
+          <a:p>
+            <a:r>
+              <a:rPr lang="ja-JP" altLang="en-US" sz="1200" dirty="0">
+                <a:solidFill>
+                  <a:schemeClr val="tx1"/>
+                </a:solidFill>
+                <a:latin typeface="Comic Sans MS" panose="030F0702030302020204" pitchFamily="66" charset="0"/>
+              </a:rPr>
+              <a:t>地球ヤバイ</a:t>
+            </a:r>
+            <a:endParaRPr lang="ko-KR" altLang="en-US" sz="1200" dirty="0">
+              <a:solidFill>
+                <a:schemeClr val="tx1"/>
+              </a:solidFill>
+              <a:latin typeface="Comic Sans MS" panose="030F0702030302020204" pitchFamily="66" charset="0"/>
+            </a:endParaRPr>
+          </a:p>
+        </p:txBody>
+      </p:sp>
+      <p:sp>
+        <p:nvSpPr>
+          <p:cNvPr id="185" name="사각형: 둥근 모서리 184">
+            <a:extLst>
+              <a:ext uri="{FF2B5EF4-FFF2-40B4-BE49-F238E27FC236}">
+                <a16:creationId xmlns:a16="http://schemas.microsoft.com/office/drawing/2014/main" id="{3F097EA9-1A24-B0CE-3106-5D1C4A380F35}"/>
+              </a:ext>
+            </a:extLst>
+          </p:cNvPr>
+          <p:cNvSpPr/>
+          <p:nvPr/>
+        </p:nvSpPr>
+        <p:spPr>
+          <a:xfrm>
+            <a:off x="3385391" y="814535"/>
+            <a:ext cx="1785236" cy="364503"/>
+          </a:xfrm>
+          <a:prstGeom prst="roundRect">
+            <a:avLst/>
+          </a:prstGeom>
+          <a:noFill/>
+          <a:ln>
+            <a:noFill/>
+          </a:ln>
+        </p:spPr>
+        <p:style>
+          <a:lnRef idx="2">
+            <a:schemeClr val="accent1">
+              <a:shade val="50000"/>
+            </a:schemeClr>
+          </a:lnRef>
+          <a:fillRef idx="1">
+            <a:schemeClr val="accent1"/>
+          </a:fillRef>
+          <a:effectRef idx="0">
+            <a:schemeClr val="accent1"/>
+          </a:effectRef>
+          <a:fontRef idx="minor">
+            <a:schemeClr val="lt1"/>
+          </a:fontRef>
+        </p:style>
+        <p:txBody>
+          <a:bodyPr rtlCol="0" anchor="ctr"/>
+          <a:lstStyle/>
+          <a:p>
+            <a:r>
+              <a:rPr lang="en-US" altLang="ko-KR" sz="1200" dirty="0">
+                <a:solidFill>
+                  <a:schemeClr val="tx1"/>
+                </a:solidFill>
+                <a:latin typeface="Comic Sans MS" panose="030F0702030302020204" pitchFamily="66" charset="0"/>
+              </a:rPr>
+              <a:t>03:28</a:t>
+            </a:r>
+          </a:p>
+          <a:p>
+            <a:r>
+              <a:rPr lang="en-US" altLang="ko-KR" sz="1200" dirty="0">
+                <a:solidFill>
+                  <a:schemeClr val="tx1"/>
+                </a:solidFill>
+                <a:latin typeface="Comic Sans MS" panose="030F0702030302020204" pitchFamily="66" charset="0"/>
+              </a:rPr>
+              <a:t>182 BPM</a:t>
+            </a:r>
+            <a:r>
+              <a:rPr lang="ko-KR" altLang="en-US" sz="1200" dirty="0">
+                <a:solidFill>
+                  <a:schemeClr val="tx1"/>
+                </a:solidFill>
+                <a:latin typeface="Comic Sans MS" panose="030F0702030302020204" pitchFamily="66" charset="0"/>
+              </a:rPr>
+              <a:t> </a:t>
+            </a:r>
+            <a:r>
+              <a:rPr lang="en-US" altLang="ko-KR" sz="1200" dirty="0">
+                <a:solidFill>
+                  <a:schemeClr val="tx1"/>
+                </a:solidFill>
+                <a:latin typeface="Comic Sans MS" panose="030F0702030302020204" pitchFamily="66" charset="0"/>
+              </a:rPr>
+              <a:t>(91-182)</a:t>
+            </a:r>
+            <a:endParaRPr lang="ko-KR" altLang="en-US" sz="1200" dirty="0">
+              <a:solidFill>
+                <a:schemeClr val="tx1"/>
+              </a:solidFill>
+              <a:latin typeface="Comic Sans MS" panose="030F0702030302020204" pitchFamily="66" charset="0"/>
+            </a:endParaRPr>
+          </a:p>
+        </p:txBody>
+      </p:sp>
+      <p:sp>
+        <p:nvSpPr>
+          <p:cNvPr id="187" name="사각형: 둥근 모서리 186">
+            <a:extLst>
+              <a:ext uri="{FF2B5EF4-FFF2-40B4-BE49-F238E27FC236}">
+                <a16:creationId xmlns:a16="http://schemas.microsoft.com/office/drawing/2014/main" id="{2BBB3E7F-CBAB-7914-E0E1-5DD4FE6C79B1}"/>
+              </a:ext>
+            </a:extLst>
+          </p:cNvPr>
+          <p:cNvSpPr/>
+          <p:nvPr/>
+        </p:nvSpPr>
+        <p:spPr>
+          <a:xfrm>
+            <a:off x="7145744" y="361932"/>
+            <a:ext cx="1308097" cy="411660"/>
+          </a:xfrm>
+          <a:prstGeom prst="roundRect">
+            <a:avLst/>
+          </a:prstGeom>
+          <a:noFill/>
+          <a:ln>
+            <a:noFill/>
+          </a:ln>
+        </p:spPr>
+        <p:style>
+          <a:lnRef idx="2">
+            <a:schemeClr val="accent1">
+              <a:shade val="50000"/>
+            </a:schemeClr>
+          </a:lnRef>
+          <a:fillRef idx="1">
+            <a:schemeClr val="accent1"/>
+          </a:fillRef>
+          <a:effectRef idx="0">
+            <a:schemeClr val="accent1"/>
+          </a:effectRef>
+          <a:fontRef idx="minor">
+            <a:schemeClr val="lt1"/>
+          </a:fontRef>
+        </p:style>
+        <p:txBody>
+          <a:bodyPr rtlCol="0" anchor="ctr"/>
+          <a:lstStyle/>
+          <a:p>
+            <a:pPr algn="r"/>
+            <a:r>
+              <a:rPr lang="en-US" altLang="ko-KR" sz="1200" dirty="0" err="1">
+                <a:solidFill>
+                  <a:schemeClr val="tx1"/>
+                </a:solidFill>
+                <a:latin typeface="Comic Sans MS" panose="030F0702030302020204" pitchFamily="66" charset="0"/>
+              </a:rPr>
+              <a:t>Gamu</a:t>
+            </a:r>
+            <a:endParaRPr lang="en-US" altLang="ko-KR" sz="1200" dirty="0">
+              <a:solidFill>
+                <a:schemeClr val="tx1"/>
+              </a:solidFill>
+              <a:latin typeface="Comic Sans MS" panose="030F0702030302020204" pitchFamily="66" charset="0"/>
+            </a:endParaRPr>
+          </a:p>
+          <a:p>
+            <a:pPr algn="r"/>
+            <a:r>
+              <a:rPr lang="ko-KR" altLang="en-US" sz="1200" dirty="0">
+                <a:solidFill>
+                  <a:schemeClr val="tx1"/>
+                </a:solidFill>
+                <a:latin typeface="Comic Sans MS" panose="030F0702030302020204" pitchFamily="66" charset="0"/>
+              </a:rPr>
+              <a:t>◎ </a:t>
+            </a:r>
+            <a:r>
+              <a:rPr lang="en-US" altLang="ko-KR" sz="1200" dirty="0">
+                <a:solidFill>
+                  <a:schemeClr val="tx1"/>
+                </a:solidFill>
+                <a:latin typeface="Comic Sans MS" panose="030F0702030302020204" pitchFamily="66" charset="0"/>
+              </a:rPr>
+              <a:t>820</a:t>
+            </a:r>
+          </a:p>
+          <a:p>
+            <a:pPr algn="r"/>
+            <a:r>
+              <a:rPr lang="en-US" altLang="ko-KR" sz="1200" dirty="0">
+                <a:solidFill>
+                  <a:schemeClr val="tx1"/>
+                </a:solidFill>
+                <a:latin typeface="Comic Sans MS" panose="030F0702030302020204" pitchFamily="66" charset="0"/>
+              </a:rPr>
+              <a:t>LN: 6%</a:t>
+            </a:r>
+            <a:endParaRPr lang="ko-KR" altLang="en-US" sz="1200" dirty="0">
+              <a:solidFill>
+                <a:schemeClr val="tx1"/>
+              </a:solidFill>
+              <a:latin typeface="Comic Sans MS" panose="030F0702030302020204" pitchFamily="66" charset="0"/>
+            </a:endParaRPr>
+          </a:p>
+        </p:txBody>
+      </p:sp>
+      <p:sp>
+        <p:nvSpPr>
+          <p:cNvPr id="194" name="사각형: 둥근 모서리 193">
+            <a:extLst>
+              <a:ext uri="{FF2B5EF4-FFF2-40B4-BE49-F238E27FC236}">
+                <a16:creationId xmlns:a16="http://schemas.microsoft.com/office/drawing/2014/main" id="{972EE83A-3039-6D9F-5D3A-2C33C772523A}"/>
+              </a:ext>
+            </a:extLst>
+          </p:cNvPr>
+          <p:cNvSpPr/>
+          <p:nvPr/>
+        </p:nvSpPr>
+        <p:spPr>
+          <a:xfrm>
+            <a:off x="7841642" y="2987978"/>
+            <a:ext cx="629174" cy="545988"/>
+          </a:xfrm>
+          <a:prstGeom prst="roundRect">
+            <a:avLst>
+              <a:gd name="adj" fmla="val 0"/>
+            </a:avLst>
+          </a:prstGeom>
+        </p:spPr>
+        <p:style>
+          <a:lnRef idx="2">
+            <a:schemeClr val="accent4">
+              <a:shade val="50000"/>
+            </a:schemeClr>
+          </a:lnRef>
+          <a:fillRef idx="1">
+            <a:schemeClr val="accent4"/>
+          </a:fillRef>
+          <a:effectRef idx="0">
+            <a:schemeClr val="accent4"/>
+          </a:effectRef>
+          <a:fontRef idx="minor">
+            <a:schemeClr val="lt1"/>
+          </a:fontRef>
+        </p:style>
+        <p:txBody>
+          <a:bodyPr rtlCol="0" anchor="ctr"/>
+          <a:lstStyle/>
+          <a:p>
+            <a:pPr algn="ctr"/>
+            <a:r>
+              <a:rPr lang="en-US" altLang="ko-KR" b="1" dirty="0">
+                <a:solidFill>
+                  <a:schemeClr val="tx1"/>
+                </a:solidFill>
+                <a:latin typeface="Comic Sans MS" panose="030F0702030302020204" pitchFamily="66" charset="0"/>
+              </a:rPr>
+              <a:t>16</a:t>
+            </a:r>
+            <a:endParaRPr lang="ko-KR" altLang="en-US" b="1" dirty="0">
+              <a:solidFill>
+                <a:schemeClr val="tx1"/>
+              </a:solidFill>
+              <a:latin typeface="Comic Sans MS" panose="030F0702030302020204" pitchFamily="66" charset="0"/>
+            </a:endParaRPr>
+          </a:p>
+        </p:txBody>
+      </p:sp>
+      <p:sp>
+        <p:nvSpPr>
+          <p:cNvPr id="196" name="사각형: 둥근 모서리 195">
+            <a:extLst>
+              <a:ext uri="{FF2B5EF4-FFF2-40B4-BE49-F238E27FC236}">
+                <a16:creationId xmlns:a16="http://schemas.microsoft.com/office/drawing/2014/main" id="{517DD3A8-87E9-AAFD-B125-D1629297F4DB}"/>
+              </a:ext>
+            </a:extLst>
+          </p:cNvPr>
+          <p:cNvSpPr/>
+          <p:nvPr/>
+        </p:nvSpPr>
+        <p:spPr>
+          <a:xfrm>
+            <a:off x="587585" y="5570981"/>
+            <a:ext cx="2095500" cy="545988"/>
+          </a:xfrm>
+          <a:prstGeom prst="roundRect">
+            <a:avLst/>
+          </a:prstGeom>
+          <a:solidFill>
+            <a:srgbClr val="808080"/>
+          </a:solidFill>
+          <a:ln>
+            <a:noFill/>
+          </a:ln>
+        </p:spPr>
+        <p:style>
+          <a:lnRef idx="0">
+            <a:scrgbClr r="0" g="0" b="0"/>
+          </a:lnRef>
+          <a:fillRef idx="0">
+            <a:scrgbClr r="0" g="0" b="0"/>
+          </a:fillRef>
+          <a:effectRef idx="0">
+            <a:scrgbClr r="0" g="0" b="0"/>
+          </a:effectRef>
+          <a:fontRef idx="minor">
+            <a:schemeClr val="lt1"/>
+          </a:fontRef>
+        </p:style>
+        <p:txBody>
+          <a:bodyPr rtlCol="0" anchor="ctr"/>
+          <a:lstStyle/>
+          <a:p>
+            <a:pPr algn="r"/>
+            <a:r>
+              <a:rPr lang="en-US" altLang="ko-KR" sz="1400">
+                <a:solidFill>
+                  <a:schemeClr val="bg1"/>
+                </a:solidFill>
+                <a:latin typeface="Comic Sans MS" panose="030F0702030302020204" pitchFamily="66" charset="0"/>
+              </a:rPr>
+              <a:t>AwesomePlayer7</a:t>
+            </a:r>
+          </a:p>
+          <a:p>
+            <a:pPr algn="r"/>
+            <a:r>
+              <a:rPr lang="en-US" altLang="ko-KR" sz="1400">
+                <a:solidFill>
+                  <a:schemeClr val="bg1"/>
+                </a:solidFill>
+                <a:latin typeface="Comic Sans MS" panose="030F0702030302020204" pitchFamily="66" charset="0"/>
+              </a:rPr>
+              <a:t>993,113</a:t>
+            </a:r>
+          </a:p>
+        </p:txBody>
+      </p:sp>
+      <p:sp>
+        <p:nvSpPr>
+          <p:cNvPr id="198" name="사각형: 둥근 모서리 197">
+            <a:extLst>
+              <a:ext uri="{FF2B5EF4-FFF2-40B4-BE49-F238E27FC236}">
+                <a16:creationId xmlns:a16="http://schemas.microsoft.com/office/drawing/2014/main" id="{6F3E57D2-328B-0021-FB2E-28CDBF003477}"/>
+              </a:ext>
+            </a:extLst>
+          </p:cNvPr>
+          <p:cNvSpPr/>
+          <p:nvPr/>
+        </p:nvSpPr>
+        <p:spPr>
+          <a:xfrm>
+            <a:off x="2683086" y="5570797"/>
+            <a:ext cx="629174" cy="545988"/>
+          </a:xfrm>
+          <a:prstGeom prst="roundRect">
+            <a:avLst/>
+          </a:prstGeom>
+          <a:solidFill>
+            <a:srgbClr val="808080"/>
+          </a:solidFill>
+          <a:ln>
+            <a:solidFill>
+              <a:schemeClr val="tx1"/>
+            </a:solidFill>
+          </a:ln>
+        </p:spPr>
+        <p:style>
+          <a:lnRef idx="0">
+            <a:scrgbClr r="0" g="0" b="0"/>
+          </a:lnRef>
+          <a:fillRef idx="0">
+            <a:scrgbClr r="0" g="0" b="0"/>
+          </a:fillRef>
+          <a:effectRef idx="0">
+            <a:scrgbClr r="0" g="0" b="0"/>
+          </a:effectRef>
+          <a:fontRef idx="minor">
+            <a:schemeClr val="lt1"/>
+          </a:fontRef>
+        </p:style>
+        <p:txBody>
+          <a:bodyPr rtlCol="0" anchor="ctr"/>
+          <a:lstStyle/>
+          <a:p>
+            <a:pPr algn="ctr"/>
+            <a:endParaRPr lang="en-US" altLang="ko-KR" sz="1200" b="1">
+              <a:solidFill>
+                <a:schemeClr val="bg1"/>
+              </a:solidFill>
+              <a:latin typeface="Comic Sans MS" panose="030F0702030302020204" pitchFamily="66" charset="0"/>
+            </a:endParaRPr>
+          </a:p>
+          <a:p>
+            <a:pPr algn="ctr"/>
+            <a:endParaRPr lang="en-US" altLang="ko-KR" sz="1200" b="1">
+              <a:solidFill>
+                <a:schemeClr val="bg1"/>
+              </a:solidFill>
+              <a:latin typeface="Comic Sans MS" panose="030F0702030302020204" pitchFamily="66" charset="0"/>
+            </a:endParaRPr>
+          </a:p>
+        </p:txBody>
+      </p:sp>
+      <p:sp>
+        <p:nvSpPr>
+          <p:cNvPr id="200" name="사각형: 둥근 모서리 199">
+            <a:extLst>
+              <a:ext uri="{FF2B5EF4-FFF2-40B4-BE49-F238E27FC236}">
+                <a16:creationId xmlns:a16="http://schemas.microsoft.com/office/drawing/2014/main" id="{E4B9AC5C-95ED-1F3E-77BE-160B7CF156EB}"/>
+              </a:ext>
+            </a:extLst>
+          </p:cNvPr>
+          <p:cNvSpPr/>
+          <p:nvPr/>
+        </p:nvSpPr>
+        <p:spPr>
+          <a:xfrm>
+            <a:off x="35135" y="5570797"/>
+            <a:ext cx="532524" cy="545988"/>
+          </a:xfrm>
+          <a:prstGeom prst="roundRect">
+            <a:avLst/>
+          </a:prstGeom>
+          <a:solidFill>
+            <a:srgbClr val="808080"/>
+          </a:solidFill>
+        </p:spPr>
+        <p:style>
+          <a:lnRef idx="2">
+            <a:schemeClr val="accent1">
+              <a:shade val="50000"/>
+            </a:schemeClr>
+          </a:lnRef>
+          <a:fillRef idx="1">
+            <a:schemeClr val="accent1"/>
+          </a:fillRef>
+          <a:effectRef idx="0">
+            <a:schemeClr val="accent1"/>
+          </a:effectRef>
+          <a:fontRef idx="minor">
+            <a:schemeClr val="lt1"/>
+          </a:fontRef>
+        </p:style>
+        <p:txBody>
+          <a:bodyPr rtlCol="0" anchor="ctr"/>
+          <a:lstStyle/>
+          <a:p>
+            <a:pPr algn="ctr"/>
+            <a:endParaRPr lang="ko-KR" altLang="en-US" sz="1400">
+              <a:solidFill>
+                <a:schemeClr val="bg1"/>
+              </a:solidFill>
+              <a:latin typeface="Comic Sans MS" panose="030F0702030302020204" pitchFamily="66" charset="0"/>
+            </a:endParaRPr>
+          </a:p>
+        </p:txBody>
+      </p:sp>
+      <p:sp>
+        <p:nvSpPr>
+          <p:cNvPr id="204" name="사각형: 둥근 모서리 203">
+            <a:extLst>
+              <a:ext uri="{FF2B5EF4-FFF2-40B4-BE49-F238E27FC236}">
+                <a16:creationId xmlns:a16="http://schemas.microsoft.com/office/drawing/2014/main" id="{215DA0D0-FBAF-4D19-C246-D3376CABE3B6}"/>
+              </a:ext>
+            </a:extLst>
+          </p:cNvPr>
+          <p:cNvSpPr/>
+          <p:nvPr/>
+        </p:nvSpPr>
+        <p:spPr>
+          <a:xfrm>
+            <a:off x="6040575" y="6670933"/>
+            <a:ext cx="1077534" cy="200025"/>
+          </a:xfrm>
+          <a:prstGeom prst="roundRect">
+            <a:avLst/>
+          </a:prstGeom>
+          <a:noFill/>
+          <a:ln>
+            <a:noFill/>
+          </a:ln>
+        </p:spPr>
+        <p:style>
+          <a:lnRef idx="2">
+            <a:schemeClr val="accent1">
+              <a:shade val="50000"/>
+            </a:schemeClr>
+          </a:lnRef>
+          <a:fillRef idx="1">
+            <a:schemeClr val="accent1"/>
+          </a:fillRef>
+          <a:effectRef idx="0">
+            <a:schemeClr val="accent1"/>
+          </a:effectRef>
+          <a:fontRef idx="minor">
+            <a:schemeClr val="lt1"/>
+          </a:fontRef>
+        </p:style>
+        <p:txBody>
+          <a:bodyPr rtlCol="0" anchor="ctr"/>
+          <a:lstStyle/>
+          <a:p>
+            <a:pPr algn="r"/>
+            <a:r>
+              <a:rPr lang="en-US" altLang="ko-KR" sz="1050">
+                <a:solidFill>
+                  <a:schemeClr val="tx1"/>
+                </a:solidFill>
+                <a:latin typeface="Comic Sans MS" panose="030F0702030302020204" pitchFamily="66" charset="0"/>
+              </a:rPr>
+              <a:t>7 Key</a:t>
+            </a:r>
+            <a:endParaRPr lang="ko-KR" altLang="en-US" sz="1050">
+              <a:solidFill>
+                <a:schemeClr val="tx1"/>
+              </a:solidFill>
+              <a:latin typeface="Comic Sans MS" panose="030F0702030302020204" pitchFamily="66" charset="0"/>
+            </a:endParaRPr>
+          </a:p>
+        </p:txBody>
+      </p:sp>
+      <p:sp>
+        <p:nvSpPr>
+          <p:cNvPr id="205" name="사각형: 둥근 모서리 204">
+            <a:extLst>
+              <a:ext uri="{FF2B5EF4-FFF2-40B4-BE49-F238E27FC236}">
+                <a16:creationId xmlns:a16="http://schemas.microsoft.com/office/drawing/2014/main" id="{20D34CA2-141B-8D96-65E1-03C8A53013BB}"/>
+              </a:ext>
+            </a:extLst>
+          </p:cNvPr>
+          <p:cNvSpPr/>
+          <p:nvPr/>
+        </p:nvSpPr>
+        <p:spPr>
+          <a:xfrm>
+            <a:off x="14274" y="1438777"/>
+            <a:ext cx="798747" cy="256363"/>
+          </a:xfrm>
+          <a:prstGeom prst="roundRect">
+            <a:avLst/>
+          </a:prstGeom>
+          <a:solidFill>
+            <a:srgbClr val="FFC000"/>
+          </a:solidFill>
+        </p:spPr>
+        <p:style>
+          <a:lnRef idx="2">
+            <a:schemeClr val="accent1">
+              <a:shade val="50000"/>
+            </a:schemeClr>
+          </a:lnRef>
+          <a:fillRef idx="1">
+            <a:schemeClr val="accent1"/>
+          </a:fillRef>
+          <a:effectRef idx="0">
+            <a:schemeClr val="accent1"/>
+          </a:effectRef>
+          <a:fontRef idx="minor">
+            <a:schemeClr val="lt1"/>
+          </a:fontRef>
+        </p:style>
+        <p:txBody>
+          <a:bodyPr rtlCol="0" anchor="ctr"/>
+          <a:lstStyle/>
+          <a:p>
+            <a:pPr algn="ctr"/>
+            <a:r>
+              <a:rPr lang="en-US" altLang="ko-KR" sz="1100">
+                <a:solidFill>
+                  <a:schemeClr val="tx1"/>
+                </a:solidFill>
+                <a:latin typeface="Comic Sans MS" panose="030F0702030302020204" pitchFamily="66" charset="0"/>
+              </a:rPr>
+              <a:t>Local</a:t>
+            </a:r>
+            <a:endParaRPr lang="ko-KR" altLang="en-US" sz="1400">
+              <a:solidFill>
+                <a:schemeClr val="tx1"/>
+              </a:solidFill>
+              <a:latin typeface="Comic Sans MS" panose="030F0702030302020204" pitchFamily="66" charset="0"/>
+            </a:endParaRPr>
+          </a:p>
+        </p:txBody>
+      </p:sp>
+      <p:sp>
+        <p:nvSpPr>
+          <p:cNvPr id="207" name="사각형: 둥근 모서리 206">
+            <a:extLst>
+              <a:ext uri="{FF2B5EF4-FFF2-40B4-BE49-F238E27FC236}">
+                <a16:creationId xmlns:a16="http://schemas.microsoft.com/office/drawing/2014/main" id="{EC5D3768-1880-310C-FA37-335002406FDE}"/>
+              </a:ext>
+            </a:extLst>
+          </p:cNvPr>
+          <p:cNvSpPr/>
+          <p:nvPr/>
+        </p:nvSpPr>
+        <p:spPr>
+          <a:xfrm>
+            <a:off x="813022" y="1438777"/>
+            <a:ext cx="1699886" cy="256363"/>
+          </a:xfrm>
+          <a:prstGeom prst="roundRect">
+            <a:avLst/>
+          </a:prstGeom>
+          <a:solidFill>
+            <a:srgbClr val="FFC000"/>
+          </a:solidFill>
+        </p:spPr>
+        <p:style>
+          <a:lnRef idx="2">
+            <a:schemeClr val="accent1">
+              <a:shade val="50000"/>
+            </a:schemeClr>
+          </a:lnRef>
+          <a:fillRef idx="1">
+            <a:schemeClr val="accent1"/>
+          </a:fillRef>
+          <a:effectRef idx="0">
+            <a:schemeClr val="accent1"/>
+          </a:effectRef>
+          <a:fontRef idx="minor">
+            <a:schemeClr val="lt1"/>
+          </a:fontRef>
+        </p:style>
+        <p:txBody>
+          <a:bodyPr rtlCol="0" anchor="ctr"/>
+          <a:lstStyle/>
+          <a:p>
+            <a:r>
+              <a:rPr lang="en-US" altLang="ko-KR" sz="1100">
+                <a:solidFill>
+                  <a:schemeClr val="tx1"/>
+                </a:solidFill>
+                <a:latin typeface="Comic Sans MS" panose="030F0702030302020204" pitchFamily="66" charset="0"/>
+              </a:rPr>
+              <a:t>Global</a:t>
+            </a:r>
+            <a:endParaRPr lang="ko-KR" altLang="en-US" sz="1100">
+              <a:solidFill>
+                <a:schemeClr val="tx1"/>
+              </a:solidFill>
+              <a:latin typeface="Comic Sans MS" panose="030F0702030302020204" pitchFamily="66" charset="0"/>
+            </a:endParaRPr>
+          </a:p>
+        </p:txBody>
+      </p:sp>
+      <p:sp>
+        <p:nvSpPr>
+          <p:cNvPr id="209" name="사각형: 둥근 모서리 208">
+            <a:extLst>
+              <a:ext uri="{FF2B5EF4-FFF2-40B4-BE49-F238E27FC236}">
+                <a16:creationId xmlns:a16="http://schemas.microsoft.com/office/drawing/2014/main" id="{1E25A27E-FA40-D214-586B-DBF66C7D61DC}"/>
+              </a:ext>
+            </a:extLst>
+          </p:cNvPr>
+          <p:cNvSpPr/>
+          <p:nvPr/>
+        </p:nvSpPr>
+        <p:spPr>
+          <a:xfrm>
+            <a:off x="11296" y="1179038"/>
+            <a:ext cx="1931803" cy="256363"/>
+          </a:xfrm>
+          <a:prstGeom prst="roundRect">
+            <a:avLst/>
+          </a:prstGeom>
+          <a:noFill/>
+        </p:spPr>
+        <p:style>
+          <a:lnRef idx="2">
+            <a:schemeClr val="accent1">
+              <a:shade val="50000"/>
+            </a:schemeClr>
+          </a:lnRef>
+          <a:fillRef idx="1">
+            <a:schemeClr val="accent1"/>
+          </a:fillRef>
+          <a:effectRef idx="0">
+            <a:schemeClr val="accent1"/>
+          </a:effectRef>
+          <a:fontRef idx="minor">
+            <a:schemeClr val="lt1"/>
+          </a:fontRef>
+        </p:style>
+        <p:txBody>
+          <a:bodyPr rtlCol="0" anchor="ctr"/>
+          <a:lstStyle/>
+          <a:p>
+            <a:r>
+              <a:rPr lang="en-US" altLang="ko-KR" sz="1100">
+                <a:solidFill>
+                  <a:schemeClr val="tx1"/>
+                </a:solidFill>
+                <a:latin typeface="Comic Sans MS" panose="030F0702030302020204" pitchFamily="66" charset="0"/>
+              </a:rPr>
+              <a:t>Mods-specific: O</a:t>
+            </a:r>
+            <a:endParaRPr lang="ko-KR" altLang="en-US" sz="1100">
+              <a:solidFill>
+                <a:schemeClr val="tx1"/>
+              </a:solidFill>
+              <a:latin typeface="Comic Sans MS" panose="030F0702030302020204" pitchFamily="66" charset="0"/>
+            </a:endParaRPr>
+          </a:p>
+        </p:txBody>
+      </p:sp>
+      <p:sp>
+        <p:nvSpPr>
+          <p:cNvPr id="213" name="사각형: 둥근 모서리 212">
+            <a:extLst>
+              <a:ext uri="{FF2B5EF4-FFF2-40B4-BE49-F238E27FC236}">
+                <a16:creationId xmlns:a16="http://schemas.microsoft.com/office/drawing/2014/main" id="{B0BB2544-BF61-4904-C1F5-0BED638A8528}"/>
+              </a:ext>
+            </a:extLst>
+          </p:cNvPr>
+          <p:cNvSpPr/>
+          <p:nvPr/>
+        </p:nvSpPr>
+        <p:spPr>
+          <a:xfrm>
+            <a:off x="2037699" y="402051"/>
+            <a:ext cx="1331456" cy="340839"/>
+          </a:xfrm>
+          <a:prstGeom prst="roundRect">
+            <a:avLst/>
+          </a:prstGeom>
+          <a:noFill/>
+          <a:ln>
+            <a:noFill/>
+          </a:ln>
+        </p:spPr>
+        <p:style>
+          <a:lnRef idx="0">
+            <a:scrgbClr r="0" g="0" b="0"/>
+          </a:lnRef>
+          <a:fillRef idx="0">
+            <a:scrgbClr r="0" g="0" b="0"/>
+          </a:fillRef>
+          <a:effectRef idx="0">
+            <a:scrgbClr r="0" g="0" b="0"/>
+          </a:effectRef>
+          <a:fontRef idx="minor">
+            <a:schemeClr val="lt1"/>
+          </a:fontRef>
+        </p:style>
+        <p:txBody>
+          <a:bodyPr rtlCol="0" anchor="ctr"/>
+          <a:lstStyle/>
+          <a:p>
+            <a:pPr algn="r"/>
+            <a:r>
+              <a:rPr lang="en-US" altLang="ko-KR" sz="2800" b="1">
+                <a:solidFill>
+                  <a:schemeClr val="tx1"/>
+                </a:solidFill>
+                <a:latin typeface="Comic Sans MS" panose="030F0702030302020204" pitchFamily="66" charset="0"/>
+              </a:rPr>
+              <a:t>#239</a:t>
+            </a:r>
+          </a:p>
+        </p:txBody>
+      </p:sp>
+      <p:sp>
+        <p:nvSpPr>
+          <p:cNvPr id="211" name="사각형: 둥근 모서리 210">
+            <a:extLst>
+              <a:ext uri="{FF2B5EF4-FFF2-40B4-BE49-F238E27FC236}">
+                <a16:creationId xmlns:a16="http://schemas.microsoft.com/office/drawing/2014/main" id="{093DA860-44A3-F3D6-087D-1808DB869C8F}"/>
+              </a:ext>
+            </a:extLst>
+          </p:cNvPr>
+          <p:cNvSpPr/>
+          <p:nvPr/>
+        </p:nvSpPr>
+        <p:spPr>
+          <a:xfrm>
+            <a:off x="2513513" y="1440896"/>
+            <a:ext cx="798747" cy="256363"/>
+          </a:xfrm>
+          <a:prstGeom prst="roundRect">
+            <a:avLst/>
+          </a:prstGeom>
+          <a:solidFill>
+            <a:srgbClr val="FFC000"/>
+          </a:solidFill>
+        </p:spPr>
+        <p:style>
+          <a:lnRef idx="2">
+            <a:schemeClr val="accent1">
+              <a:shade val="50000"/>
+            </a:schemeClr>
+          </a:lnRef>
+          <a:fillRef idx="1">
+            <a:schemeClr val="accent1"/>
+          </a:fillRef>
+          <a:effectRef idx="0">
+            <a:schemeClr val="accent1"/>
+          </a:effectRef>
+          <a:fontRef idx="minor">
+            <a:schemeClr val="lt1"/>
+          </a:fontRef>
+        </p:style>
+        <p:txBody>
+          <a:bodyPr rtlCol="0" anchor="ctr"/>
+          <a:lstStyle/>
+          <a:p>
+            <a:pPr algn="ctr"/>
+            <a:r>
+              <a:rPr lang="en-US" altLang="ko-KR" sz="1100">
+                <a:solidFill>
+                  <a:schemeClr val="tx1"/>
+                </a:solidFill>
+                <a:latin typeface="Comic Sans MS" panose="030F0702030302020204" pitchFamily="66" charset="0"/>
+              </a:rPr>
+              <a:t>Rival</a:t>
+            </a:r>
+            <a:endParaRPr lang="ko-KR" altLang="en-US" sz="1100">
+              <a:solidFill>
+                <a:schemeClr val="tx1"/>
+              </a:solidFill>
+              <a:latin typeface="Comic Sans MS" panose="030F0702030302020204" pitchFamily="66" charset="0"/>
+            </a:endParaRPr>
+          </a:p>
+        </p:txBody>
+      </p:sp>
+      <p:sp>
+        <p:nvSpPr>
+          <p:cNvPr id="64" name="TextBox 63">
+            <a:extLst>
+              <a:ext uri="{FF2B5EF4-FFF2-40B4-BE49-F238E27FC236}">
+                <a16:creationId xmlns:a16="http://schemas.microsoft.com/office/drawing/2014/main" id="{46C2BB9E-9112-AEDD-0601-3F19AB952333}"/>
+              </a:ext>
+            </a:extLst>
+          </p:cNvPr>
+          <p:cNvSpPr txBox="1"/>
+          <p:nvPr/>
+        </p:nvSpPr>
+        <p:spPr>
+          <a:xfrm>
+            <a:off x="904926" y="12234"/>
+            <a:ext cx="2265547" cy="738664"/>
+          </a:xfrm>
+          <a:prstGeom prst="rect">
+            <a:avLst/>
+          </a:prstGeom>
+          <a:noFill/>
+        </p:spPr>
+        <p:txBody>
+          <a:bodyPr wrap="square" rtlCol="0">
+            <a:spAutoFit/>
+          </a:bodyPr>
+          <a:lstStyle/>
+          <a:p>
+            <a:r>
+              <a:rPr lang="en-US" altLang="ko-KR" sz="1400">
+                <a:latin typeface="Comic Sans MS" panose="030F0702030302020204" pitchFamily="66" charset="0"/>
+              </a:rPr>
+              <a:t>MuangMuangE</a:t>
+            </a:r>
+          </a:p>
+          <a:p>
+            <a:r>
+              <a:rPr lang="en-US" altLang="ko-KR" sz="1400">
+                <a:latin typeface="Comic Sans MS" panose="030F0702030302020204" pitchFamily="66" charset="0"/>
+              </a:rPr>
+              <a:t>8812.3pp</a:t>
+            </a:r>
+          </a:p>
+          <a:p>
+            <a:r>
+              <a:rPr lang="en-US" altLang="ko-KR" sz="1400">
+                <a:latin typeface="Comic Sans MS" panose="030F0702030302020204" pitchFamily="66" charset="0"/>
+              </a:rPr>
+              <a:t>2,923,005 hits</a:t>
+            </a:r>
+            <a:endParaRPr lang="ko-KR" altLang="en-US" sz="1400">
+              <a:latin typeface="Comic Sans MS" panose="030F0702030302020204" pitchFamily="66" charset="0"/>
+            </a:endParaRPr>
+          </a:p>
+        </p:txBody>
+      </p:sp>
+      <p:sp>
+        <p:nvSpPr>
+          <p:cNvPr id="214" name="사각형: 둥근 모서리 213">
+            <a:extLst>
+              <a:ext uri="{FF2B5EF4-FFF2-40B4-BE49-F238E27FC236}">
+                <a16:creationId xmlns:a16="http://schemas.microsoft.com/office/drawing/2014/main" id="{9CA68418-7BF6-CCDC-2EA4-575A9114C3F2}"/>
+              </a:ext>
+            </a:extLst>
+          </p:cNvPr>
+          <p:cNvSpPr/>
+          <p:nvPr/>
+        </p:nvSpPr>
+        <p:spPr>
+          <a:xfrm>
+            <a:off x="8695204" y="0"/>
+            <a:ext cx="3503358" cy="233780"/>
+          </a:xfrm>
+          <a:prstGeom prst="roundRect">
+            <a:avLst/>
+          </a:prstGeom>
+        </p:spPr>
+        <p:style>
+          <a:lnRef idx="2">
+            <a:schemeClr val="accent1">
+              <a:shade val="50000"/>
+            </a:schemeClr>
+          </a:lnRef>
+          <a:fillRef idx="1">
+            <a:schemeClr val="accent1"/>
+          </a:fillRef>
+          <a:effectRef idx="0">
+            <a:schemeClr val="accent1"/>
+          </a:effectRef>
+          <a:fontRef idx="minor">
+            <a:schemeClr val="lt1"/>
+          </a:fontRef>
+        </p:style>
+        <p:txBody>
+          <a:bodyPr rtlCol="0" anchor="ctr"/>
+          <a:lstStyle/>
+          <a:p>
+            <a:r>
+              <a:rPr lang="en-US" altLang="ko-KR">
+                <a:solidFill>
+                  <a:schemeClr val="tx1"/>
+                </a:solidFill>
+              </a:rPr>
+              <a:t>Search: </a:t>
+            </a:r>
+            <a:endParaRPr lang="ko-KR" altLang="en-US">
+              <a:solidFill>
+                <a:schemeClr val="tx1"/>
+              </a:solidFill>
+            </a:endParaRPr>
+          </a:p>
+        </p:txBody>
+      </p:sp>
+      <p:sp>
+        <p:nvSpPr>
+          <p:cNvPr id="216" name="사각형: 둥근 모서리 215">
+            <a:extLst>
+              <a:ext uri="{FF2B5EF4-FFF2-40B4-BE49-F238E27FC236}">
+                <a16:creationId xmlns:a16="http://schemas.microsoft.com/office/drawing/2014/main" id="{88830E0E-6676-DF71-DE3F-90561BC95883}"/>
+              </a:ext>
+            </a:extLst>
+          </p:cNvPr>
+          <p:cNvSpPr/>
+          <p:nvPr/>
+        </p:nvSpPr>
+        <p:spPr>
+          <a:xfrm>
+            <a:off x="2912886" y="6317285"/>
+            <a:ext cx="920629" cy="545988"/>
+          </a:xfrm>
+          <a:prstGeom prst="roundRect">
+            <a:avLst>
+              <a:gd name="adj" fmla="val 0"/>
+            </a:avLst>
+          </a:prstGeom>
+          <a:gradFill flip="none" rotWithShape="1">
+            <a:gsLst>
+              <a:gs pos="0">
+                <a:schemeClr val="accent3">
+                  <a:lumMod val="67000"/>
+                </a:schemeClr>
+              </a:gs>
+              <a:gs pos="48000">
+                <a:schemeClr val="accent3">
+                  <a:lumMod val="97000"/>
+                  <a:lumOff val="3000"/>
+                </a:schemeClr>
+              </a:gs>
+              <a:gs pos="100000">
+                <a:schemeClr val="accent3">
+                  <a:lumMod val="60000"/>
+                  <a:lumOff val="40000"/>
+                </a:schemeClr>
+              </a:gs>
+            </a:gsLst>
+            <a:lin ang="16200000" scaled="1"/>
+            <a:tileRect/>
+          </a:gradFill>
+          <a:ln>
+            <a:solidFill>
+              <a:schemeClr val="tx1"/>
+            </a:solidFill>
+          </a:ln>
+        </p:spPr>
+        <p:style>
+          <a:lnRef idx="0">
+            <a:scrgbClr r="0" g="0" b="0"/>
+          </a:lnRef>
+          <a:fillRef idx="0">
+            <a:scrgbClr r="0" g="0" b="0"/>
+          </a:fillRef>
+          <a:effectRef idx="0">
+            <a:scrgbClr r="0" g="0" b="0"/>
+          </a:effectRef>
+          <a:fontRef idx="minor">
+            <a:schemeClr val="lt1"/>
+          </a:fontRef>
+        </p:style>
+        <p:txBody>
+          <a:bodyPr rtlCol="0" anchor="ctr"/>
+          <a:lstStyle/>
+          <a:p>
+            <a:pPr algn="ctr"/>
+            <a:r>
+              <a:rPr lang="en-US" altLang="ko-KR" sz="1200" b="1">
+                <a:solidFill>
+                  <a:schemeClr val="tx1"/>
+                </a:solidFill>
+                <a:latin typeface="Comic Sans MS" panose="030F0702030302020204" pitchFamily="66" charset="0"/>
+              </a:rPr>
+              <a:t>Tags</a:t>
+            </a:r>
+          </a:p>
+        </p:txBody>
+      </p:sp>
+      <p:sp>
+        <p:nvSpPr>
+          <p:cNvPr id="218" name="사각형: 둥근 모서리 217">
+            <a:extLst>
+              <a:ext uri="{FF2B5EF4-FFF2-40B4-BE49-F238E27FC236}">
+                <a16:creationId xmlns:a16="http://schemas.microsoft.com/office/drawing/2014/main" id="{95CF3BA5-8B8C-2E0E-F05E-204CF3854943}"/>
+              </a:ext>
+            </a:extLst>
+          </p:cNvPr>
+          <p:cNvSpPr/>
+          <p:nvPr/>
+        </p:nvSpPr>
+        <p:spPr>
+          <a:xfrm>
+            <a:off x="8038286" y="6313070"/>
+            <a:ext cx="920629" cy="545988"/>
+          </a:xfrm>
+          <a:prstGeom prst="roundRect">
+            <a:avLst>
+              <a:gd name="adj" fmla="val 0"/>
+            </a:avLst>
+          </a:prstGeom>
+          <a:gradFill flip="none" rotWithShape="1">
+            <a:gsLst>
+              <a:gs pos="0">
+                <a:schemeClr val="accent3">
+                  <a:lumMod val="67000"/>
+                </a:schemeClr>
+              </a:gs>
+              <a:gs pos="48000">
+                <a:schemeClr val="accent3">
+                  <a:lumMod val="97000"/>
+                  <a:lumOff val="3000"/>
+                </a:schemeClr>
+              </a:gs>
+              <a:gs pos="100000">
+                <a:schemeClr val="accent3">
+                  <a:lumMod val="60000"/>
+                  <a:lumOff val="40000"/>
+                </a:schemeClr>
+              </a:gs>
+            </a:gsLst>
+            <a:lin ang="16200000" scaled="1"/>
+            <a:tileRect/>
+          </a:gradFill>
+          <a:ln>
+            <a:solidFill>
+              <a:schemeClr val="tx1"/>
+            </a:solidFill>
+          </a:ln>
+        </p:spPr>
+        <p:style>
+          <a:lnRef idx="0">
+            <a:scrgbClr r="0" g="0" b="0"/>
+          </a:lnRef>
+          <a:fillRef idx="0">
+            <a:scrgbClr r="0" g="0" b="0"/>
+          </a:fillRef>
+          <a:effectRef idx="0">
+            <a:scrgbClr r="0" g="0" b="0"/>
+          </a:effectRef>
+          <a:fontRef idx="minor">
+            <a:schemeClr val="lt1"/>
+          </a:fontRef>
+        </p:style>
+        <p:txBody>
+          <a:bodyPr rtlCol="0" anchor="ctr"/>
+          <a:lstStyle/>
+          <a:p>
+            <a:pPr algn="ctr"/>
+            <a:r>
+              <a:rPr lang="en-US" altLang="ko-KR" sz="1200" b="1" dirty="0">
+                <a:solidFill>
+                  <a:schemeClr val="tx1"/>
+                </a:solidFill>
+                <a:latin typeface="Comic Sans MS" panose="030F0702030302020204" pitchFamily="66" charset="0"/>
+              </a:rPr>
+              <a:t>Editor</a:t>
+            </a:r>
+          </a:p>
+        </p:txBody>
+      </p:sp>
+      <p:sp>
+        <p:nvSpPr>
+          <p:cNvPr id="2" name="TextBox 1">
+            <a:extLst>
+              <a:ext uri="{FF2B5EF4-FFF2-40B4-BE49-F238E27FC236}">
+                <a16:creationId xmlns:a16="http://schemas.microsoft.com/office/drawing/2014/main" id="{E1947C29-45B3-B367-3EA0-0DE52EFDCFEB}"/>
+              </a:ext>
+            </a:extLst>
+          </p:cNvPr>
+          <p:cNvSpPr txBox="1"/>
+          <p:nvPr/>
+        </p:nvSpPr>
+        <p:spPr>
+          <a:xfrm>
+            <a:off x="5385036" y="3339414"/>
+            <a:ext cx="1421928" cy="369332"/>
+          </a:xfrm>
+          <a:prstGeom prst="rect">
+            <a:avLst/>
+          </a:prstGeom>
+          <a:noFill/>
+        </p:spPr>
+        <p:txBody>
+          <a:bodyPr wrap="none" rtlCol="0">
+            <a:spAutoFit/>
+          </a:bodyPr>
+          <a:lstStyle/>
+          <a:p>
+            <a:r>
+              <a:rPr lang="en-US" altLang="ko-KR" dirty="0"/>
+              <a:t>background</a:t>
+            </a:r>
+            <a:endParaRPr lang="ko-KR" altLang="en-US" dirty="0"/>
+          </a:p>
+        </p:txBody>
+      </p:sp>
+      <p:sp>
+        <p:nvSpPr>
+          <p:cNvPr id="4" name="사각형: 둥근 모서리 3">
+            <a:extLst>
+              <a:ext uri="{FF2B5EF4-FFF2-40B4-BE49-F238E27FC236}">
+                <a16:creationId xmlns:a16="http://schemas.microsoft.com/office/drawing/2014/main" id="{E134565F-1A83-EE65-D778-8FB66F214F6E}"/>
+              </a:ext>
+            </a:extLst>
+          </p:cNvPr>
+          <p:cNvSpPr/>
+          <p:nvPr/>
+        </p:nvSpPr>
+        <p:spPr>
+          <a:xfrm rot="10800000" flipV="1">
+            <a:off x="3833515" y="4047740"/>
+            <a:ext cx="2712079" cy="386264"/>
+          </a:xfrm>
+          <a:prstGeom prst="roundRect">
+            <a:avLst>
+              <a:gd name="adj" fmla="val 0"/>
+            </a:avLst>
+          </a:prstGeom>
+          <a:gradFill flip="none" rotWithShape="1">
+            <a:gsLst>
+              <a:gs pos="0">
+                <a:srgbClr val="00B0F0"/>
+              </a:gs>
+              <a:gs pos="100000">
+                <a:schemeClr val="accent5">
+                  <a:lumMod val="20000"/>
+                  <a:lumOff val="80000"/>
+                </a:schemeClr>
+              </a:gs>
+            </a:gsLst>
+            <a:lin ang="10800000" scaled="0"/>
+            <a:tileRect/>
+          </a:gradFill>
+          <a:ln>
+            <a:noFill/>
+          </a:ln>
+        </p:spPr>
+        <p:style>
+          <a:lnRef idx="2">
+            <a:schemeClr val="accent1">
+              <a:shade val="50000"/>
+            </a:schemeClr>
+          </a:lnRef>
+          <a:fillRef idx="1">
+            <a:schemeClr val="accent1"/>
+          </a:fillRef>
+          <a:effectRef idx="0">
+            <a:schemeClr val="accent1"/>
+          </a:effectRef>
+          <a:fontRef idx="minor">
+            <a:schemeClr val="lt1"/>
+          </a:fontRef>
+        </p:style>
+        <p:txBody>
+          <a:bodyPr rtlCol="0" anchor="ctr"/>
+          <a:lstStyle/>
+          <a:p>
+            <a:endParaRPr lang="ko-KR" altLang="en-US" sz="1400" dirty="0">
+              <a:solidFill>
+                <a:schemeClr val="bg1"/>
+              </a:solidFill>
+              <a:latin typeface="Comic Sans MS" panose="030F0702030302020204" pitchFamily="66" charset="0"/>
+            </a:endParaRPr>
+          </a:p>
+        </p:txBody>
+      </p:sp>
+      <p:sp>
+        <p:nvSpPr>
+          <p:cNvPr id="6" name="사각형: 둥근 모서리 5">
+            <a:extLst>
+              <a:ext uri="{FF2B5EF4-FFF2-40B4-BE49-F238E27FC236}">
+                <a16:creationId xmlns:a16="http://schemas.microsoft.com/office/drawing/2014/main" id="{E020225C-0024-8838-B297-AC6326DBCD3B}"/>
+              </a:ext>
+            </a:extLst>
+          </p:cNvPr>
+          <p:cNvSpPr/>
+          <p:nvPr/>
+        </p:nvSpPr>
+        <p:spPr>
+          <a:xfrm>
+            <a:off x="8444152" y="2979168"/>
+            <a:ext cx="3707675" cy="532977"/>
+          </a:xfrm>
+          <a:prstGeom prst="roundRect">
+            <a:avLst>
+              <a:gd name="adj" fmla="val 0"/>
+            </a:avLst>
+          </a:prstGeom>
+          <a:gradFill flip="none" rotWithShape="1">
+            <a:gsLst>
+              <a:gs pos="50000">
+                <a:srgbClr val="D7D6D6">
+                  <a:alpha val="60000"/>
+                </a:srgbClr>
+              </a:gs>
+              <a:gs pos="25000">
+                <a:srgbClr val="C7C6C6">
+                  <a:alpha val="60000"/>
+                </a:srgbClr>
+              </a:gs>
+              <a:gs pos="0">
+                <a:srgbClr val="A6A6A6">
+                  <a:alpha val="60000"/>
+                </a:srgbClr>
+              </a:gs>
+              <a:gs pos="100000">
+                <a:srgbClr val="E7E6E6">
+                  <a:alpha val="60000"/>
+                </a:srgbClr>
+              </a:gs>
+            </a:gsLst>
+            <a:lin ang="0" scaled="0"/>
+            <a:tileRect/>
+          </a:gradFill>
+          <a:ln>
+            <a:noFill/>
+          </a:ln>
+        </p:spPr>
+        <p:style>
+          <a:lnRef idx="2">
+            <a:schemeClr val="accent1">
+              <a:shade val="50000"/>
+            </a:schemeClr>
+          </a:lnRef>
+          <a:fillRef idx="1">
+            <a:schemeClr val="accent1"/>
+          </a:fillRef>
+          <a:effectRef idx="0">
+            <a:schemeClr val="accent1"/>
+          </a:effectRef>
+          <a:fontRef idx="minor">
+            <a:schemeClr val="lt1"/>
+          </a:fontRef>
+        </p:style>
+        <p:txBody>
+          <a:bodyPr rtlCol="0" anchor="ctr"/>
+          <a:lstStyle/>
+          <a:p>
+            <a:r>
+              <a:rPr lang="en-US" altLang="ko-KR" sz="1800">
+                <a:solidFill>
+                  <a:schemeClr val="bg1"/>
+                </a:solidFill>
+                <a:latin typeface="Comic Sans MS" panose="030F0702030302020204" pitchFamily="66" charset="0"/>
+              </a:rPr>
+              <a:t>Renatus [Normal]</a:t>
+            </a:r>
+          </a:p>
+          <a:p>
+            <a:r>
+              <a:rPr lang="en-US" altLang="ko-KR" sz="1800">
+                <a:solidFill>
+                  <a:schemeClr val="bg1"/>
+                </a:solidFill>
+                <a:latin typeface="Comic Sans MS" panose="030F0702030302020204" pitchFamily="66" charset="0"/>
+              </a:rPr>
+              <a:t>Soliely / Gamu</a:t>
+            </a:r>
+            <a:endParaRPr lang="ko-KR" altLang="en-US" sz="1800" dirty="0">
+              <a:solidFill>
+                <a:schemeClr val="bg1"/>
+              </a:solidFill>
+              <a:latin typeface="Comic Sans MS" panose="030F0702030302020204" pitchFamily="66" charset="0"/>
+            </a:endParaRPr>
+          </a:p>
+        </p:txBody>
+      </p:sp>
+      <p:sp>
+        <p:nvSpPr>
+          <p:cNvPr id="8" name="사각형: 둥근 모서리 7">
+            <a:extLst>
+              <a:ext uri="{FF2B5EF4-FFF2-40B4-BE49-F238E27FC236}">
+                <a16:creationId xmlns:a16="http://schemas.microsoft.com/office/drawing/2014/main" id="{B1FD943E-2094-6821-206D-ABFA883588BE}"/>
+              </a:ext>
+            </a:extLst>
+          </p:cNvPr>
+          <p:cNvSpPr/>
+          <p:nvPr/>
+        </p:nvSpPr>
+        <p:spPr>
+          <a:xfrm>
+            <a:off x="11345648" y="3004744"/>
+            <a:ext cx="855892" cy="545988"/>
+          </a:xfrm>
+          <a:prstGeom prst="roundRect">
+            <a:avLst/>
+          </a:prstGeom>
+          <a:solidFill>
+            <a:srgbClr val="DDDDDD">
+              <a:alpha val="27843"/>
+            </a:srgbClr>
+          </a:solidFill>
+          <a:ln>
+            <a:noFill/>
+          </a:ln>
+        </p:spPr>
+        <p:style>
+          <a:lnRef idx="0">
+            <a:scrgbClr r="0" g="0" b="0"/>
+          </a:lnRef>
+          <a:fillRef idx="0">
+            <a:scrgbClr r="0" g="0" b="0"/>
+          </a:fillRef>
+          <a:effectRef idx="0">
+            <a:scrgbClr r="0" g="0" b="0"/>
+          </a:effectRef>
+          <a:fontRef idx="minor">
+            <a:schemeClr val="lt1"/>
+          </a:fontRef>
+        </p:style>
+        <p:txBody>
+          <a:bodyPr rtlCol="0" anchor="ctr"/>
+          <a:lstStyle/>
+          <a:p>
+            <a:pPr algn="r"/>
+            <a:r>
+              <a:rPr lang="en-US" altLang="ko-KR" sz="1400" dirty="0">
+                <a:solidFill>
+                  <a:schemeClr val="tx1"/>
+                </a:solidFill>
+                <a:latin typeface="Comic Sans MS" panose="030F0702030302020204" pitchFamily="66" charset="0"/>
+              </a:rPr>
+              <a:t>1098</a:t>
+            </a:r>
+          </a:p>
+          <a:p>
+            <a:pPr algn="r"/>
+            <a:r>
+              <a:rPr lang="en-US" altLang="ko-KR" sz="1400" dirty="0">
+                <a:solidFill>
+                  <a:schemeClr val="tx1"/>
+                </a:solidFill>
+                <a:latin typeface="Comic Sans MS" panose="030F0702030302020204" pitchFamily="66" charset="0"/>
+              </a:rPr>
+              <a:t>-52</a:t>
+            </a:r>
+          </a:p>
+        </p:txBody>
+      </p:sp>
+      <p:sp>
+        <p:nvSpPr>
+          <p:cNvPr id="10" name="사각형: 둥근 모서리 9">
+            <a:extLst>
+              <a:ext uri="{FF2B5EF4-FFF2-40B4-BE49-F238E27FC236}">
+                <a16:creationId xmlns:a16="http://schemas.microsoft.com/office/drawing/2014/main" id="{793D8E83-82B6-598F-C1CF-32615B2B210A}"/>
+              </a:ext>
+            </a:extLst>
+          </p:cNvPr>
+          <p:cNvSpPr/>
+          <p:nvPr/>
+        </p:nvSpPr>
+        <p:spPr>
+          <a:xfrm>
+            <a:off x="7868306" y="3523573"/>
+            <a:ext cx="629174" cy="545988"/>
+          </a:xfrm>
+          <a:prstGeom prst="roundRect">
+            <a:avLst>
+              <a:gd name="adj" fmla="val 0"/>
+            </a:avLst>
+          </a:prstGeom>
+        </p:spPr>
+        <p:style>
+          <a:lnRef idx="2">
+            <a:schemeClr val="accent4">
+              <a:shade val="50000"/>
+            </a:schemeClr>
+          </a:lnRef>
+          <a:fillRef idx="1">
+            <a:schemeClr val="accent4"/>
+          </a:fillRef>
+          <a:effectRef idx="0">
+            <a:schemeClr val="accent4"/>
+          </a:effectRef>
+          <a:fontRef idx="minor">
+            <a:schemeClr val="lt1"/>
+          </a:fontRef>
+        </p:style>
+        <p:txBody>
+          <a:bodyPr rtlCol="0" anchor="ctr"/>
+          <a:lstStyle/>
+          <a:p>
+            <a:pPr algn="ctr"/>
+            <a:r>
+              <a:rPr lang="en-US" altLang="ko-KR" b="1" dirty="0">
+                <a:solidFill>
+                  <a:schemeClr val="tx1"/>
+                </a:solidFill>
+                <a:latin typeface="Comic Sans MS" panose="030F0702030302020204" pitchFamily="66" charset="0"/>
+              </a:rPr>
+              <a:t>16</a:t>
+            </a:r>
+            <a:endParaRPr lang="ko-KR" altLang="en-US" b="1" dirty="0">
+              <a:solidFill>
+                <a:schemeClr val="tx1"/>
+              </a:solidFill>
+              <a:latin typeface="Comic Sans MS" panose="030F0702030302020204" pitchFamily="66" charset="0"/>
+            </a:endParaRPr>
+          </a:p>
+        </p:txBody>
+      </p:sp>
+      <p:sp>
+        <p:nvSpPr>
+          <p:cNvPr id="13" name="사각형: 둥근 모서리 12">
+            <a:extLst>
+              <a:ext uri="{FF2B5EF4-FFF2-40B4-BE49-F238E27FC236}">
+                <a16:creationId xmlns:a16="http://schemas.microsoft.com/office/drawing/2014/main" id="{1289AD1E-144C-5D8B-A968-5E154D77EF49}"/>
+              </a:ext>
+            </a:extLst>
+          </p:cNvPr>
+          <p:cNvSpPr/>
+          <p:nvPr/>
+        </p:nvSpPr>
+        <p:spPr>
+          <a:xfrm>
+            <a:off x="8470816" y="3514763"/>
+            <a:ext cx="3707675" cy="532977"/>
+          </a:xfrm>
+          <a:prstGeom prst="roundRect">
+            <a:avLst>
+              <a:gd name="adj" fmla="val 0"/>
+            </a:avLst>
+          </a:prstGeom>
+          <a:gradFill flip="none" rotWithShape="1">
+            <a:gsLst>
+              <a:gs pos="0">
+                <a:srgbClr val="0070C0">
+                  <a:alpha val="90000"/>
+                </a:srgbClr>
+              </a:gs>
+              <a:gs pos="100000">
+                <a:schemeClr val="accent5">
+                  <a:lumMod val="20000"/>
+                  <a:lumOff val="80000"/>
+                  <a:alpha val="90000"/>
+                </a:schemeClr>
+              </a:gs>
+            </a:gsLst>
+            <a:lin ang="0" scaled="0"/>
+            <a:tileRect/>
+          </a:gradFill>
+          <a:ln>
+            <a:noFill/>
+          </a:ln>
+        </p:spPr>
+        <p:style>
+          <a:lnRef idx="2">
+            <a:schemeClr val="accent1">
+              <a:shade val="50000"/>
+            </a:schemeClr>
+          </a:lnRef>
+          <a:fillRef idx="1">
+            <a:schemeClr val="accent1"/>
+          </a:fillRef>
+          <a:effectRef idx="0">
+            <a:schemeClr val="accent1"/>
+          </a:effectRef>
+          <a:fontRef idx="minor">
+            <a:schemeClr val="lt1"/>
+          </a:fontRef>
+        </p:style>
+        <p:txBody>
+          <a:bodyPr rtlCol="0" anchor="ctr"/>
+          <a:lstStyle/>
+          <a:p>
+            <a:r>
+              <a:rPr lang="en-US" altLang="ko-KR" sz="1800" dirty="0">
+                <a:solidFill>
+                  <a:schemeClr val="bg1"/>
+                </a:solidFill>
+                <a:latin typeface="Comic Sans MS" panose="030F0702030302020204" pitchFamily="66" charset="0"/>
+              </a:rPr>
+              <a:t>Renatus [Normal]</a:t>
+            </a:r>
+          </a:p>
+          <a:p>
+            <a:r>
+              <a:rPr lang="en-US" altLang="ko-KR" sz="1800" dirty="0" err="1">
+                <a:solidFill>
+                  <a:schemeClr val="bg1"/>
+                </a:solidFill>
+                <a:latin typeface="Comic Sans MS" panose="030F0702030302020204" pitchFamily="66" charset="0"/>
+              </a:rPr>
+              <a:t>Soliely</a:t>
+            </a:r>
+            <a:r>
+              <a:rPr lang="en-US" altLang="ko-KR" sz="1800" dirty="0">
+                <a:solidFill>
+                  <a:schemeClr val="bg1"/>
+                </a:solidFill>
+                <a:latin typeface="Comic Sans MS" panose="030F0702030302020204" pitchFamily="66" charset="0"/>
+              </a:rPr>
+              <a:t> / </a:t>
+            </a:r>
+            <a:r>
+              <a:rPr lang="en-US" altLang="ko-KR" sz="1800" dirty="0" err="1">
+                <a:solidFill>
+                  <a:schemeClr val="bg1"/>
+                </a:solidFill>
+                <a:latin typeface="Comic Sans MS" panose="030F0702030302020204" pitchFamily="66" charset="0"/>
+              </a:rPr>
+              <a:t>Gamu</a:t>
+            </a:r>
+            <a:endParaRPr lang="ko-KR" altLang="en-US" sz="1800" dirty="0">
+              <a:solidFill>
+                <a:schemeClr val="bg1"/>
+              </a:solidFill>
+              <a:latin typeface="Comic Sans MS" panose="030F0702030302020204" pitchFamily="66" charset="0"/>
+            </a:endParaRPr>
+          </a:p>
+        </p:txBody>
+      </p:sp>
+      <p:sp>
+        <p:nvSpPr>
+          <p:cNvPr id="15" name="사각형: 둥근 모서리 14">
+            <a:extLst>
+              <a:ext uri="{FF2B5EF4-FFF2-40B4-BE49-F238E27FC236}">
+                <a16:creationId xmlns:a16="http://schemas.microsoft.com/office/drawing/2014/main" id="{092A52E5-E921-E449-FCF2-B8B8550AAC23}"/>
+              </a:ext>
+            </a:extLst>
+          </p:cNvPr>
+          <p:cNvSpPr/>
+          <p:nvPr/>
+        </p:nvSpPr>
+        <p:spPr>
+          <a:xfrm>
+            <a:off x="11372312" y="3540339"/>
+            <a:ext cx="855892" cy="545988"/>
+          </a:xfrm>
+          <a:prstGeom prst="roundRect">
+            <a:avLst/>
+          </a:prstGeom>
+          <a:solidFill>
+            <a:srgbClr val="DDDDDD">
+              <a:alpha val="27843"/>
+            </a:srgbClr>
+          </a:solidFill>
+          <a:ln>
+            <a:noFill/>
+          </a:ln>
+        </p:spPr>
+        <p:style>
+          <a:lnRef idx="0">
+            <a:scrgbClr r="0" g="0" b="0"/>
+          </a:lnRef>
+          <a:fillRef idx="0">
+            <a:scrgbClr r="0" g="0" b="0"/>
+          </a:fillRef>
+          <a:effectRef idx="0">
+            <a:scrgbClr r="0" g="0" b="0"/>
+          </a:effectRef>
+          <a:fontRef idx="minor">
+            <a:schemeClr val="lt1"/>
+          </a:fontRef>
+        </p:style>
+        <p:txBody>
+          <a:bodyPr rtlCol="0" anchor="ctr"/>
+          <a:lstStyle/>
+          <a:p>
+            <a:pPr algn="r"/>
+            <a:r>
+              <a:rPr lang="en-US" altLang="ko-KR" sz="1400" dirty="0">
+                <a:solidFill>
+                  <a:schemeClr val="tx1"/>
+                </a:solidFill>
+                <a:latin typeface="Comic Sans MS" panose="030F0702030302020204" pitchFamily="66" charset="0"/>
+              </a:rPr>
+              <a:t>1098</a:t>
+            </a:r>
+          </a:p>
+          <a:p>
+            <a:pPr algn="r"/>
+            <a:r>
+              <a:rPr lang="en-US" altLang="ko-KR" sz="1400" dirty="0">
+                <a:solidFill>
+                  <a:schemeClr val="tx1"/>
+                </a:solidFill>
+                <a:latin typeface="Comic Sans MS" panose="030F0702030302020204" pitchFamily="66" charset="0"/>
+              </a:rPr>
+              <a:t>-52</a:t>
+            </a:r>
+          </a:p>
+        </p:txBody>
+      </p:sp>
+      <p:sp>
+        <p:nvSpPr>
+          <p:cNvPr id="19" name="사각형: 둥근 모서리 18">
+            <a:extLst>
+              <a:ext uri="{FF2B5EF4-FFF2-40B4-BE49-F238E27FC236}">
+                <a16:creationId xmlns:a16="http://schemas.microsoft.com/office/drawing/2014/main" id="{E7C79404-A1F0-C247-BD81-2B787FCEAEF9}"/>
+              </a:ext>
+            </a:extLst>
+          </p:cNvPr>
+          <p:cNvSpPr/>
+          <p:nvPr/>
+        </p:nvSpPr>
+        <p:spPr>
+          <a:xfrm>
+            <a:off x="8470816" y="4037562"/>
+            <a:ext cx="3840135" cy="541064"/>
+          </a:xfrm>
+          <a:prstGeom prst="roundRect">
+            <a:avLst>
+              <a:gd name="adj" fmla="val 0"/>
+            </a:avLst>
+          </a:prstGeom>
+          <a:gradFill flip="none" rotWithShape="1">
+            <a:gsLst>
+              <a:gs pos="0">
+                <a:srgbClr val="808080">
+                  <a:alpha val="89804"/>
+                </a:srgbClr>
+              </a:gs>
+              <a:gs pos="100000">
+                <a:srgbClr val="E0E0E0">
+                  <a:alpha val="89804"/>
+                </a:srgbClr>
+              </a:gs>
+            </a:gsLst>
+            <a:lin ang="0" scaled="0"/>
+            <a:tileRect/>
+          </a:gradFill>
+          <a:ln>
+            <a:noFill/>
+          </a:ln>
+        </p:spPr>
+        <p:style>
+          <a:lnRef idx="2">
+            <a:schemeClr val="accent1">
+              <a:shade val="50000"/>
+            </a:schemeClr>
+          </a:lnRef>
+          <a:fillRef idx="1">
+            <a:schemeClr val="accent1"/>
+          </a:fillRef>
+          <a:effectRef idx="0">
+            <a:schemeClr val="accent1"/>
+          </a:effectRef>
+          <a:fontRef idx="minor">
+            <a:schemeClr val="lt1"/>
+          </a:fontRef>
+        </p:style>
+        <p:txBody>
+          <a:bodyPr rtlCol="0" anchor="ctr"/>
+          <a:lstStyle/>
+          <a:p>
+            <a:endParaRPr lang="ko-KR" altLang="en-US" sz="1800" dirty="0">
+              <a:solidFill>
+                <a:schemeClr val="bg1"/>
+              </a:solidFill>
+              <a:latin typeface="Comic Sans MS" panose="030F0702030302020204" pitchFamily="66" charset="0"/>
+            </a:endParaRPr>
+          </a:p>
+        </p:txBody>
+      </p:sp>
+      <p:pic>
+        <p:nvPicPr>
+          <p:cNvPr id="23" name="그림 22">
+            <a:extLst>
+              <a:ext uri="{FF2B5EF4-FFF2-40B4-BE49-F238E27FC236}">
+                <a16:creationId xmlns:a16="http://schemas.microsoft.com/office/drawing/2014/main" id="{A7C96E4B-BA53-18EC-F370-820D10D979BA}"/>
+              </a:ext>
+            </a:extLst>
+          </p:cNvPr>
+          <p:cNvPicPr>
+            <a:picLocks noChangeAspect="1"/>
+          </p:cNvPicPr>
+          <p:nvPr/>
+        </p:nvPicPr>
+        <p:blipFill>
+          <a:blip r:embed="rId8">
+            <a:extLst>
+              <a:ext uri="{28A0092B-C50C-407E-A947-70E740481C1C}">
+                <a14:useLocalDpi xmlns:a14="http://schemas.microsoft.com/office/drawing/2010/main" val="0"/>
+              </a:ext>
+            </a:extLst>
+          </a:blip>
+          <a:stretch>
+            <a:fillRect/>
+          </a:stretch>
+        </p:blipFill>
+        <p:spPr>
+          <a:xfrm>
+            <a:off x="8470236" y="4023787"/>
+            <a:ext cx="563440" cy="563440"/>
+          </a:xfrm>
+          <a:prstGeom prst="rect">
+            <a:avLst/>
+          </a:prstGeom>
+        </p:spPr>
+      </p:pic>
+      <p:sp>
+        <p:nvSpPr>
+          <p:cNvPr id="27" name="TextBox 26">
+            <a:extLst>
+              <a:ext uri="{FF2B5EF4-FFF2-40B4-BE49-F238E27FC236}">
+                <a16:creationId xmlns:a16="http://schemas.microsoft.com/office/drawing/2014/main" id="{6F8CA823-8559-3BF2-2AE1-11707C475582}"/>
+              </a:ext>
+            </a:extLst>
+          </p:cNvPr>
+          <p:cNvSpPr txBox="1"/>
+          <p:nvPr/>
+        </p:nvSpPr>
+        <p:spPr>
+          <a:xfrm>
+            <a:off x="8958915" y="3999073"/>
+            <a:ext cx="2055371" cy="646331"/>
+          </a:xfrm>
+          <a:prstGeom prst="rect">
+            <a:avLst/>
+          </a:prstGeom>
+          <a:noFill/>
+        </p:spPr>
+        <p:txBody>
+          <a:bodyPr wrap="none" rtlCol="0">
+            <a:spAutoFit/>
+          </a:bodyPr>
+          <a:lstStyle/>
+          <a:p>
+            <a:r>
+              <a:rPr lang="en-US" altLang="ko-KR" sz="1800" dirty="0">
+                <a:solidFill>
+                  <a:schemeClr val="bg1"/>
+                </a:solidFill>
+                <a:latin typeface="Comic Sans MS" panose="030F0702030302020204" pitchFamily="66" charset="0"/>
+              </a:rPr>
+              <a:t>Renatus [Normal]</a:t>
+            </a:r>
+          </a:p>
+          <a:p>
+            <a:r>
+              <a:rPr lang="en-US" altLang="ko-KR" sz="1800" dirty="0" err="1">
+                <a:solidFill>
+                  <a:schemeClr val="bg1"/>
+                </a:solidFill>
+                <a:latin typeface="Comic Sans MS" panose="030F0702030302020204" pitchFamily="66" charset="0"/>
+              </a:rPr>
+              <a:t>Soliely</a:t>
+            </a:r>
+            <a:r>
+              <a:rPr lang="en-US" altLang="ko-KR" sz="1800" dirty="0">
+                <a:solidFill>
+                  <a:schemeClr val="bg1"/>
+                </a:solidFill>
+                <a:latin typeface="Comic Sans MS" panose="030F0702030302020204" pitchFamily="66" charset="0"/>
+              </a:rPr>
+              <a:t> / </a:t>
+            </a:r>
+            <a:r>
+              <a:rPr lang="en-US" altLang="ko-KR" sz="1800" dirty="0" err="1">
+                <a:solidFill>
+                  <a:schemeClr val="bg1"/>
+                </a:solidFill>
+                <a:latin typeface="Comic Sans MS" panose="030F0702030302020204" pitchFamily="66" charset="0"/>
+              </a:rPr>
+              <a:t>Gamu</a:t>
+            </a:r>
+            <a:endParaRPr lang="ko-KR" altLang="en-US" sz="1800" dirty="0">
+              <a:solidFill>
+                <a:schemeClr val="bg1"/>
+              </a:solidFill>
+              <a:latin typeface="Comic Sans MS" panose="030F0702030302020204" pitchFamily="66" charset="0"/>
+            </a:endParaRPr>
+          </a:p>
+        </p:txBody>
+      </p:sp>
+      <p:sp>
+        <p:nvSpPr>
+          <p:cNvPr id="31" name="TextBox 30">
+            <a:extLst>
+              <a:ext uri="{FF2B5EF4-FFF2-40B4-BE49-F238E27FC236}">
+                <a16:creationId xmlns:a16="http://schemas.microsoft.com/office/drawing/2014/main" id="{42AA173C-F2E4-DBD3-D487-C8BEA717A4EF}"/>
+              </a:ext>
+            </a:extLst>
+          </p:cNvPr>
+          <p:cNvSpPr txBox="1"/>
+          <p:nvPr/>
+        </p:nvSpPr>
+        <p:spPr>
+          <a:xfrm>
+            <a:off x="8547974" y="4120841"/>
+            <a:ext cx="429926" cy="369332"/>
+          </a:xfrm>
+          <a:prstGeom prst="rect">
+            <a:avLst/>
+          </a:prstGeom>
+          <a:noFill/>
+        </p:spPr>
+        <p:txBody>
+          <a:bodyPr wrap="none" rtlCol="0">
+            <a:spAutoFit/>
+          </a:bodyPr>
+          <a:lstStyle/>
+          <a:p>
+            <a:r>
+              <a:rPr lang="en-US" altLang="ko-KR" sz="1800" dirty="0">
+                <a:solidFill>
+                  <a:schemeClr val="bg1"/>
+                </a:solidFill>
+                <a:latin typeface="Comic Sans MS" panose="030F0702030302020204" pitchFamily="66" charset="0"/>
+              </a:rPr>
+              <a:t>16</a:t>
+            </a:r>
+            <a:endParaRPr lang="ko-KR" altLang="en-US" sz="1800" dirty="0">
+              <a:solidFill>
+                <a:schemeClr val="bg1"/>
+              </a:solidFill>
+              <a:latin typeface="Comic Sans MS" panose="030F0702030302020204" pitchFamily="66" charset="0"/>
+            </a:endParaRPr>
+          </a:p>
+        </p:txBody>
+      </p:sp>
+      <p:sp>
+        <p:nvSpPr>
+          <p:cNvPr id="9" name="사각형: 둥근 모서리 8">
+            <a:extLst>
+              <a:ext uri="{FF2B5EF4-FFF2-40B4-BE49-F238E27FC236}">
+                <a16:creationId xmlns:a16="http://schemas.microsoft.com/office/drawing/2014/main" id="{DF9282D7-1236-EB78-B765-019DA2320A3B}"/>
+              </a:ext>
+            </a:extLst>
+          </p:cNvPr>
+          <p:cNvSpPr/>
+          <p:nvPr/>
+        </p:nvSpPr>
+        <p:spPr>
+          <a:xfrm>
+            <a:off x="-44567" y="1717887"/>
+            <a:ext cx="629174" cy="545988"/>
+          </a:xfrm>
+          <a:prstGeom prst="roundRect">
+            <a:avLst>
+              <a:gd name="adj" fmla="val 0"/>
+            </a:avLst>
+          </a:prstGeom>
+          <a:solidFill>
+            <a:srgbClr val="808080"/>
+          </a:solidFill>
+          <a:ln>
+            <a:solidFill>
+              <a:schemeClr val="tx1"/>
+            </a:solidFill>
+          </a:ln>
+        </p:spPr>
+        <p:style>
+          <a:lnRef idx="0">
+            <a:scrgbClr r="0" g="0" b="0"/>
+          </a:lnRef>
+          <a:fillRef idx="0">
+            <a:scrgbClr r="0" g="0" b="0"/>
+          </a:fillRef>
+          <a:effectRef idx="0">
+            <a:scrgbClr r="0" g="0" b="0"/>
+          </a:effectRef>
+          <a:fontRef idx="minor">
+            <a:schemeClr val="lt1"/>
+          </a:fontRef>
+        </p:style>
+        <p:txBody>
+          <a:bodyPr rtlCol="0" anchor="ctr"/>
+          <a:lstStyle/>
+          <a:p>
+            <a:pPr algn="ctr"/>
+            <a:endParaRPr lang="en-US" altLang="ko-KR" sz="1200" b="1" dirty="0">
+              <a:solidFill>
+                <a:schemeClr val="bg1"/>
+              </a:solidFill>
+              <a:latin typeface="Comic Sans MS" panose="030F0702030302020204" pitchFamily="66" charset="0"/>
+            </a:endParaRPr>
+          </a:p>
+        </p:txBody>
+      </p:sp>
+    </p:spTree>
+    <p:extLst>
+      <p:ext uri="{BB962C8B-B14F-4D97-AF65-F5344CB8AC3E}">
+        <p14:creationId xmlns:p14="http://schemas.microsoft.com/office/powerpoint/2010/main" val="1486549801"/>
+      </p:ext>
+    </p:extLst>
+  </p:cSld>
+  <p:clrMapOvr>
+    <a:masterClrMapping/>
+  </p:clrMapOvr>
+</p:sld>
+</file>
+
+<file path=ppt/slides/slide4.xml><?xml version="1.0" encoding="utf-8"?>
+<p:sld xmlns:a="http://schemas.openxmlformats.org/drawingml/2006/main" xmlns:r="http://schemas.openxmlformats.org/officeDocument/2006/relationships" xmlns:p="http://schemas.openxmlformats.org/presentationml/2006/main">
+  <p:cSld>
     <p:bg>
       <p:bgPr>
         <a:solidFill>
@@ -8652,43 +14202,39 @@
       </p:grpSpPr>
       <p:sp>
         <p:nvSpPr>
-          <p:cNvPr id="5" name="사각형: 둥근 모서리 4">
-            <a:extLst>
-              <a:ext uri="{FF2B5EF4-FFF2-40B4-BE49-F238E27FC236}">
-                <a16:creationId xmlns:a16="http://schemas.microsoft.com/office/drawing/2014/main" id="{632760B4-E3D7-4950-B786-9760105C1EC7}"/>
-              </a:ext>
-            </a:extLst>
-          </p:cNvPr>
-          <p:cNvSpPr/>
-          <p:nvPr/>
-        </p:nvSpPr>
-        <p:spPr>
-          <a:xfrm>
-            <a:off x="3412117" y="279377"/>
-            <a:ext cx="5022966" cy="931016"/>
-          </a:xfrm>
-          <a:prstGeom prst="roundRect">
-            <a:avLst/>
-          </a:prstGeom>
-          <a:noFill/>
-          <a:ln>
-            <a:solidFill>
-              <a:schemeClr val="bg1"/>
-            </a:solidFill>
-          </a:ln>
+          <p:cNvPr id="2" name="직사각형 1">
+            <a:extLst>
+              <a:ext uri="{FF2B5EF4-FFF2-40B4-BE49-F238E27FC236}">
+                <a16:creationId xmlns:a16="http://schemas.microsoft.com/office/drawing/2014/main" id="{9DB0BDFE-2EE3-767F-7539-3D5234FC7869}"/>
+              </a:ext>
+            </a:extLst>
+          </p:cNvPr>
+          <p:cNvSpPr/>
+          <p:nvPr/>
+        </p:nvSpPr>
+        <p:spPr>
+          <a:xfrm>
+            <a:off x="3435208" y="277090"/>
+            <a:ext cx="5022966" cy="969818"/>
+          </a:xfrm>
+          <a:prstGeom prst="rect">
+            <a:avLst/>
+          </a:prstGeom>
         </p:spPr>
         <p:style>
           <a:lnRef idx="2">
-            <a:schemeClr val="dk1"/>
+            <a:schemeClr val="accent1">
+              <a:shade val="50000"/>
+            </a:schemeClr>
           </a:lnRef>
           <a:fillRef idx="1">
+            <a:schemeClr val="accent1"/>
+          </a:fillRef>
+          <a:effectRef idx="0">
+            <a:schemeClr val="accent1"/>
+          </a:effectRef>
+          <a:fontRef idx="minor">
             <a:schemeClr val="lt1"/>
-          </a:fillRef>
-          <a:effectRef idx="0">
-            <a:schemeClr val="dk1"/>
-          </a:effectRef>
-          <a:fontRef idx="minor">
-            <a:schemeClr val="dk1"/>
           </a:fontRef>
         </p:style>
         <p:txBody>
@@ -8697,7 +14243,7 @@
           <a:p>
             <a:pPr algn="ctr"/>
             <a:r>
-              <a:rPr lang="en-US" altLang="ko-KR" sz="1600" dirty="0" err="1">
+              <a:rPr lang="en-US" altLang="ko-KR" sz="1400" dirty="0" err="1">
                 <a:solidFill>
                   <a:schemeClr val="bg1"/>
                 </a:solidFill>
@@ -8705,7 +14251,7 @@
               </a:rPr>
               <a:t>Soliely</a:t>
             </a:r>
-            <a:endParaRPr lang="en-US" altLang="ko-KR" sz="2000" dirty="0">
+            <a:endParaRPr lang="en-US" altLang="ko-KR" sz="1800" dirty="0">
               <a:solidFill>
                 <a:schemeClr val="bg1"/>
               </a:solidFill>
@@ -8715,7 +14261,7 @@
           <a:p>
             <a:pPr algn="ctr"/>
             <a:r>
-              <a:rPr lang="en-US" altLang="ko-KR" sz="2400" dirty="0">
+              <a:rPr lang="en-US" altLang="ko-KR" sz="2000" dirty="0">
                 <a:solidFill>
                   <a:schemeClr val="bg1"/>
                 </a:solidFill>
@@ -8723,7 +14269,7 @@
               </a:rPr>
               <a:t>Renatus</a:t>
             </a:r>
-            <a:endParaRPr lang="en-US" altLang="ko-KR" sz="2000" dirty="0">
+            <a:endParaRPr lang="en-US" altLang="ko-KR" sz="1800" dirty="0">
               <a:solidFill>
                 <a:schemeClr val="bg1"/>
               </a:solidFill>
@@ -8733,7 +14279,7 @@
           <a:p>
             <a:pPr algn="ctr"/>
             <a:r>
-              <a:rPr lang="en-US" altLang="ko-KR" sz="2000" dirty="0">
+              <a:rPr lang="en-US" altLang="ko-KR" sz="1800" dirty="0">
                 <a:solidFill>
                   <a:schemeClr val="bg1"/>
                 </a:solidFill>
@@ -8757,7 +14303,7 @@
 </p:sld>
 </file>
 
-<file path=ppt/slides/slide4.xml><?xml version="1.0" encoding="utf-8"?>
+<file path=ppt/slides/slide5.xml><?xml version="1.0" encoding="utf-8"?>
 <p:sld xmlns:a="http://schemas.openxmlformats.org/drawingml/2006/main" xmlns:r="http://schemas.openxmlformats.org/officeDocument/2006/relationships" xmlns:p="http://schemas.openxmlformats.org/presentationml/2006/main">
   <p:cSld>
     <p:bg>
@@ -9661,7 +15207,221 @@
 </p:sld>
 </file>
 
-<file path=ppt/slides/slide5.xml><?xml version="1.0" encoding="utf-8"?>
+<file path=ppt/slides/slide6.xml><?xml version="1.0" encoding="utf-8"?>
+<p:sld xmlns:a="http://schemas.openxmlformats.org/drawingml/2006/main" xmlns:r="http://schemas.openxmlformats.org/officeDocument/2006/relationships" xmlns:p="http://schemas.openxmlformats.org/presentationml/2006/main">
+  <p:cSld>
+    <p:spTree>
+      <p:nvGrpSpPr>
+        <p:cNvPr id="1" name=""/>
+        <p:cNvGrpSpPr/>
+        <p:nvPr/>
+      </p:nvGrpSpPr>
+      <p:grpSpPr>
+        <a:xfrm>
+          <a:off x="0" y="0"/>
+          <a:ext cx="0" cy="0"/>
+          <a:chOff x="0" y="0"/>
+          <a:chExt cx="0" cy="0"/>
+        </a:xfrm>
+      </p:grpSpPr>
+      <p:sp>
+        <p:nvSpPr>
+          <p:cNvPr id="2" name="사각형: 둥근 모서리 1">
+            <a:extLst>
+              <a:ext uri="{FF2B5EF4-FFF2-40B4-BE49-F238E27FC236}">
+                <a16:creationId xmlns:a16="http://schemas.microsoft.com/office/drawing/2014/main" id="{E7C7C9A8-8596-DFAD-5DDD-71261B577DC8}"/>
+              </a:ext>
+            </a:extLst>
+          </p:cNvPr>
+          <p:cNvSpPr/>
+          <p:nvPr/>
+        </p:nvSpPr>
+        <p:spPr>
+          <a:xfrm>
+            <a:off x="2329121" y="716084"/>
+            <a:ext cx="5729085" cy="1330431"/>
+          </a:xfrm>
+          <a:prstGeom prst="roundRect">
+            <a:avLst/>
+          </a:prstGeom>
+          <a:gradFill flip="none" rotWithShape="1">
+            <a:gsLst>
+              <a:gs pos="0">
+                <a:schemeClr val="bg1">
+                  <a:lumMod val="76000"/>
+                </a:schemeClr>
+              </a:gs>
+              <a:gs pos="75000">
+                <a:srgbClr val="E6E6E6">
+                  <a:alpha val="50000"/>
+                </a:srgbClr>
+              </a:gs>
+              <a:gs pos="50000">
+                <a:srgbClr val="DADADA">
+                  <a:alpha val="70000"/>
+                </a:srgbClr>
+              </a:gs>
+              <a:gs pos="100000">
+                <a:srgbClr val="F7F7F7">
+                  <a:alpha val="40000"/>
+                </a:srgbClr>
+              </a:gs>
+            </a:gsLst>
+            <a:lin ang="10800000" scaled="1"/>
+            <a:tileRect/>
+          </a:gradFill>
+          <a:ln>
+            <a:noFill/>
+          </a:ln>
+        </p:spPr>
+        <p:style>
+          <a:lnRef idx="2">
+            <a:schemeClr val="accent1">
+              <a:shade val="50000"/>
+            </a:schemeClr>
+          </a:lnRef>
+          <a:fillRef idx="1">
+            <a:schemeClr val="accent1"/>
+          </a:fillRef>
+          <a:effectRef idx="0">
+            <a:schemeClr val="accent1"/>
+          </a:effectRef>
+          <a:fontRef idx="minor">
+            <a:schemeClr val="lt1"/>
+          </a:fontRef>
+        </p:style>
+        <p:txBody>
+          <a:bodyPr rtlCol="0" anchor="ctr"/>
+          <a:lstStyle/>
+          <a:p>
+            <a:pPr algn="ctr"/>
+            <a:endParaRPr lang="ko-KR" altLang="en-US" dirty="0"/>
+          </a:p>
+        </p:txBody>
+      </p:sp>
+      <p:sp>
+        <p:nvSpPr>
+          <p:cNvPr id="4" name="사각형: 둥근 모서리 3">
+            <a:extLst>
+              <a:ext uri="{FF2B5EF4-FFF2-40B4-BE49-F238E27FC236}">
+                <a16:creationId xmlns:a16="http://schemas.microsoft.com/office/drawing/2014/main" id="{862948EA-03FC-8EE6-D96C-8454BA97AECE}"/>
+              </a:ext>
+            </a:extLst>
+          </p:cNvPr>
+          <p:cNvSpPr/>
+          <p:nvPr/>
+        </p:nvSpPr>
+        <p:spPr>
+          <a:xfrm>
+            <a:off x="2329120" y="2763784"/>
+            <a:ext cx="5729085" cy="1330431"/>
+          </a:xfrm>
+          <a:prstGeom prst="roundRect">
+            <a:avLst>
+              <a:gd name="adj" fmla="val 0"/>
+            </a:avLst>
+          </a:prstGeom>
+          <a:gradFill flip="none" rotWithShape="1">
+            <a:gsLst>
+              <a:gs pos="0">
+                <a:srgbClr val="808080">
+                  <a:alpha val="89804"/>
+                </a:srgbClr>
+              </a:gs>
+              <a:gs pos="100000">
+                <a:srgbClr val="E0E0E0">
+                  <a:alpha val="89804"/>
+                </a:srgbClr>
+              </a:gs>
+            </a:gsLst>
+            <a:lin ang="0" scaled="0"/>
+            <a:tileRect/>
+          </a:gradFill>
+          <a:ln>
+            <a:noFill/>
+          </a:ln>
+        </p:spPr>
+        <p:style>
+          <a:lnRef idx="2">
+            <a:schemeClr val="accent1">
+              <a:shade val="50000"/>
+            </a:schemeClr>
+          </a:lnRef>
+          <a:fillRef idx="1">
+            <a:schemeClr val="accent1"/>
+          </a:fillRef>
+          <a:effectRef idx="0">
+            <a:schemeClr val="accent1"/>
+          </a:effectRef>
+          <a:fontRef idx="minor">
+            <a:schemeClr val="lt1"/>
+          </a:fontRef>
+        </p:style>
+        <p:txBody>
+          <a:bodyPr rtlCol="0" anchor="ctr"/>
+          <a:lstStyle/>
+          <a:p>
+            <a:pPr algn="ctr"/>
+            <a:endParaRPr lang="ko-KR" altLang="en-US" dirty="0"/>
+          </a:p>
+        </p:txBody>
+      </p:sp>
+      <p:sp>
+        <p:nvSpPr>
+          <p:cNvPr id="5" name="TextBox 4">
+            <a:extLst>
+              <a:ext uri="{FF2B5EF4-FFF2-40B4-BE49-F238E27FC236}">
+                <a16:creationId xmlns:a16="http://schemas.microsoft.com/office/drawing/2014/main" id="{5831C82E-391F-AB00-7FE8-A12F8A72C08D}"/>
+              </a:ext>
+            </a:extLst>
+          </p:cNvPr>
+          <p:cNvSpPr txBox="1"/>
+          <p:nvPr/>
+        </p:nvSpPr>
+        <p:spPr>
+          <a:xfrm>
+            <a:off x="3307644" y="4921956"/>
+            <a:ext cx="2169184" cy="646331"/>
+          </a:xfrm>
+          <a:prstGeom prst="rect">
+            <a:avLst/>
+          </a:prstGeom>
+          <a:noFill/>
+        </p:spPr>
+        <p:txBody>
+          <a:bodyPr wrap="none" rtlCol="0">
+            <a:spAutoFit/>
+          </a:bodyPr>
+          <a:lstStyle/>
+          <a:p>
+            <a:r>
+              <a:rPr lang="en-US" altLang="ko-KR" dirty="0"/>
+              <a:t>128, 128, 128, 10%</a:t>
+            </a:r>
+          </a:p>
+          <a:p>
+            <a:r>
+              <a:rPr lang="en-US" altLang="ko-KR" dirty="0"/>
+              <a:t>224, 224, 224, 10%</a:t>
+            </a:r>
+            <a:endParaRPr lang="ko-KR" altLang="en-US" dirty="0"/>
+          </a:p>
+        </p:txBody>
+      </p:sp>
+    </p:spTree>
+    <p:extLst>
+      <p:ext uri="{BB962C8B-B14F-4D97-AF65-F5344CB8AC3E}">
+        <p14:creationId xmlns:p14="http://schemas.microsoft.com/office/powerpoint/2010/main" val="2317737549"/>
+      </p:ext>
+    </p:extLst>
+  </p:cSld>
+  <p:clrMapOvr>
+    <a:masterClrMapping/>
+  </p:clrMapOvr>
+</p:sld>
+</file>
+
+<file path=ppt/slides/slide7.xml><?xml version="1.0" encoding="utf-8"?>
 <p:sld xmlns:a="http://schemas.openxmlformats.org/drawingml/2006/main" xmlns:r="http://schemas.openxmlformats.org/officeDocument/2006/relationships" xmlns:p="http://schemas.openxmlformats.org/presentationml/2006/main">
   <p:cSld>
     <p:spTree>
@@ -9939,7 +15699,7 @@
 </p:sld>
 </file>
 
-<file path=ppt/slides/slide6.xml><?xml version="1.0" encoding="utf-8"?>
+<file path=ppt/slides/slide8.xml><?xml version="1.0" encoding="utf-8"?>
 <p:sld xmlns:a="http://schemas.openxmlformats.org/drawingml/2006/main" xmlns:r="http://schemas.openxmlformats.org/officeDocument/2006/relationships" xmlns:p="http://schemas.openxmlformats.org/presentationml/2006/main">
   <p:cSld>
     <p:spTree>
@@ -10874,7 +16634,7 @@
 </p:sld>
 </file>
 
-<file path=ppt/slides/slide7.xml><?xml version="1.0" encoding="utf-8"?>
+<file path=ppt/slides/slide9.xml><?xml version="1.0" encoding="utf-8"?>
 <p:sld xmlns:a="http://schemas.openxmlformats.org/drawingml/2006/main" xmlns:r="http://schemas.openxmlformats.org/officeDocument/2006/relationships" xmlns:p="http://schemas.openxmlformats.org/presentationml/2006/main">
   <p:cSld>
     <p:spTree>

--- a/gosu-ui.pptx
+++ b/gosu-ui.pptx
@@ -10433,8 +10433,8 @@
         </p:nvSpPr>
         <p:spPr>
           <a:xfrm>
-            <a:off x="587585" y="1712056"/>
-            <a:ext cx="2095500" cy="545988"/>
+            <a:off x="28570" y="1712056"/>
+            <a:ext cx="3088991" cy="545988"/>
           </a:xfrm>
           <a:prstGeom prst="roundRect">
             <a:avLst>
@@ -10505,8 +10505,8 @@
         </p:nvSpPr>
         <p:spPr>
           <a:xfrm>
-            <a:off x="587585" y="1711872"/>
-            <a:ext cx="142875" cy="545988"/>
+            <a:off x="3124125" y="1701498"/>
+            <a:ext cx="181571" cy="545988"/>
           </a:xfrm>
           <a:prstGeom prst="roundRect">
             <a:avLst>
@@ -10514,7 +10514,7 @@
             </a:avLst>
           </a:prstGeom>
           <a:solidFill>
-            <a:srgbClr val="808080"/>
+            <a:srgbClr val="FFFF00"/>
           </a:solidFill>
         </p:spPr>
         <p:style>
@@ -10544,80 +10544,6 @@
               </a:solidFill>
               <a:latin typeface="Comic Sans MS" panose="030F0702030302020204" pitchFamily="66" charset="0"/>
             </a:endParaRPr>
-          </a:p>
-        </p:txBody>
-      </p:sp>
-      <p:sp>
-        <p:nvSpPr>
-          <p:cNvPr id="96" name="사각형: 둥근 모서리 95">
-            <a:extLst>
-              <a:ext uri="{FF2B5EF4-FFF2-40B4-BE49-F238E27FC236}">
-                <a16:creationId xmlns:a16="http://schemas.microsoft.com/office/drawing/2014/main" id="{D9A02D45-E130-7B9D-3779-2800423BA352}"/>
-              </a:ext>
-            </a:extLst>
-          </p:cNvPr>
-          <p:cNvSpPr/>
-          <p:nvPr/>
-        </p:nvSpPr>
-        <p:spPr>
-          <a:xfrm>
-            <a:off x="2683086" y="1711872"/>
-            <a:ext cx="629174" cy="545988"/>
-          </a:xfrm>
-          <a:prstGeom prst="roundRect">
-            <a:avLst>
-              <a:gd name="adj" fmla="val 0"/>
-            </a:avLst>
-          </a:prstGeom>
-          <a:solidFill>
-            <a:srgbClr val="808080"/>
-          </a:solidFill>
-          <a:ln>
-            <a:solidFill>
-              <a:schemeClr val="tx1"/>
-            </a:solidFill>
-          </a:ln>
-        </p:spPr>
-        <p:style>
-          <a:lnRef idx="0">
-            <a:scrgbClr r="0" g="0" b="0"/>
-          </a:lnRef>
-          <a:fillRef idx="0">
-            <a:scrgbClr r="0" g="0" b="0"/>
-          </a:fillRef>
-          <a:effectRef idx="0">
-            <a:scrgbClr r="0" g="0" b="0"/>
-          </a:effectRef>
-          <a:fontRef idx="minor">
-            <a:schemeClr val="lt1"/>
-          </a:fontRef>
-        </p:style>
-        <p:txBody>
-          <a:bodyPr rtlCol="0" anchor="ctr"/>
-          <a:lstStyle/>
-          <a:p>
-            <a:pPr algn="ctr"/>
-            <a:r>
-              <a:rPr lang="en-US" altLang="ko-KR" sz="1200" b="1" dirty="0">
-                <a:solidFill>
-                  <a:schemeClr val="bg1"/>
-                </a:solidFill>
-                <a:latin typeface="Comic Sans MS" panose="030F0702030302020204" pitchFamily="66" charset="0"/>
-              </a:rPr>
-              <a:t>1.50</a:t>
-            </a:r>
-          </a:p>
-          <a:p>
-            <a:pPr algn="ctr"/>
-            <a:r>
-              <a:rPr lang="en-US" altLang="ko-KR" sz="1200" b="1" dirty="0">
-                <a:solidFill>
-                  <a:schemeClr val="bg1"/>
-                </a:solidFill>
-                <a:latin typeface="Comic Sans MS" panose="030F0702030302020204" pitchFamily="66" charset="0"/>
-              </a:rPr>
-              <a:t>MR</a:t>
-            </a:r>
           </a:p>
         </p:txBody>
       </p:sp>
@@ -14095,65 +14021,6 @@
               <a:t>16</a:t>
             </a:r>
             <a:endParaRPr lang="ko-KR" altLang="en-US" sz="1800" dirty="0">
-              <a:solidFill>
-                <a:schemeClr val="bg1"/>
-              </a:solidFill>
-              <a:latin typeface="Comic Sans MS" panose="030F0702030302020204" pitchFamily="66" charset="0"/>
-            </a:endParaRPr>
-          </a:p>
-        </p:txBody>
-      </p:sp>
-      <p:sp>
-        <p:nvSpPr>
-          <p:cNvPr id="9" name="사각형: 둥근 모서리 8">
-            <a:extLst>
-              <a:ext uri="{FF2B5EF4-FFF2-40B4-BE49-F238E27FC236}">
-                <a16:creationId xmlns:a16="http://schemas.microsoft.com/office/drawing/2014/main" id="{DF9282D7-1236-EB78-B765-019DA2320A3B}"/>
-              </a:ext>
-            </a:extLst>
-          </p:cNvPr>
-          <p:cNvSpPr/>
-          <p:nvPr/>
-        </p:nvSpPr>
-        <p:spPr>
-          <a:xfrm>
-            <a:off x="-44567" y="1717887"/>
-            <a:ext cx="629174" cy="545988"/>
-          </a:xfrm>
-          <a:prstGeom prst="roundRect">
-            <a:avLst>
-              <a:gd name="adj" fmla="val 0"/>
-            </a:avLst>
-          </a:prstGeom>
-          <a:solidFill>
-            <a:srgbClr val="808080"/>
-          </a:solidFill>
-          <a:ln>
-            <a:solidFill>
-              <a:schemeClr val="tx1"/>
-            </a:solidFill>
-          </a:ln>
-        </p:spPr>
-        <p:style>
-          <a:lnRef idx="0">
-            <a:scrgbClr r="0" g="0" b="0"/>
-          </a:lnRef>
-          <a:fillRef idx="0">
-            <a:scrgbClr r="0" g="0" b="0"/>
-          </a:fillRef>
-          <a:effectRef idx="0">
-            <a:scrgbClr r="0" g="0" b="0"/>
-          </a:effectRef>
-          <a:fontRef idx="minor">
-            <a:schemeClr val="lt1"/>
-          </a:fontRef>
-        </p:style>
-        <p:txBody>
-          <a:bodyPr rtlCol="0" anchor="ctr"/>
-          <a:lstStyle/>
-          <a:p>
-            <a:pPr algn="ctr"/>
-            <a:endParaRPr lang="en-US" altLang="ko-KR" sz="1200" b="1" dirty="0">
               <a:solidFill>
                 <a:schemeClr val="bg1"/>
               </a:solidFill>

--- a/gosu-ui.pptx
+++ b/gosu-ui.pptx
@@ -5,20 +5,19 @@
     <p:sldMasterId id="2147483648" r:id="rId1"/>
   </p:sldMasterIdLst>
   <p:notesMasterIdLst>
-    <p:notesMasterId r:id="rId13"/>
+    <p:notesMasterId r:id="rId12"/>
   </p:notesMasterIdLst>
   <p:sldIdLst>
     <p:sldId id="259" r:id="rId2"/>
     <p:sldId id="260" r:id="rId3"/>
     <p:sldId id="265" r:id="rId4"/>
-    <p:sldId id="264" r:id="rId5"/>
-    <p:sldId id="262" r:id="rId6"/>
-    <p:sldId id="270" r:id="rId7"/>
-    <p:sldId id="261" r:id="rId8"/>
-    <p:sldId id="258" r:id="rId9"/>
-    <p:sldId id="263" r:id="rId10"/>
-    <p:sldId id="267" r:id="rId11"/>
-    <p:sldId id="268" r:id="rId12"/>
+    <p:sldId id="262" r:id="rId5"/>
+    <p:sldId id="270" r:id="rId6"/>
+    <p:sldId id="261" r:id="rId7"/>
+    <p:sldId id="258" r:id="rId8"/>
+    <p:sldId id="263" r:id="rId9"/>
+    <p:sldId id="267" r:id="rId10"/>
+    <p:sldId id="268" r:id="rId11"/>
   </p:sldIdLst>
   <p:sldSz cx="12192000" cy="6858000"/>
   <p:notesSz cx="6858000" cy="9144000"/>
@@ -215,7 +214,7 @@
           <a:p>
             <a:fld id="{29E79E71-CE1C-407F-A875-4BDA80D256F6}" type="datetimeFigureOut">
               <a:rPr lang="ko-KR" altLang="en-US" smtClean="0"/>
-              <a:t>2022-09-15</a:t>
+              <a:t>2022-09-16</a:t>
             </a:fld>
             <a:endParaRPr lang="ko-KR" altLang="en-US"/>
           </a:p>
@@ -797,7 +796,7 @@
           <a:p>
             <a:fld id="{9A87183D-DD90-4DD0-9571-682C12DD2772}" type="datetimeFigureOut">
               <a:rPr lang="ko-KR" altLang="en-US" smtClean="0"/>
-              <a:t>2022-09-15</a:t>
+              <a:t>2022-09-16</a:t>
             </a:fld>
             <a:endParaRPr lang="ko-KR" altLang="en-US"/>
           </a:p>
@@ -995,7 +994,7 @@
           <a:p>
             <a:fld id="{9A87183D-DD90-4DD0-9571-682C12DD2772}" type="datetimeFigureOut">
               <a:rPr lang="ko-KR" altLang="en-US" smtClean="0"/>
-              <a:t>2022-09-15</a:t>
+              <a:t>2022-09-16</a:t>
             </a:fld>
             <a:endParaRPr lang="ko-KR" altLang="en-US"/>
           </a:p>
@@ -1203,7 +1202,7 @@
           <a:p>
             <a:fld id="{9A87183D-DD90-4DD0-9571-682C12DD2772}" type="datetimeFigureOut">
               <a:rPr lang="ko-KR" altLang="en-US" smtClean="0"/>
-              <a:t>2022-09-15</a:t>
+              <a:t>2022-09-16</a:t>
             </a:fld>
             <a:endParaRPr lang="ko-KR" altLang="en-US"/>
           </a:p>
@@ -1401,7 +1400,7 @@
           <a:p>
             <a:fld id="{9A87183D-DD90-4DD0-9571-682C12DD2772}" type="datetimeFigureOut">
               <a:rPr lang="ko-KR" altLang="en-US" smtClean="0"/>
-              <a:t>2022-09-15</a:t>
+              <a:t>2022-09-16</a:t>
             </a:fld>
             <a:endParaRPr lang="ko-KR" altLang="en-US"/>
           </a:p>
@@ -1676,7 +1675,7 @@
           <a:p>
             <a:fld id="{9A87183D-DD90-4DD0-9571-682C12DD2772}" type="datetimeFigureOut">
               <a:rPr lang="ko-KR" altLang="en-US" smtClean="0"/>
-              <a:t>2022-09-15</a:t>
+              <a:t>2022-09-16</a:t>
             </a:fld>
             <a:endParaRPr lang="ko-KR" altLang="en-US"/>
           </a:p>
@@ -1941,7 +1940,7 @@
           <a:p>
             <a:fld id="{9A87183D-DD90-4DD0-9571-682C12DD2772}" type="datetimeFigureOut">
               <a:rPr lang="ko-KR" altLang="en-US" smtClean="0"/>
-              <a:t>2022-09-15</a:t>
+              <a:t>2022-09-16</a:t>
             </a:fld>
             <a:endParaRPr lang="ko-KR" altLang="en-US"/>
           </a:p>
@@ -2353,7 +2352,7 @@
           <a:p>
             <a:fld id="{9A87183D-DD90-4DD0-9571-682C12DD2772}" type="datetimeFigureOut">
               <a:rPr lang="ko-KR" altLang="en-US" smtClean="0"/>
-              <a:t>2022-09-15</a:t>
+              <a:t>2022-09-16</a:t>
             </a:fld>
             <a:endParaRPr lang="ko-KR" altLang="en-US"/>
           </a:p>
@@ -2494,7 +2493,7 @@
           <a:p>
             <a:fld id="{9A87183D-DD90-4DD0-9571-682C12DD2772}" type="datetimeFigureOut">
               <a:rPr lang="ko-KR" altLang="en-US" smtClean="0"/>
-              <a:t>2022-09-15</a:t>
+              <a:t>2022-09-16</a:t>
             </a:fld>
             <a:endParaRPr lang="ko-KR" altLang="en-US"/>
           </a:p>
@@ -2607,7 +2606,7 @@
           <a:p>
             <a:fld id="{9A87183D-DD90-4DD0-9571-682C12DD2772}" type="datetimeFigureOut">
               <a:rPr lang="ko-KR" altLang="en-US" smtClean="0"/>
-              <a:t>2022-09-15</a:t>
+              <a:t>2022-09-16</a:t>
             </a:fld>
             <a:endParaRPr lang="ko-KR" altLang="en-US"/>
           </a:p>
@@ -2918,7 +2917,7 @@
           <a:p>
             <a:fld id="{9A87183D-DD90-4DD0-9571-682C12DD2772}" type="datetimeFigureOut">
               <a:rPr lang="ko-KR" altLang="en-US" smtClean="0"/>
-              <a:t>2022-09-15</a:t>
+              <a:t>2022-09-16</a:t>
             </a:fld>
             <a:endParaRPr lang="ko-KR" altLang="en-US"/>
           </a:p>
@@ -3206,7 +3205,7 @@
           <a:p>
             <a:fld id="{9A87183D-DD90-4DD0-9571-682C12DD2772}" type="datetimeFigureOut">
               <a:rPr lang="ko-KR" altLang="en-US" smtClean="0"/>
-              <a:t>2022-09-15</a:t>
+              <a:t>2022-09-16</a:t>
             </a:fld>
             <a:endParaRPr lang="ko-KR" altLang="en-US"/>
           </a:p>
@@ -3447,7 +3446,7 @@
           <a:p>
             <a:fld id="{9A87183D-DD90-4DD0-9571-682C12DD2772}" type="datetimeFigureOut">
               <a:rPr lang="ko-KR" altLang="en-US" smtClean="0"/>
-              <a:t>2022-09-15</a:t>
+              <a:t>2022-09-16</a:t>
             </a:fld>
             <a:endParaRPr lang="ko-KR" altLang="en-US"/>
           </a:p>
@@ -3938,128 +3937,6 @@
 <file path=ppt/slides/slide10.xml><?xml version="1.0" encoding="utf-8"?>
 <p:sld xmlns:a="http://schemas.openxmlformats.org/drawingml/2006/main" xmlns:r="http://schemas.openxmlformats.org/officeDocument/2006/relationships" xmlns:p="http://schemas.openxmlformats.org/presentationml/2006/main">
   <p:cSld>
-    <p:spTree>
-      <p:nvGrpSpPr>
-        <p:cNvPr id="1" name=""/>
-        <p:cNvGrpSpPr/>
-        <p:nvPr/>
-      </p:nvGrpSpPr>
-      <p:grpSpPr>
-        <a:xfrm>
-          <a:off x="0" y="0"/>
-          <a:ext cx="0" cy="0"/>
-          <a:chOff x="0" y="0"/>
-          <a:chExt cx="0" cy="0"/>
-        </a:xfrm>
-      </p:grpSpPr>
-      <p:sp>
-        <p:nvSpPr>
-          <p:cNvPr id="4" name="타원 3">
-            <a:extLst>
-              <a:ext uri="{FF2B5EF4-FFF2-40B4-BE49-F238E27FC236}">
-                <a16:creationId xmlns:a16="http://schemas.microsoft.com/office/drawing/2014/main" id="{6BEC0AAC-FE02-DF27-3A44-CD87A258999E}"/>
-              </a:ext>
-            </a:extLst>
-          </p:cNvPr>
-          <p:cNvSpPr/>
-          <p:nvPr/>
-        </p:nvSpPr>
-        <p:spPr>
-          <a:xfrm>
-            <a:off x="4749679" y="2738865"/>
-            <a:ext cx="1716126" cy="1716126"/>
-          </a:xfrm>
-          <a:prstGeom prst="ellipse">
-            <a:avLst/>
-          </a:prstGeom>
-        </p:spPr>
-        <p:style>
-          <a:lnRef idx="2">
-            <a:schemeClr val="accent1">
-              <a:shade val="50000"/>
-            </a:schemeClr>
-          </a:lnRef>
-          <a:fillRef idx="1">
-            <a:schemeClr val="accent1"/>
-          </a:fillRef>
-          <a:effectRef idx="0">
-            <a:schemeClr val="accent1"/>
-          </a:effectRef>
-          <a:fontRef idx="minor">
-            <a:schemeClr val="lt1"/>
-          </a:fontRef>
-        </p:style>
-        <p:txBody>
-          <a:bodyPr rtlCol="0" anchor="ctr"/>
-          <a:lstStyle/>
-          <a:p>
-            <a:pPr algn="ctr"/>
-            <a:endParaRPr lang="ko-KR" altLang="en-US"/>
-          </a:p>
-        </p:txBody>
-      </p:sp>
-      <p:sp>
-        <p:nvSpPr>
-          <p:cNvPr id="6" name="타원 5">
-            <a:extLst>
-              <a:ext uri="{FF2B5EF4-FFF2-40B4-BE49-F238E27FC236}">
-                <a16:creationId xmlns:a16="http://schemas.microsoft.com/office/drawing/2014/main" id="{F3166636-5269-EF3C-0EE9-F6D39995609A}"/>
-              </a:ext>
-            </a:extLst>
-          </p:cNvPr>
-          <p:cNvSpPr/>
-          <p:nvPr/>
-        </p:nvSpPr>
-        <p:spPr>
-          <a:xfrm>
-            <a:off x="5399727" y="3394331"/>
-            <a:ext cx="416030" cy="416030"/>
-          </a:xfrm>
-          <a:prstGeom prst="ellipse">
-            <a:avLst/>
-          </a:prstGeom>
-        </p:spPr>
-        <p:style>
-          <a:lnRef idx="2">
-            <a:schemeClr val="accent1">
-              <a:shade val="50000"/>
-            </a:schemeClr>
-          </a:lnRef>
-          <a:fillRef idx="1">
-            <a:schemeClr val="accent1"/>
-          </a:fillRef>
-          <a:effectRef idx="0">
-            <a:schemeClr val="accent1"/>
-          </a:effectRef>
-          <a:fontRef idx="minor">
-            <a:schemeClr val="lt1"/>
-          </a:fontRef>
-        </p:style>
-        <p:txBody>
-          <a:bodyPr rtlCol="0" anchor="ctr"/>
-          <a:lstStyle/>
-          <a:p>
-            <a:pPr algn="ctr"/>
-            <a:endParaRPr lang="ko-KR" altLang="en-US"/>
-          </a:p>
-        </p:txBody>
-      </p:sp>
-    </p:spTree>
-    <p:extLst>
-      <p:ext uri="{BB962C8B-B14F-4D97-AF65-F5344CB8AC3E}">
-        <p14:creationId xmlns:p14="http://schemas.microsoft.com/office/powerpoint/2010/main" val="1679457705"/>
-      </p:ext>
-    </p:extLst>
-  </p:cSld>
-  <p:clrMapOvr>
-    <a:masterClrMapping/>
-  </p:clrMapOvr>
-</p:sld>
-</file>
-
-<file path=ppt/slides/slide11.xml><?xml version="1.0" encoding="utf-8"?>
-<p:sld xmlns:a="http://schemas.openxmlformats.org/drawingml/2006/main" xmlns:r="http://schemas.openxmlformats.org/officeDocument/2006/relationships" xmlns:p="http://schemas.openxmlformats.org/presentationml/2006/main">
-  <p:cSld>
     <p:bg>
       <p:bgPr>
         <a:solidFill>
@@ -9207,10 +9084,10 @@
       </p:sp>
       <p:sp>
         <p:nvSpPr>
-          <p:cNvPr id="24" name="사각형: 둥근 모서리 23">
-            <a:extLst>
-              <a:ext uri="{FF2B5EF4-FFF2-40B4-BE49-F238E27FC236}">
-                <a16:creationId xmlns:a16="http://schemas.microsoft.com/office/drawing/2014/main" id="{27D3066D-2690-E5C8-FB74-CADC6F7198C1}"/>
+          <p:cNvPr id="32" name="사각형: 둥근 모서리 31">
+            <a:extLst>
+              <a:ext uri="{FF2B5EF4-FFF2-40B4-BE49-F238E27FC236}">
+                <a16:creationId xmlns:a16="http://schemas.microsoft.com/office/drawing/2014/main" id="{918E82F4-969A-16E4-3453-20426DF1D47D}"/>
               </a:ext>
             </a:extLst>
           </p:cNvPr>
@@ -9219,8 +9096,8 @@
         </p:nvSpPr>
         <p:spPr>
           <a:xfrm>
-            <a:off x="10059059" y="1330573"/>
-            <a:ext cx="2846664" cy="545988"/>
+            <a:off x="9916360" y="4645052"/>
+            <a:ext cx="2852619" cy="545988"/>
           </a:xfrm>
           <a:prstGeom prst="roundRect">
             <a:avLst/>
@@ -9281,10 +9158,10 @@
       </p:sp>
       <p:sp>
         <p:nvSpPr>
-          <p:cNvPr id="26" name="사각형: 둥근 모서리 25">
-            <a:extLst>
-              <a:ext uri="{FF2B5EF4-FFF2-40B4-BE49-F238E27FC236}">
-                <a16:creationId xmlns:a16="http://schemas.microsoft.com/office/drawing/2014/main" id="{ABC90369-4965-9A45-0BE9-0FFBD28CC1AA}"/>
+          <p:cNvPr id="34" name="사각형: 둥근 모서리 33">
+            <a:extLst>
+              <a:ext uri="{FF2B5EF4-FFF2-40B4-BE49-F238E27FC236}">
+                <a16:creationId xmlns:a16="http://schemas.microsoft.com/office/drawing/2014/main" id="{E7DDD59F-C938-3017-A47F-F9BC96EE3211}"/>
               </a:ext>
             </a:extLst>
           </p:cNvPr>
@@ -9293,7 +9170,7 @@
         </p:nvSpPr>
         <p:spPr>
           <a:xfrm>
-            <a:off x="9423929" y="1330573"/>
+            <a:off x="9287186" y="4645052"/>
             <a:ext cx="629174" cy="545988"/>
           </a:xfrm>
           <a:prstGeom prst="roundRect">
@@ -9301,19 +9178,17 @@
           </a:prstGeom>
         </p:spPr>
         <p:style>
-          <a:lnRef idx="2">
-            <a:schemeClr val="accent6">
-              <a:shade val="50000"/>
-            </a:schemeClr>
+          <a:lnRef idx="1">
+            <a:schemeClr val="accent1"/>
           </a:lnRef>
-          <a:fillRef idx="1">
-            <a:schemeClr val="accent6"/>
+          <a:fillRef idx="2">
+            <a:schemeClr val="accent1"/>
           </a:fillRef>
-          <a:effectRef idx="0">
-            <a:schemeClr val="accent6"/>
+          <a:effectRef idx="1">
+            <a:schemeClr val="accent1"/>
           </a:effectRef>
           <a:fontRef idx="minor">
-            <a:schemeClr val="lt1"/>
+            <a:schemeClr val="dk1"/>
           </a:fontRef>
         </p:style>
         <p:txBody>
@@ -9332,10 +9207,10 @@
       </p:sp>
       <p:sp>
         <p:nvSpPr>
-          <p:cNvPr id="28" name="사각형: 둥근 모서리 27">
-            <a:extLst>
-              <a:ext uri="{FF2B5EF4-FFF2-40B4-BE49-F238E27FC236}">
-                <a16:creationId xmlns:a16="http://schemas.microsoft.com/office/drawing/2014/main" id="{F6AE6ACF-76D4-65AF-F5A6-A1C409C1CA16}"/>
+          <p:cNvPr id="40" name="사각형: 둥근 모서리 39">
+            <a:extLst>
+              <a:ext uri="{FF2B5EF4-FFF2-40B4-BE49-F238E27FC236}">
+                <a16:creationId xmlns:a16="http://schemas.microsoft.com/office/drawing/2014/main" id="{49EA5170-5B3F-4AF8-A35E-DC162EB4B2E2}"/>
               </a:ext>
             </a:extLst>
           </p:cNvPr>
@@ -9344,7 +9219,7 @@
         </p:nvSpPr>
         <p:spPr>
           <a:xfrm>
-            <a:off x="10337080" y="774825"/>
+            <a:off x="9040475" y="4692522"/>
             <a:ext cx="2852619" cy="545988"/>
           </a:xfrm>
           <a:prstGeom prst="roundRect">
@@ -9406,10 +9281,10 @@
       </p:sp>
       <p:sp>
         <p:nvSpPr>
-          <p:cNvPr id="30" name="사각형: 둥근 모서리 29">
-            <a:extLst>
-              <a:ext uri="{FF2B5EF4-FFF2-40B4-BE49-F238E27FC236}">
-                <a16:creationId xmlns:a16="http://schemas.microsoft.com/office/drawing/2014/main" id="{A5C6FA8D-43ED-7A71-DD0F-0566E719685E}"/>
+          <p:cNvPr id="44" name="사각형: 둥근 모서리 43">
+            <a:extLst>
+              <a:ext uri="{FF2B5EF4-FFF2-40B4-BE49-F238E27FC236}">
+                <a16:creationId xmlns:a16="http://schemas.microsoft.com/office/drawing/2014/main" id="{70F80685-381F-A094-B212-C25D773A5F28}"/>
               </a:ext>
             </a:extLst>
           </p:cNvPr>
@@ -9418,58 +9293,7 @@
         </p:nvSpPr>
         <p:spPr>
           <a:xfrm>
-            <a:off x="9707906" y="774825"/>
-            <a:ext cx="629174" cy="545988"/>
-          </a:xfrm>
-          <a:prstGeom prst="roundRect">
-            <a:avLst/>
-          </a:prstGeom>
-        </p:spPr>
-        <p:style>
-          <a:lnRef idx="2">
-            <a:schemeClr val="accent6">
-              <a:shade val="50000"/>
-            </a:schemeClr>
-          </a:lnRef>
-          <a:fillRef idx="1">
-            <a:schemeClr val="accent6"/>
-          </a:fillRef>
-          <a:effectRef idx="0">
-            <a:schemeClr val="accent6"/>
-          </a:effectRef>
-          <a:fontRef idx="minor">
-            <a:schemeClr val="lt1"/>
-          </a:fontRef>
-        </p:style>
-        <p:txBody>
-          <a:bodyPr rtlCol="0" anchor="ctr"/>
-          <a:lstStyle/>
-          <a:p>
-            <a:pPr algn="ctr"/>
-            <a:endParaRPr lang="ko-KR" altLang="en-US" b="1">
-              <a:solidFill>
-                <a:schemeClr val="tx1"/>
-              </a:solidFill>
-              <a:latin typeface="Comic Sans MS" panose="030F0702030302020204" pitchFamily="66" charset="0"/>
-            </a:endParaRPr>
-          </a:p>
-        </p:txBody>
-      </p:sp>
-      <p:sp>
-        <p:nvSpPr>
-          <p:cNvPr id="32" name="사각형: 둥근 모서리 31">
-            <a:extLst>
-              <a:ext uri="{FF2B5EF4-FFF2-40B4-BE49-F238E27FC236}">
-                <a16:creationId xmlns:a16="http://schemas.microsoft.com/office/drawing/2014/main" id="{918E82F4-969A-16E4-3453-20426DF1D47D}"/>
-              </a:ext>
-            </a:extLst>
-          </p:cNvPr>
-          <p:cNvSpPr/>
-          <p:nvPr/>
-        </p:nvSpPr>
-        <p:spPr>
-          <a:xfrm>
-            <a:off x="9916360" y="4645052"/>
+            <a:off x="10827305" y="6290124"/>
             <a:ext cx="2852619" cy="545988"/>
           </a:xfrm>
           <a:prstGeom prst="roundRect">
@@ -9531,10 +9355,10 @@
       </p:sp>
       <p:sp>
         <p:nvSpPr>
-          <p:cNvPr id="34" name="사각형: 둥근 모서리 33">
-            <a:extLst>
-              <a:ext uri="{FF2B5EF4-FFF2-40B4-BE49-F238E27FC236}">
-                <a16:creationId xmlns:a16="http://schemas.microsoft.com/office/drawing/2014/main" id="{E7DDD59F-C938-3017-A47F-F9BC96EE3211}"/>
+          <p:cNvPr id="46" name="사각형: 둥근 모서리 45">
+            <a:extLst>
+              <a:ext uri="{FF2B5EF4-FFF2-40B4-BE49-F238E27FC236}">
+                <a16:creationId xmlns:a16="http://schemas.microsoft.com/office/drawing/2014/main" id="{10F53AE2-D4FB-3A4E-5193-E253E557A1E9}"/>
               </a:ext>
             </a:extLst>
           </p:cNvPr>
@@ -9543,7 +9367,7 @@
         </p:nvSpPr>
         <p:spPr>
           <a:xfrm>
-            <a:off x="9287186" y="4645052"/>
+            <a:off x="10177685" y="6290124"/>
             <a:ext cx="629174" cy="545988"/>
           </a:xfrm>
           <a:prstGeom prst="roundRect">
@@ -9580,10 +9404,10 @@
       </p:sp>
       <p:sp>
         <p:nvSpPr>
-          <p:cNvPr id="40" name="사각형: 둥근 모서리 39">
-            <a:extLst>
-              <a:ext uri="{FF2B5EF4-FFF2-40B4-BE49-F238E27FC236}">
-                <a16:creationId xmlns:a16="http://schemas.microsoft.com/office/drawing/2014/main" id="{49EA5170-5B3F-4AF8-A35E-DC162EB4B2E2}"/>
+          <p:cNvPr id="48" name="사각형: 둥근 모서리 47">
+            <a:extLst>
+              <a:ext uri="{FF2B5EF4-FFF2-40B4-BE49-F238E27FC236}">
+                <a16:creationId xmlns:a16="http://schemas.microsoft.com/office/drawing/2014/main" id="{509CF338-EB24-DB67-44C8-D58BA105589B}"/>
               </a:ext>
             </a:extLst>
           </p:cNvPr>
@@ -9592,8 +9416,8 @@
         </p:nvSpPr>
         <p:spPr>
           <a:xfrm>
-            <a:off x="9040475" y="4692522"/>
-            <a:ext cx="2852619" cy="545988"/>
+            <a:off x="10464044" y="5753742"/>
+            <a:ext cx="2846664" cy="545988"/>
           </a:xfrm>
           <a:prstGeom prst="roundRect">
             <a:avLst/>
@@ -9654,10 +9478,10 @@
       </p:sp>
       <p:sp>
         <p:nvSpPr>
-          <p:cNvPr id="44" name="사각형: 둥근 모서리 43">
-            <a:extLst>
-              <a:ext uri="{FF2B5EF4-FFF2-40B4-BE49-F238E27FC236}">
-                <a16:creationId xmlns:a16="http://schemas.microsoft.com/office/drawing/2014/main" id="{70F80685-381F-A094-B212-C25D773A5F28}"/>
+          <p:cNvPr id="50" name="사각형: 둥근 모서리 49">
+            <a:extLst>
+              <a:ext uri="{FF2B5EF4-FFF2-40B4-BE49-F238E27FC236}">
+                <a16:creationId xmlns:a16="http://schemas.microsoft.com/office/drawing/2014/main" id="{B1C2839C-33E2-1A7C-8031-980F835F6E6A}"/>
               </a:ext>
             </a:extLst>
           </p:cNvPr>
@@ -9666,7 +9490,58 @@
         </p:nvSpPr>
         <p:spPr>
           <a:xfrm>
-            <a:off x="10827305" y="6290124"/>
+            <a:off x="9828914" y="5753742"/>
+            <a:ext cx="629174" cy="545988"/>
+          </a:xfrm>
+          <a:prstGeom prst="roundRect">
+            <a:avLst/>
+          </a:prstGeom>
+        </p:spPr>
+        <p:style>
+          <a:lnRef idx="2">
+            <a:schemeClr val="accent6">
+              <a:shade val="50000"/>
+            </a:schemeClr>
+          </a:lnRef>
+          <a:fillRef idx="1">
+            <a:schemeClr val="accent6"/>
+          </a:fillRef>
+          <a:effectRef idx="0">
+            <a:schemeClr val="accent6"/>
+          </a:effectRef>
+          <a:fontRef idx="minor">
+            <a:schemeClr val="lt1"/>
+          </a:fontRef>
+        </p:style>
+        <p:txBody>
+          <a:bodyPr rtlCol="0" anchor="ctr"/>
+          <a:lstStyle/>
+          <a:p>
+            <a:pPr algn="ctr"/>
+            <a:endParaRPr lang="ko-KR" altLang="en-US" b="1">
+              <a:solidFill>
+                <a:schemeClr val="tx1"/>
+              </a:solidFill>
+              <a:latin typeface="Comic Sans MS" panose="030F0702030302020204" pitchFamily="66" charset="0"/>
+            </a:endParaRPr>
+          </a:p>
+        </p:txBody>
+      </p:sp>
+      <p:sp>
+        <p:nvSpPr>
+          <p:cNvPr id="52" name="사각형: 둥근 모서리 51">
+            <a:extLst>
+              <a:ext uri="{FF2B5EF4-FFF2-40B4-BE49-F238E27FC236}">
+                <a16:creationId xmlns:a16="http://schemas.microsoft.com/office/drawing/2014/main" id="{BA540B38-5DB8-BF82-6DAD-DA77CA7B3EC6}"/>
+              </a:ext>
+            </a:extLst>
+          </p:cNvPr>
+          <p:cNvSpPr/>
+          <p:nvPr/>
+        </p:nvSpPr>
+        <p:spPr>
+          <a:xfrm>
+            <a:off x="10157193" y="5185160"/>
             <a:ext cx="2852619" cy="545988"/>
           </a:xfrm>
           <a:prstGeom prst="roundRect">
@@ -9728,10 +9603,10 @@
       </p:sp>
       <p:sp>
         <p:nvSpPr>
-          <p:cNvPr id="46" name="사각형: 둥근 모서리 45">
-            <a:extLst>
-              <a:ext uri="{FF2B5EF4-FFF2-40B4-BE49-F238E27FC236}">
-                <a16:creationId xmlns:a16="http://schemas.microsoft.com/office/drawing/2014/main" id="{10F53AE2-D4FB-3A4E-5193-E253E557A1E9}"/>
+          <p:cNvPr id="54" name="사각형: 둥근 모서리 53">
+            <a:extLst>
+              <a:ext uri="{FF2B5EF4-FFF2-40B4-BE49-F238E27FC236}">
+                <a16:creationId xmlns:a16="http://schemas.microsoft.com/office/drawing/2014/main" id="{F3414BE8-A8D6-B105-96E6-E10173577C3B}"/>
               </a:ext>
             </a:extLst>
           </p:cNvPr>
@@ -9740,380 +9615,7 @@
         </p:nvSpPr>
         <p:spPr>
           <a:xfrm>
-            <a:off x="10177685" y="6290124"/>
-            <a:ext cx="629174" cy="545988"/>
-          </a:xfrm>
-          <a:prstGeom prst="roundRect">
-            <a:avLst/>
-          </a:prstGeom>
-        </p:spPr>
-        <p:style>
-          <a:lnRef idx="1">
-            <a:schemeClr val="accent1"/>
-          </a:lnRef>
-          <a:fillRef idx="2">
-            <a:schemeClr val="accent1"/>
-          </a:fillRef>
-          <a:effectRef idx="1">
-            <a:schemeClr val="accent1"/>
-          </a:effectRef>
-          <a:fontRef idx="minor">
-            <a:schemeClr val="dk1"/>
-          </a:fontRef>
-        </p:style>
-        <p:txBody>
-          <a:bodyPr rtlCol="0" anchor="ctr"/>
-          <a:lstStyle/>
-          <a:p>
-            <a:pPr algn="ctr"/>
-            <a:endParaRPr lang="ko-KR" altLang="en-US" b="1">
-              <a:solidFill>
-                <a:schemeClr val="tx1"/>
-              </a:solidFill>
-              <a:latin typeface="Comic Sans MS" panose="030F0702030302020204" pitchFamily="66" charset="0"/>
-            </a:endParaRPr>
-          </a:p>
-        </p:txBody>
-      </p:sp>
-      <p:sp>
-        <p:nvSpPr>
-          <p:cNvPr id="48" name="사각형: 둥근 모서리 47">
-            <a:extLst>
-              <a:ext uri="{FF2B5EF4-FFF2-40B4-BE49-F238E27FC236}">
-                <a16:creationId xmlns:a16="http://schemas.microsoft.com/office/drawing/2014/main" id="{509CF338-EB24-DB67-44C8-D58BA105589B}"/>
-              </a:ext>
-            </a:extLst>
-          </p:cNvPr>
-          <p:cNvSpPr/>
-          <p:nvPr/>
-        </p:nvSpPr>
-        <p:spPr>
-          <a:xfrm>
-            <a:off x="10464044" y="5753742"/>
-            <a:ext cx="2846664" cy="545988"/>
-          </a:xfrm>
-          <a:prstGeom prst="roundRect">
-            <a:avLst/>
-          </a:prstGeom>
-          <a:gradFill flip="none" rotWithShape="1">
-            <a:gsLst>
-              <a:gs pos="0">
-                <a:schemeClr val="dk1">
-                  <a:lumMod val="67000"/>
-                </a:schemeClr>
-              </a:gs>
-              <a:gs pos="48000">
-                <a:schemeClr val="dk1">
-                  <a:lumMod val="97000"/>
-                  <a:lumOff val="3000"/>
-                </a:schemeClr>
-              </a:gs>
-              <a:gs pos="100000">
-                <a:schemeClr val="dk1">
-                  <a:lumMod val="60000"/>
-                  <a:lumOff val="40000"/>
-                </a:schemeClr>
-              </a:gs>
-            </a:gsLst>
-            <a:lin ang="16200000" scaled="1"/>
-            <a:tileRect/>
-          </a:gradFill>
-          <a:ln>
-            <a:noFill/>
-          </a:ln>
-        </p:spPr>
-        <p:style>
-          <a:lnRef idx="0">
-            <a:scrgbClr r="0" g="0" b="0"/>
-          </a:lnRef>
-          <a:fillRef idx="0">
-            <a:scrgbClr r="0" g="0" b="0"/>
-          </a:fillRef>
-          <a:effectRef idx="0">
-            <a:scrgbClr r="0" g="0" b="0"/>
-          </a:effectRef>
-          <a:fontRef idx="minor">
-            <a:schemeClr val="lt1"/>
-          </a:fontRef>
-        </p:style>
-        <p:txBody>
-          <a:bodyPr rtlCol="0" anchor="ctr"/>
-          <a:lstStyle/>
-          <a:p>
-            <a:endParaRPr lang="ko-KR" altLang="en-US" sz="1400">
-              <a:solidFill>
-                <a:schemeClr val="tx1"/>
-              </a:solidFill>
-              <a:latin typeface="Comic Sans MS" panose="030F0702030302020204" pitchFamily="66" charset="0"/>
-            </a:endParaRPr>
-          </a:p>
-        </p:txBody>
-      </p:sp>
-      <p:sp>
-        <p:nvSpPr>
-          <p:cNvPr id="50" name="사각형: 둥근 모서리 49">
-            <a:extLst>
-              <a:ext uri="{FF2B5EF4-FFF2-40B4-BE49-F238E27FC236}">
-                <a16:creationId xmlns:a16="http://schemas.microsoft.com/office/drawing/2014/main" id="{B1C2839C-33E2-1A7C-8031-980F835F6E6A}"/>
-              </a:ext>
-            </a:extLst>
-          </p:cNvPr>
-          <p:cNvSpPr/>
-          <p:nvPr/>
-        </p:nvSpPr>
-        <p:spPr>
-          <a:xfrm>
-            <a:off x="9828914" y="5753742"/>
-            <a:ext cx="629174" cy="545988"/>
-          </a:xfrm>
-          <a:prstGeom prst="roundRect">
-            <a:avLst/>
-          </a:prstGeom>
-        </p:spPr>
-        <p:style>
-          <a:lnRef idx="2">
-            <a:schemeClr val="accent6">
-              <a:shade val="50000"/>
-            </a:schemeClr>
-          </a:lnRef>
-          <a:fillRef idx="1">
-            <a:schemeClr val="accent6"/>
-          </a:fillRef>
-          <a:effectRef idx="0">
-            <a:schemeClr val="accent6"/>
-          </a:effectRef>
-          <a:fontRef idx="minor">
-            <a:schemeClr val="lt1"/>
-          </a:fontRef>
-        </p:style>
-        <p:txBody>
-          <a:bodyPr rtlCol="0" anchor="ctr"/>
-          <a:lstStyle/>
-          <a:p>
-            <a:pPr algn="ctr"/>
-            <a:endParaRPr lang="ko-KR" altLang="en-US" b="1">
-              <a:solidFill>
-                <a:schemeClr val="tx1"/>
-              </a:solidFill>
-              <a:latin typeface="Comic Sans MS" panose="030F0702030302020204" pitchFamily="66" charset="0"/>
-            </a:endParaRPr>
-          </a:p>
-        </p:txBody>
-      </p:sp>
-      <p:sp>
-        <p:nvSpPr>
-          <p:cNvPr id="52" name="사각형: 둥근 모서리 51">
-            <a:extLst>
-              <a:ext uri="{FF2B5EF4-FFF2-40B4-BE49-F238E27FC236}">
-                <a16:creationId xmlns:a16="http://schemas.microsoft.com/office/drawing/2014/main" id="{BA540B38-5DB8-BF82-6DAD-DA77CA7B3EC6}"/>
-              </a:ext>
-            </a:extLst>
-          </p:cNvPr>
-          <p:cNvSpPr/>
-          <p:nvPr/>
-        </p:nvSpPr>
-        <p:spPr>
-          <a:xfrm>
-            <a:off x="10157193" y="5185160"/>
-            <a:ext cx="2852619" cy="545988"/>
-          </a:xfrm>
-          <a:prstGeom prst="roundRect">
-            <a:avLst/>
-          </a:prstGeom>
-          <a:gradFill flip="none" rotWithShape="1">
-            <a:gsLst>
-              <a:gs pos="0">
-                <a:schemeClr val="dk1">
-                  <a:lumMod val="67000"/>
-                </a:schemeClr>
-              </a:gs>
-              <a:gs pos="48000">
-                <a:schemeClr val="dk1">
-                  <a:lumMod val="97000"/>
-                  <a:lumOff val="3000"/>
-                </a:schemeClr>
-              </a:gs>
-              <a:gs pos="100000">
-                <a:schemeClr val="dk1">
-                  <a:lumMod val="60000"/>
-                  <a:lumOff val="40000"/>
-                </a:schemeClr>
-              </a:gs>
-            </a:gsLst>
-            <a:lin ang="16200000" scaled="1"/>
-            <a:tileRect/>
-          </a:gradFill>
-          <a:ln>
-            <a:noFill/>
-          </a:ln>
-        </p:spPr>
-        <p:style>
-          <a:lnRef idx="0">
-            <a:scrgbClr r="0" g="0" b="0"/>
-          </a:lnRef>
-          <a:fillRef idx="0">
-            <a:scrgbClr r="0" g="0" b="0"/>
-          </a:fillRef>
-          <a:effectRef idx="0">
-            <a:scrgbClr r="0" g="0" b="0"/>
-          </a:effectRef>
-          <a:fontRef idx="minor">
-            <a:schemeClr val="lt1"/>
-          </a:fontRef>
-        </p:style>
-        <p:txBody>
-          <a:bodyPr rtlCol="0" anchor="ctr"/>
-          <a:lstStyle/>
-          <a:p>
-            <a:endParaRPr lang="ko-KR" altLang="en-US" sz="1400">
-              <a:solidFill>
-                <a:schemeClr val="tx1"/>
-              </a:solidFill>
-              <a:latin typeface="Comic Sans MS" panose="030F0702030302020204" pitchFamily="66" charset="0"/>
-            </a:endParaRPr>
-          </a:p>
-        </p:txBody>
-      </p:sp>
-      <p:sp>
-        <p:nvSpPr>
-          <p:cNvPr id="54" name="사각형: 둥근 모서리 53">
-            <a:extLst>
-              <a:ext uri="{FF2B5EF4-FFF2-40B4-BE49-F238E27FC236}">
-                <a16:creationId xmlns:a16="http://schemas.microsoft.com/office/drawing/2014/main" id="{F3414BE8-A8D6-B105-96E6-E10173577C3B}"/>
-              </a:ext>
-            </a:extLst>
-          </p:cNvPr>
-          <p:cNvSpPr/>
-          <p:nvPr/>
-        </p:nvSpPr>
-        <p:spPr>
-          <a:xfrm>
             <a:off x="9528019" y="5185160"/>
-            <a:ext cx="629174" cy="545988"/>
-          </a:xfrm>
-          <a:prstGeom prst="roundRect">
-            <a:avLst/>
-          </a:prstGeom>
-        </p:spPr>
-        <p:style>
-          <a:lnRef idx="2">
-            <a:schemeClr val="accent6">
-              <a:shade val="50000"/>
-            </a:schemeClr>
-          </a:lnRef>
-          <a:fillRef idx="1">
-            <a:schemeClr val="accent6"/>
-          </a:fillRef>
-          <a:effectRef idx="0">
-            <a:schemeClr val="accent6"/>
-          </a:effectRef>
-          <a:fontRef idx="minor">
-            <a:schemeClr val="lt1"/>
-          </a:fontRef>
-        </p:style>
-        <p:txBody>
-          <a:bodyPr rtlCol="0" anchor="ctr"/>
-          <a:lstStyle/>
-          <a:p>
-            <a:pPr algn="ctr"/>
-            <a:endParaRPr lang="ko-KR" altLang="en-US" b="1">
-              <a:solidFill>
-                <a:schemeClr val="tx1"/>
-              </a:solidFill>
-              <a:latin typeface="Comic Sans MS" panose="030F0702030302020204" pitchFamily="66" charset="0"/>
-            </a:endParaRPr>
-          </a:p>
-        </p:txBody>
-      </p:sp>
-      <p:sp>
-        <p:nvSpPr>
-          <p:cNvPr id="56" name="사각형: 둥근 모서리 55">
-            <a:extLst>
-              <a:ext uri="{FF2B5EF4-FFF2-40B4-BE49-F238E27FC236}">
-                <a16:creationId xmlns:a16="http://schemas.microsoft.com/office/drawing/2014/main" id="{D64EF5FA-A818-8E6B-201F-95AD62D3BD4E}"/>
-              </a:ext>
-            </a:extLst>
-          </p:cNvPr>
-          <p:cNvSpPr/>
-          <p:nvPr/>
-        </p:nvSpPr>
-        <p:spPr>
-          <a:xfrm>
-            <a:off x="10786367" y="262776"/>
-            <a:ext cx="2852619" cy="545988"/>
-          </a:xfrm>
-          <a:prstGeom prst="roundRect">
-            <a:avLst/>
-          </a:prstGeom>
-          <a:gradFill flip="none" rotWithShape="1">
-            <a:gsLst>
-              <a:gs pos="0">
-                <a:schemeClr val="dk1">
-                  <a:lumMod val="67000"/>
-                </a:schemeClr>
-              </a:gs>
-              <a:gs pos="48000">
-                <a:schemeClr val="dk1">
-                  <a:lumMod val="97000"/>
-                  <a:lumOff val="3000"/>
-                </a:schemeClr>
-              </a:gs>
-              <a:gs pos="100000">
-                <a:schemeClr val="dk1">
-                  <a:lumMod val="60000"/>
-                  <a:lumOff val="40000"/>
-                </a:schemeClr>
-              </a:gs>
-            </a:gsLst>
-            <a:lin ang="16200000" scaled="1"/>
-            <a:tileRect/>
-          </a:gradFill>
-          <a:ln>
-            <a:noFill/>
-          </a:ln>
-        </p:spPr>
-        <p:style>
-          <a:lnRef idx="0">
-            <a:scrgbClr r="0" g="0" b="0"/>
-          </a:lnRef>
-          <a:fillRef idx="0">
-            <a:scrgbClr r="0" g="0" b="0"/>
-          </a:fillRef>
-          <a:effectRef idx="0">
-            <a:scrgbClr r="0" g="0" b="0"/>
-          </a:effectRef>
-          <a:fontRef idx="minor">
-            <a:schemeClr val="lt1"/>
-          </a:fontRef>
-        </p:style>
-        <p:txBody>
-          <a:bodyPr rtlCol="0" anchor="ctr"/>
-          <a:lstStyle/>
-          <a:p>
-            <a:endParaRPr lang="ko-KR" altLang="en-US" sz="1400">
-              <a:solidFill>
-                <a:schemeClr val="tx1"/>
-              </a:solidFill>
-              <a:latin typeface="Comic Sans MS" panose="030F0702030302020204" pitchFamily="66" charset="0"/>
-            </a:endParaRPr>
-          </a:p>
-        </p:txBody>
-      </p:sp>
-      <p:sp>
-        <p:nvSpPr>
-          <p:cNvPr id="58" name="사각형: 둥근 모서리 57">
-            <a:extLst>
-              <a:ext uri="{FF2B5EF4-FFF2-40B4-BE49-F238E27FC236}">
-                <a16:creationId xmlns:a16="http://schemas.microsoft.com/office/drawing/2014/main" id="{04E9D3D4-8BBF-06FC-2297-9FAC91556BB5}"/>
-              </a:ext>
-            </a:extLst>
-          </p:cNvPr>
-          <p:cNvSpPr/>
-          <p:nvPr/>
-        </p:nvSpPr>
-        <p:spPr>
-          <a:xfrm>
-            <a:off x="10157193" y="262776"/>
             <a:ext cx="629174" cy="545988"/>
           </a:xfrm>
           <a:prstGeom prst="roundRect">
@@ -13310,76 +12812,6 @@
               <a:t>background</a:t>
             </a:r>
             <a:endParaRPr lang="ko-KR" altLang="en-US" dirty="0"/>
-          </a:p>
-        </p:txBody>
-      </p:sp>
-      <p:sp>
-        <p:nvSpPr>
-          <p:cNvPr id="4" name="사각형: 둥근 모서리 3">
-            <a:extLst>
-              <a:ext uri="{FF2B5EF4-FFF2-40B4-BE49-F238E27FC236}">
-                <a16:creationId xmlns:a16="http://schemas.microsoft.com/office/drawing/2014/main" id="{E134565F-1A83-EE65-D778-8FB66F214F6E}"/>
-              </a:ext>
-            </a:extLst>
-          </p:cNvPr>
-          <p:cNvSpPr/>
-          <p:nvPr/>
-        </p:nvSpPr>
-        <p:spPr>
-          <a:xfrm rot="10800000" flipV="1">
-            <a:off x="3833515" y="4047740"/>
-            <a:ext cx="2712079" cy="386264"/>
-          </a:xfrm>
-          <a:prstGeom prst="roundRect">
-            <a:avLst>
-              <a:gd name="adj" fmla="val 0"/>
-            </a:avLst>
-          </a:prstGeom>
-          <a:gradFill flip="none" rotWithShape="1">
-            <a:gsLst>
-              <a:gs pos="0">
-                <a:srgbClr val="00B0F0"/>
-              </a:gs>
-              <a:gs pos="100000">
-                <a:schemeClr val="accent5">
-                  <a:lumMod val="20000"/>
-                  <a:lumOff val="80000"/>
-                </a:schemeClr>
-              </a:gs>
-            </a:gsLst>
-            <a:lin ang="10800000" scaled="0"/>
-            <a:tileRect/>
-          </a:gradFill>
-          <a:ln>
-            <a:noFill/>
-          </a:ln>
-        </p:spPr>
-        <p:style>
-          <a:lnRef idx="2">
-            <a:schemeClr val="accent1">
-              <a:shade val="50000"/>
-            </a:schemeClr>
-          </a:lnRef>
-          <a:fillRef idx="1">
-            <a:schemeClr val="accent1"/>
-          </a:fillRef>
-          <a:effectRef idx="0">
-            <a:schemeClr val="accent1"/>
-          </a:effectRef>
-          <a:fontRef idx="minor">
-            <a:schemeClr val="lt1"/>
-          </a:fontRef>
-        </p:style>
-        <p:txBody>
-          <a:bodyPr rtlCol="0" anchor="ctr"/>
-          <a:lstStyle/>
-          <a:p>
-            <a:endParaRPr lang="ko-KR" altLang="en-US" sz="1400" dirty="0">
-              <a:solidFill>
-                <a:schemeClr val="bg1"/>
-              </a:solidFill>
-              <a:latin typeface="Comic Sans MS" panose="030F0702030302020204" pitchFamily="66" charset="0"/>
-            </a:endParaRPr>
           </a:p>
         </p:txBody>
       </p:sp>
@@ -14029,50 +13461,308 @@
           </a:p>
         </p:txBody>
       </p:sp>
-    </p:spTree>
-    <p:extLst>
-      <p:ext uri="{BB962C8B-B14F-4D97-AF65-F5344CB8AC3E}">
-        <p14:creationId xmlns:p14="http://schemas.microsoft.com/office/powerpoint/2010/main" val="1486549801"/>
-      </p:ext>
-    </p:extLst>
-  </p:cSld>
-  <p:clrMapOvr>
-    <a:masterClrMapping/>
-  </p:clrMapOvr>
-</p:sld>
-</file>
-
-<file path=ppt/slides/slide4.xml><?xml version="1.0" encoding="utf-8"?>
-<p:sld xmlns:a="http://schemas.openxmlformats.org/drawingml/2006/main" xmlns:r="http://schemas.openxmlformats.org/officeDocument/2006/relationships" xmlns:p="http://schemas.openxmlformats.org/presentationml/2006/main">
-  <p:cSld>
-    <p:bg>
-      <p:bgPr>
-        <a:solidFill>
-          <a:schemeClr val="accent6"/>
-        </a:solidFill>
-        <a:effectLst/>
-      </p:bgPr>
-    </p:bg>
-    <p:spTree>
-      <p:nvGrpSpPr>
-        <p:cNvPr id="1" name=""/>
-        <p:cNvGrpSpPr/>
-        <p:nvPr/>
-      </p:nvGrpSpPr>
-      <p:grpSpPr>
-        <a:xfrm>
-          <a:off x="0" y="0"/>
-          <a:ext cx="0" cy="0"/>
-          <a:chOff x="0" y="0"/>
-          <a:chExt cx="0" cy="0"/>
-        </a:xfrm>
-      </p:grpSpPr>
-      <p:sp>
-        <p:nvSpPr>
-          <p:cNvPr id="2" name="직사각형 1">
-            <a:extLst>
-              <a:ext uri="{FF2B5EF4-FFF2-40B4-BE49-F238E27FC236}">
-                <a16:creationId xmlns:a16="http://schemas.microsoft.com/office/drawing/2014/main" id="{9DB0BDFE-2EE3-767F-7539-3D5234FC7869}"/>
+      <p:sp>
+        <p:nvSpPr>
+          <p:cNvPr id="3" name="TextBox 2">
+            <a:extLst>
+              <a:ext uri="{FF2B5EF4-FFF2-40B4-BE49-F238E27FC236}">
+                <a16:creationId xmlns:a16="http://schemas.microsoft.com/office/drawing/2014/main" id="{CCDEA602-9EF9-F552-0EEC-D254DBE7C5E8}"/>
+              </a:ext>
+            </a:extLst>
+          </p:cNvPr>
+          <p:cNvSpPr txBox="1"/>
+          <p:nvPr/>
+        </p:nvSpPr>
+        <p:spPr>
+          <a:xfrm>
+            <a:off x="4677169" y="1358279"/>
+            <a:ext cx="2492862" cy="646331"/>
+          </a:xfrm>
+          <a:prstGeom prst="rect">
+            <a:avLst/>
+          </a:prstGeom>
+          <a:noFill/>
+        </p:spPr>
+        <p:txBody>
+          <a:bodyPr wrap="none" rtlCol="0">
+            <a:spAutoFit/>
+          </a:bodyPr>
+          <a:lstStyle/>
+          <a:p>
+            <a:pPr algn="ctr"/>
+            <a:r>
+              <a:rPr lang="en-US" altLang="ko-KR"/>
+              <a:t>ChartBoardBox</a:t>
+            </a:r>
+          </a:p>
+          <a:p>
+            <a:pPr algn="ctr"/>
+            <a:r>
+              <a:rPr lang="en-US" altLang="ko-KR"/>
+              <a:t>(stands for signboard)</a:t>
+            </a:r>
+            <a:endParaRPr lang="ko-KR" altLang="en-US"/>
+          </a:p>
+        </p:txBody>
+      </p:sp>
+      <p:sp>
+        <p:nvSpPr>
+          <p:cNvPr id="7" name="TextBox 6">
+            <a:extLst>
+              <a:ext uri="{FF2B5EF4-FFF2-40B4-BE49-F238E27FC236}">
+                <a16:creationId xmlns:a16="http://schemas.microsoft.com/office/drawing/2014/main" id="{73C13118-1AA2-E6F5-9548-4706B67A4047}"/>
+              </a:ext>
+            </a:extLst>
+          </p:cNvPr>
+          <p:cNvSpPr txBox="1"/>
+          <p:nvPr/>
+        </p:nvSpPr>
+        <p:spPr>
+          <a:xfrm>
+            <a:off x="5371683" y="5842070"/>
+            <a:ext cx="1173911" cy="369332"/>
+          </a:xfrm>
+          <a:prstGeom prst="rect">
+            <a:avLst/>
+          </a:prstGeom>
+          <a:noFill/>
+        </p:spPr>
+        <p:txBody>
+          <a:bodyPr wrap="none" rtlCol="0">
+            <a:spAutoFit/>
+          </a:bodyPr>
+          <a:lstStyle/>
+          <a:p>
+            <a:r>
+              <a:rPr lang="en-US" altLang="ko-KR"/>
+              <a:t>ModeBox</a:t>
+            </a:r>
+            <a:endParaRPr lang="ko-KR" altLang="en-US"/>
+          </a:p>
+        </p:txBody>
+      </p:sp>
+      <p:sp>
+        <p:nvSpPr>
+          <p:cNvPr id="11" name="TextBox 10">
+            <a:extLst>
+              <a:ext uri="{FF2B5EF4-FFF2-40B4-BE49-F238E27FC236}">
+                <a16:creationId xmlns:a16="http://schemas.microsoft.com/office/drawing/2014/main" id="{37236753-C304-2CC7-763F-9FC04A04BB25}"/>
+              </a:ext>
+            </a:extLst>
+          </p:cNvPr>
+          <p:cNvSpPr txBox="1"/>
+          <p:nvPr/>
+        </p:nvSpPr>
+        <p:spPr>
+          <a:xfrm>
+            <a:off x="6884354" y="5865363"/>
+            <a:ext cx="1383905" cy="369332"/>
+          </a:xfrm>
+          <a:prstGeom prst="rect">
+            <a:avLst/>
+          </a:prstGeom>
+          <a:noFill/>
+        </p:spPr>
+        <p:txBody>
+          <a:bodyPr wrap="none" rtlCol="0">
+            <a:spAutoFit/>
+          </a:bodyPr>
+          <a:lstStyle/>
+          <a:p>
+            <a:r>
+              <a:rPr lang="en-US" altLang="ko-KR"/>
+              <a:t>OptionsBox</a:t>
+            </a:r>
+            <a:endParaRPr lang="ko-KR" altLang="en-US"/>
+          </a:p>
+        </p:txBody>
+      </p:sp>
+      <p:sp>
+        <p:nvSpPr>
+          <p:cNvPr id="14" name="TextBox 13">
+            <a:extLst>
+              <a:ext uri="{FF2B5EF4-FFF2-40B4-BE49-F238E27FC236}">
+                <a16:creationId xmlns:a16="http://schemas.microsoft.com/office/drawing/2014/main" id="{F9D79388-2F90-711A-CBCF-14FD56FBEECD}"/>
+              </a:ext>
+            </a:extLst>
+          </p:cNvPr>
+          <p:cNvSpPr txBox="1"/>
+          <p:nvPr/>
+        </p:nvSpPr>
+        <p:spPr>
+          <a:xfrm>
+            <a:off x="3800790" y="5858799"/>
+            <a:ext cx="1149867" cy="369332"/>
+          </a:xfrm>
+          <a:prstGeom prst="rect">
+            <a:avLst/>
+          </a:prstGeom>
+          <a:noFill/>
+        </p:spPr>
+        <p:txBody>
+          <a:bodyPr wrap="none" rtlCol="0">
+            <a:spAutoFit/>
+          </a:bodyPr>
+          <a:lstStyle/>
+          <a:p>
+            <a:r>
+              <a:rPr lang="en-US" altLang="ko-KR"/>
+              <a:t>ModsBox</a:t>
+            </a:r>
+            <a:endParaRPr lang="ko-KR" altLang="en-US"/>
+          </a:p>
+        </p:txBody>
+      </p:sp>
+      <p:sp>
+        <p:nvSpPr>
+          <p:cNvPr id="21" name="TextBox 20">
+            <a:extLst>
+              <a:ext uri="{FF2B5EF4-FFF2-40B4-BE49-F238E27FC236}">
+                <a16:creationId xmlns:a16="http://schemas.microsoft.com/office/drawing/2014/main" id="{3F62E0AD-BB6F-29A0-552B-28F963F48DE1}"/>
+              </a:ext>
+            </a:extLst>
+          </p:cNvPr>
+          <p:cNvSpPr txBox="1"/>
+          <p:nvPr/>
+        </p:nvSpPr>
+        <p:spPr>
+          <a:xfrm>
+            <a:off x="5238584" y="4206064"/>
+            <a:ext cx="1597617" cy="369332"/>
+          </a:xfrm>
+          <a:prstGeom prst="rect">
+            <a:avLst/>
+          </a:prstGeom>
+          <a:noFill/>
+        </p:spPr>
+        <p:txBody>
+          <a:bodyPr wrap="none" rtlCol="0">
+            <a:spAutoFit/>
+          </a:bodyPr>
+          <a:lstStyle/>
+          <a:p>
+            <a:r>
+              <a:rPr lang="en-US" altLang="ko-KR"/>
+              <a:t>ChartItemBox</a:t>
+            </a:r>
+            <a:endParaRPr lang="ko-KR" altLang="en-US"/>
+          </a:p>
+        </p:txBody>
+      </p:sp>
+      <p:sp>
+        <p:nvSpPr>
+          <p:cNvPr id="29" name="TextBox 28">
+            <a:extLst>
+              <a:ext uri="{FF2B5EF4-FFF2-40B4-BE49-F238E27FC236}">
+                <a16:creationId xmlns:a16="http://schemas.microsoft.com/office/drawing/2014/main" id="{6B0FD172-1CD0-5CDE-E1ED-A0F6C8EDF7BF}"/>
+              </a:ext>
+            </a:extLst>
+          </p:cNvPr>
+          <p:cNvSpPr txBox="1"/>
+          <p:nvPr/>
+        </p:nvSpPr>
+        <p:spPr>
+          <a:xfrm>
+            <a:off x="3741650" y="4601920"/>
+            <a:ext cx="1654171" cy="369332"/>
+          </a:xfrm>
+          <a:prstGeom prst="rect">
+            <a:avLst/>
+          </a:prstGeom>
+          <a:noFill/>
+        </p:spPr>
+        <p:txBody>
+          <a:bodyPr wrap="none" rtlCol="0">
+            <a:spAutoFit/>
+          </a:bodyPr>
+          <a:lstStyle/>
+          <a:p>
+            <a:r>
+              <a:rPr lang="en-US" altLang="ko-KR"/>
+              <a:t>ChartLevelBox</a:t>
+            </a:r>
+            <a:endParaRPr lang="ko-KR" altLang="en-US"/>
+          </a:p>
+        </p:txBody>
+      </p:sp>
+      <p:sp>
+        <p:nvSpPr>
+          <p:cNvPr id="35" name="TextBox 34">
+            <a:extLst>
+              <a:ext uri="{FF2B5EF4-FFF2-40B4-BE49-F238E27FC236}">
+                <a16:creationId xmlns:a16="http://schemas.microsoft.com/office/drawing/2014/main" id="{86911E1E-7DCA-B3EB-6C39-7F908CECF9DB}"/>
+              </a:ext>
+            </a:extLst>
+          </p:cNvPr>
+          <p:cNvSpPr txBox="1"/>
+          <p:nvPr/>
+        </p:nvSpPr>
+        <p:spPr>
+          <a:xfrm>
+            <a:off x="5268881" y="4601346"/>
+            <a:ext cx="1538563" cy="369332"/>
+          </a:xfrm>
+          <a:prstGeom prst="rect">
+            <a:avLst/>
+          </a:prstGeom>
+          <a:noFill/>
+        </p:spPr>
+        <p:txBody>
+          <a:bodyPr wrap="none" rtlCol="0">
+            <a:spAutoFit/>
+          </a:bodyPr>
+          <a:lstStyle/>
+          <a:p>
+            <a:r>
+              <a:rPr lang="en-US" altLang="ko-KR"/>
+              <a:t>ChartTextBox</a:t>
+            </a:r>
+            <a:endParaRPr lang="ko-KR" altLang="en-US"/>
+          </a:p>
+        </p:txBody>
+      </p:sp>
+      <p:sp>
+        <p:nvSpPr>
+          <p:cNvPr id="37" name="TextBox 36">
+            <a:extLst>
+              <a:ext uri="{FF2B5EF4-FFF2-40B4-BE49-F238E27FC236}">
+                <a16:creationId xmlns:a16="http://schemas.microsoft.com/office/drawing/2014/main" id="{6E23B148-7F37-7E1D-BCE3-CE06B209E543}"/>
+              </a:ext>
+            </a:extLst>
+          </p:cNvPr>
+          <p:cNvSpPr txBox="1"/>
+          <p:nvPr/>
+        </p:nvSpPr>
+        <p:spPr>
+          <a:xfrm>
+            <a:off x="6680688" y="4601346"/>
+            <a:ext cx="1700466" cy="369332"/>
+          </a:xfrm>
+          <a:prstGeom prst="rect">
+            <a:avLst/>
+          </a:prstGeom>
+          <a:noFill/>
+        </p:spPr>
+        <p:txBody>
+          <a:bodyPr wrap="none" rtlCol="0">
+            <a:spAutoFit/>
+          </a:bodyPr>
+          <a:lstStyle/>
+          <a:p>
+            <a:r>
+              <a:rPr lang="en-US" altLang="ko-KR"/>
+              <a:t>ShortScoreBox</a:t>
+            </a:r>
+            <a:endParaRPr lang="ko-KR" altLang="en-US"/>
+          </a:p>
+        </p:txBody>
+      </p:sp>
+      <p:sp>
+        <p:nvSpPr>
+          <p:cNvPr id="39" name="사각형: 둥근 모서리 38">
+            <a:extLst>
+              <a:ext uri="{FF2B5EF4-FFF2-40B4-BE49-F238E27FC236}">
+                <a16:creationId xmlns:a16="http://schemas.microsoft.com/office/drawing/2014/main" id="{47BCCF1F-11D7-C630-4239-257670A8BAC1}"/>
               </a:ext>
             </a:extLst>
           </p:cNvPr>
@@ -14081,12 +13771,33 @@
         </p:nvSpPr>
         <p:spPr>
           <a:xfrm>
-            <a:off x="3435208" y="277090"/>
-            <a:ext cx="5022966" cy="969818"/>
-          </a:xfrm>
-          <a:prstGeom prst="rect">
-            <a:avLst/>
-          </a:prstGeom>
+            <a:off x="4256371" y="4958657"/>
+            <a:ext cx="3840135" cy="541064"/>
+          </a:xfrm>
+          <a:prstGeom prst="roundRect">
+            <a:avLst>
+              <a:gd name="adj" fmla="val 0"/>
+            </a:avLst>
+          </a:prstGeom>
+          <a:gradFill flip="none" rotWithShape="1">
+            <a:gsLst>
+              <a:gs pos="0">
+                <a:srgbClr val="808080">
+                  <a:alpha val="89804"/>
+                </a:srgbClr>
+              </a:gs>
+              <a:gs pos="100000">
+                <a:srgbClr val="E0E0E0">
+                  <a:alpha val="89804"/>
+                </a:srgbClr>
+              </a:gs>
+            </a:gsLst>
+            <a:lin ang="0" scaled="0"/>
+            <a:tileRect/>
+          </a:gradFill>
+          <a:ln>
+            <a:noFill/>
+          </a:ln>
         </p:spPr>
         <p:style>
           <a:lnRef idx="2">
@@ -14108,9 +13819,92 @@
           <a:bodyPr rtlCol="0" anchor="ctr"/>
           <a:lstStyle/>
           <a:p>
-            <a:pPr algn="ctr"/>
-            <a:r>
-              <a:rPr lang="en-US" altLang="ko-KR" sz="1400" dirty="0" err="1">
+            <a:endParaRPr lang="ko-KR" altLang="en-US" sz="1800" dirty="0">
+              <a:solidFill>
+                <a:schemeClr val="bg1"/>
+              </a:solidFill>
+              <a:latin typeface="Comic Sans MS" panose="030F0702030302020204" pitchFamily="66" charset="0"/>
+            </a:endParaRPr>
+          </a:p>
+        </p:txBody>
+      </p:sp>
+      <p:pic>
+        <p:nvPicPr>
+          <p:cNvPr id="42" name="그림 41">
+            <a:extLst>
+              <a:ext uri="{FF2B5EF4-FFF2-40B4-BE49-F238E27FC236}">
+                <a16:creationId xmlns:a16="http://schemas.microsoft.com/office/drawing/2014/main" id="{D922BFED-E58E-3C33-F66A-0486ACB23E48}"/>
+              </a:ext>
+            </a:extLst>
+          </p:cNvPr>
+          <p:cNvPicPr>
+            <a:picLocks noChangeAspect="1"/>
+          </p:cNvPicPr>
+          <p:nvPr/>
+        </p:nvPicPr>
+        <p:blipFill>
+          <a:blip r:embed="rId8">
+            <a:extLst>
+              <a:ext uri="{28A0092B-C50C-407E-A947-70E740481C1C}">
+                <a14:useLocalDpi xmlns:a14="http://schemas.microsoft.com/office/drawing/2010/main" val="0"/>
+              </a:ext>
+            </a:extLst>
+          </a:blip>
+          <a:stretch>
+            <a:fillRect/>
+          </a:stretch>
+        </p:blipFill>
+        <p:spPr>
+          <a:xfrm>
+            <a:off x="4255791" y="4944882"/>
+            <a:ext cx="563440" cy="563440"/>
+          </a:xfrm>
+          <a:prstGeom prst="rect">
+            <a:avLst/>
+          </a:prstGeom>
+        </p:spPr>
+      </p:pic>
+      <p:sp>
+        <p:nvSpPr>
+          <p:cNvPr id="45" name="TextBox 44">
+            <a:extLst>
+              <a:ext uri="{FF2B5EF4-FFF2-40B4-BE49-F238E27FC236}">
+                <a16:creationId xmlns:a16="http://schemas.microsoft.com/office/drawing/2014/main" id="{32286A67-6E46-34E8-2261-0A9A23C4A3E7}"/>
+              </a:ext>
+            </a:extLst>
+          </p:cNvPr>
+          <p:cNvSpPr txBox="1"/>
+          <p:nvPr/>
+        </p:nvSpPr>
+        <p:spPr>
+          <a:xfrm>
+            <a:off x="4744470" y="4920168"/>
+            <a:ext cx="2055371" cy="646331"/>
+          </a:xfrm>
+          <a:prstGeom prst="rect">
+            <a:avLst/>
+          </a:prstGeom>
+          <a:noFill/>
+        </p:spPr>
+        <p:txBody>
+          <a:bodyPr wrap="none" rtlCol="0">
+            <a:spAutoFit/>
+          </a:bodyPr>
+          <a:lstStyle/>
+          <a:p>
+            <a:r>
+              <a:rPr lang="en-US" altLang="ko-KR" sz="1800" dirty="0">
+                <a:solidFill>
+                  <a:schemeClr val="bg1"/>
+                </a:solidFill>
+                <a:latin typeface="Comic Sans MS" panose="030F0702030302020204" pitchFamily="66" charset="0"/>
+              </a:rPr>
+              <a:t>Renatus [Normal]</a:t>
+            </a:r>
+          </a:p>
+          <a:p>
+            <a:r>
+              <a:rPr lang="en-US" altLang="ko-KR" sz="1800" dirty="0" err="1">
                 <a:solidFill>
                   <a:schemeClr val="bg1"/>
                 </a:solidFill>
@@ -14118,33 +13912,6 @@
               </a:rPr>
               <a:t>Soliely</a:t>
             </a:r>
-            <a:endParaRPr lang="en-US" altLang="ko-KR" sz="1800" dirty="0">
-              <a:solidFill>
-                <a:schemeClr val="bg1"/>
-              </a:solidFill>
-              <a:latin typeface="Comic Sans MS" panose="030F0702030302020204" pitchFamily="66" charset="0"/>
-            </a:endParaRPr>
-          </a:p>
-          <a:p>
-            <a:pPr algn="ctr"/>
-            <a:r>
-              <a:rPr lang="en-US" altLang="ko-KR" sz="2000" dirty="0">
-                <a:solidFill>
-                  <a:schemeClr val="bg1"/>
-                </a:solidFill>
-                <a:latin typeface="Comic Sans MS" panose="030F0702030302020204" pitchFamily="66" charset="0"/>
-              </a:rPr>
-              <a:t>Renatus</a:t>
-            </a:r>
-            <a:endParaRPr lang="en-US" altLang="ko-KR" sz="1800" dirty="0">
-              <a:solidFill>
-                <a:schemeClr val="bg1"/>
-              </a:solidFill>
-              <a:latin typeface="Comic Sans MS" panose="030F0702030302020204" pitchFamily="66" charset="0"/>
-            </a:endParaRPr>
-          </a:p>
-          <a:p>
-            <a:pPr algn="ctr"/>
             <a:r>
               <a:rPr lang="en-US" altLang="ko-KR" sz="1800" dirty="0">
                 <a:solidFill>
@@ -14152,15 +13919,256 @@
                 </a:solidFill>
                 <a:latin typeface="Comic Sans MS" panose="030F0702030302020204" pitchFamily="66" charset="0"/>
               </a:rPr>
-              <a:t>Normal</a:t>
-            </a:r>
+              <a:t> / </a:t>
+            </a:r>
+            <a:r>
+              <a:rPr lang="en-US" altLang="ko-KR" sz="1800" dirty="0" err="1">
+                <a:solidFill>
+                  <a:schemeClr val="bg1"/>
+                </a:solidFill>
+                <a:latin typeface="Comic Sans MS" panose="030F0702030302020204" pitchFamily="66" charset="0"/>
+              </a:rPr>
+              <a:t>Gamu</a:t>
+            </a:r>
+            <a:endParaRPr lang="ko-KR" altLang="en-US" sz="1800" dirty="0">
+              <a:solidFill>
+                <a:schemeClr val="bg1"/>
+              </a:solidFill>
+              <a:latin typeface="Comic Sans MS" panose="030F0702030302020204" pitchFamily="66" charset="0"/>
+            </a:endParaRPr>
+          </a:p>
+        </p:txBody>
+      </p:sp>
+      <p:sp>
+        <p:nvSpPr>
+          <p:cNvPr id="49" name="TextBox 48">
+            <a:extLst>
+              <a:ext uri="{FF2B5EF4-FFF2-40B4-BE49-F238E27FC236}">
+                <a16:creationId xmlns:a16="http://schemas.microsoft.com/office/drawing/2014/main" id="{921B3041-0A35-1200-BD70-EB761F595AA6}"/>
+              </a:ext>
+            </a:extLst>
+          </p:cNvPr>
+          <p:cNvSpPr txBox="1"/>
+          <p:nvPr/>
+        </p:nvSpPr>
+        <p:spPr>
+          <a:xfrm>
+            <a:off x="4333529" y="5041936"/>
+            <a:ext cx="429926" cy="369332"/>
+          </a:xfrm>
+          <a:prstGeom prst="rect">
+            <a:avLst/>
+          </a:prstGeom>
+          <a:noFill/>
+        </p:spPr>
+        <p:txBody>
+          <a:bodyPr wrap="none" rtlCol="0">
+            <a:spAutoFit/>
+          </a:bodyPr>
+          <a:lstStyle/>
+          <a:p>
+            <a:r>
+              <a:rPr lang="en-US" altLang="ko-KR" sz="1800" dirty="0">
+                <a:solidFill>
+                  <a:schemeClr val="bg1"/>
+                </a:solidFill>
+                <a:latin typeface="Comic Sans MS" panose="030F0702030302020204" pitchFamily="66" charset="0"/>
+              </a:rPr>
+              <a:t>16</a:t>
+            </a:r>
+            <a:endParaRPr lang="ko-KR" altLang="en-US" sz="1800" dirty="0">
+              <a:solidFill>
+                <a:schemeClr val="bg1"/>
+              </a:solidFill>
+              <a:latin typeface="Comic Sans MS" panose="030F0702030302020204" pitchFamily="66" charset="0"/>
+            </a:endParaRPr>
+          </a:p>
+        </p:txBody>
+      </p:sp>
+      <p:sp>
+        <p:nvSpPr>
+          <p:cNvPr id="53" name="사각형: 둥근 모서리 52">
+            <a:extLst>
+              <a:ext uri="{FF2B5EF4-FFF2-40B4-BE49-F238E27FC236}">
+                <a16:creationId xmlns:a16="http://schemas.microsoft.com/office/drawing/2014/main" id="{A9892E02-3D6A-41A7-1B08-30D9A24B7674}"/>
+              </a:ext>
+            </a:extLst>
+          </p:cNvPr>
+          <p:cNvSpPr/>
+          <p:nvPr/>
+        </p:nvSpPr>
+        <p:spPr>
+          <a:xfrm>
+            <a:off x="7277927" y="4996628"/>
+            <a:ext cx="855892" cy="545988"/>
+          </a:xfrm>
+          <a:prstGeom prst="roundRect">
+            <a:avLst/>
+          </a:prstGeom>
+          <a:solidFill>
+            <a:srgbClr val="DDDDDD">
+              <a:alpha val="27843"/>
+            </a:srgbClr>
+          </a:solidFill>
+          <a:ln>
+            <a:noFill/>
+          </a:ln>
+        </p:spPr>
+        <p:style>
+          <a:lnRef idx="0">
+            <a:scrgbClr r="0" g="0" b="0"/>
+          </a:lnRef>
+          <a:fillRef idx="0">
+            <a:scrgbClr r="0" g="0" b="0"/>
+          </a:fillRef>
+          <a:effectRef idx="0">
+            <a:scrgbClr r="0" g="0" b="0"/>
+          </a:effectRef>
+          <a:fontRef idx="minor">
+            <a:schemeClr val="lt1"/>
+          </a:fontRef>
+        </p:style>
+        <p:txBody>
+          <a:bodyPr rtlCol="0" anchor="ctr"/>
+          <a:lstStyle/>
+          <a:p>
+            <a:pPr algn="r"/>
+            <a:r>
+              <a:rPr lang="en-US" altLang="ko-KR" sz="1400" dirty="0">
+                <a:solidFill>
+                  <a:schemeClr val="tx1"/>
+                </a:solidFill>
+                <a:latin typeface="Comic Sans MS" panose="030F0702030302020204" pitchFamily="66" charset="0"/>
+              </a:rPr>
+              <a:t>1098</a:t>
+            </a:r>
+          </a:p>
+          <a:p>
+            <a:pPr algn="r"/>
+            <a:r>
+              <a:rPr lang="en-US" altLang="ko-KR" sz="1400" dirty="0">
+                <a:solidFill>
+                  <a:schemeClr val="tx1"/>
+                </a:solidFill>
+                <a:latin typeface="Comic Sans MS" panose="030F0702030302020204" pitchFamily="66" charset="0"/>
+              </a:rPr>
+              <a:t>-52</a:t>
+            </a:r>
+          </a:p>
+        </p:txBody>
+      </p:sp>
+      <p:sp>
+        <p:nvSpPr>
+          <p:cNvPr id="57" name="TextBox 56">
+            <a:extLst>
+              <a:ext uri="{FF2B5EF4-FFF2-40B4-BE49-F238E27FC236}">
+                <a16:creationId xmlns:a16="http://schemas.microsoft.com/office/drawing/2014/main" id="{27609FC5-C831-9D80-9D7E-DF3D27BAF3F8}"/>
+              </a:ext>
+            </a:extLst>
+          </p:cNvPr>
+          <p:cNvSpPr txBox="1"/>
+          <p:nvPr/>
+        </p:nvSpPr>
+        <p:spPr>
+          <a:xfrm>
+            <a:off x="9648074" y="344500"/>
+            <a:ext cx="1250792" cy="369332"/>
+          </a:xfrm>
+          <a:prstGeom prst="rect">
+            <a:avLst/>
+          </a:prstGeom>
+          <a:noFill/>
+        </p:spPr>
+        <p:txBody>
+          <a:bodyPr wrap="none" rtlCol="0">
+            <a:spAutoFit/>
+          </a:bodyPr>
+          <a:lstStyle/>
+          <a:p>
+            <a:r>
+              <a:rPr lang="en-US" altLang="ko-KR"/>
+              <a:t>SearchBox</a:t>
+            </a:r>
+            <a:endParaRPr lang="ko-KR" altLang="en-US"/>
+          </a:p>
+        </p:txBody>
+      </p:sp>
+      <p:sp>
+        <p:nvSpPr>
+          <p:cNvPr id="60" name="TextBox 59">
+            <a:extLst>
+              <a:ext uri="{FF2B5EF4-FFF2-40B4-BE49-F238E27FC236}">
+                <a16:creationId xmlns:a16="http://schemas.microsoft.com/office/drawing/2014/main" id="{DDF6E02A-69EB-0DB9-4475-C2D0754A2BD6}"/>
+              </a:ext>
+            </a:extLst>
+          </p:cNvPr>
+          <p:cNvSpPr txBox="1"/>
+          <p:nvPr/>
+        </p:nvSpPr>
+        <p:spPr>
+          <a:xfrm>
+            <a:off x="3800790" y="2679426"/>
+            <a:ext cx="1436740" cy="369332"/>
+          </a:xfrm>
+          <a:prstGeom prst="rect">
+            <a:avLst/>
+          </a:prstGeom>
+          <a:noFill/>
+        </p:spPr>
+        <p:txBody>
+          <a:bodyPr wrap="none" rtlCol="0">
+            <a:spAutoFit/>
+          </a:bodyPr>
+          <a:lstStyle/>
+          <a:p>
+            <a:r>
+              <a:rPr lang="en-US" altLang="ko-KR"/>
+              <a:t>UserTextBox</a:t>
+            </a:r>
+            <a:endParaRPr lang="ko-KR" altLang="en-US"/>
+          </a:p>
+        </p:txBody>
+      </p:sp>
+      <p:sp>
+        <p:nvSpPr>
+          <p:cNvPr id="62" name="TextBox 61">
+            <a:extLst>
+              <a:ext uri="{FF2B5EF4-FFF2-40B4-BE49-F238E27FC236}">
+                <a16:creationId xmlns:a16="http://schemas.microsoft.com/office/drawing/2014/main" id="{D8EA9EF7-0237-E9EC-8520-E186DCB19C4E}"/>
+              </a:ext>
+            </a:extLst>
+          </p:cNvPr>
+          <p:cNvSpPr txBox="1"/>
+          <p:nvPr/>
+        </p:nvSpPr>
+        <p:spPr>
+          <a:xfrm>
+            <a:off x="3800790" y="2308131"/>
+            <a:ext cx="1436740" cy="369332"/>
+          </a:xfrm>
+          <a:prstGeom prst="rect">
+            <a:avLst/>
+          </a:prstGeom>
+          <a:noFill/>
+        </p:spPr>
+        <p:txBody>
+          <a:bodyPr wrap="none" rtlCol="0">
+            <a:spAutoFit/>
+          </a:bodyPr>
+          <a:lstStyle/>
+          <a:p>
+            <a:r>
+              <a:rPr lang="en-US" altLang="ko-KR"/>
+              <a:t>UserTextBox</a:t>
+            </a:r>
+            <a:endParaRPr lang="ko-KR" altLang="en-US"/>
           </a:p>
         </p:txBody>
       </p:sp>
     </p:spTree>
     <p:extLst>
       <p:ext uri="{BB962C8B-B14F-4D97-AF65-F5344CB8AC3E}">
-        <p14:creationId xmlns:p14="http://schemas.microsoft.com/office/powerpoint/2010/main" val="515698349"/>
+        <p14:creationId xmlns:p14="http://schemas.microsoft.com/office/powerpoint/2010/main" val="1486549801"/>
       </p:ext>
     </p:extLst>
   </p:cSld>
@@ -14170,7 +14178,7 @@
 </p:sld>
 </file>
 
-<file path=ppt/slides/slide5.xml><?xml version="1.0" encoding="utf-8"?>
+<file path=ppt/slides/slide4.xml><?xml version="1.0" encoding="utf-8"?>
 <p:sld xmlns:a="http://schemas.openxmlformats.org/drawingml/2006/main" xmlns:r="http://schemas.openxmlformats.org/officeDocument/2006/relationships" xmlns:p="http://schemas.openxmlformats.org/presentationml/2006/main">
   <p:cSld>
     <p:bg>
@@ -15074,7 +15082,7 @@
 </p:sld>
 </file>
 
-<file path=ppt/slides/slide6.xml><?xml version="1.0" encoding="utf-8"?>
+<file path=ppt/slides/slide5.xml><?xml version="1.0" encoding="utf-8"?>
 <p:sld xmlns:a="http://schemas.openxmlformats.org/drawingml/2006/main" xmlns:r="http://schemas.openxmlformats.org/officeDocument/2006/relationships" xmlns:p="http://schemas.openxmlformats.org/presentationml/2006/main">
   <p:cSld>
     <p:spTree>
@@ -15275,6 +15283,76 @@
           </a:p>
         </p:txBody>
       </p:sp>
+      <p:sp>
+        <p:nvSpPr>
+          <p:cNvPr id="6" name="사각형: 둥근 모서리 5">
+            <a:extLst>
+              <a:ext uri="{FF2B5EF4-FFF2-40B4-BE49-F238E27FC236}">
+                <a16:creationId xmlns:a16="http://schemas.microsoft.com/office/drawing/2014/main" id="{013D4047-2FD7-142E-EB71-CD604281F6F6}"/>
+              </a:ext>
+            </a:extLst>
+          </p:cNvPr>
+          <p:cNvSpPr/>
+          <p:nvPr/>
+        </p:nvSpPr>
+        <p:spPr>
+          <a:xfrm rot="10800000" flipV="1">
+            <a:off x="8485414" y="5375155"/>
+            <a:ext cx="2712079" cy="386264"/>
+          </a:xfrm>
+          <a:prstGeom prst="roundRect">
+            <a:avLst>
+              <a:gd name="adj" fmla="val 0"/>
+            </a:avLst>
+          </a:prstGeom>
+          <a:gradFill flip="none" rotWithShape="1">
+            <a:gsLst>
+              <a:gs pos="0">
+                <a:srgbClr val="00B0F0"/>
+              </a:gs>
+              <a:gs pos="100000">
+                <a:schemeClr val="accent5">
+                  <a:lumMod val="20000"/>
+                  <a:lumOff val="80000"/>
+                </a:schemeClr>
+              </a:gs>
+            </a:gsLst>
+            <a:lin ang="10800000" scaled="0"/>
+            <a:tileRect/>
+          </a:gradFill>
+          <a:ln>
+            <a:noFill/>
+          </a:ln>
+        </p:spPr>
+        <p:style>
+          <a:lnRef idx="2">
+            <a:schemeClr val="accent1">
+              <a:shade val="50000"/>
+            </a:schemeClr>
+          </a:lnRef>
+          <a:fillRef idx="1">
+            <a:schemeClr val="accent1"/>
+          </a:fillRef>
+          <a:effectRef idx="0">
+            <a:schemeClr val="accent1"/>
+          </a:effectRef>
+          <a:fontRef idx="minor">
+            <a:schemeClr val="lt1"/>
+          </a:fontRef>
+        </p:style>
+        <p:txBody>
+          <a:bodyPr rtlCol="0" anchor="ctr"/>
+          <a:lstStyle/>
+          <a:p>
+            <a:endParaRPr lang="ko-KR" altLang="en-US" sz="1400" dirty="0">
+              <a:solidFill>
+                <a:schemeClr val="bg1"/>
+              </a:solidFill>
+              <a:latin typeface="Comic Sans MS" panose="030F0702030302020204" pitchFamily="66" charset="0"/>
+            </a:endParaRPr>
+          </a:p>
+        </p:txBody>
+      </p:sp>
     </p:spTree>
     <p:extLst>
       <p:ext uri="{BB962C8B-B14F-4D97-AF65-F5344CB8AC3E}">
@@ -15288,7 +15366,7 @@
 </p:sld>
 </file>
 
-<file path=ppt/slides/slide7.xml><?xml version="1.0" encoding="utf-8"?>
+<file path=ppt/slides/slide6.xml><?xml version="1.0" encoding="utf-8"?>
 <p:sld xmlns:a="http://schemas.openxmlformats.org/drawingml/2006/main" xmlns:r="http://schemas.openxmlformats.org/officeDocument/2006/relationships" xmlns:p="http://schemas.openxmlformats.org/presentationml/2006/main">
   <p:cSld>
     <p:spTree>
@@ -15566,6 +15644,941 @@
 </p:sld>
 </file>
 
+<file path=ppt/slides/slide7.xml><?xml version="1.0" encoding="utf-8"?>
+<p:sld xmlns:a="http://schemas.openxmlformats.org/drawingml/2006/main" xmlns:r="http://schemas.openxmlformats.org/officeDocument/2006/relationships" xmlns:p="http://schemas.openxmlformats.org/presentationml/2006/main">
+  <p:cSld>
+    <p:spTree>
+      <p:nvGrpSpPr>
+        <p:cNvPr id="1" name=""/>
+        <p:cNvGrpSpPr/>
+        <p:nvPr/>
+      </p:nvGrpSpPr>
+      <p:grpSpPr>
+        <a:xfrm>
+          <a:off x="0" y="0"/>
+          <a:ext cx="0" cy="0"/>
+          <a:chOff x="0" y="0"/>
+          <a:chExt cx="0" cy="0"/>
+        </a:xfrm>
+      </p:grpSpPr>
+      <p:sp>
+        <p:nvSpPr>
+          <p:cNvPr id="13" name="직사각형 12">
+            <a:extLst>
+              <a:ext uri="{FF2B5EF4-FFF2-40B4-BE49-F238E27FC236}">
+                <a16:creationId xmlns:a16="http://schemas.microsoft.com/office/drawing/2014/main" id="{CBE2EBA4-B7A7-CE94-6364-F07290FD5DB6}"/>
+              </a:ext>
+            </a:extLst>
+          </p:cNvPr>
+          <p:cNvSpPr/>
+          <p:nvPr/>
+        </p:nvSpPr>
+        <p:spPr>
+          <a:xfrm>
+            <a:off x="0" y="0"/>
+            <a:ext cx="12192000" cy="559837"/>
+          </a:xfrm>
+          <a:prstGeom prst="rect">
+            <a:avLst/>
+          </a:prstGeom>
+          <a:solidFill>
+            <a:schemeClr val="bg2"/>
+          </a:solidFill>
+          <a:ln>
+            <a:noFill/>
+          </a:ln>
+        </p:spPr>
+        <p:style>
+          <a:lnRef idx="2">
+            <a:schemeClr val="accent1">
+              <a:shade val="50000"/>
+            </a:schemeClr>
+          </a:lnRef>
+          <a:fillRef idx="1">
+            <a:schemeClr val="accent1"/>
+          </a:fillRef>
+          <a:effectRef idx="0">
+            <a:schemeClr val="accent1"/>
+          </a:effectRef>
+          <a:fontRef idx="minor">
+            <a:schemeClr val="lt1"/>
+          </a:fontRef>
+        </p:style>
+        <p:txBody>
+          <a:bodyPr rtlCol="0" anchor="ctr"/>
+          <a:lstStyle/>
+          <a:p>
+            <a:pPr algn="ctr"/>
+            <a:endParaRPr lang="ko-KR" altLang="en-US"/>
+          </a:p>
+        </p:txBody>
+      </p:sp>
+      <p:sp>
+        <p:nvSpPr>
+          <p:cNvPr id="4" name="직사각형 3">
+            <a:extLst>
+              <a:ext uri="{FF2B5EF4-FFF2-40B4-BE49-F238E27FC236}">
+                <a16:creationId xmlns:a16="http://schemas.microsoft.com/office/drawing/2014/main" id="{F55349CF-3223-CC91-09D1-C84B3F1651FA}"/>
+              </a:ext>
+            </a:extLst>
+          </p:cNvPr>
+          <p:cNvSpPr/>
+          <p:nvPr/>
+        </p:nvSpPr>
+        <p:spPr>
+          <a:xfrm>
+            <a:off x="0" y="6298163"/>
+            <a:ext cx="12192000" cy="559837"/>
+          </a:xfrm>
+          <a:prstGeom prst="rect">
+            <a:avLst/>
+          </a:prstGeom>
+          <a:solidFill>
+            <a:schemeClr val="bg2"/>
+          </a:solidFill>
+          <a:ln>
+            <a:noFill/>
+          </a:ln>
+        </p:spPr>
+        <p:style>
+          <a:lnRef idx="2">
+            <a:schemeClr val="accent1">
+              <a:shade val="50000"/>
+            </a:schemeClr>
+          </a:lnRef>
+          <a:fillRef idx="1">
+            <a:schemeClr val="accent1"/>
+          </a:fillRef>
+          <a:effectRef idx="0">
+            <a:schemeClr val="accent1"/>
+          </a:effectRef>
+          <a:fontRef idx="minor">
+            <a:schemeClr val="lt1"/>
+          </a:fontRef>
+        </p:style>
+        <p:txBody>
+          <a:bodyPr rtlCol="0" anchor="ctr"/>
+          <a:lstStyle/>
+          <a:p>
+            <a:pPr algn="ctr"/>
+            <a:endParaRPr lang="ko-KR" altLang="en-US"/>
+          </a:p>
+        </p:txBody>
+      </p:sp>
+      <p:sp>
+        <p:nvSpPr>
+          <p:cNvPr id="5" name="직사각형 4">
+            <a:extLst>
+              <a:ext uri="{FF2B5EF4-FFF2-40B4-BE49-F238E27FC236}">
+                <a16:creationId xmlns:a16="http://schemas.microsoft.com/office/drawing/2014/main" id="{802DB6B5-FAA6-79F1-98D9-6F23BE1E3C85}"/>
+              </a:ext>
+            </a:extLst>
+          </p:cNvPr>
+          <p:cNvSpPr/>
+          <p:nvPr/>
+        </p:nvSpPr>
+        <p:spPr>
+          <a:xfrm>
+            <a:off x="5350635" y="-9501"/>
+            <a:ext cx="1029020" cy="559837"/>
+          </a:xfrm>
+          <a:prstGeom prst="rect">
+            <a:avLst/>
+          </a:prstGeom>
+          <a:solidFill>
+            <a:schemeClr val="accent3"/>
+          </a:solidFill>
+          <a:ln>
+            <a:solidFill>
+              <a:schemeClr val="tx1"/>
+            </a:solidFill>
+          </a:ln>
+        </p:spPr>
+        <p:style>
+          <a:lnRef idx="2">
+            <a:schemeClr val="accent1">
+              <a:shade val="50000"/>
+            </a:schemeClr>
+          </a:lnRef>
+          <a:fillRef idx="1">
+            <a:schemeClr val="accent1"/>
+          </a:fillRef>
+          <a:effectRef idx="0">
+            <a:schemeClr val="accent1"/>
+          </a:effectRef>
+          <a:fontRef idx="minor">
+            <a:schemeClr val="lt1"/>
+          </a:fontRef>
+        </p:style>
+        <p:txBody>
+          <a:bodyPr rtlCol="0" anchor="ctr"/>
+          <a:lstStyle/>
+          <a:p>
+            <a:pPr algn="ctr"/>
+            <a:r>
+              <a:rPr lang="en-US" altLang="ko-KR"/>
+              <a:t>Mods</a:t>
+            </a:r>
+            <a:endParaRPr lang="ko-KR" altLang="en-US"/>
+          </a:p>
+        </p:txBody>
+      </p:sp>
+      <p:sp>
+        <p:nvSpPr>
+          <p:cNvPr id="7" name="직사각형 6">
+            <a:extLst>
+              <a:ext uri="{FF2B5EF4-FFF2-40B4-BE49-F238E27FC236}">
+                <a16:creationId xmlns:a16="http://schemas.microsoft.com/office/drawing/2014/main" id="{CA9BFD7C-DFD4-5312-0BE0-8928C36C4AEF}"/>
+              </a:ext>
+            </a:extLst>
+          </p:cNvPr>
+          <p:cNvSpPr/>
+          <p:nvPr/>
+        </p:nvSpPr>
+        <p:spPr>
+          <a:xfrm>
+            <a:off x="-8389" y="6298163"/>
+            <a:ext cx="1029020" cy="559837"/>
+          </a:xfrm>
+          <a:prstGeom prst="rect">
+            <a:avLst/>
+          </a:prstGeom>
+          <a:solidFill>
+            <a:schemeClr val="accent3"/>
+          </a:solidFill>
+          <a:ln>
+            <a:solidFill>
+              <a:schemeClr val="tx1"/>
+            </a:solidFill>
+          </a:ln>
+        </p:spPr>
+        <p:style>
+          <a:lnRef idx="2">
+            <a:schemeClr val="accent1">
+              <a:shade val="50000"/>
+            </a:schemeClr>
+          </a:lnRef>
+          <a:fillRef idx="1">
+            <a:schemeClr val="accent1"/>
+          </a:fillRef>
+          <a:effectRef idx="0">
+            <a:schemeClr val="accent1"/>
+          </a:effectRef>
+          <a:fontRef idx="minor">
+            <a:schemeClr val="lt1"/>
+          </a:fontRef>
+        </p:style>
+        <p:txBody>
+          <a:bodyPr rtlCol="0" anchor="ctr"/>
+          <a:lstStyle/>
+          <a:p>
+            <a:pPr algn="ctr"/>
+            <a:r>
+              <a:rPr lang="en-US" altLang="ko-KR"/>
+              <a:t>Back</a:t>
+            </a:r>
+            <a:endParaRPr lang="ko-KR" altLang="en-US"/>
+          </a:p>
+        </p:txBody>
+      </p:sp>
+      <p:sp>
+        <p:nvSpPr>
+          <p:cNvPr id="9" name="직사각형 8">
+            <a:extLst>
+              <a:ext uri="{FF2B5EF4-FFF2-40B4-BE49-F238E27FC236}">
+                <a16:creationId xmlns:a16="http://schemas.microsoft.com/office/drawing/2014/main" id="{9A572247-B942-D5F1-81FB-4EDFED2EC5AB}"/>
+              </a:ext>
+            </a:extLst>
+          </p:cNvPr>
+          <p:cNvSpPr/>
+          <p:nvPr/>
+        </p:nvSpPr>
+        <p:spPr>
+          <a:xfrm>
+            <a:off x="10276514" y="5771627"/>
+            <a:ext cx="1915486" cy="1095874"/>
+          </a:xfrm>
+          <a:prstGeom prst="rect">
+            <a:avLst/>
+          </a:prstGeom>
+          <a:solidFill>
+            <a:schemeClr val="accent3"/>
+          </a:solidFill>
+          <a:ln>
+            <a:solidFill>
+              <a:schemeClr val="tx1"/>
+            </a:solidFill>
+          </a:ln>
+        </p:spPr>
+        <p:style>
+          <a:lnRef idx="2">
+            <a:schemeClr val="accent1">
+              <a:shade val="50000"/>
+            </a:schemeClr>
+          </a:lnRef>
+          <a:fillRef idx="1">
+            <a:schemeClr val="accent1"/>
+          </a:fillRef>
+          <a:effectRef idx="0">
+            <a:schemeClr val="accent1"/>
+          </a:effectRef>
+          <a:fontRef idx="minor">
+            <a:schemeClr val="lt1"/>
+          </a:fontRef>
+        </p:style>
+        <p:txBody>
+          <a:bodyPr rtlCol="0" anchor="ctr"/>
+          <a:lstStyle/>
+          <a:p>
+            <a:pPr algn="ctr"/>
+            <a:r>
+              <a:rPr lang="en-US" altLang="ko-KR" sz="2400"/>
+              <a:t>Play</a:t>
+            </a:r>
+            <a:endParaRPr lang="ko-KR" altLang="en-US" sz="2400"/>
+          </a:p>
+        </p:txBody>
+      </p:sp>
+      <p:sp>
+        <p:nvSpPr>
+          <p:cNvPr id="11" name="직사각형 10">
+            <a:extLst>
+              <a:ext uri="{FF2B5EF4-FFF2-40B4-BE49-F238E27FC236}">
+                <a16:creationId xmlns:a16="http://schemas.microsoft.com/office/drawing/2014/main" id="{3AA847A8-0A67-2861-A011-7249D32DB7E4}"/>
+              </a:ext>
+            </a:extLst>
+          </p:cNvPr>
+          <p:cNvSpPr/>
+          <p:nvPr/>
+        </p:nvSpPr>
+        <p:spPr>
+          <a:xfrm>
+            <a:off x="2779922" y="6297050"/>
+            <a:ext cx="1029020" cy="559837"/>
+          </a:xfrm>
+          <a:prstGeom prst="rect">
+            <a:avLst/>
+          </a:prstGeom>
+          <a:solidFill>
+            <a:schemeClr val="accent3"/>
+          </a:solidFill>
+          <a:ln>
+            <a:solidFill>
+              <a:schemeClr val="tx1"/>
+            </a:solidFill>
+          </a:ln>
+        </p:spPr>
+        <p:style>
+          <a:lnRef idx="2">
+            <a:schemeClr val="accent1">
+              <a:shade val="50000"/>
+            </a:schemeClr>
+          </a:lnRef>
+          <a:fillRef idx="1">
+            <a:schemeClr val="accent1"/>
+          </a:fillRef>
+          <a:effectRef idx="0">
+            <a:schemeClr val="accent1"/>
+          </a:effectRef>
+          <a:fontRef idx="minor">
+            <a:schemeClr val="lt1"/>
+          </a:fontRef>
+        </p:style>
+        <p:txBody>
+          <a:bodyPr rtlCol="0" anchor="ctr"/>
+          <a:lstStyle/>
+          <a:p>
+            <a:pPr algn="ctr"/>
+            <a:r>
+              <a:rPr lang="en-US" altLang="ko-KR"/>
+              <a:t>Tags</a:t>
+            </a:r>
+            <a:br>
+              <a:rPr lang="en-US" altLang="ko-KR"/>
+            </a:br>
+            <a:r>
+              <a:rPr lang="en-US" altLang="ko-KR"/>
+              <a:t>Collect.</a:t>
+            </a:r>
+            <a:endParaRPr lang="ko-KR" altLang="en-US"/>
+          </a:p>
+        </p:txBody>
+      </p:sp>
+      <p:sp>
+        <p:nvSpPr>
+          <p:cNvPr id="15" name="직사각형 14">
+            <a:extLst>
+              <a:ext uri="{FF2B5EF4-FFF2-40B4-BE49-F238E27FC236}">
+                <a16:creationId xmlns:a16="http://schemas.microsoft.com/office/drawing/2014/main" id="{B8E9083D-7CF8-C4BE-9644-9BB7DC2E119B}"/>
+              </a:ext>
+            </a:extLst>
+          </p:cNvPr>
+          <p:cNvSpPr/>
+          <p:nvPr/>
+        </p:nvSpPr>
+        <p:spPr>
+          <a:xfrm>
+            <a:off x="3817331" y="6298163"/>
+            <a:ext cx="1029020" cy="559837"/>
+          </a:xfrm>
+          <a:prstGeom prst="rect">
+            <a:avLst/>
+          </a:prstGeom>
+          <a:solidFill>
+            <a:schemeClr val="accent3"/>
+          </a:solidFill>
+          <a:ln>
+            <a:solidFill>
+              <a:schemeClr val="tx1"/>
+            </a:solidFill>
+          </a:ln>
+        </p:spPr>
+        <p:style>
+          <a:lnRef idx="2">
+            <a:schemeClr val="accent1">
+              <a:shade val="50000"/>
+            </a:schemeClr>
+          </a:lnRef>
+          <a:fillRef idx="1">
+            <a:schemeClr val="accent1"/>
+          </a:fillRef>
+          <a:effectRef idx="0">
+            <a:schemeClr val="accent1"/>
+          </a:effectRef>
+          <a:fontRef idx="minor">
+            <a:schemeClr val="lt1"/>
+          </a:fontRef>
+        </p:style>
+        <p:txBody>
+          <a:bodyPr rtlCol="0" anchor="ctr"/>
+          <a:lstStyle/>
+          <a:p>
+            <a:pPr algn="ctr"/>
+            <a:r>
+              <a:rPr lang="en-US" altLang="ko-KR"/>
+              <a:t>Editor</a:t>
+            </a:r>
+            <a:endParaRPr lang="ko-KR" altLang="en-US"/>
+          </a:p>
+        </p:txBody>
+      </p:sp>
+      <p:sp>
+        <p:nvSpPr>
+          <p:cNvPr id="19" name="직사각형 18">
+            <a:extLst>
+              <a:ext uri="{FF2B5EF4-FFF2-40B4-BE49-F238E27FC236}">
+                <a16:creationId xmlns:a16="http://schemas.microsoft.com/office/drawing/2014/main" id="{36B73C17-F75D-DE64-730C-2FD219EEAB3A}"/>
+              </a:ext>
+            </a:extLst>
+          </p:cNvPr>
+          <p:cNvSpPr/>
+          <p:nvPr/>
+        </p:nvSpPr>
+        <p:spPr>
+          <a:xfrm>
+            <a:off x="7416188" y="0"/>
+            <a:ext cx="712694" cy="560950"/>
+          </a:xfrm>
+          <a:prstGeom prst="rect">
+            <a:avLst/>
+          </a:prstGeom>
+          <a:solidFill>
+            <a:schemeClr val="accent3"/>
+          </a:solidFill>
+          <a:ln>
+            <a:solidFill>
+              <a:schemeClr val="tx1"/>
+            </a:solidFill>
+          </a:ln>
+        </p:spPr>
+        <p:style>
+          <a:lnRef idx="2">
+            <a:schemeClr val="accent1">
+              <a:shade val="50000"/>
+            </a:schemeClr>
+          </a:lnRef>
+          <a:fillRef idx="1">
+            <a:schemeClr val="accent1"/>
+          </a:fillRef>
+          <a:effectRef idx="0">
+            <a:schemeClr val="accent1"/>
+          </a:effectRef>
+          <a:fontRef idx="minor">
+            <a:schemeClr val="lt1"/>
+          </a:fontRef>
+        </p:style>
+        <p:txBody>
+          <a:bodyPr rtlCol="0" anchor="ctr"/>
+          <a:lstStyle/>
+          <a:p>
+            <a:pPr algn="ctr"/>
+            <a:r>
+              <a:rPr lang="en-US" altLang="ko-KR" sz="1600"/>
+              <a:t>Img</a:t>
+            </a:r>
+            <a:endParaRPr lang="ko-KR" altLang="en-US" sz="1600"/>
+          </a:p>
+        </p:txBody>
+      </p:sp>
+      <p:sp>
+        <p:nvSpPr>
+          <p:cNvPr id="21" name="직사각형 20">
+            <a:extLst>
+              <a:ext uri="{FF2B5EF4-FFF2-40B4-BE49-F238E27FC236}">
+                <a16:creationId xmlns:a16="http://schemas.microsoft.com/office/drawing/2014/main" id="{783120F7-80E0-5C78-5FC7-A8E41948E1F6}"/>
+              </a:ext>
+            </a:extLst>
+          </p:cNvPr>
+          <p:cNvSpPr/>
+          <p:nvPr/>
+        </p:nvSpPr>
+        <p:spPr>
+          <a:xfrm>
+            <a:off x="8147370" y="-1113"/>
+            <a:ext cx="2039510" cy="559837"/>
+          </a:xfrm>
+          <a:prstGeom prst="rect">
+            <a:avLst/>
+          </a:prstGeom>
+          <a:solidFill>
+            <a:schemeClr val="accent3"/>
+          </a:solidFill>
+          <a:ln>
+            <a:solidFill>
+              <a:schemeClr val="tx1"/>
+            </a:solidFill>
+          </a:ln>
+        </p:spPr>
+        <p:style>
+          <a:lnRef idx="2">
+            <a:schemeClr val="accent1">
+              <a:shade val="50000"/>
+            </a:schemeClr>
+          </a:lnRef>
+          <a:fillRef idx="1">
+            <a:schemeClr val="accent1"/>
+          </a:fillRef>
+          <a:effectRef idx="0">
+            <a:schemeClr val="accent1"/>
+          </a:effectRef>
+          <a:fontRef idx="minor">
+            <a:schemeClr val="lt1"/>
+          </a:fontRef>
+        </p:style>
+        <p:txBody>
+          <a:bodyPr rtlCol="0" anchor="ctr"/>
+          <a:lstStyle/>
+          <a:p>
+            <a:pPr algn="ctr"/>
+            <a:r>
+              <a:rPr lang="en-US" altLang="ko-KR" dirty="0"/>
+              <a:t>User</a:t>
+            </a:r>
+            <a:endParaRPr lang="ko-KR" altLang="en-US" dirty="0"/>
+          </a:p>
+        </p:txBody>
+      </p:sp>
+      <p:sp>
+        <p:nvSpPr>
+          <p:cNvPr id="22" name="직사각형 21">
+            <a:extLst>
+              <a:ext uri="{FF2B5EF4-FFF2-40B4-BE49-F238E27FC236}">
+                <a16:creationId xmlns:a16="http://schemas.microsoft.com/office/drawing/2014/main" id="{106803AF-5303-1F9A-F988-48832606EC10}"/>
+              </a:ext>
+            </a:extLst>
+          </p:cNvPr>
+          <p:cNvSpPr/>
+          <p:nvPr/>
+        </p:nvSpPr>
+        <p:spPr>
+          <a:xfrm>
+            <a:off x="-8389" y="-9501"/>
+            <a:ext cx="4330005" cy="2621903"/>
+          </a:xfrm>
+          <a:prstGeom prst="rect">
+            <a:avLst/>
+          </a:prstGeom>
+        </p:spPr>
+        <p:style>
+          <a:lnRef idx="2">
+            <a:schemeClr val="accent4">
+              <a:shade val="50000"/>
+            </a:schemeClr>
+          </a:lnRef>
+          <a:fillRef idx="1">
+            <a:schemeClr val="accent4"/>
+          </a:fillRef>
+          <a:effectRef idx="0">
+            <a:schemeClr val="accent4"/>
+          </a:effectRef>
+          <a:fontRef idx="minor">
+            <a:schemeClr val="lt1"/>
+          </a:fontRef>
+        </p:style>
+        <p:txBody>
+          <a:bodyPr rtlCol="0" anchor="ctr"/>
+          <a:lstStyle/>
+          <a:p>
+            <a:pPr algn="ctr"/>
+            <a:r>
+              <a:rPr lang="en-US" altLang="ko-KR"/>
+              <a:t>Chart info</a:t>
+            </a:r>
+            <a:endParaRPr lang="ko-KR" altLang="en-US"/>
+          </a:p>
+        </p:txBody>
+      </p:sp>
+      <p:sp>
+        <p:nvSpPr>
+          <p:cNvPr id="24" name="직사각형 23">
+            <a:extLst>
+              <a:ext uri="{FF2B5EF4-FFF2-40B4-BE49-F238E27FC236}">
+                <a16:creationId xmlns:a16="http://schemas.microsoft.com/office/drawing/2014/main" id="{BE994B68-DC4A-0B08-4216-55DF0BCAD89D}"/>
+              </a:ext>
+            </a:extLst>
+          </p:cNvPr>
+          <p:cNvSpPr/>
+          <p:nvPr/>
+        </p:nvSpPr>
+        <p:spPr>
+          <a:xfrm>
+            <a:off x="-8390" y="2596393"/>
+            <a:ext cx="4330005" cy="3691156"/>
+          </a:xfrm>
+          <a:prstGeom prst="rect">
+            <a:avLst/>
+          </a:prstGeom>
+        </p:spPr>
+        <p:style>
+          <a:lnRef idx="2">
+            <a:schemeClr val="accent6">
+              <a:shade val="50000"/>
+            </a:schemeClr>
+          </a:lnRef>
+          <a:fillRef idx="1">
+            <a:schemeClr val="accent6"/>
+          </a:fillRef>
+          <a:effectRef idx="0">
+            <a:schemeClr val="accent6"/>
+          </a:effectRef>
+          <a:fontRef idx="minor">
+            <a:schemeClr val="lt1"/>
+          </a:fontRef>
+        </p:style>
+        <p:txBody>
+          <a:bodyPr rtlCol="0" anchor="ctr"/>
+          <a:lstStyle/>
+          <a:p>
+            <a:pPr algn="ctr"/>
+            <a:r>
+              <a:rPr lang="en-US" altLang="ko-KR" dirty="0"/>
+              <a:t>Ranking</a:t>
+            </a:r>
+          </a:p>
+          <a:p>
+            <a:pPr algn="ctr"/>
+            <a:r>
+              <a:rPr lang="en-US" altLang="ko-KR" dirty="0"/>
+              <a:t>Player list when at lobby</a:t>
+            </a:r>
+            <a:endParaRPr lang="ko-KR" altLang="en-US" dirty="0"/>
+          </a:p>
+        </p:txBody>
+      </p:sp>
+      <p:sp>
+        <p:nvSpPr>
+          <p:cNvPr id="26" name="직사각형 25">
+            <a:extLst>
+              <a:ext uri="{FF2B5EF4-FFF2-40B4-BE49-F238E27FC236}">
+                <a16:creationId xmlns:a16="http://schemas.microsoft.com/office/drawing/2014/main" id="{90367FBA-6188-A74D-C15D-63715A60AFD5}"/>
+              </a:ext>
+            </a:extLst>
+          </p:cNvPr>
+          <p:cNvSpPr/>
+          <p:nvPr/>
+        </p:nvSpPr>
+        <p:spPr>
+          <a:xfrm>
+            <a:off x="6370390" y="-9501"/>
+            <a:ext cx="1029020" cy="559837"/>
+          </a:xfrm>
+          <a:prstGeom prst="rect">
+            <a:avLst/>
+          </a:prstGeom>
+          <a:solidFill>
+            <a:schemeClr val="accent3"/>
+          </a:solidFill>
+          <a:ln>
+            <a:solidFill>
+              <a:schemeClr val="tx1"/>
+            </a:solidFill>
+          </a:ln>
+        </p:spPr>
+        <p:style>
+          <a:lnRef idx="2">
+            <a:schemeClr val="accent1">
+              <a:shade val="50000"/>
+            </a:schemeClr>
+          </a:lnRef>
+          <a:fillRef idx="1">
+            <a:schemeClr val="accent1"/>
+          </a:fillRef>
+          <a:effectRef idx="0">
+            <a:schemeClr val="accent1"/>
+          </a:effectRef>
+          <a:fontRef idx="minor">
+            <a:schemeClr val="lt1"/>
+          </a:fontRef>
+        </p:style>
+        <p:txBody>
+          <a:bodyPr rtlCol="0" anchor="ctr"/>
+          <a:lstStyle/>
+          <a:p>
+            <a:pPr algn="ctr"/>
+            <a:r>
+              <a:rPr lang="en-US" altLang="ko-KR"/>
+              <a:t>Sort</a:t>
+            </a:r>
+            <a:endParaRPr lang="ko-KR" altLang="en-US"/>
+          </a:p>
+        </p:txBody>
+      </p:sp>
+      <p:sp>
+        <p:nvSpPr>
+          <p:cNvPr id="28" name="직사각형 27">
+            <a:extLst>
+              <a:ext uri="{FF2B5EF4-FFF2-40B4-BE49-F238E27FC236}">
+                <a16:creationId xmlns:a16="http://schemas.microsoft.com/office/drawing/2014/main" id="{B00EE38B-799F-650C-81FD-141EA904738F}"/>
+              </a:ext>
+            </a:extLst>
+          </p:cNvPr>
+          <p:cNvSpPr/>
+          <p:nvPr/>
+        </p:nvSpPr>
+        <p:spPr>
+          <a:xfrm>
+            <a:off x="4321615" y="-19001"/>
+            <a:ext cx="1029020" cy="559837"/>
+          </a:xfrm>
+          <a:prstGeom prst="rect">
+            <a:avLst/>
+          </a:prstGeom>
+          <a:solidFill>
+            <a:schemeClr val="accent3"/>
+          </a:solidFill>
+          <a:ln>
+            <a:solidFill>
+              <a:schemeClr val="tx1"/>
+            </a:solidFill>
+          </a:ln>
+        </p:spPr>
+        <p:style>
+          <a:lnRef idx="2">
+            <a:schemeClr val="accent1">
+              <a:shade val="50000"/>
+            </a:schemeClr>
+          </a:lnRef>
+          <a:fillRef idx="1">
+            <a:schemeClr val="accent1"/>
+          </a:fillRef>
+          <a:effectRef idx="0">
+            <a:schemeClr val="accent1"/>
+          </a:effectRef>
+          <a:fontRef idx="minor">
+            <a:schemeClr val="lt1"/>
+          </a:fontRef>
+        </p:style>
+        <p:txBody>
+          <a:bodyPr rtlCol="0" anchor="ctr"/>
+          <a:lstStyle/>
+          <a:p>
+            <a:pPr algn="ctr"/>
+            <a:r>
+              <a:rPr lang="en-US" altLang="ko-KR"/>
+              <a:t>Mode</a:t>
+            </a:r>
+            <a:endParaRPr lang="ko-KR" altLang="en-US"/>
+          </a:p>
+        </p:txBody>
+      </p:sp>
+      <p:sp>
+        <p:nvSpPr>
+          <p:cNvPr id="32" name="직사각형 31">
+            <a:extLst>
+              <a:ext uri="{FF2B5EF4-FFF2-40B4-BE49-F238E27FC236}">
+                <a16:creationId xmlns:a16="http://schemas.microsoft.com/office/drawing/2014/main" id="{0D283D03-E6F9-FDC9-157B-7BB76EFFD791}"/>
+              </a:ext>
+            </a:extLst>
+          </p:cNvPr>
+          <p:cNvSpPr/>
+          <p:nvPr/>
+        </p:nvSpPr>
+        <p:spPr>
+          <a:xfrm>
+            <a:off x="7416188" y="578837"/>
+            <a:ext cx="4784201" cy="279919"/>
+          </a:xfrm>
+          <a:prstGeom prst="rect">
+            <a:avLst/>
+          </a:prstGeom>
+          <a:ln/>
+        </p:spPr>
+        <p:style>
+          <a:lnRef idx="3">
+            <a:schemeClr val="lt1"/>
+          </a:lnRef>
+          <a:fillRef idx="1">
+            <a:schemeClr val="accent1"/>
+          </a:fillRef>
+          <a:effectRef idx="1">
+            <a:schemeClr val="accent1"/>
+          </a:effectRef>
+          <a:fontRef idx="minor">
+            <a:schemeClr val="lt1"/>
+          </a:fontRef>
+        </p:style>
+        <p:txBody>
+          <a:bodyPr rtlCol="0" anchor="ctr"/>
+          <a:lstStyle/>
+          <a:p>
+            <a:pPr algn="ctr"/>
+            <a:r>
+              <a:rPr lang="en-US" altLang="ko-KR"/>
+              <a:t>Search</a:t>
+            </a:r>
+            <a:endParaRPr lang="ko-KR" altLang="en-US"/>
+          </a:p>
+        </p:txBody>
+      </p:sp>
+      <p:sp>
+        <p:nvSpPr>
+          <p:cNvPr id="34" name="직사각형 33">
+            <a:extLst>
+              <a:ext uri="{FF2B5EF4-FFF2-40B4-BE49-F238E27FC236}">
+                <a16:creationId xmlns:a16="http://schemas.microsoft.com/office/drawing/2014/main" id="{588E1E37-2295-3D1E-EFFA-F3242066BF1F}"/>
+              </a:ext>
+            </a:extLst>
+          </p:cNvPr>
+          <p:cNvSpPr/>
+          <p:nvPr/>
+        </p:nvSpPr>
+        <p:spPr>
+          <a:xfrm>
+            <a:off x="4836125" y="6298163"/>
+            <a:ext cx="1029020" cy="559837"/>
+          </a:xfrm>
+          <a:prstGeom prst="rect">
+            <a:avLst/>
+          </a:prstGeom>
+          <a:solidFill>
+            <a:schemeClr val="accent3"/>
+          </a:solidFill>
+          <a:ln>
+            <a:solidFill>
+              <a:schemeClr val="tx1"/>
+            </a:solidFill>
+          </a:ln>
+        </p:spPr>
+        <p:style>
+          <a:lnRef idx="2">
+            <a:schemeClr val="accent1">
+              <a:shade val="50000"/>
+            </a:schemeClr>
+          </a:lnRef>
+          <a:fillRef idx="1">
+            <a:schemeClr val="accent1"/>
+          </a:fillRef>
+          <a:effectRef idx="0">
+            <a:schemeClr val="accent1"/>
+          </a:effectRef>
+          <a:fontRef idx="minor">
+            <a:schemeClr val="lt1"/>
+          </a:fontRef>
+        </p:style>
+        <p:txBody>
+          <a:bodyPr rtlCol="0" anchor="ctr"/>
+          <a:lstStyle/>
+          <a:p>
+            <a:pPr algn="ctr"/>
+            <a:r>
+              <a:rPr lang="en-US" altLang="ko-KR"/>
+              <a:t>Options</a:t>
+            </a:r>
+            <a:endParaRPr lang="ko-KR" altLang="en-US"/>
+          </a:p>
+        </p:txBody>
+      </p:sp>
+      <p:sp>
+        <p:nvSpPr>
+          <p:cNvPr id="3" name="직사각형 2">
+            <a:extLst>
+              <a:ext uri="{FF2B5EF4-FFF2-40B4-BE49-F238E27FC236}">
+                <a16:creationId xmlns:a16="http://schemas.microsoft.com/office/drawing/2014/main" id="{DCB1CA92-C1A3-3222-BF0B-A42BAD23AF3F}"/>
+              </a:ext>
+            </a:extLst>
+          </p:cNvPr>
+          <p:cNvSpPr/>
+          <p:nvPr/>
+        </p:nvSpPr>
+        <p:spPr>
+          <a:xfrm>
+            <a:off x="10186880" y="-9501"/>
+            <a:ext cx="2039510" cy="559837"/>
+          </a:xfrm>
+          <a:prstGeom prst="rect">
+            <a:avLst/>
+          </a:prstGeom>
+          <a:solidFill>
+            <a:schemeClr val="accent3"/>
+          </a:solidFill>
+          <a:ln>
+            <a:solidFill>
+              <a:schemeClr val="tx1"/>
+            </a:solidFill>
+          </a:ln>
+        </p:spPr>
+        <p:style>
+          <a:lnRef idx="2">
+            <a:schemeClr val="accent1">
+              <a:shade val="50000"/>
+            </a:schemeClr>
+          </a:lnRef>
+          <a:fillRef idx="1">
+            <a:schemeClr val="accent1"/>
+          </a:fillRef>
+          <a:effectRef idx="0">
+            <a:schemeClr val="accent1"/>
+          </a:effectRef>
+          <a:fontRef idx="minor">
+            <a:schemeClr val="lt1"/>
+          </a:fontRef>
+        </p:style>
+        <p:txBody>
+          <a:bodyPr rtlCol="0" anchor="ctr"/>
+          <a:lstStyle/>
+          <a:p>
+            <a:pPr algn="ctr"/>
+            <a:r>
+              <a:rPr lang="en-US" altLang="ko-KR"/>
+              <a:t>Statistics</a:t>
+            </a:r>
+            <a:endParaRPr lang="ko-KR" altLang="en-US" dirty="0"/>
+          </a:p>
+        </p:txBody>
+      </p:sp>
+    </p:spTree>
+    <p:extLst>
+      <p:ext uri="{BB962C8B-B14F-4D97-AF65-F5344CB8AC3E}">
+        <p14:creationId xmlns:p14="http://schemas.microsoft.com/office/powerpoint/2010/main" val="3371721876"/>
+      </p:ext>
+    </p:extLst>
+  </p:cSld>
+  <p:clrMapOvr>
+    <a:masterClrMapping/>
+  </p:clrMapOvr>
+</p:sld>
+</file>
+
 <file path=ppt/slides/slide8.xml><?xml version="1.0" encoding="utf-8"?>
 <p:sld xmlns:a="http://schemas.openxmlformats.org/drawingml/2006/main" xmlns:r="http://schemas.openxmlformats.org/officeDocument/2006/relationships" xmlns:p="http://schemas.openxmlformats.org/presentationml/2006/main">
   <p:cSld>
@@ -15583,915 +16596,49 @@
           <a:chExt cx="0" cy="0"/>
         </a:xfrm>
       </p:grpSpPr>
-      <p:sp>
-        <p:nvSpPr>
-          <p:cNvPr id="13" name="직사각형 12">
-            <a:extLst>
-              <a:ext uri="{FF2B5EF4-FFF2-40B4-BE49-F238E27FC236}">
-                <a16:creationId xmlns:a16="http://schemas.microsoft.com/office/drawing/2014/main" id="{CBE2EBA4-B7A7-CE94-6364-F07290FD5DB6}"/>
-              </a:ext>
-            </a:extLst>
-          </p:cNvPr>
-          <p:cNvSpPr/>
-          <p:nvPr/>
-        </p:nvSpPr>
-        <p:spPr>
-          <a:xfrm>
-            <a:off x="0" y="0"/>
-            <a:ext cx="12192000" cy="559837"/>
+      <p:pic>
+        <p:nvPicPr>
+          <p:cNvPr id="3" name="그래픽 2">
+            <a:extLst>
+              <a:ext uri="{FF2B5EF4-FFF2-40B4-BE49-F238E27FC236}">
+                <a16:creationId xmlns:a16="http://schemas.microsoft.com/office/drawing/2014/main" id="{6EF15F76-81F4-63B1-B380-56118D68C9C4}"/>
+              </a:ext>
+            </a:extLst>
+          </p:cNvPr>
+          <p:cNvPicPr>
+            <a:picLocks noChangeAspect="1"/>
+          </p:cNvPicPr>
+          <p:nvPr/>
+        </p:nvPicPr>
+        <p:blipFill>
+          <a:blip r:embed="rId2">
+            <a:extLst>
+              <a:ext uri="{28A0092B-C50C-407E-A947-70E740481C1C}">
+                <a14:useLocalDpi xmlns:a14="http://schemas.microsoft.com/office/drawing/2010/main" val="0"/>
+              </a:ext>
+              <a:ext uri="{96DAC541-7B7A-43D3-8B79-37D633B846F1}">
+                <asvg:svgBlip xmlns:asvg="http://schemas.microsoft.com/office/drawing/2016/SVG/main" r:embed="rId3"/>
+              </a:ext>
+            </a:extLst>
+          </a:blip>
+          <a:stretch>
+            <a:fillRect/>
+          </a:stretch>
+        </p:blipFill>
+        <p:spPr>
+          <a:xfrm>
+            <a:off x="3020267" y="0"/>
+            <a:ext cx="6151465" cy="6858000"/>
           </a:xfrm>
           <a:prstGeom prst="rect">
             <a:avLst/>
           </a:prstGeom>
-          <a:solidFill>
-            <a:schemeClr val="bg2"/>
-          </a:solidFill>
-          <a:ln>
-            <a:noFill/>
-          </a:ln>
-        </p:spPr>
-        <p:style>
-          <a:lnRef idx="2">
-            <a:schemeClr val="accent1">
-              <a:shade val="50000"/>
-            </a:schemeClr>
-          </a:lnRef>
-          <a:fillRef idx="1">
-            <a:schemeClr val="accent1"/>
-          </a:fillRef>
-          <a:effectRef idx="0">
-            <a:schemeClr val="accent1"/>
-          </a:effectRef>
-          <a:fontRef idx="minor">
-            <a:schemeClr val="lt1"/>
-          </a:fontRef>
-        </p:style>
-        <p:txBody>
-          <a:bodyPr rtlCol="0" anchor="ctr"/>
-          <a:lstStyle/>
-          <a:p>
-            <a:pPr algn="ctr"/>
-            <a:endParaRPr lang="ko-KR" altLang="en-US"/>
-          </a:p>
-        </p:txBody>
-      </p:sp>
-      <p:sp>
-        <p:nvSpPr>
-          <p:cNvPr id="4" name="직사각형 3">
-            <a:extLst>
-              <a:ext uri="{FF2B5EF4-FFF2-40B4-BE49-F238E27FC236}">
-                <a16:creationId xmlns:a16="http://schemas.microsoft.com/office/drawing/2014/main" id="{F55349CF-3223-CC91-09D1-C84B3F1651FA}"/>
-              </a:ext>
-            </a:extLst>
-          </p:cNvPr>
-          <p:cNvSpPr/>
-          <p:nvPr/>
-        </p:nvSpPr>
-        <p:spPr>
-          <a:xfrm>
-            <a:off x="0" y="6298163"/>
-            <a:ext cx="12192000" cy="559837"/>
-          </a:xfrm>
-          <a:prstGeom prst="rect">
-            <a:avLst/>
-          </a:prstGeom>
-          <a:solidFill>
-            <a:schemeClr val="bg2"/>
-          </a:solidFill>
-          <a:ln>
-            <a:noFill/>
-          </a:ln>
-        </p:spPr>
-        <p:style>
-          <a:lnRef idx="2">
-            <a:schemeClr val="accent1">
-              <a:shade val="50000"/>
-            </a:schemeClr>
-          </a:lnRef>
-          <a:fillRef idx="1">
-            <a:schemeClr val="accent1"/>
-          </a:fillRef>
-          <a:effectRef idx="0">
-            <a:schemeClr val="accent1"/>
-          </a:effectRef>
-          <a:fontRef idx="minor">
-            <a:schemeClr val="lt1"/>
-          </a:fontRef>
-        </p:style>
-        <p:txBody>
-          <a:bodyPr rtlCol="0" anchor="ctr"/>
-          <a:lstStyle/>
-          <a:p>
-            <a:pPr algn="ctr"/>
-            <a:endParaRPr lang="ko-KR" altLang="en-US"/>
-          </a:p>
-        </p:txBody>
-      </p:sp>
-      <p:sp>
-        <p:nvSpPr>
-          <p:cNvPr id="5" name="직사각형 4">
-            <a:extLst>
-              <a:ext uri="{FF2B5EF4-FFF2-40B4-BE49-F238E27FC236}">
-                <a16:creationId xmlns:a16="http://schemas.microsoft.com/office/drawing/2014/main" id="{802DB6B5-FAA6-79F1-98D9-6F23BE1E3C85}"/>
-              </a:ext>
-            </a:extLst>
-          </p:cNvPr>
-          <p:cNvSpPr/>
-          <p:nvPr/>
-        </p:nvSpPr>
-        <p:spPr>
-          <a:xfrm>
-            <a:off x="5350635" y="-9501"/>
-            <a:ext cx="1029020" cy="559837"/>
-          </a:xfrm>
-          <a:prstGeom prst="rect">
-            <a:avLst/>
-          </a:prstGeom>
-          <a:solidFill>
-            <a:schemeClr val="accent3"/>
-          </a:solidFill>
-          <a:ln>
-            <a:solidFill>
-              <a:schemeClr val="tx1"/>
-            </a:solidFill>
-          </a:ln>
-        </p:spPr>
-        <p:style>
-          <a:lnRef idx="2">
-            <a:schemeClr val="accent1">
-              <a:shade val="50000"/>
-            </a:schemeClr>
-          </a:lnRef>
-          <a:fillRef idx="1">
-            <a:schemeClr val="accent1"/>
-          </a:fillRef>
-          <a:effectRef idx="0">
-            <a:schemeClr val="accent1"/>
-          </a:effectRef>
-          <a:fontRef idx="minor">
-            <a:schemeClr val="lt1"/>
-          </a:fontRef>
-        </p:style>
-        <p:txBody>
-          <a:bodyPr rtlCol="0" anchor="ctr"/>
-          <a:lstStyle/>
-          <a:p>
-            <a:pPr algn="ctr"/>
-            <a:r>
-              <a:rPr lang="en-US" altLang="ko-KR"/>
-              <a:t>Mods</a:t>
-            </a:r>
-            <a:endParaRPr lang="ko-KR" altLang="en-US"/>
-          </a:p>
-        </p:txBody>
-      </p:sp>
-      <p:sp>
-        <p:nvSpPr>
-          <p:cNvPr id="7" name="직사각형 6">
-            <a:extLst>
-              <a:ext uri="{FF2B5EF4-FFF2-40B4-BE49-F238E27FC236}">
-                <a16:creationId xmlns:a16="http://schemas.microsoft.com/office/drawing/2014/main" id="{CA9BFD7C-DFD4-5312-0BE0-8928C36C4AEF}"/>
-              </a:ext>
-            </a:extLst>
-          </p:cNvPr>
-          <p:cNvSpPr/>
-          <p:nvPr/>
-        </p:nvSpPr>
-        <p:spPr>
-          <a:xfrm>
-            <a:off x="-8389" y="6298163"/>
-            <a:ext cx="1029020" cy="559837"/>
-          </a:xfrm>
-          <a:prstGeom prst="rect">
-            <a:avLst/>
-          </a:prstGeom>
-          <a:solidFill>
-            <a:schemeClr val="accent3"/>
-          </a:solidFill>
-          <a:ln>
-            <a:solidFill>
-              <a:schemeClr val="tx1"/>
-            </a:solidFill>
-          </a:ln>
-        </p:spPr>
-        <p:style>
-          <a:lnRef idx="2">
-            <a:schemeClr val="accent1">
-              <a:shade val="50000"/>
-            </a:schemeClr>
-          </a:lnRef>
-          <a:fillRef idx="1">
-            <a:schemeClr val="accent1"/>
-          </a:fillRef>
-          <a:effectRef idx="0">
-            <a:schemeClr val="accent1"/>
-          </a:effectRef>
-          <a:fontRef idx="minor">
-            <a:schemeClr val="lt1"/>
-          </a:fontRef>
-        </p:style>
-        <p:txBody>
-          <a:bodyPr rtlCol="0" anchor="ctr"/>
-          <a:lstStyle/>
-          <a:p>
-            <a:pPr algn="ctr"/>
-            <a:r>
-              <a:rPr lang="en-US" altLang="ko-KR"/>
-              <a:t>Back</a:t>
-            </a:r>
-            <a:endParaRPr lang="ko-KR" altLang="en-US"/>
-          </a:p>
-        </p:txBody>
-      </p:sp>
-      <p:sp>
-        <p:nvSpPr>
-          <p:cNvPr id="9" name="직사각형 8">
-            <a:extLst>
-              <a:ext uri="{FF2B5EF4-FFF2-40B4-BE49-F238E27FC236}">
-                <a16:creationId xmlns:a16="http://schemas.microsoft.com/office/drawing/2014/main" id="{9A572247-B942-D5F1-81FB-4EDFED2EC5AB}"/>
-              </a:ext>
-            </a:extLst>
-          </p:cNvPr>
-          <p:cNvSpPr/>
-          <p:nvPr/>
-        </p:nvSpPr>
-        <p:spPr>
-          <a:xfrm>
-            <a:off x="10276514" y="5771627"/>
-            <a:ext cx="1915486" cy="1095874"/>
-          </a:xfrm>
-          <a:prstGeom prst="rect">
-            <a:avLst/>
-          </a:prstGeom>
-          <a:solidFill>
-            <a:schemeClr val="accent3"/>
-          </a:solidFill>
-          <a:ln>
-            <a:solidFill>
-              <a:schemeClr val="tx1"/>
-            </a:solidFill>
-          </a:ln>
-        </p:spPr>
-        <p:style>
-          <a:lnRef idx="2">
-            <a:schemeClr val="accent1">
-              <a:shade val="50000"/>
-            </a:schemeClr>
-          </a:lnRef>
-          <a:fillRef idx="1">
-            <a:schemeClr val="accent1"/>
-          </a:fillRef>
-          <a:effectRef idx="0">
-            <a:schemeClr val="accent1"/>
-          </a:effectRef>
-          <a:fontRef idx="minor">
-            <a:schemeClr val="lt1"/>
-          </a:fontRef>
-        </p:style>
-        <p:txBody>
-          <a:bodyPr rtlCol="0" anchor="ctr"/>
-          <a:lstStyle/>
-          <a:p>
-            <a:pPr algn="ctr"/>
-            <a:r>
-              <a:rPr lang="en-US" altLang="ko-KR" sz="2400"/>
-              <a:t>Play</a:t>
-            </a:r>
-            <a:endParaRPr lang="ko-KR" altLang="en-US" sz="2400"/>
-          </a:p>
-        </p:txBody>
-      </p:sp>
-      <p:sp>
-        <p:nvSpPr>
-          <p:cNvPr id="11" name="직사각형 10">
-            <a:extLst>
-              <a:ext uri="{FF2B5EF4-FFF2-40B4-BE49-F238E27FC236}">
-                <a16:creationId xmlns:a16="http://schemas.microsoft.com/office/drawing/2014/main" id="{3AA847A8-0A67-2861-A011-7249D32DB7E4}"/>
-              </a:ext>
-            </a:extLst>
-          </p:cNvPr>
-          <p:cNvSpPr/>
-          <p:nvPr/>
-        </p:nvSpPr>
-        <p:spPr>
-          <a:xfrm>
-            <a:off x="2779922" y="6297050"/>
-            <a:ext cx="1029020" cy="559837"/>
-          </a:xfrm>
-          <a:prstGeom prst="rect">
-            <a:avLst/>
-          </a:prstGeom>
-          <a:solidFill>
-            <a:schemeClr val="accent3"/>
-          </a:solidFill>
-          <a:ln>
-            <a:solidFill>
-              <a:schemeClr val="tx1"/>
-            </a:solidFill>
-          </a:ln>
-        </p:spPr>
-        <p:style>
-          <a:lnRef idx="2">
-            <a:schemeClr val="accent1">
-              <a:shade val="50000"/>
-            </a:schemeClr>
-          </a:lnRef>
-          <a:fillRef idx="1">
-            <a:schemeClr val="accent1"/>
-          </a:fillRef>
-          <a:effectRef idx="0">
-            <a:schemeClr val="accent1"/>
-          </a:effectRef>
-          <a:fontRef idx="minor">
-            <a:schemeClr val="lt1"/>
-          </a:fontRef>
-        </p:style>
-        <p:txBody>
-          <a:bodyPr rtlCol="0" anchor="ctr"/>
-          <a:lstStyle/>
-          <a:p>
-            <a:pPr algn="ctr"/>
-            <a:r>
-              <a:rPr lang="en-US" altLang="ko-KR"/>
-              <a:t>Tags</a:t>
-            </a:r>
-            <a:br>
-              <a:rPr lang="en-US" altLang="ko-KR"/>
-            </a:br>
-            <a:r>
-              <a:rPr lang="en-US" altLang="ko-KR"/>
-              <a:t>Collect.</a:t>
-            </a:r>
-            <a:endParaRPr lang="ko-KR" altLang="en-US"/>
-          </a:p>
-        </p:txBody>
-      </p:sp>
-      <p:sp>
-        <p:nvSpPr>
-          <p:cNvPr id="15" name="직사각형 14">
-            <a:extLst>
-              <a:ext uri="{FF2B5EF4-FFF2-40B4-BE49-F238E27FC236}">
-                <a16:creationId xmlns:a16="http://schemas.microsoft.com/office/drawing/2014/main" id="{B8E9083D-7CF8-C4BE-9644-9BB7DC2E119B}"/>
-              </a:ext>
-            </a:extLst>
-          </p:cNvPr>
-          <p:cNvSpPr/>
-          <p:nvPr/>
-        </p:nvSpPr>
-        <p:spPr>
-          <a:xfrm>
-            <a:off x="3817331" y="6298163"/>
-            <a:ext cx="1029020" cy="559837"/>
-          </a:xfrm>
-          <a:prstGeom prst="rect">
-            <a:avLst/>
-          </a:prstGeom>
-          <a:solidFill>
-            <a:schemeClr val="accent3"/>
-          </a:solidFill>
-          <a:ln>
-            <a:solidFill>
-              <a:schemeClr val="tx1"/>
-            </a:solidFill>
-          </a:ln>
-        </p:spPr>
-        <p:style>
-          <a:lnRef idx="2">
-            <a:schemeClr val="accent1">
-              <a:shade val="50000"/>
-            </a:schemeClr>
-          </a:lnRef>
-          <a:fillRef idx="1">
-            <a:schemeClr val="accent1"/>
-          </a:fillRef>
-          <a:effectRef idx="0">
-            <a:schemeClr val="accent1"/>
-          </a:effectRef>
-          <a:fontRef idx="minor">
-            <a:schemeClr val="lt1"/>
-          </a:fontRef>
-        </p:style>
-        <p:txBody>
-          <a:bodyPr rtlCol="0" anchor="ctr"/>
-          <a:lstStyle/>
-          <a:p>
-            <a:pPr algn="ctr"/>
-            <a:r>
-              <a:rPr lang="en-US" altLang="ko-KR"/>
-              <a:t>Editor</a:t>
-            </a:r>
-            <a:endParaRPr lang="ko-KR" altLang="en-US"/>
-          </a:p>
-        </p:txBody>
-      </p:sp>
-      <p:sp>
-        <p:nvSpPr>
-          <p:cNvPr id="19" name="직사각형 18">
-            <a:extLst>
-              <a:ext uri="{FF2B5EF4-FFF2-40B4-BE49-F238E27FC236}">
-                <a16:creationId xmlns:a16="http://schemas.microsoft.com/office/drawing/2014/main" id="{36B73C17-F75D-DE64-730C-2FD219EEAB3A}"/>
-              </a:ext>
-            </a:extLst>
-          </p:cNvPr>
-          <p:cNvSpPr/>
-          <p:nvPr/>
-        </p:nvSpPr>
-        <p:spPr>
-          <a:xfrm>
-            <a:off x="7416188" y="0"/>
-            <a:ext cx="712694" cy="560950"/>
-          </a:xfrm>
-          <a:prstGeom prst="rect">
-            <a:avLst/>
-          </a:prstGeom>
-          <a:solidFill>
-            <a:schemeClr val="accent3"/>
-          </a:solidFill>
-          <a:ln>
-            <a:solidFill>
-              <a:schemeClr val="tx1"/>
-            </a:solidFill>
-          </a:ln>
-        </p:spPr>
-        <p:style>
-          <a:lnRef idx="2">
-            <a:schemeClr val="accent1">
-              <a:shade val="50000"/>
-            </a:schemeClr>
-          </a:lnRef>
-          <a:fillRef idx="1">
-            <a:schemeClr val="accent1"/>
-          </a:fillRef>
-          <a:effectRef idx="0">
-            <a:schemeClr val="accent1"/>
-          </a:effectRef>
-          <a:fontRef idx="minor">
-            <a:schemeClr val="lt1"/>
-          </a:fontRef>
-        </p:style>
-        <p:txBody>
-          <a:bodyPr rtlCol="0" anchor="ctr"/>
-          <a:lstStyle/>
-          <a:p>
-            <a:pPr algn="ctr"/>
-            <a:r>
-              <a:rPr lang="en-US" altLang="ko-KR" sz="1600"/>
-              <a:t>Img</a:t>
-            </a:r>
-            <a:endParaRPr lang="ko-KR" altLang="en-US" sz="1600"/>
-          </a:p>
-        </p:txBody>
-      </p:sp>
-      <p:sp>
-        <p:nvSpPr>
-          <p:cNvPr id="21" name="직사각형 20">
-            <a:extLst>
-              <a:ext uri="{FF2B5EF4-FFF2-40B4-BE49-F238E27FC236}">
-                <a16:creationId xmlns:a16="http://schemas.microsoft.com/office/drawing/2014/main" id="{783120F7-80E0-5C78-5FC7-A8E41948E1F6}"/>
-              </a:ext>
-            </a:extLst>
-          </p:cNvPr>
-          <p:cNvSpPr/>
-          <p:nvPr/>
-        </p:nvSpPr>
-        <p:spPr>
-          <a:xfrm>
-            <a:off x="8147370" y="-1113"/>
-            <a:ext cx="2039510" cy="559837"/>
-          </a:xfrm>
-          <a:prstGeom prst="rect">
-            <a:avLst/>
-          </a:prstGeom>
-          <a:solidFill>
-            <a:schemeClr val="accent3"/>
-          </a:solidFill>
-          <a:ln>
-            <a:solidFill>
-              <a:schemeClr val="tx1"/>
-            </a:solidFill>
-          </a:ln>
-        </p:spPr>
-        <p:style>
-          <a:lnRef idx="2">
-            <a:schemeClr val="accent1">
-              <a:shade val="50000"/>
-            </a:schemeClr>
-          </a:lnRef>
-          <a:fillRef idx="1">
-            <a:schemeClr val="accent1"/>
-          </a:fillRef>
-          <a:effectRef idx="0">
-            <a:schemeClr val="accent1"/>
-          </a:effectRef>
-          <a:fontRef idx="minor">
-            <a:schemeClr val="lt1"/>
-          </a:fontRef>
-        </p:style>
-        <p:txBody>
-          <a:bodyPr rtlCol="0" anchor="ctr"/>
-          <a:lstStyle/>
-          <a:p>
-            <a:pPr algn="ctr"/>
-            <a:r>
-              <a:rPr lang="en-US" altLang="ko-KR" dirty="0"/>
-              <a:t>User</a:t>
-            </a:r>
-            <a:endParaRPr lang="ko-KR" altLang="en-US" dirty="0"/>
-          </a:p>
-        </p:txBody>
-      </p:sp>
-      <p:sp>
-        <p:nvSpPr>
-          <p:cNvPr id="22" name="직사각형 21">
-            <a:extLst>
-              <a:ext uri="{FF2B5EF4-FFF2-40B4-BE49-F238E27FC236}">
-                <a16:creationId xmlns:a16="http://schemas.microsoft.com/office/drawing/2014/main" id="{106803AF-5303-1F9A-F988-48832606EC10}"/>
-              </a:ext>
-            </a:extLst>
-          </p:cNvPr>
-          <p:cNvSpPr/>
-          <p:nvPr/>
-        </p:nvSpPr>
-        <p:spPr>
-          <a:xfrm>
-            <a:off x="-8389" y="-9501"/>
-            <a:ext cx="4330005" cy="2621903"/>
-          </a:xfrm>
-          <a:prstGeom prst="rect">
-            <a:avLst/>
-          </a:prstGeom>
-        </p:spPr>
-        <p:style>
-          <a:lnRef idx="2">
-            <a:schemeClr val="accent4">
-              <a:shade val="50000"/>
-            </a:schemeClr>
-          </a:lnRef>
-          <a:fillRef idx="1">
-            <a:schemeClr val="accent4"/>
-          </a:fillRef>
-          <a:effectRef idx="0">
-            <a:schemeClr val="accent4"/>
-          </a:effectRef>
-          <a:fontRef idx="minor">
-            <a:schemeClr val="lt1"/>
-          </a:fontRef>
-        </p:style>
-        <p:txBody>
-          <a:bodyPr rtlCol="0" anchor="ctr"/>
-          <a:lstStyle/>
-          <a:p>
-            <a:pPr algn="ctr"/>
-            <a:r>
-              <a:rPr lang="en-US" altLang="ko-KR"/>
-              <a:t>Chart info</a:t>
-            </a:r>
-            <a:endParaRPr lang="ko-KR" altLang="en-US"/>
-          </a:p>
-        </p:txBody>
-      </p:sp>
-      <p:sp>
-        <p:nvSpPr>
-          <p:cNvPr id="24" name="직사각형 23">
-            <a:extLst>
-              <a:ext uri="{FF2B5EF4-FFF2-40B4-BE49-F238E27FC236}">
-                <a16:creationId xmlns:a16="http://schemas.microsoft.com/office/drawing/2014/main" id="{BE994B68-DC4A-0B08-4216-55DF0BCAD89D}"/>
-              </a:ext>
-            </a:extLst>
-          </p:cNvPr>
-          <p:cNvSpPr/>
-          <p:nvPr/>
-        </p:nvSpPr>
-        <p:spPr>
-          <a:xfrm>
-            <a:off x="-8390" y="2596393"/>
-            <a:ext cx="4330005" cy="3691156"/>
-          </a:xfrm>
-          <a:prstGeom prst="rect">
-            <a:avLst/>
-          </a:prstGeom>
-        </p:spPr>
-        <p:style>
-          <a:lnRef idx="2">
-            <a:schemeClr val="accent6">
-              <a:shade val="50000"/>
-            </a:schemeClr>
-          </a:lnRef>
-          <a:fillRef idx="1">
-            <a:schemeClr val="accent6"/>
-          </a:fillRef>
-          <a:effectRef idx="0">
-            <a:schemeClr val="accent6"/>
-          </a:effectRef>
-          <a:fontRef idx="minor">
-            <a:schemeClr val="lt1"/>
-          </a:fontRef>
-        </p:style>
-        <p:txBody>
-          <a:bodyPr rtlCol="0" anchor="ctr"/>
-          <a:lstStyle/>
-          <a:p>
-            <a:pPr algn="ctr"/>
-            <a:r>
-              <a:rPr lang="en-US" altLang="ko-KR" dirty="0"/>
-              <a:t>Ranking</a:t>
-            </a:r>
-          </a:p>
-          <a:p>
-            <a:pPr algn="ctr"/>
-            <a:r>
-              <a:rPr lang="en-US" altLang="ko-KR" dirty="0"/>
-              <a:t>Player list when at lobby</a:t>
-            </a:r>
-            <a:endParaRPr lang="ko-KR" altLang="en-US" dirty="0"/>
-          </a:p>
-        </p:txBody>
-      </p:sp>
-      <p:sp>
-        <p:nvSpPr>
-          <p:cNvPr id="26" name="직사각형 25">
-            <a:extLst>
-              <a:ext uri="{FF2B5EF4-FFF2-40B4-BE49-F238E27FC236}">
-                <a16:creationId xmlns:a16="http://schemas.microsoft.com/office/drawing/2014/main" id="{90367FBA-6188-A74D-C15D-63715A60AFD5}"/>
-              </a:ext>
-            </a:extLst>
-          </p:cNvPr>
-          <p:cNvSpPr/>
-          <p:nvPr/>
-        </p:nvSpPr>
-        <p:spPr>
-          <a:xfrm>
-            <a:off x="6370390" y="-9501"/>
-            <a:ext cx="1029020" cy="559837"/>
-          </a:xfrm>
-          <a:prstGeom prst="rect">
-            <a:avLst/>
-          </a:prstGeom>
-          <a:solidFill>
-            <a:schemeClr val="accent3"/>
-          </a:solidFill>
-          <a:ln>
-            <a:solidFill>
-              <a:schemeClr val="tx1"/>
-            </a:solidFill>
-          </a:ln>
-        </p:spPr>
-        <p:style>
-          <a:lnRef idx="2">
-            <a:schemeClr val="accent1">
-              <a:shade val="50000"/>
-            </a:schemeClr>
-          </a:lnRef>
-          <a:fillRef idx="1">
-            <a:schemeClr val="accent1"/>
-          </a:fillRef>
-          <a:effectRef idx="0">
-            <a:schemeClr val="accent1"/>
-          </a:effectRef>
-          <a:fontRef idx="minor">
-            <a:schemeClr val="lt1"/>
-          </a:fontRef>
-        </p:style>
-        <p:txBody>
-          <a:bodyPr rtlCol="0" anchor="ctr"/>
-          <a:lstStyle/>
-          <a:p>
-            <a:pPr algn="ctr"/>
-            <a:r>
-              <a:rPr lang="en-US" altLang="ko-KR"/>
-              <a:t>Sort</a:t>
-            </a:r>
-            <a:endParaRPr lang="ko-KR" altLang="en-US"/>
-          </a:p>
-        </p:txBody>
-      </p:sp>
-      <p:sp>
-        <p:nvSpPr>
-          <p:cNvPr id="28" name="직사각형 27">
-            <a:extLst>
-              <a:ext uri="{FF2B5EF4-FFF2-40B4-BE49-F238E27FC236}">
-                <a16:creationId xmlns:a16="http://schemas.microsoft.com/office/drawing/2014/main" id="{B00EE38B-799F-650C-81FD-141EA904738F}"/>
-              </a:ext>
-            </a:extLst>
-          </p:cNvPr>
-          <p:cNvSpPr/>
-          <p:nvPr/>
-        </p:nvSpPr>
-        <p:spPr>
-          <a:xfrm>
-            <a:off x="4321615" y="-19001"/>
-            <a:ext cx="1029020" cy="559837"/>
-          </a:xfrm>
-          <a:prstGeom prst="rect">
-            <a:avLst/>
-          </a:prstGeom>
-          <a:solidFill>
-            <a:schemeClr val="accent3"/>
-          </a:solidFill>
-          <a:ln>
-            <a:solidFill>
-              <a:schemeClr val="tx1"/>
-            </a:solidFill>
-          </a:ln>
-        </p:spPr>
-        <p:style>
-          <a:lnRef idx="2">
-            <a:schemeClr val="accent1">
-              <a:shade val="50000"/>
-            </a:schemeClr>
-          </a:lnRef>
-          <a:fillRef idx="1">
-            <a:schemeClr val="accent1"/>
-          </a:fillRef>
-          <a:effectRef idx="0">
-            <a:schemeClr val="accent1"/>
-          </a:effectRef>
-          <a:fontRef idx="minor">
-            <a:schemeClr val="lt1"/>
-          </a:fontRef>
-        </p:style>
-        <p:txBody>
-          <a:bodyPr rtlCol="0" anchor="ctr"/>
-          <a:lstStyle/>
-          <a:p>
-            <a:pPr algn="ctr"/>
-            <a:r>
-              <a:rPr lang="en-US" altLang="ko-KR"/>
-              <a:t>Mode</a:t>
-            </a:r>
-            <a:endParaRPr lang="ko-KR" altLang="en-US"/>
-          </a:p>
-        </p:txBody>
-      </p:sp>
-      <p:sp>
-        <p:nvSpPr>
-          <p:cNvPr id="32" name="직사각형 31">
-            <a:extLst>
-              <a:ext uri="{FF2B5EF4-FFF2-40B4-BE49-F238E27FC236}">
-                <a16:creationId xmlns:a16="http://schemas.microsoft.com/office/drawing/2014/main" id="{0D283D03-E6F9-FDC9-157B-7BB76EFFD791}"/>
-              </a:ext>
-            </a:extLst>
-          </p:cNvPr>
-          <p:cNvSpPr/>
-          <p:nvPr/>
-        </p:nvSpPr>
-        <p:spPr>
-          <a:xfrm>
-            <a:off x="7416188" y="578837"/>
-            <a:ext cx="4784201" cy="279919"/>
-          </a:xfrm>
-          <a:prstGeom prst="rect">
-            <a:avLst/>
-          </a:prstGeom>
-          <a:ln/>
-        </p:spPr>
-        <p:style>
-          <a:lnRef idx="3">
-            <a:schemeClr val="lt1"/>
-          </a:lnRef>
-          <a:fillRef idx="1">
-            <a:schemeClr val="accent1"/>
-          </a:fillRef>
-          <a:effectRef idx="1">
-            <a:schemeClr val="accent1"/>
-          </a:effectRef>
-          <a:fontRef idx="minor">
-            <a:schemeClr val="lt1"/>
-          </a:fontRef>
-        </p:style>
-        <p:txBody>
-          <a:bodyPr rtlCol="0" anchor="ctr"/>
-          <a:lstStyle/>
-          <a:p>
-            <a:pPr algn="ctr"/>
-            <a:r>
-              <a:rPr lang="en-US" altLang="ko-KR"/>
-              <a:t>Search</a:t>
-            </a:r>
-            <a:endParaRPr lang="ko-KR" altLang="en-US"/>
-          </a:p>
-        </p:txBody>
-      </p:sp>
-      <p:sp>
-        <p:nvSpPr>
-          <p:cNvPr id="34" name="직사각형 33">
-            <a:extLst>
-              <a:ext uri="{FF2B5EF4-FFF2-40B4-BE49-F238E27FC236}">
-                <a16:creationId xmlns:a16="http://schemas.microsoft.com/office/drawing/2014/main" id="{588E1E37-2295-3D1E-EFFA-F3242066BF1F}"/>
-              </a:ext>
-            </a:extLst>
-          </p:cNvPr>
-          <p:cNvSpPr/>
-          <p:nvPr/>
-        </p:nvSpPr>
-        <p:spPr>
-          <a:xfrm>
-            <a:off x="4836125" y="6298163"/>
-            <a:ext cx="1029020" cy="559837"/>
-          </a:xfrm>
-          <a:prstGeom prst="rect">
-            <a:avLst/>
-          </a:prstGeom>
-          <a:solidFill>
-            <a:schemeClr val="accent3"/>
-          </a:solidFill>
-          <a:ln>
-            <a:solidFill>
-              <a:schemeClr val="tx1"/>
-            </a:solidFill>
-          </a:ln>
-        </p:spPr>
-        <p:style>
-          <a:lnRef idx="2">
-            <a:schemeClr val="accent1">
-              <a:shade val="50000"/>
-            </a:schemeClr>
-          </a:lnRef>
-          <a:fillRef idx="1">
-            <a:schemeClr val="accent1"/>
-          </a:fillRef>
-          <a:effectRef idx="0">
-            <a:schemeClr val="accent1"/>
-          </a:effectRef>
-          <a:fontRef idx="minor">
-            <a:schemeClr val="lt1"/>
-          </a:fontRef>
-        </p:style>
-        <p:txBody>
-          <a:bodyPr rtlCol="0" anchor="ctr"/>
-          <a:lstStyle/>
-          <a:p>
-            <a:pPr algn="ctr"/>
-            <a:r>
-              <a:rPr lang="en-US" altLang="ko-KR"/>
-              <a:t>Options</a:t>
-            </a:r>
-            <a:endParaRPr lang="ko-KR" altLang="en-US"/>
-          </a:p>
-        </p:txBody>
-      </p:sp>
-      <p:sp>
-        <p:nvSpPr>
-          <p:cNvPr id="3" name="직사각형 2">
-            <a:extLst>
-              <a:ext uri="{FF2B5EF4-FFF2-40B4-BE49-F238E27FC236}">
-                <a16:creationId xmlns:a16="http://schemas.microsoft.com/office/drawing/2014/main" id="{DCB1CA92-C1A3-3222-BF0B-A42BAD23AF3F}"/>
-              </a:ext>
-            </a:extLst>
-          </p:cNvPr>
-          <p:cNvSpPr/>
-          <p:nvPr/>
-        </p:nvSpPr>
-        <p:spPr>
-          <a:xfrm>
-            <a:off x="10186880" y="-9501"/>
-            <a:ext cx="2039510" cy="559837"/>
-          </a:xfrm>
-          <a:prstGeom prst="rect">
-            <a:avLst/>
-          </a:prstGeom>
-          <a:solidFill>
-            <a:schemeClr val="accent3"/>
-          </a:solidFill>
-          <a:ln>
-            <a:solidFill>
-              <a:schemeClr val="tx1"/>
-            </a:solidFill>
-          </a:ln>
-        </p:spPr>
-        <p:style>
-          <a:lnRef idx="2">
-            <a:schemeClr val="accent1">
-              <a:shade val="50000"/>
-            </a:schemeClr>
-          </a:lnRef>
-          <a:fillRef idx="1">
-            <a:schemeClr val="accent1"/>
-          </a:fillRef>
-          <a:effectRef idx="0">
-            <a:schemeClr val="accent1"/>
-          </a:effectRef>
-          <a:fontRef idx="minor">
-            <a:schemeClr val="lt1"/>
-          </a:fontRef>
-        </p:style>
-        <p:txBody>
-          <a:bodyPr rtlCol="0" anchor="ctr"/>
-          <a:lstStyle/>
-          <a:p>
-            <a:pPr algn="ctr"/>
-            <a:r>
-              <a:rPr lang="en-US" altLang="ko-KR"/>
-              <a:t>Statistics</a:t>
-            </a:r>
-            <a:endParaRPr lang="ko-KR" altLang="en-US" dirty="0"/>
-          </a:p>
-        </p:txBody>
-      </p:sp>
+        </p:spPr>
+      </p:pic>
     </p:spTree>
     <p:extLst>
       <p:ext uri="{BB962C8B-B14F-4D97-AF65-F5344CB8AC3E}">
-        <p14:creationId xmlns:p14="http://schemas.microsoft.com/office/powerpoint/2010/main" val="3371721876"/>
+        <p14:creationId xmlns:p14="http://schemas.microsoft.com/office/powerpoint/2010/main" val="1458503390"/>
       </p:ext>
     </p:extLst>
   </p:cSld>
@@ -16518,49 +16665,102 @@
           <a:chExt cx="0" cy="0"/>
         </a:xfrm>
       </p:grpSpPr>
-      <p:pic>
-        <p:nvPicPr>
-          <p:cNvPr id="3" name="그래픽 2">
-            <a:extLst>
-              <a:ext uri="{FF2B5EF4-FFF2-40B4-BE49-F238E27FC236}">
-                <a16:creationId xmlns:a16="http://schemas.microsoft.com/office/drawing/2014/main" id="{6EF15F76-81F4-63B1-B380-56118D68C9C4}"/>
-              </a:ext>
-            </a:extLst>
-          </p:cNvPr>
-          <p:cNvPicPr>
-            <a:picLocks noChangeAspect="1"/>
-          </p:cNvPicPr>
-          <p:nvPr/>
-        </p:nvPicPr>
-        <p:blipFill>
-          <a:blip r:embed="rId2">
-            <a:extLst>
-              <a:ext uri="{28A0092B-C50C-407E-A947-70E740481C1C}">
-                <a14:useLocalDpi xmlns:a14="http://schemas.microsoft.com/office/drawing/2010/main" val="0"/>
-              </a:ext>
-              <a:ext uri="{96DAC541-7B7A-43D3-8B79-37D633B846F1}">
-                <asvg:svgBlip xmlns:asvg="http://schemas.microsoft.com/office/drawing/2016/SVG/main" r:embed="rId3"/>
-              </a:ext>
-            </a:extLst>
-          </a:blip>
-          <a:stretch>
-            <a:fillRect/>
-          </a:stretch>
-        </p:blipFill>
-        <p:spPr>
-          <a:xfrm>
-            <a:off x="3020267" y="0"/>
-            <a:ext cx="6151465" cy="6858000"/>
-          </a:xfrm>
-          <a:prstGeom prst="rect">
-            <a:avLst/>
-          </a:prstGeom>
-        </p:spPr>
-      </p:pic>
+      <p:sp>
+        <p:nvSpPr>
+          <p:cNvPr id="4" name="타원 3">
+            <a:extLst>
+              <a:ext uri="{FF2B5EF4-FFF2-40B4-BE49-F238E27FC236}">
+                <a16:creationId xmlns:a16="http://schemas.microsoft.com/office/drawing/2014/main" id="{6BEC0AAC-FE02-DF27-3A44-CD87A258999E}"/>
+              </a:ext>
+            </a:extLst>
+          </p:cNvPr>
+          <p:cNvSpPr/>
+          <p:nvPr/>
+        </p:nvSpPr>
+        <p:spPr>
+          <a:xfrm>
+            <a:off x="4749679" y="2738865"/>
+            <a:ext cx="1716126" cy="1716126"/>
+          </a:xfrm>
+          <a:prstGeom prst="ellipse">
+            <a:avLst/>
+          </a:prstGeom>
+        </p:spPr>
+        <p:style>
+          <a:lnRef idx="2">
+            <a:schemeClr val="accent1">
+              <a:shade val="50000"/>
+            </a:schemeClr>
+          </a:lnRef>
+          <a:fillRef idx="1">
+            <a:schemeClr val="accent1"/>
+          </a:fillRef>
+          <a:effectRef idx="0">
+            <a:schemeClr val="accent1"/>
+          </a:effectRef>
+          <a:fontRef idx="minor">
+            <a:schemeClr val="lt1"/>
+          </a:fontRef>
+        </p:style>
+        <p:txBody>
+          <a:bodyPr rtlCol="0" anchor="ctr"/>
+          <a:lstStyle/>
+          <a:p>
+            <a:pPr algn="ctr"/>
+            <a:endParaRPr lang="ko-KR" altLang="en-US"/>
+          </a:p>
+        </p:txBody>
+      </p:sp>
+      <p:sp>
+        <p:nvSpPr>
+          <p:cNvPr id="6" name="타원 5">
+            <a:extLst>
+              <a:ext uri="{FF2B5EF4-FFF2-40B4-BE49-F238E27FC236}">
+                <a16:creationId xmlns:a16="http://schemas.microsoft.com/office/drawing/2014/main" id="{F3166636-5269-EF3C-0EE9-F6D39995609A}"/>
+              </a:ext>
+            </a:extLst>
+          </p:cNvPr>
+          <p:cNvSpPr/>
+          <p:nvPr/>
+        </p:nvSpPr>
+        <p:spPr>
+          <a:xfrm>
+            <a:off x="5399727" y="3394331"/>
+            <a:ext cx="416030" cy="416030"/>
+          </a:xfrm>
+          <a:prstGeom prst="ellipse">
+            <a:avLst/>
+          </a:prstGeom>
+        </p:spPr>
+        <p:style>
+          <a:lnRef idx="2">
+            <a:schemeClr val="accent1">
+              <a:shade val="50000"/>
+            </a:schemeClr>
+          </a:lnRef>
+          <a:fillRef idx="1">
+            <a:schemeClr val="accent1"/>
+          </a:fillRef>
+          <a:effectRef idx="0">
+            <a:schemeClr val="accent1"/>
+          </a:effectRef>
+          <a:fontRef idx="minor">
+            <a:schemeClr val="lt1"/>
+          </a:fontRef>
+        </p:style>
+        <p:txBody>
+          <a:bodyPr rtlCol="0" anchor="ctr"/>
+          <a:lstStyle/>
+          <a:p>
+            <a:pPr algn="ctr"/>
+            <a:endParaRPr lang="ko-KR" altLang="en-US"/>
+          </a:p>
+        </p:txBody>
+      </p:sp>
     </p:spTree>
     <p:extLst>
       <p:ext uri="{BB962C8B-B14F-4D97-AF65-F5344CB8AC3E}">
-        <p14:creationId xmlns:p14="http://schemas.microsoft.com/office/powerpoint/2010/main" val="1458503390"/>
+        <p14:creationId xmlns:p14="http://schemas.microsoft.com/office/powerpoint/2010/main" val="1679457705"/>
       </p:ext>
     </p:extLst>
   </p:cSld>

--- a/gosu-ui.pptx
+++ b/gosu-ui.pptx
@@ -8827,6 +8827,106 @@
       </p:grpSpPr>
       <p:sp>
         <p:nvSpPr>
+          <p:cNvPr id="30" name="사각형: 둥근 모서리 29">
+            <a:extLst>
+              <a:ext uri="{FF2B5EF4-FFF2-40B4-BE49-F238E27FC236}">
+                <a16:creationId xmlns:a16="http://schemas.microsoft.com/office/drawing/2014/main" id="{9F7B7477-C69E-19CF-86A2-FF3525D0FC30}"/>
+              </a:ext>
+            </a:extLst>
+          </p:cNvPr>
+          <p:cNvSpPr/>
+          <p:nvPr/>
+        </p:nvSpPr>
+        <p:spPr>
+          <a:xfrm>
+            <a:off x="3389807" y="304660"/>
+            <a:ext cx="5045276" cy="900442"/>
+          </a:xfrm>
+          <a:prstGeom prst="roundRect">
+            <a:avLst>
+              <a:gd name="adj" fmla="val 0"/>
+            </a:avLst>
+          </a:prstGeom>
+          <a:solidFill>
+            <a:srgbClr val="808080">
+              <a:alpha val="89804"/>
+            </a:srgbClr>
+          </a:solidFill>
+          <a:ln>
+            <a:noFill/>
+          </a:ln>
+        </p:spPr>
+        <p:style>
+          <a:lnRef idx="2">
+            <a:schemeClr val="accent1">
+              <a:shade val="50000"/>
+            </a:schemeClr>
+          </a:lnRef>
+          <a:fillRef idx="1">
+            <a:schemeClr val="accent1"/>
+          </a:fillRef>
+          <a:effectRef idx="0">
+            <a:schemeClr val="accent1"/>
+          </a:effectRef>
+          <a:fontRef idx="minor">
+            <a:schemeClr val="lt1"/>
+          </a:fontRef>
+        </p:style>
+        <p:txBody>
+          <a:bodyPr rtlCol="0" anchor="ctr"/>
+          <a:lstStyle/>
+          <a:p>
+            <a:pPr algn="ctr"/>
+            <a:r>
+              <a:rPr lang="en-US" altLang="ko-KR" sz="1400" dirty="0" err="1">
+                <a:solidFill>
+                  <a:schemeClr val="bg1"/>
+                </a:solidFill>
+                <a:latin typeface="Comic Sans MS" panose="030F0702030302020204" pitchFamily="66" charset="0"/>
+              </a:rPr>
+              <a:t>Soliely</a:t>
+            </a:r>
+            <a:endParaRPr lang="en-US" altLang="ko-KR" sz="1800" dirty="0">
+              <a:solidFill>
+                <a:schemeClr val="bg1"/>
+              </a:solidFill>
+              <a:latin typeface="Comic Sans MS" panose="030F0702030302020204" pitchFamily="66" charset="0"/>
+            </a:endParaRPr>
+          </a:p>
+          <a:p>
+            <a:pPr algn="ctr"/>
+            <a:r>
+              <a:rPr lang="en-US" altLang="ko-KR" sz="2000" dirty="0">
+                <a:solidFill>
+                  <a:schemeClr val="bg1"/>
+                </a:solidFill>
+                <a:latin typeface="Comic Sans MS" panose="030F0702030302020204" pitchFamily="66" charset="0"/>
+              </a:rPr>
+              <a:t>Renatus</a:t>
+            </a:r>
+            <a:endParaRPr lang="en-US" altLang="ko-KR" sz="1800" dirty="0">
+              <a:solidFill>
+                <a:schemeClr val="bg1"/>
+              </a:solidFill>
+              <a:latin typeface="Comic Sans MS" panose="030F0702030302020204" pitchFamily="66" charset="0"/>
+            </a:endParaRPr>
+          </a:p>
+          <a:p>
+            <a:pPr algn="ctr"/>
+            <a:r>
+              <a:rPr lang="en-US" altLang="ko-KR" sz="1800" dirty="0">
+                <a:solidFill>
+                  <a:schemeClr val="bg1"/>
+                </a:solidFill>
+                <a:latin typeface="Comic Sans MS" panose="030F0702030302020204" pitchFamily="66" charset="0"/>
+              </a:rPr>
+              <a:t>Normal</a:t>
+            </a:r>
+          </a:p>
+        </p:txBody>
+      </p:sp>
+      <p:sp>
+        <p:nvSpPr>
           <p:cNvPr id="16" name="사각형: 둥근 모서리 15">
             <a:extLst>
               <a:ext uri="{FF2B5EF4-FFF2-40B4-BE49-F238E27FC236}">
@@ -11512,51 +11612,12 @@
           <a:lstStyle/>
           <a:p>
             <a:pPr algn="ctr"/>
-            <a:r>
-              <a:rPr lang="en-US" altLang="ko-KR" sz="1600" dirty="0" err="1">
-                <a:solidFill>
-                  <a:schemeClr val="tx1"/>
-                </a:solidFill>
-                <a:latin typeface="Comic Sans MS" panose="030F0702030302020204" pitchFamily="66" charset="0"/>
-              </a:rPr>
-              <a:t>Soliely</a:t>
-            </a:r>
             <a:endParaRPr lang="en-US" altLang="ko-KR" sz="2000" dirty="0">
               <a:solidFill>
                 <a:schemeClr val="tx1"/>
               </a:solidFill>
               <a:latin typeface="Comic Sans MS" panose="030F0702030302020204" pitchFamily="66" charset="0"/>
             </a:endParaRPr>
-          </a:p>
-          <a:p>
-            <a:pPr algn="ctr"/>
-            <a:r>
-              <a:rPr lang="en-US" altLang="ko-KR" sz="2400" dirty="0">
-                <a:solidFill>
-                  <a:schemeClr val="tx1"/>
-                </a:solidFill>
-                <a:latin typeface="Comic Sans MS" panose="030F0702030302020204" pitchFamily="66" charset="0"/>
-              </a:rPr>
-              <a:t>Renatus</a:t>
-            </a:r>
-            <a:endParaRPr lang="en-US" altLang="ko-KR" sz="2000" dirty="0">
-              <a:solidFill>
-                <a:schemeClr val="tx1"/>
-              </a:solidFill>
-              <a:latin typeface="Comic Sans MS" panose="030F0702030302020204" pitchFamily="66" charset="0"/>
-            </a:endParaRPr>
-          </a:p>
-          <a:p>
-            <a:pPr algn="ctr"/>
-            <a:r>
-              <a:rPr lang="en-US" altLang="ko-KR" sz="2000" dirty="0">
-                <a:solidFill>
-                  <a:schemeClr val="tx1"/>
-                </a:solidFill>
-                <a:latin typeface="Comic Sans MS" panose="030F0702030302020204" pitchFamily="66" charset="0"/>
-              </a:rPr>
-              <a:t>Normal</a:t>
-            </a:r>
           </a:p>
         </p:txBody>
       </p:sp>
@@ -13491,17 +13552,18 @@
           <a:p>
             <a:pPr algn="ctr"/>
             <a:r>
-              <a:rPr lang="en-US" altLang="ko-KR"/>
+              <a:rPr lang="en-US" altLang="ko-KR" dirty="0" err="1"/>
               <a:t>ChartBoardBox</a:t>
             </a:r>
+            <a:endParaRPr lang="en-US" altLang="ko-KR" dirty="0"/>
           </a:p>
           <a:p>
             <a:pPr algn="ctr"/>
             <a:r>
-              <a:rPr lang="en-US" altLang="ko-KR"/>
+              <a:rPr lang="en-US" altLang="ko-KR" dirty="0"/>
               <a:t>(stands for signboard)</a:t>
             </a:r>
-            <a:endParaRPr lang="ko-KR" altLang="en-US"/>
+            <a:endParaRPr lang="ko-KR" altLang="en-US" dirty="0"/>
           </a:p>
         </p:txBody>
       </p:sp>
@@ -13678,10 +13740,10 @@
           <a:lstStyle/>
           <a:p>
             <a:r>
-              <a:rPr lang="en-US" altLang="ko-KR"/>
+              <a:rPr lang="en-US" altLang="ko-KR" dirty="0" err="1"/>
               <a:t>ChartLevelBox</a:t>
             </a:r>
-            <a:endParaRPr lang="ko-KR" altLang="en-US"/>
+            <a:endParaRPr lang="ko-KR" altLang="en-US" dirty="0"/>
           </a:p>
         </p:txBody>
       </p:sp>
@@ -14107,8 +14169,8 @@
         </p:nvSpPr>
         <p:spPr>
           <a:xfrm>
-            <a:off x="3800790" y="2679426"/>
-            <a:ext cx="1436740" cy="369332"/>
+            <a:off x="3537421" y="2991420"/>
+            <a:ext cx="1685205" cy="369332"/>
           </a:xfrm>
           <a:prstGeom prst="rect">
             <a:avLst/>
@@ -14122,10 +14184,10 @@
           <a:lstStyle/>
           <a:p>
             <a:r>
-              <a:rPr lang="en-US" altLang="ko-KR"/>
-              <a:t>UserTextBox</a:t>
-            </a:r>
-            <a:endParaRPr lang="ko-KR" altLang="en-US"/>
+              <a:rPr lang="en-US" altLang="ko-KR" dirty="0" err="1"/>
+              <a:t>UserAvatarBox</a:t>
+            </a:r>
+            <a:endParaRPr lang="ko-KR" altLang="en-US" dirty="0"/>
           </a:p>
         </p:txBody>
       </p:sp>
@@ -14143,7 +14205,7 @@
         </p:nvSpPr>
         <p:spPr>
           <a:xfrm>
-            <a:off x="3800790" y="2308131"/>
+            <a:off x="3537421" y="2620125"/>
             <a:ext cx="1436740" cy="369332"/>
           </a:xfrm>
           <a:prstGeom prst="rect">
@@ -14162,6 +14224,78 @@
               <a:t>UserTextBox</a:t>
             </a:r>
             <a:endParaRPr lang="ko-KR" altLang="en-US"/>
+          </a:p>
+        </p:txBody>
+      </p:sp>
+      <p:sp>
+        <p:nvSpPr>
+          <p:cNvPr id="5" name="TextBox 4">
+            <a:extLst>
+              <a:ext uri="{FF2B5EF4-FFF2-40B4-BE49-F238E27FC236}">
+                <a16:creationId xmlns:a16="http://schemas.microsoft.com/office/drawing/2014/main" id="{EC758171-876E-C2D4-545F-A81A7251D67B}"/>
+              </a:ext>
+            </a:extLst>
+          </p:cNvPr>
+          <p:cNvSpPr txBox="1"/>
+          <p:nvPr/>
+        </p:nvSpPr>
+        <p:spPr>
+          <a:xfrm>
+            <a:off x="3369155" y="1898175"/>
+            <a:ext cx="1544077" cy="369332"/>
+          </a:xfrm>
+          <a:prstGeom prst="rect">
+            <a:avLst/>
+          </a:prstGeom>
+          <a:noFill/>
+        </p:spPr>
+        <p:txBody>
+          <a:bodyPr wrap="none" rtlCol="0">
+            <a:spAutoFit/>
+          </a:bodyPr>
+          <a:lstStyle/>
+          <a:p>
+            <a:r>
+              <a:rPr lang="en-US" altLang="ko-KR" dirty="0" err="1"/>
+              <a:t>ScoreTextBox</a:t>
+            </a:r>
+            <a:endParaRPr lang="ko-KR" altLang="en-US" dirty="0"/>
+          </a:p>
+        </p:txBody>
+      </p:sp>
+      <p:sp>
+        <p:nvSpPr>
+          <p:cNvPr id="12" name="TextBox 11">
+            <a:extLst>
+              <a:ext uri="{FF2B5EF4-FFF2-40B4-BE49-F238E27FC236}">
+                <a16:creationId xmlns:a16="http://schemas.microsoft.com/office/drawing/2014/main" id="{E287BD45-A43F-1E12-6F22-53965E0A2BC7}"/>
+              </a:ext>
+            </a:extLst>
+          </p:cNvPr>
+          <p:cNvSpPr txBox="1"/>
+          <p:nvPr/>
+        </p:nvSpPr>
+        <p:spPr>
+          <a:xfrm>
+            <a:off x="3373200" y="2175174"/>
+            <a:ext cx="1683602" cy="369332"/>
+          </a:xfrm>
+          <a:prstGeom prst="rect">
+            <a:avLst/>
+          </a:prstGeom>
+          <a:noFill/>
+        </p:spPr>
+        <p:txBody>
+          <a:bodyPr wrap="none" rtlCol="0">
+            <a:spAutoFit/>
+          </a:bodyPr>
+          <a:lstStyle/>
+          <a:p>
+            <a:r>
+              <a:rPr lang="en-US" altLang="ko-KR" dirty="0" err="1"/>
+              <a:t>ScoreLabelBox</a:t>
+            </a:r>
+            <a:endParaRPr lang="ko-KR" altLang="en-US" dirty="0"/>
           </a:p>
         </p:txBody>
       </p:sp>

--- a/gosu-ui.pptx
+++ b/gosu-ui.pptx
@@ -214,7 +214,7 @@
           <a:p>
             <a:fld id="{29E79E71-CE1C-407F-A875-4BDA80D256F6}" type="datetimeFigureOut">
               <a:rPr lang="ko-KR" altLang="en-US" smtClean="0"/>
-              <a:t>2022-09-16</a:t>
+              <a:t>2022-09-18</a:t>
             </a:fld>
             <a:endParaRPr lang="ko-KR" altLang="en-US"/>
           </a:p>
@@ -796,7 +796,7 @@
           <a:p>
             <a:fld id="{9A87183D-DD90-4DD0-9571-682C12DD2772}" type="datetimeFigureOut">
               <a:rPr lang="ko-KR" altLang="en-US" smtClean="0"/>
-              <a:t>2022-09-16</a:t>
+              <a:t>2022-09-18</a:t>
             </a:fld>
             <a:endParaRPr lang="ko-KR" altLang="en-US"/>
           </a:p>
@@ -994,7 +994,7 @@
           <a:p>
             <a:fld id="{9A87183D-DD90-4DD0-9571-682C12DD2772}" type="datetimeFigureOut">
               <a:rPr lang="ko-KR" altLang="en-US" smtClean="0"/>
-              <a:t>2022-09-16</a:t>
+              <a:t>2022-09-18</a:t>
             </a:fld>
             <a:endParaRPr lang="ko-KR" altLang="en-US"/>
           </a:p>
@@ -1202,7 +1202,7 @@
           <a:p>
             <a:fld id="{9A87183D-DD90-4DD0-9571-682C12DD2772}" type="datetimeFigureOut">
               <a:rPr lang="ko-KR" altLang="en-US" smtClean="0"/>
-              <a:t>2022-09-16</a:t>
+              <a:t>2022-09-18</a:t>
             </a:fld>
             <a:endParaRPr lang="ko-KR" altLang="en-US"/>
           </a:p>
@@ -1400,7 +1400,7 @@
           <a:p>
             <a:fld id="{9A87183D-DD90-4DD0-9571-682C12DD2772}" type="datetimeFigureOut">
               <a:rPr lang="ko-KR" altLang="en-US" smtClean="0"/>
-              <a:t>2022-09-16</a:t>
+              <a:t>2022-09-18</a:t>
             </a:fld>
             <a:endParaRPr lang="ko-KR" altLang="en-US"/>
           </a:p>
@@ -1675,7 +1675,7 @@
           <a:p>
             <a:fld id="{9A87183D-DD90-4DD0-9571-682C12DD2772}" type="datetimeFigureOut">
               <a:rPr lang="ko-KR" altLang="en-US" smtClean="0"/>
-              <a:t>2022-09-16</a:t>
+              <a:t>2022-09-18</a:t>
             </a:fld>
             <a:endParaRPr lang="ko-KR" altLang="en-US"/>
           </a:p>
@@ -1940,7 +1940,7 @@
           <a:p>
             <a:fld id="{9A87183D-DD90-4DD0-9571-682C12DD2772}" type="datetimeFigureOut">
               <a:rPr lang="ko-KR" altLang="en-US" smtClean="0"/>
-              <a:t>2022-09-16</a:t>
+              <a:t>2022-09-18</a:t>
             </a:fld>
             <a:endParaRPr lang="ko-KR" altLang="en-US"/>
           </a:p>
@@ -2352,7 +2352,7 @@
           <a:p>
             <a:fld id="{9A87183D-DD90-4DD0-9571-682C12DD2772}" type="datetimeFigureOut">
               <a:rPr lang="ko-KR" altLang="en-US" smtClean="0"/>
-              <a:t>2022-09-16</a:t>
+              <a:t>2022-09-18</a:t>
             </a:fld>
             <a:endParaRPr lang="ko-KR" altLang="en-US"/>
           </a:p>
@@ -2493,7 +2493,7 @@
           <a:p>
             <a:fld id="{9A87183D-DD90-4DD0-9571-682C12DD2772}" type="datetimeFigureOut">
               <a:rPr lang="ko-KR" altLang="en-US" smtClean="0"/>
-              <a:t>2022-09-16</a:t>
+              <a:t>2022-09-18</a:t>
             </a:fld>
             <a:endParaRPr lang="ko-KR" altLang="en-US"/>
           </a:p>
@@ -2606,7 +2606,7 @@
           <a:p>
             <a:fld id="{9A87183D-DD90-4DD0-9571-682C12DD2772}" type="datetimeFigureOut">
               <a:rPr lang="ko-KR" altLang="en-US" smtClean="0"/>
-              <a:t>2022-09-16</a:t>
+              <a:t>2022-09-18</a:t>
             </a:fld>
             <a:endParaRPr lang="ko-KR" altLang="en-US"/>
           </a:p>
@@ -2917,7 +2917,7 @@
           <a:p>
             <a:fld id="{9A87183D-DD90-4DD0-9571-682C12DD2772}" type="datetimeFigureOut">
               <a:rPr lang="ko-KR" altLang="en-US" smtClean="0"/>
-              <a:t>2022-09-16</a:t>
+              <a:t>2022-09-18</a:t>
             </a:fld>
             <a:endParaRPr lang="ko-KR" altLang="en-US"/>
           </a:p>
@@ -3205,7 +3205,7 @@
           <a:p>
             <a:fld id="{9A87183D-DD90-4DD0-9571-682C12DD2772}" type="datetimeFigureOut">
               <a:rPr lang="ko-KR" altLang="en-US" smtClean="0"/>
-              <a:t>2022-09-16</a:t>
+              <a:t>2022-09-18</a:t>
             </a:fld>
             <a:endParaRPr lang="ko-KR" altLang="en-US"/>
           </a:p>
@@ -3446,7 +3446,7 @@
           <a:p>
             <a:fld id="{9A87183D-DD90-4DD0-9571-682C12DD2772}" type="datetimeFigureOut">
               <a:rPr lang="ko-KR" altLang="en-US" smtClean="0"/>
-              <a:t>2022-09-16</a:t>
+              <a:t>2022-09-18</a:t>
             </a:fld>
             <a:endParaRPr lang="ko-KR" altLang="en-US"/>
           </a:p>
@@ -14296,6 +14296,73 @@
               <a:t>ScoreLabelBox</a:t>
             </a:r>
             <a:endParaRPr lang="ko-KR" altLang="en-US" dirty="0"/>
+          </a:p>
+        </p:txBody>
+      </p:sp>
+      <p:sp>
+        <p:nvSpPr>
+          <p:cNvPr id="4" name="이등변 삼각형 3">
+            <a:extLst>
+              <a:ext uri="{FF2B5EF4-FFF2-40B4-BE49-F238E27FC236}">
+                <a16:creationId xmlns:a16="http://schemas.microsoft.com/office/drawing/2014/main" id="{EA15AB18-02F0-53D4-A6B8-75F0F2674F15}"/>
+              </a:ext>
+            </a:extLst>
+          </p:cNvPr>
+          <p:cNvSpPr/>
+          <p:nvPr/>
+        </p:nvSpPr>
+        <p:spPr>
+          <a:xfrm rot="5400000">
+            <a:off x="4261160" y="4960058"/>
+            <a:ext cx="252000" cy="252000"/>
+          </a:xfrm>
+          <a:prstGeom prst="triangle">
+            <a:avLst>
+              <a:gd name="adj" fmla="val 40"/>
+            </a:avLst>
+          </a:prstGeom>
+          <a:solidFill>
+            <a:srgbClr val="FFFF00"/>
+          </a:solidFill>
+          <a:ln>
+            <a:solidFill>
+              <a:srgbClr val="002060"/>
+            </a:solidFill>
+          </a:ln>
+        </p:spPr>
+        <p:style>
+          <a:lnRef idx="2">
+            <a:schemeClr val="accent1">
+              <a:shade val="50000"/>
+            </a:schemeClr>
+          </a:lnRef>
+          <a:fillRef idx="1">
+            <a:schemeClr val="accent1"/>
+          </a:fillRef>
+          <a:effectRef idx="0">
+            <a:schemeClr val="accent1"/>
+          </a:effectRef>
+          <a:fontRef idx="minor">
+            <a:schemeClr val="lt1"/>
+          </a:fontRef>
+        </p:style>
+        <p:txBody>
+          <a:bodyPr vert="vert270" lIns="144000" tIns="108000" rIns="108000" rtlCol="0" anchor="ctr"/>
+          <a:lstStyle/>
+          <a:p>
+            <a:r>
+              <a:rPr lang="en-US" altLang="ko-KR" sz="1050" b="1">
+                <a:solidFill>
+                  <a:srgbClr val="7030A0"/>
+                </a:solidFill>
+              </a:rPr>
+              <a:t>4</a:t>
+            </a:r>
+            <a:endParaRPr lang="ko-KR" altLang="en-US" sz="1050" b="1">
+              <a:solidFill>
+                <a:srgbClr val="7030A0"/>
+              </a:solidFill>
+            </a:endParaRPr>
           </a:p>
         </p:txBody>
       </p:sp>

--- a/gosu-ui.pptx
+++ b/gosu-ui.pptx
@@ -5,20 +5,23 @@
     <p:sldMasterId id="2147483648" r:id="rId1"/>
   </p:sldMasterIdLst>
   <p:notesMasterIdLst>
-    <p:notesMasterId r:id="rId13"/>
+    <p:notesMasterId r:id="rId16"/>
   </p:notesMasterIdLst>
   <p:sldIdLst>
     <p:sldId id="259" r:id="rId2"/>
     <p:sldId id="260" r:id="rId3"/>
     <p:sldId id="265" r:id="rId4"/>
     <p:sldId id="271" r:id="rId5"/>
-    <p:sldId id="262" r:id="rId6"/>
-    <p:sldId id="270" r:id="rId7"/>
-    <p:sldId id="261" r:id="rId8"/>
-    <p:sldId id="258" r:id="rId9"/>
-    <p:sldId id="263" r:id="rId10"/>
-    <p:sldId id="267" r:id="rId11"/>
-    <p:sldId id="268" r:id="rId12"/>
+    <p:sldId id="272" r:id="rId6"/>
+    <p:sldId id="274" r:id="rId7"/>
+    <p:sldId id="275" r:id="rId8"/>
+    <p:sldId id="262" r:id="rId9"/>
+    <p:sldId id="270" r:id="rId10"/>
+    <p:sldId id="261" r:id="rId11"/>
+    <p:sldId id="258" r:id="rId12"/>
+    <p:sldId id="263" r:id="rId13"/>
+    <p:sldId id="267" r:id="rId14"/>
+    <p:sldId id="268" r:id="rId15"/>
   </p:sldIdLst>
   <p:sldSz cx="12192000" cy="6858000"/>
   <p:notesSz cx="6858000" cy="9144000"/>
@@ -215,7 +218,7 @@
           <a:p>
             <a:fld id="{29E79E71-CE1C-407F-A875-4BDA80D256F6}" type="datetimeFigureOut">
               <a:rPr lang="ko-KR" altLang="en-US" smtClean="0"/>
-              <a:t>2022-09-24</a:t>
+              <a:t>2022-10-10</a:t>
             </a:fld>
             <a:endParaRPr lang="ko-KR" altLang="en-US"/>
           </a:p>
@@ -881,7 +884,7 @@
           <a:p>
             <a:fld id="{9A87183D-DD90-4DD0-9571-682C12DD2772}" type="datetimeFigureOut">
               <a:rPr lang="ko-KR" altLang="en-US" smtClean="0"/>
-              <a:t>2022-09-24</a:t>
+              <a:t>2022-10-10</a:t>
             </a:fld>
             <a:endParaRPr lang="ko-KR" altLang="en-US"/>
           </a:p>
@@ -1079,7 +1082,7 @@
           <a:p>
             <a:fld id="{9A87183D-DD90-4DD0-9571-682C12DD2772}" type="datetimeFigureOut">
               <a:rPr lang="ko-KR" altLang="en-US" smtClean="0"/>
-              <a:t>2022-09-24</a:t>
+              <a:t>2022-10-10</a:t>
             </a:fld>
             <a:endParaRPr lang="ko-KR" altLang="en-US"/>
           </a:p>
@@ -1287,7 +1290,7 @@
           <a:p>
             <a:fld id="{9A87183D-DD90-4DD0-9571-682C12DD2772}" type="datetimeFigureOut">
               <a:rPr lang="ko-KR" altLang="en-US" smtClean="0"/>
-              <a:t>2022-09-24</a:t>
+              <a:t>2022-10-10</a:t>
             </a:fld>
             <a:endParaRPr lang="ko-KR" altLang="en-US"/>
           </a:p>
@@ -1485,7 +1488,7 @@
           <a:p>
             <a:fld id="{9A87183D-DD90-4DD0-9571-682C12DD2772}" type="datetimeFigureOut">
               <a:rPr lang="ko-KR" altLang="en-US" smtClean="0"/>
-              <a:t>2022-09-24</a:t>
+              <a:t>2022-10-10</a:t>
             </a:fld>
             <a:endParaRPr lang="ko-KR" altLang="en-US"/>
           </a:p>
@@ -1760,7 +1763,7 @@
           <a:p>
             <a:fld id="{9A87183D-DD90-4DD0-9571-682C12DD2772}" type="datetimeFigureOut">
               <a:rPr lang="ko-KR" altLang="en-US" smtClean="0"/>
-              <a:t>2022-09-24</a:t>
+              <a:t>2022-10-10</a:t>
             </a:fld>
             <a:endParaRPr lang="ko-KR" altLang="en-US"/>
           </a:p>
@@ -2025,7 +2028,7 @@
           <a:p>
             <a:fld id="{9A87183D-DD90-4DD0-9571-682C12DD2772}" type="datetimeFigureOut">
               <a:rPr lang="ko-KR" altLang="en-US" smtClean="0"/>
-              <a:t>2022-09-24</a:t>
+              <a:t>2022-10-10</a:t>
             </a:fld>
             <a:endParaRPr lang="ko-KR" altLang="en-US"/>
           </a:p>
@@ -2437,7 +2440,7 @@
           <a:p>
             <a:fld id="{9A87183D-DD90-4DD0-9571-682C12DD2772}" type="datetimeFigureOut">
               <a:rPr lang="ko-KR" altLang="en-US" smtClean="0"/>
-              <a:t>2022-09-24</a:t>
+              <a:t>2022-10-10</a:t>
             </a:fld>
             <a:endParaRPr lang="ko-KR" altLang="en-US"/>
           </a:p>
@@ -2578,7 +2581,7 @@
           <a:p>
             <a:fld id="{9A87183D-DD90-4DD0-9571-682C12DD2772}" type="datetimeFigureOut">
               <a:rPr lang="ko-KR" altLang="en-US" smtClean="0"/>
-              <a:t>2022-09-24</a:t>
+              <a:t>2022-10-10</a:t>
             </a:fld>
             <a:endParaRPr lang="ko-KR" altLang="en-US"/>
           </a:p>
@@ -2691,7 +2694,7 @@
           <a:p>
             <a:fld id="{9A87183D-DD90-4DD0-9571-682C12DD2772}" type="datetimeFigureOut">
               <a:rPr lang="ko-KR" altLang="en-US" smtClean="0"/>
-              <a:t>2022-09-24</a:t>
+              <a:t>2022-10-10</a:t>
             </a:fld>
             <a:endParaRPr lang="ko-KR" altLang="en-US"/>
           </a:p>
@@ -3002,7 +3005,7 @@
           <a:p>
             <a:fld id="{9A87183D-DD90-4DD0-9571-682C12DD2772}" type="datetimeFigureOut">
               <a:rPr lang="ko-KR" altLang="en-US" smtClean="0"/>
-              <a:t>2022-09-24</a:t>
+              <a:t>2022-10-10</a:t>
             </a:fld>
             <a:endParaRPr lang="ko-KR" altLang="en-US"/>
           </a:p>
@@ -3290,7 +3293,7 @@
           <a:p>
             <a:fld id="{9A87183D-DD90-4DD0-9571-682C12DD2772}" type="datetimeFigureOut">
               <a:rPr lang="ko-KR" altLang="en-US" smtClean="0"/>
-              <a:t>2022-09-24</a:t>
+              <a:t>2022-10-10</a:t>
             </a:fld>
             <a:endParaRPr lang="ko-KR" altLang="en-US"/>
           </a:p>
@@ -3531,7 +3534,7 @@
           <a:p>
             <a:fld id="{9A87183D-DD90-4DD0-9571-682C12DD2772}" type="datetimeFigureOut">
               <a:rPr lang="ko-KR" altLang="en-US" smtClean="0"/>
-              <a:t>2022-09-24</a:t>
+              <a:t>2022-10-10</a:t>
             </a:fld>
             <a:endParaRPr lang="ko-KR" altLang="en-US"/>
           </a:p>
@@ -4038,10 +4041,10 @@
       </p:grpSpPr>
       <p:sp>
         <p:nvSpPr>
-          <p:cNvPr id="4" name="타원 3">
-            <a:extLst>
-              <a:ext uri="{FF2B5EF4-FFF2-40B4-BE49-F238E27FC236}">
-                <a16:creationId xmlns:a16="http://schemas.microsoft.com/office/drawing/2014/main" id="{6BEC0AAC-FE02-DF27-3A44-CD87A258999E}"/>
+          <p:cNvPr id="3" name="자유형: 도형 2">
+            <a:extLst>
+              <a:ext uri="{FF2B5EF4-FFF2-40B4-BE49-F238E27FC236}">
+                <a16:creationId xmlns:a16="http://schemas.microsoft.com/office/drawing/2014/main" id="{D7BEE3F0-B4DD-5654-3E15-D7C68DCB4F79}"/>
               </a:ext>
             </a:extLst>
           </p:cNvPr>
@@ -4049,13 +4052,92 @@
           <p:nvPr/>
         </p:nvSpPr>
         <p:spPr>
-          <a:xfrm>
-            <a:off x="4749679" y="2738865"/>
-            <a:ext cx="1716126" cy="1716126"/>
-          </a:xfrm>
-          <a:prstGeom prst="ellipse">
+          <a:xfrm flipV="1">
+            <a:off x="0" y="5524500"/>
+            <a:ext cx="4311941" cy="1294528"/>
+          </a:xfrm>
+          <a:custGeom>
             <a:avLst/>
-          </a:prstGeom>
+            <a:gdLst>
+              <a:gd name="connsiteX0" fmla="*/ 0 w 4311941"/>
+              <a:gd name="connsiteY0" fmla="*/ 1283516 h 1327406"/>
+              <a:gd name="connsiteX1" fmla="*/ 1996580 w 4311941"/>
+              <a:gd name="connsiteY1" fmla="*/ 1266738 h 1327406"/>
+              <a:gd name="connsiteX2" fmla="*/ 3028426 w 4311941"/>
+              <a:gd name="connsiteY2" fmla="*/ 696286 h 1327406"/>
+              <a:gd name="connsiteX3" fmla="*/ 4009938 w 4311941"/>
+              <a:gd name="connsiteY3" fmla="*/ 352338 h 1327406"/>
+              <a:gd name="connsiteX4" fmla="*/ 4311941 w 4311941"/>
+              <a:gd name="connsiteY4" fmla="*/ 0 h 1327406"/>
+              <a:gd name="connsiteX0" fmla="*/ 0 w 4311941"/>
+              <a:gd name="connsiteY0" fmla="*/ 1283516 h 1314688"/>
+              <a:gd name="connsiteX1" fmla="*/ 1996580 w 4311941"/>
+              <a:gd name="connsiteY1" fmla="*/ 1266738 h 1314688"/>
+              <a:gd name="connsiteX2" fmla="*/ 3028426 w 4311941"/>
+              <a:gd name="connsiteY2" fmla="*/ 696286 h 1314688"/>
+              <a:gd name="connsiteX3" fmla="*/ 4009938 w 4311941"/>
+              <a:gd name="connsiteY3" fmla="*/ 352338 h 1314688"/>
+              <a:gd name="connsiteX4" fmla="*/ 4311941 w 4311941"/>
+              <a:gd name="connsiteY4" fmla="*/ 0 h 1314688"/>
+              <a:gd name="connsiteX0" fmla="*/ 0 w 4311941"/>
+              <a:gd name="connsiteY0" fmla="*/ 1283516 h 1294528"/>
+              <a:gd name="connsiteX1" fmla="*/ 1996580 w 4311941"/>
+              <a:gd name="connsiteY1" fmla="*/ 1233182 h 1294528"/>
+              <a:gd name="connsiteX2" fmla="*/ 3028426 w 4311941"/>
+              <a:gd name="connsiteY2" fmla="*/ 696286 h 1294528"/>
+              <a:gd name="connsiteX3" fmla="*/ 4009938 w 4311941"/>
+              <a:gd name="connsiteY3" fmla="*/ 352338 h 1294528"/>
+              <a:gd name="connsiteX4" fmla="*/ 4311941 w 4311941"/>
+              <a:gd name="connsiteY4" fmla="*/ 0 h 1294528"/>
+            </a:gdLst>
+            <a:ahLst/>
+            <a:cxnLst>
+              <a:cxn ang="0">
+                <a:pos x="connsiteX0" y="connsiteY0"/>
+              </a:cxn>
+              <a:cxn ang="0">
+                <a:pos x="connsiteX1" y="connsiteY1"/>
+              </a:cxn>
+              <a:cxn ang="0">
+                <a:pos x="connsiteX2" y="connsiteY2"/>
+              </a:cxn>
+              <a:cxn ang="0">
+                <a:pos x="connsiteX3" y="connsiteY3"/>
+              </a:cxn>
+              <a:cxn ang="0">
+                <a:pos x="connsiteX4" y="connsiteY4"/>
+              </a:cxn>
+            </a:cxnLst>
+            <a:rect l="l" t="t" r="r" b="b"/>
+            <a:pathLst>
+              <a:path w="4311941" h="1294528">
+                <a:moveTo>
+                  <a:pt x="0" y="1283516"/>
+                </a:moveTo>
+                <a:cubicBezTo>
+                  <a:pt x="729143" y="1282118"/>
+                  <a:pt x="1491842" y="1331054"/>
+                  <a:pt x="1996580" y="1233182"/>
+                </a:cubicBezTo>
+                <a:cubicBezTo>
+                  <a:pt x="2501318" y="1135310"/>
+                  <a:pt x="2692866" y="843093"/>
+                  <a:pt x="3028426" y="696286"/>
+                </a:cubicBezTo>
+                <a:cubicBezTo>
+                  <a:pt x="3363986" y="549479"/>
+                  <a:pt x="3796019" y="468386"/>
+                  <a:pt x="4009938" y="352338"/>
+                </a:cubicBezTo>
+                <a:cubicBezTo>
+                  <a:pt x="4223857" y="236290"/>
+                  <a:pt x="4263005" y="57325"/>
+                  <a:pt x="4311941" y="0"/>
+                </a:cubicBezTo>
+              </a:path>
+            </a:pathLst>
+          </a:custGeom>
+          <a:noFill/>
         </p:spPr>
         <p:style>
           <a:lnRef idx="2">
@@ -4084,10 +4166,10 @@
       </p:sp>
       <p:sp>
         <p:nvSpPr>
-          <p:cNvPr id="6" name="타원 5">
-            <a:extLst>
-              <a:ext uri="{FF2B5EF4-FFF2-40B4-BE49-F238E27FC236}">
-                <a16:creationId xmlns:a16="http://schemas.microsoft.com/office/drawing/2014/main" id="{F3166636-5269-EF3C-0EE9-F6D39995609A}"/>
+          <p:cNvPr id="5" name="자유형: 도형 4">
+            <a:extLst>
+              <a:ext uri="{FF2B5EF4-FFF2-40B4-BE49-F238E27FC236}">
+                <a16:creationId xmlns:a16="http://schemas.microsoft.com/office/drawing/2014/main" id="{A24E09F5-C8BD-501D-37A9-39114F526031}"/>
               </a:ext>
             </a:extLst>
           </p:cNvPr>
@@ -4096,12 +4178,171 @@
         </p:nvSpPr>
         <p:spPr>
           <a:xfrm>
-            <a:off x="5399727" y="3394331"/>
-            <a:ext cx="416030" cy="416030"/>
-          </a:xfrm>
-          <a:prstGeom prst="ellipse">
+            <a:off x="0" y="-104775"/>
+            <a:ext cx="4457700" cy="1655847"/>
+          </a:xfrm>
+          <a:custGeom>
+            <a:avLst/>
+            <a:gdLst>
+              <a:gd name="connsiteX0" fmla="*/ 0 w 4311941"/>
+              <a:gd name="connsiteY0" fmla="*/ 1283516 h 1327406"/>
+              <a:gd name="connsiteX1" fmla="*/ 1996580 w 4311941"/>
+              <a:gd name="connsiteY1" fmla="*/ 1266738 h 1327406"/>
+              <a:gd name="connsiteX2" fmla="*/ 3028426 w 4311941"/>
+              <a:gd name="connsiteY2" fmla="*/ 696286 h 1327406"/>
+              <a:gd name="connsiteX3" fmla="*/ 4009938 w 4311941"/>
+              <a:gd name="connsiteY3" fmla="*/ 352338 h 1327406"/>
+              <a:gd name="connsiteX4" fmla="*/ 4311941 w 4311941"/>
+              <a:gd name="connsiteY4" fmla="*/ 0 h 1327406"/>
+              <a:gd name="connsiteX0" fmla="*/ 0 w 4311941"/>
+              <a:gd name="connsiteY0" fmla="*/ 1283516 h 1314688"/>
+              <a:gd name="connsiteX1" fmla="*/ 1996580 w 4311941"/>
+              <a:gd name="connsiteY1" fmla="*/ 1266738 h 1314688"/>
+              <a:gd name="connsiteX2" fmla="*/ 3028426 w 4311941"/>
+              <a:gd name="connsiteY2" fmla="*/ 696286 h 1314688"/>
+              <a:gd name="connsiteX3" fmla="*/ 4009938 w 4311941"/>
+              <a:gd name="connsiteY3" fmla="*/ 352338 h 1314688"/>
+              <a:gd name="connsiteX4" fmla="*/ 4311941 w 4311941"/>
+              <a:gd name="connsiteY4" fmla="*/ 0 h 1314688"/>
+              <a:gd name="connsiteX0" fmla="*/ 0 w 4311941"/>
+              <a:gd name="connsiteY0" fmla="*/ 1283516 h 1294528"/>
+              <a:gd name="connsiteX1" fmla="*/ 1996580 w 4311941"/>
+              <a:gd name="connsiteY1" fmla="*/ 1233182 h 1294528"/>
+              <a:gd name="connsiteX2" fmla="*/ 3028426 w 4311941"/>
+              <a:gd name="connsiteY2" fmla="*/ 696286 h 1294528"/>
+              <a:gd name="connsiteX3" fmla="*/ 4009938 w 4311941"/>
+              <a:gd name="connsiteY3" fmla="*/ 352338 h 1294528"/>
+              <a:gd name="connsiteX4" fmla="*/ 4311941 w 4311941"/>
+              <a:gd name="connsiteY4" fmla="*/ 0 h 1294528"/>
+            </a:gdLst>
+            <a:ahLst/>
+            <a:cxnLst>
+              <a:cxn ang="0">
+                <a:pos x="connsiteX0" y="connsiteY0"/>
+              </a:cxn>
+              <a:cxn ang="0">
+                <a:pos x="connsiteX1" y="connsiteY1"/>
+              </a:cxn>
+              <a:cxn ang="0">
+                <a:pos x="connsiteX2" y="connsiteY2"/>
+              </a:cxn>
+              <a:cxn ang="0">
+                <a:pos x="connsiteX3" y="connsiteY3"/>
+              </a:cxn>
+              <a:cxn ang="0">
+                <a:pos x="connsiteX4" y="connsiteY4"/>
+              </a:cxn>
+            </a:cxnLst>
+            <a:rect l="l" t="t" r="r" b="b"/>
+            <a:pathLst>
+              <a:path w="4311941" h="1294528">
+                <a:moveTo>
+                  <a:pt x="0" y="1283516"/>
+                </a:moveTo>
+                <a:cubicBezTo>
+                  <a:pt x="729143" y="1282118"/>
+                  <a:pt x="1491842" y="1331054"/>
+                  <a:pt x="1996580" y="1233182"/>
+                </a:cubicBezTo>
+                <a:cubicBezTo>
+                  <a:pt x="2501318" y="1135310"/>
+                  <a:pt x="2692866" y="843093"/>
+                  <a:pt x="3028426" y="696286"/>
+                </a:cubicBezTo>
+                <a:cubicBezTo>
+                  <a:pt x="3363986" y="549479"/>
+                  <a:pt x="3796019" y="468386"/>
+                  <a:pt x="4009938" y="352338"/>
+                </a:cubicBezTo>
+                <a:cubicBezTo>
+                  <a:pt x="4223857" y="236290"/>
+                  <a:pt x="4263005" y="57325"/>
+                  <a:pt x="4311941" y="0"/>
+                </a:cubicBezTo>
+              </a:path>
+            </a:pathLst>
+          </a:custGeom>
+          <a:ln/>
+        </p:spPr>
+        <p:style>
+          <a:lnRef idx="1">
+            <a:schemeClr val="dk1"/>
+          </a:lnRef>
+          <a:fillRef idx="0">
+            <a:schemeClr val="dk1"/>
+          </a:fillRef>
+          <a:effectRef idx="0">
+            <a:schemeClr val="dk1"/>
+          </a:effectRef>
+          <a:fontRef idx="minor">
+            <a:schemeClr val="tx1"/>
+          </a:fontRef>
+        </p:style>
+        <p:txBody>
+          <a:bodyPr rtlCol="0" anchor="ctr"/>
+          <a:lstStyle/>
+          <a:p>
+            <a:pPr algn="ctr"/>
+            <a:endParaRPr lang="ko-KR" altLang="en-US"/>
+          </a:p>
+        </p:txBody>
+      </p:sp>
+    </p:spTree>
+    <p:extLst>
+      <p:ext uri="{BB962C8B-B14F-4D97-AF65-F5344CB8AC3E}">
+        <p14:creationId xmlns:p14="http://schemas.microsoft.com/office/powerpoint/2010/main" val="3132788510"/>
+      </p:ext>
+    </p:extLst>
+  </p:cSld>
+  <p:clrMapOvr>
+    <a:masterClrMapping/>
+  </p:clrMapOvr>
+</p:sld>
+</file>
+
+<file path=ppt/slides/slide11.xml><?xml version="1.0" encoding="utf-8"?>
+<p:sld xmlns:a="http://schemas.openxmlformats.org/drawingml/2006/main" xmlns:r="http://schemas.openxmlformats.org/officeDocument/2006/relationships" xmlns:p="http://schemas.openxmlformats.org/presentationml/2006/main">
+  <p:cSld>
+    <p:spTree>
+      <p:nvGrpSpPr>
+        <p:cNvPr id="1" name=""/>
+        <p:cNvGrpSpPr/>
+        <p:nvPr/>
+      </p:nvGrpSpPr>
+      <p:grpSpPr>
+        <a:xfrm>
+          <a:off x="0" y="0"/>
+          <a:ext cx="0" cy="0"/>
+          <a:chOff x="0" y="0"/>
+          <a:chExt cx="0" cy="0"/>
+        </a:xfrm>
+      </p:grpSpPr>
+      <p:sp>
+        <p:nvSpPr>
+          <p:cNvPr id="13" name="직사각형 12">
+            <a:extLst>
+              <a:ext uri="{FF2B5EF4-FFF2-40B4-BE49-F238E27FC236}">
+                <a16:creationId xmlns:a16="http://schemas.microsoft.com/office/drawing/2014/main" id="{CBE2EBA4-B7A7-CE94-6364-F07290FD5DB6}"/>
+              </a:ext>
+            </a:extLst>
+          </p:cNvPr>
+          <p:cNvSpPr/>
+          <p:nvPr/>
+        </p:nvSpPr>
+        <p:spPr>
+          <a:xfrm>
+            <a:off x="0" y="0"/>
+            <a:ext cx="12192000" cy="559837"/>
+          </a:xfrm>
+          <a:prstGeom prst="rect">
             <a:avLst/>
           </a:prstGeom>
+          <a:solidFill>
+            <a:schemeClr val="bg2"/>
+          </a:solidFill>
+          <a:ln>
+            <a:noFill/>
+          </a:ln>
         </p:spPr>
         <p:style>
           <a:lnRef idx="2">
@@ -4128,6 +4369,1050 @@
           </a:p>
         </p:txBody>
       </p:sp>
+      <p:sp>
+        <p:nvSpPr>
+          <p:cNvPr id="4" name="직사각형 3">
+            <a:extLst>
+              <a:ext uri="{FF2B5EF4-FFF2-40B4-BE49-F238E27FC236}">
+                <a16:creationId xmlns:a16="http://schemas.microsoft.com/office/drawing/2014/main" id="{F55349CF-3223-CC91-09D1-C84B3F1651FA}"/>
+              </a:ext>
+            </a:extLst>
+          </p:cNvPr>
+          <p:cNvSpPr/>
+          <p:nvPr/>
+        </p:nvSpPr>
+        <p:spPr>
+          <a:xfrm>
+            <a:off x="0" y="6298163"/>
+            <a:ext cx="12192000" cy="559837"/>
+          </a:xfrm>
+          <a:prstGeom prst="rect">
+            <a:avLst/>
+          </a:prstGeom>
+          <a:solidFill>
+            <a:schemeClr val="bg2"/>
+          </a:solidFill>
+          <a:ln>
+            <a:noFill/>
+          </a:ln>
+        </p:spPr>
+        <p:style>
+          <a:lnRef idx="2">
+            <a:schemeClr val="accent1">
+              <a:shade val="50000"/>
+            </a:schemeClr>
+          </a:lnRef>
+          <a:fillRef idx="1">
+            <a:schemeClr val="accent1"/>
+          </a:fillRef>
+          <a:effectRef idx="0">
+            <a:schemeClr val="accent1"/>
+          </a:effectRef>
+          <a:fontRef idx="minor">
+            <a:schemeClr val="lt1"/>
+          </a:fontRef>
+        </p:style>
+        <p:txBody>
+          <a:bodyPr rtlCol="0" anchor="ctr"/>
+          <a:lstStyle/>
+          <a:p>
+            <a:pPr algn="ctr"/>
+            <a:endParaRPr lang="ko-KR" altLang="en-US"/>
+          </a:p>
+        </p:txBody>
+      </p:sp>
+      <p:sp>
+        <p:nvSpPr>
+          <p:cNvPr id="5" name="직사각형 4">
+            <a:extLst>
+              <a:ext uri="{FF2B5EF4-FFF2-40B4-BE49-F238E27FC236}">
+                <a16:creationId xmlns:a16="http://schemas.microsoft.com/office/drawing/2014/main" id="{802DB6B5-FAA6-79F1-98D9-6F23BE1E3C85}"/>
+              </a:ext>
+            </a:extLst>
+          </p:cNvPr>
+          <p:cNvSpPr/>
+          <p:nvPr/>
+        </p:nvSpPr>
+        <p:spPr>
+          <a:xfrm>
+            <a:off x="5350635" y="-9501"/>
+            <a:ext cx="1029020" cy="559837"/>
+          </a:xfrm>
+          <a:prstGeom prst="rect">
+            <a:avLst/>
+          </a:prstGeom>
+          <a:solidFill>
+            <a:schemeClr val="accent3"/>
+          </a:solidFill>
+          <a:ln>
+            <a:solidFill>
+              <a:schemeClr val="tx1"/>
+            </a:solidFill>
+          </a:ln>
+        </p:spPr>
+        <p:style>
+          <a:lnRef idx="2">
+            <a:schemeClr val="accent1">
+              <a:shade val="50000"/>
+            </a:schemeClr>
+          </a:lnRef>
+          <a:fillRef idx="1">
+            <a:schemeClr val="accent1"/>
+          </a:fillRef>
+          <a:effectRef idx="0">
+            <a:schemeClr val="accent1"/>
+          </a:effectRef>
+          <a:fontRef idx="minor">
+            <a:schemeClr val="lt1"/>
+          </a:fontRef>
+        </p:style>
+        <p:txBody>
+          <a:bodyPr rtlCol="0" anchor="ctr"/>
+          <a:lstStyle/>
+          <a:p>
+            <a:pPr algn="ctr"/>
+            <a:r>
+              <a:rPr lang="en-US" altLang="ko-KR"/>
+              <a:t>Mods</a:t>
+            </a:r>
+            <a:endParaRPr lang="ko-KR" altLang="en-US"/>
+          </a:p>
+        </p:txBody>
+      </p:sp>
+      <p:sp>
+        <p:nvSpPr>
+          <p:cNvPr id="7" name="직사각형 6">
+            <a:extLst>
+              <a:ext uri="{FF2B5EF4-FFF2-40B4-BE49-F238E27FC236}">
+                <a16:creationId xmlns:a16="http://schemas.microsoft.com/office/drawing/2014/main" id="{CA9BFD7C-DFD4-5312-0BE0-8928C36C4AEF}"/>
+              </a:ext>
+            </a:extLst>
+          </p:cNvPr>
+          <p:cNvSpPr/>
+          <p:nvPr/>
+        </p:nvSpPr>
+        <p:spPr>
+          <a:xfrm>
+            <a:off x="-8389" y="6298163"/>
+            <a:ext cx="1029020" cy="559837"/>
+          </a:xfrm>
+          <a:prstGeom prst="rect">
+            <a:avLst/>
+          </a:prstGeom>
+          <a:solidFill>
+            <a:schemeClr val="accent3"/>
+          </a:solidFill>
+          <a:ln>
+            <a:solidFill>
+              <a:schemeClr val="tx1"/>
+            </a:solidFill>
+          </a:ln>
+        </p:spPr>
+        <p:style>
+          <a:lnRef idx="2">
+            <a:schemeClr val="accent1">
+              <a:shade val="50000"/>
+            </a:schemeClr>
+          </a:lnRef>
+          <a:fillRef idx="1">
+            <a:schemeClr val="accent1"/>
+          </a:fillRef>
+          <a:effectRef idx="0">
+            <a:schemeClr val="accent1"/>
+          </a:effectRef>
+          <a:fontRef idx="minor">
+            <a:schemeClr val="lt1"/>
+          </a:fontRef>
+        </p:style>
+        <p:txBody>
+          <a:bodyPr rtlCol="0" anchor="ctr"/>
+          <a:lstStyle/>
+          <a:p>
+            <a:pPr algn="ctr"/>
+            <a:r>
+              <a:rPr lang="en-US" altLang="ko-KR"/>
+              <a:t>Back</a:t>
+            </a:r>
+            <a:endParaRPr lang="ko-KR" altLang="en-US"/>
+          </a:p>
+        </p:txBody>
+      </p:sp>
+      <p:sp>
+        <p:nvSpPr>
+          <p:cNvPr id="9" name="직사각형 8">
+            <a:extLst>
+              <a:ext uri="{FF2B5EF4-FFF2-40B4-BE49-F238E27FC236}">
+                <a16:creationId xmlns:a16="http://schemas.microsoft.com/office/drawing/2014/main" id="{9A572247-B942-D5F1-81FB-4EDFED2EC5AB}"/>
+              </a:ext>
+            </a:extLst>
+          </p:cNvPr>
+          <p:cNvSpPr/>
+          <p:nvPr/>
+        </p:nvSpPr>
+        <p:spPr>
+          <a:xfrm>
+            <a:off x="10276514" y="5771627"/>
+            <a:ext cx="1915486" cy="1095874"/>
+          </a:xfrm>
+          <a:prstGeom prst="rect">
+            <a:avLst/>
+          </a:prstGeom>
+          <a:solidFill>
+            <a:schemeClr val="accent3"/>
+          </a:solidFill>
+          <a:ln>
+            <a:solidFill>
+              <a:schemeClr val="tx1"/>
+            </a:solidFill>
+          </a:ln>
+        </p:spPr>
+        <p:style>
+          <a:lnRef idx="2">
+            <a:schemeClr val="accent1">
+              <a:shade val="50000"/>
+            </a:schemeClr>
+          </a:lnRef>
+          <a:fillRef idx="1">
+            <a:schemeClr val="accent1"/>
+          </a:fillRef>
+          <a:effectRef idx="0">
+            <a:schemeClr val="accent1"/>
+          </a:effectRef>
+          <a:fontRef idx="minor">
+            <a:schemeClr val="lt1"/>
+          </a:fontRef>
+        </p:style>
+        <p:txBody>
+          <a:bodyPr rtlCol="0" anchor="ctr"/>
+          <a:lstStyle/>
+          <a:p>
+            <a:pPr algn="ctr"/>
+            <a:r>
+              <a:rPr lang="en-US" altLang="ko-KR" sz="2400"/>
+              <a:t>Play</a:t>
+            </a:r>
+            <a:endParaRPr lang="ko-KR" altLang="en-US" sz="2400"/>
+          </a:p>
+        </p:txBody>
+      </p:sp>
+      <p:sp>
+        <p:nvSpPr>
+          <p:cNvPr id="11" name="직사각형 10">
+            <a:extLst>
+              <a:ext uri="{FF2B5EF4-FFF2-40B4-BE49-F238E27FC236}">
+                <a16:creationId xmlns:a16="http://schemas.microsoft.com/office/drawing/2014/main" id="{3AA847A8-0A67-2861-A011-7249D32DB7E4}"/>
+              </a:ext>
+            </a:extLst>
+          </p:cNvPr>
+          <p:cNvSpPr/>
+          <p:nvPr/>
+        </p:nvSpPr>
+        <p:spPr>
+          <a:xfrm>
+            <a:off x="2779922" y="6297050"/>
+            <a:ext cx="1029020" cy="559837"/>
+          </a:xfrm>
+          <a:prstGeom prst="rect">
+            <a:avLst/>
+          </a:prstGeom>
+          <a:solidFill>
+            <a:schemeClr val="accent3"/>
+          </a:solidFill>
+          <a:ln>
+            <a:solidFill>
+              <a:schemeClr val="tx1"/>
+            </a:solidFill>
+          </a:ln>
+        </p:spPr>
+        <p:style>
+          <a:lnRef idx="2">
+            <a:schemeClr val="accent1">
+              <a:shade val="50000"/>
+            </a:schemeClr>
+          </a:lnRef>
+          <a:fillRef idx="1">
+            <a:schemeClr val="accent1"/>
+          </a:fillRef>
+          <a:effectRef idx="0">
+            <a:schemeClr val="accent1"/>
+          </a:effectRef>
+          <a:fontRef idx="minor">
+            <a:schemeClr val="lt1"/>
+          </a:fontRef>
+        </p:style>
+        <p:txBody>
+          <a:bodyPr rtlCol="0" anchor="ctr"/>
+          <a:lstStyle/>
+          <a:p>
+            <a:pPr algn="ctr"/>
+            <a:r>
+              <a:rPr lang="en-US" altLang="ko-KR"/>
+              <a:t>Tags</a:t>
+            </a:r>
+            <a:br>
+              <a:rPr lang="en-US" altLang="ko-KR"/>
+            </a:br>
+            <a:r>
+              <a:rPr lang="en-US" altLang="ko-KR"/>
+              <a:t>Collect.</a:t>
+            </a:r>
+            <a:endParaRPr lang="ko-KR" altLang="en-US"/>
+          </a:p>
+        </p:txBody>
+      </p:sp>
+      <p:sp>
+        <p:nvSpPr>
+          <p:cNvPr id="15" name="직사각형 14">
+            <a:extLst>
+              <a:ext uri="{FF2B5EF4-FFF2-40B4-BE49-F238E27FC236}">
+                <a16:creationId xmlns:a16="http://schemas.microsoft.com/office/drawing/2014/main" id="{B8E9083D-7CF8-C4BE-9644-9BB7DC2E119B}"/>
+              </a:ext>
+            </a:extLst>
+          </p:cNvPr>
+          <p:cNvSpPr/>
+          <p:nvPr/>
+        </p:nvSpPr>
+        <p:spPr>
+          <a:xfrm>
+            <a:off x="3817331" y="6298163"/>
+            <a:ext cx="1029020" cy="559837"/>
+          </a:xfrm>
+          <a:prstGeom prst="rect">
+            <a:avLst/>
+          </a:prstGeom>
+          <a:solidFill>
+            <a:schemeClr val="accent3"/>
+          </a:solidFill>
+          <a:ln>
+            <a:solidFill>
+              <a:schemeClr val="tx1"/>
+            </a:solidFill>
+          </a:ln>
+        </p:spPr>
+        <p:style>
+          <a:lnRef idx="2">
+            <a:schemeClr val="accent1">
+              <a:shade val="50000"/>
+            </a:schemeClr>
+          </a:lnRef>
+          <a:fillRef idx="1">
+            <a:schemeClr val="accent1"/>
+          </a:fillRef>
+          <a:effectRef idx="0">
+            <a:schemeClr val="accent1"/>
+          </a:effectRef>
+          <a:fontRef idx="minor">
+            <a:schemeClr val="lt1"/>
+          </a:fontRef>
+        </p:style>
+        <p:txBody>
+          <a:bodyPr rtlCol="0" anchor="ctr"/>
+          <a:lstStyle/>
+          <a:p>
+            <a:pPr algn="ctr"/>
+            <a:r>
+              <a:rPr lang="en-US" altLang="ko-KR"/>
+              <a:t>Editor</a:t>
+            </a:r>
+            <a:endParaRPr lang="ko-KR" altLang="en-US"/>
+          </a:p>
+        </p:txBody>
+      </p:sp>
+      <p:sp>
+        <p:nvSpPr>
+          <p:cNvPr id="19" name="직사각형 18">
+            <a:extLst>
+              <a:ext uri="{FF2B5EF4-FFF2-40B4-BE49-F238E27FC236}">
+                <a16:creationId xmlns:a16="http://schemas.microsoft.com/office/drawing/2014/main" id="{36B73C17-F75D-DE64-730C-2FD219EEAB3A}"/>
+              </a:ext>
+            </a:extLst>
+          </p:cNvPr>
+          <p:cNvSpPr/>
+          <p:nvPr/>
+        </p:nvSpPr>
+        <p:spPr>
+          <a:xfrm>
+            <a:off x="7416188" y="0"/>
+            <a:ext cx="712694" cy="560950"/>
+          </a:xfrm>
+          <a:prstGeom prst="rect">
+            <a:avLst/>
+          </a:prstGeom>
+          <a:solidFill>
+            <a:schemeClr val="accent3"/>
+          </a:solidFill>
+          <a:ln>
+            <a:solidFill>
+              <a:schemeClr val="tx1"/>
+            </a:solidFill>
+          </a:ln>
+        </p:spPr>
+        <p:style>
+          <a:lnRef idx="2">
+            <a:schemeClr val="accent1">
+              <a:shade val="50000"/>
+            </a:schemeClr>
+          </a:lnRef>
+          <a:fillRef idx="1">
+            <a:schemeClr val="accent1"/>
+          </a:fillRef>
+          <a:effectRef idx="0">
+            <a:schemeClr val="accent1"/>
+          </a:effectRef>
+          <a:fontRef idx="minor">
+            <a:schemeClr val="lt1"/>
+          </a:fontRef>
+        </p:style>
+        <p:txBody>
+          <a:bodyPr rtlCol="0" anchor="ctr"/>
+          <a:lstStyle/>
+          <a:p>
+            <a:pPr algn="ctr"/>
+            <a:r>
+              <a:rPr lang="en-US" altLang="ko-KR" sz="1600"/>
+              <a:t>Img</a:t>
+            </a:r>
+            <a:endParaRPr lang="ko-KR" altLang="en-US" sz="1600"/>
+          </a:p>
+        </p:txBody>
+      </p:sp>
+      <p:sp>
+        <p:nvSpPr>
+          <p:cNvPr id="21" name="직사각형 20">
+            <a:extLst>
+              <a:ext uri="{FF2B5EF4-FFF2-40B4-BE49-F238E27FC236}">
+                <a16:creationId xmlns:a16="http://schemas.microsoft.com/office/drawing/2014/main" id="{783120F7-80E0-5C78-5FC7-A8E41948E1F6}"/>
+              </a:ext>
+            </a:extLst>
+          </p:cNvPr>
+          <p:cNvSpPr/>
+          <p:nvPr/>
+        </p:nvSpPr>
+        <p:spPr>
+          <a:xfrm>
+            <a:off x="8147370" y="-1113"/>
+            <a:ext cx="2039510" cy="559837"/>
+          </a:xfrm>
+          <a:prstGeom prst="rect">
+            <a:avLst/>
+          </a:prstGeom>
+          <a:solidFill>
+            <a:schemeClr val="accent3"/>
+          </a:solidFill>
+          <a:ln>
+            <a:solidFill>
+              <a:schemeClr val="tx1"/>
+            </a:solidFill>
+          </a:ln>
+        </p:spPr>
+        <p:style>
+          <a:lnRef idx="2">
+            <a:schemeClr val="accent1">
+              <a:shade val="50000"/>
+            </a:schemeClr>
+          </a:lnRef>
+          <a:fillRef idx="1">
+            <a:schemeClr val="accent1"/>
+          </a:fillRef>
+          <a:effectRef idx="0">
+            <a:schemeClr val="accent1"/>
+          </a:effectRef>
+          <a:fontRef idx="minor">
+            <a:schemeClr val="lt1"/>
+          </a:fontRef>
+        </p:style>
+        <p:txBody>
+          <a:bodyPr rtlCol="0" anchor="ctr"/>
+          <a:lstStyle/>
+          <a:p>
+            <a:pPr algn="ctr"/>
+            <a:r>
+              <a:rPr lang="en-US" altLang="ko-KR" dirty="0"/>
+              <a:t>User</a:t>
+            </a:r>
+            <a:endParaRPr lang="ko-KR" altLang="en-US" dirty="0"/>
+          </a:p>
+        </p:txBody>
+      </p:sp>
+      <p:sp>
+        <p:nvSpPr>
+          <p:cNvPr id="22" name="직사각형 21">
+            <a:extLst>
+              <a:ext uri="{FF2B5EF4-FFF2-40B4-BE49-F238E27FC236}">
+                <a16:creationId xmlns:a16="http://schemas.microsoft.com/office/drawing/2014/main" id="{106803AF-5303-1F9A-F988-48832606EC10}"/>
+              </a:ext>
+            </a:extLst>
+          </p:cNvPr>
+          <p:cNvSpPr/>
+          <p:nvPr/>
+        </p:nvSpPr>
+        <p:spPr>
+          <a:xfrm>
+            <a:off x="-8389" y="-9501"/>
+            <a:ext cx="4330005" cy="2621903"/>
+          </a:xfrm>
+          <a:prstGeom prst="rect">
+            <a:avLst/>
+          </a:prstGeom>
+        </p:spPr>
+        <p:style>
+          <a:lnRef idx="2">
+            <a:schemeClr val="accent4">
+              <a:shade val="50000"/>
+            </a:schemeClr>
+          </a:lnRef>
+          <a:fillRef idx="1">
+            <a:schemeClr val="accent4"/>
+          </a:fillRef>
+          <a:effectRef idx="0">
+            <a:schemeClr val="accent4"/>
+          </a:effectRef>
+          <a:fontRef idx="minor">
+            <a:schemeClr val="lt1"/>
+          </a:fontRef>
+        </p:style>
+        <p:txBody>
+          <a:bodyPr rtlCol="0" anchor="ctr"/>
+          <a:lstStyle/>
+          <a:p>
+            <a:pPr algn="ctr"/>
+            <a:r>
+              <a:rPr lang="en-US" altLang="ko-KR"/>
+              <a:t>Chart info</a:t>
+            </a:r>
+            <a:endParaRPr lang="ko-KR" altLang="en-US"/>
+          </a:p>
+        </p:txBody>
+      </p:sp>
+      <p:sp>
+        <p:nvSpPr>
+          <p:cNvPr id="24" name="직사각형 23">
+            <a:extLst>
+              <a:ext uri="{FF2B5EF4-FFF2-40B4-BE49-F238E27FC236}">
+                <a16:creationId xmlns:a16="http://schemas.microsoft.com/office/drawing/2014/main" id="{BE994B68-DC4A-0B08-4216-55DF0BCAD89D}"/>
+              </a:ext>
+            </a:extLst>
+          </p:cNvPr>
+          <p:cNvSpPr/>
+          <p:nvPr/>
+        </p:nvSpPr>
+        <p:spPr>
+          <a:xfrm>
+            <a:off x="-8390" y="2596393"/>
+            <a:ext cx="4330005" cy="3691156"/>
+          </a:xfrm>
+          <a:prstGeom prst="rect">
+            <a:avLst/>
+          </a:prstGeom>
+        </p:spPr>
+        <p:style>
+          <a:lnRef idx="2">
+            <a:schemeClr val="accent6">
+              <a:shade val="50000"/>
+            </a:schemeClr>
+          </a:lnRef>
+          <a:fillRef idx="1">
+            <a:schemeClr val="accent6"/>
+          </a:fillRef>
+          <a:effectRef idx="0">
+            <a:schemeClr val="accent6"/>
+          </a:effectRef>
+          <a:fontRef idx="minor">
+            <a:schemeClr val="lt1"/>
+          </a:fontRef>
+        </p:style>
+        <p:txBody>
+          <a:bodyPr rtlCol="0" anchor="ctr"/>
+          <a:lstStyle/>
+          <a:p>
+            <a:pPr algn="ctr"/>
+            <a:r>
+              <a:rPr lang="en-US" altLang="ko-KR" dirty="0"/>
+              <a:t>Ranking</a:t>
+            </a:r>
+          </a:p>
+          <a:p>
+            <a:pPr algn="ctr"/>
+            <a:r>
+              <a:rPr lang="en-US" altLang="ko-KR" dirty="0"/>
+              <a:t>Player list when at lobby</a:t>
+            </a:r>
+            <a:endParaRPr lang="ko-KR" altLang="en-US" dirty="0"/>
+          </a:p>
+        </p:txBody>
+      </p:sp>
+      <p:sp>
+        <p:nvSpPr>
+          <p:cNvPr id="26" name="직사각형 25">
+            <a:extLst>
+              <a:ext uri="{FF2B5EF4-FFF2-40B4-BE49-F238E27FC236}">
+                <a16:creationId xmlns:a16="http://schemas.microsoft.com/office/drawing/2014/main" id="{90367FBA-6188-A74D-C15D-63715A60AFD5}"/>
+              </a:ext>
+            </a:extLst>
+          </p:cNvPr>
+          <p:cNvSpPr/>
+          <p:nvPr/>
+        </p:nvSpPr>
+        <p:spPr>
+          <a:xfrm>
+            <a:off x="6370390" y="-9501"/>
+            <a:ext cx="1029020" cy="559837"/>
+          </a:xfrm>
+          <a:prstGeom prst="rect">
+            <a:avLst/>
+          </a:prstGeom>
+          <a:solidFill>
+            <a:schemeClr val="accent3"/>
+          </a:solidFill>
+          <a:ln>
+            <a:solidFill>
+              <a:schemeClr val="tx1"/>
+            </a:solidFill>
+          </a:ln>
+        </p:spPr>
+        <p:style>
+          <a:lnRef idx="2">
+            <a:schemeClr val="accent1">
+              <a:shade val="50000"/>
+            </a:schemeClr>
+          </a:lnRef>
+          <a:fillRef idx="1">
+            <a:schemeClr val="accent1"/>
+          </a:fillRef>
+          <a:effectRef idx="0">
+            <a:schemeClr val="accent1"/>
+          </a:effectRef>
+          <a:fontRef idx="minor">
+            <a:schemeClr val="lt1"/>
+          </a:fontRef>
+        </p:style>
+        <p:txBody>
+          <a:bodyPr rtlCol="0" anchor="ctr"/>
+          <a:lstStyle/>
+          <a:p>
+            <a:pPr algn="ctr"/>
+            <a:r>
+              <a:rPr lang="en-US" altLang="ko-KR"/>
+              <a:t>Sort</a:t>
+            </a:r>
+            <a:endParaRPr lang="ko-KR" altLang="en-US"/>
+          </a:p>
+        </p:txBody>
+      </p:sp>
+      <p:sp>
+        <p:nvSpPr>
+          <p:cNvPr id="28" name="직사각형 27">
+            <a:extLst>
+              <a:ext uri="{FF2B5EF4-FFF2-40B4-BE49-F238E27FC236}">
+                <a16:creationId xmlns:a16="http://schemas.microsoft.com/office/drawing/2014/main" id="{B00EE38B-799F-650C-81FD-141EA904738F}"/>
+              </a:ext>
+            </a:extLst>
+          </p:cNvPr>
+          <p:cNvSpPr/>
+          <p:nvPr/>
+        </p:nvSpPr>
+        <p:spPr>
+          <a:xfrm>
+            <a:off x="4321615" y="-19001"/>
+            <a:ext cx="1029020" cy="559837"/>
+          </a:xfrm>
+          <a:prstGeom prst="rect">
+            <a:avLst/>
+          </a:prstGeom>
+          <a:solidFill>
+            <a:schemeClr val="accent3"/>
+          </a:solidFill>
+          <a:ln>
+            <a:solidFill>
+              <a:schemeClr val="tx1"/>
+            </a:solidFill>
+          </a:ln>
+        </p:spPr>
+        <p:style>
+          <a:lnRef idx="2">
+            <a:schemeClr val="accent1">
+              <a:shade val="50000"/>
+            </a:schemeClr>
+          </a:lnRef>
+          <a:fillRef idx="1">
+            <a:schemeClr val="accent1"/>
+          </a:fillRef>
+          <a:effectRef idx="0">
+            <a:schemeClr val="accent1"/>
+          </a:effectRef>
+          <a:fontRef idx="minor">
+            <a:schemeClr val="lt1"/>
+          </a:fontRef>
+        </p:style>
+        <p:txBody>
+          <a:bodyPr rtlCol="0" anchor="ctr"/>
+          <a:lstStyle/>
+          <a:p>
+            <a:pPr algn="ctr"/>
+            <a:r>
+              <a:rPr lang="en-US" altLang="ko-KR"/>
+              <a:t>Mode</a:t>
+            </a:r>
+            <a:endParaRPr lang="ko-KR" altLang="en-US"/>
+          </a:p>
+        </p:txBody>
+      </p:sp>
+      <p:sp>
+        <p:nvSpPr>
+          <p:cNvPr id="32" name="직사각형 31">
+            <a:extLst>
+              <a:ext uri="{FF2B5EF4-FFF2-40B4-BE49-F238E27FC236}">
+                <a16:creationId xmlns:a16="http://schemas.microsoft.com/office/drawing/2014/main" id="{0D283D03-E6F9-FDC9-157B-7BB76EFFD791}"/>
+              </a:ext>
+            </a:extLst>
+          </p:cNvPr>
+          <p:cNvSpPr/>
+          <p:nvPr/>
+        </p:nvSpPr>
+        <p:spPr>
+          <a:xfrm>
+            <a:off x="7416188" y="578837"/>
+            <a:ext cx="4784201" cy="279919"/>
+          </a:xfrm>
+          <a:prstGeom prst="rect">
+            <a:avLst/>
+          </a:prstGeom>
+          <a:ln/>
+        </p:spPr>
+        <p:style>
+          <a:lnRef idx="3">
+            <a:schemeClr val="lt1"/>
+          </a:lnRef>
+          <a:fillRef idx="1">
+            <a:schemeClr val="accent1"/>
+          </a:fillRef>
+          <a:effectRef idx="1">
+            <a:schemeClr val="accent1"/>
+          </a:effectRef>
+          <a:fontRef idx="minor">
+            <a:schemeClr val="lt1"/>
+          </a:fontRef>
+        </p:style>
+        <p:txBody>
+          <a:bodyPr rtlCol="0" anchor="ctr"/>
+          <a:lstStyle/>
+          <a:p>
+            <a:pPr algn="ctr"/>
+            <a:r>
+              <a:rPr lang="en-US" altLang="ko-KR"/>
+              <a:t>Search</a:t>
+            </a:r>
+            <a:endParaRPr lang="ko-KR" altLang="en-US"/>
+          </a:p>
+        </p:txBody>
+      </p:sp>
+      <p:sp>
+        <p:nvSpPr>
+          <p:cNvPr id="34" name="직사각형 33">
+            <a:extLst>
+              <a:ext uri="{FF2B5EF4-FFF2-40B4-BE49-F238E27FC236}">
+                <a16:creationId xmlns:a16="http://schemas.microsoft.com/office/drawing/2014/main" id="{588E1E37-2295-3D1E-EFFA-F3242066BF1F}"/>
+              </a:ext>
+            </a:extLst>
+          </p:cNvPr>
+          <p:cNvSpPr/>
+          <p:nvPr/>
+        </p:nvSpPr>
+        <p:spPr>
+          <a:xfrm>
+            <a:off x="4836125" y="6298163"/>
+            <a:ext cx="1029020" cy="559837"/>
+          </a:xfrm>
+          <a:prstGeom prst="rect">
+            <a:avLst/>
+          </a:prstGeom>
+          <a:solidFill>
+            <a:schemeClr val="accent3"/>
+          </a:solidFill>
+          <a:ln>
+            <a:solidFill>
+              <a:schemeClr val="tx1"/>
+            </a:solidFill>
+          </a:ln>
+        </p:spPr>
+        <p:style>
+          <a:lnRef idx="2">
+            <a:schemeClr val="accent1">
+              <a:shade val="50000"/>
+            </a:schemeClr>
+          </a:lnRef>
+          <a:fillRef idx="1">
+            <a:schemeClr val="accent1"/>
+          </a:fillRef>
+          <a:effectRef idx="0">
+            <a:schemeClr val="accent1"/>
+          </a:effectRef>
+          <a:fontRef idx="minor">
+            <a:schemeClr val="lt1"/>
+          </a:fontRef>
+        </p:style>
+        <p:txBody>
+          <a:bodyPr rtlCol="0" anchor="ctr"/>
+          <a:lstStyle/>
+          <a:p>
+            <a:pPr algn="ctr"/>
+            <a:r>
+              <a:rPr lang="en-US" altLang="ko-KR"/>
+              <a:t>Options</a:t>
+            </a:r>
+            <a:endParaRPr lang="ko-KR" altLang="en-US"/>
+          </a:p>
+        </p:txBody>
+      </p:sp>
+      <p:sp>
+        <p:nvSpPr>
+          <p:cNvPr id="3" name="직사각형 2">
+            <a:extLst>
+              <a:ext uri="{FF2B5EF4-FFF2-40B4-BE49-F238E27FC236}">
+                <a16:creationId xmlns:a16="http://schemas.microsoft.com/office/drawing/2014/main" id="{DCB1CA92-C1A3-3222-BF0B-A42BAD23AF3F}"/>
+              </a:ext>
+            </a:extLst>
+          </p:cNvPr>
+          <p:cNvSpPr/>
+          <p:nvPr/>
+        </p:nvSpPr>
+        <p:spPr>
+          <a:xfrm>
+            <a:off x="10186880" y="-9501"/>
+            <a:ext cx="2039510" cy="559837"/>
+          </a:xfrm>
+          <a:prstGeom prst="rect">
+            <a:avLst/>
+          </a:prstGeom>
+          <a:solidFill>
+            <a:schemeClr val="accent3"/>
+          </a:solidFill>
+          <a:ln>
+            <a:solidFill>
+              <a:schemeClr val="tx1"/>
+            </a:solidFill>
+          </a:ln>
+        </p:spPr>
+        <p:style>
+          <a:lnRef idx="2">
+            <a:schemeClr val="accent1">
+              <a:shade val="50000"/>
+            </a:schemeClr>
+          </a:lnRef>
+          <a:fillRef idx="1">
+            <a:schemeClr val="accent1"/>
+          </a:fillRef>
+          <a:effectRef idx="0">
+            <a:schemeClr val="accent1"/>
+          </a:effectRef>
+          <a:fontRef idx="minor">
+            <a:schemeClr val="lt1"/>
+          </a:fontRef>
+        </p:style>
+        <p:txBody>
+          <a:bodyPr rtlCol="0" anchor="ctr"/>
+          <a:lstStyle/>
+          <a:p>
+            <a:pPr algn="ctr"/>
+            <a:r>
+              <a:rPr lang="en-US" altLang="ko-KR"/>
+              <a:t>Statistics</a:t>
+            </a:r>
+            <a:endParaRPr lang="ko-KR" altLang="en-US" dirty="0"/>
+          </a:p>
+        </p:txBody>
+      </p:sp>
+    </p:spTree>
+    <p:extLst>
+      <p:ext uri="{BB962C8B-B14F-4D97-AF65-F5344CB8AC3E}">
+        <p14:creationId xmlns:p14="http://schemas.microsoft.com/office/powerpoint/2010/main" val="3371721876"/>
+      </p:ext>
+    </p:extLst>
+  </p:cSld>
+  <p:clrMapOvr>
+    <a:masterClrMapping/>
+  </p:clrMapOvr>
+</p:sld>
+</file>
+
+<file path=ppt/slides/slide12.xml><?xml version="1.0" encoding="utf-8"?>
+<p:sld xmlns:a="http://schemas.openxmlformats.org/drawingml/2006/main" xmlns:r="http://schemas.openxmlformats.org/officeDocument/2006/relationships" xmlns:p="http://schemas.openxmlformats.org/presentationml/2006/main">
+  <p:cSld>
+    <p:spTree>
+      <p:nvGrpSpPr>
+        <p:cNvPr id="1" name=""/>
+        <p:cNvGrpSpPr/>
+        <p:nvPr/>
+      </p:nvGrpSpPr>
+      <p:grpSpPr>
+        <a:xfrm>
+          <a:off x="0" y="0"/>
+          <a:ext cx="0" cy="0"/>
+          <a:chOff x="0" y="0"/>
+          <a:chExt cx="0" cy="0"/>
+        </a:xfrm>
+      </p:grpSpPr>
+      <p:pic>
+        <p:nvPicPr>
+          <p:cNvPr id="3" name="그래픽 2">
+            <a:extLst>
+              <a:ext uri="{FF2B5EF4-FFF2-40B4-BE49-F238E27FC236}">
+                <a16:creationId xmlns:a16="http://schemas.microsoft.com/office/drawing/2014/main" id="{6EF15F76-81F4-63B1-B380-56118D68C9C4}"/>
+              </a:ext>
+            </a:extLst>
+          </p:cNvPr>
+          <p:cNvPicPr>
+            <a:picLocks noChangeAspect="1"/>
+          </p:cNvPicPr>
+          <p:nvPr/>
+        </p:nvPicPr>
+        <p:blipFill>
+          <a:blip r:embed="rId2">
+            <a:extLst>
+              <a:ext uri="{28A0092B-C50C-407E-A947-70E740481C1C}">
+                <a14:useLocalDpi xmlns:a14="http://schemas.microsoft.com/office/drawing/2010/main" val="0"/>
+              </a:ext>
+              <a:ext uri="{96DAC541-7B7A-43D3-8B79-37D633B846F1}">
+                <asvg:svgBlip xmlns:asvg="http://schemas.microsoft.com/office/drawing/2016/SVG/main" r:embed="rId3"/>
+              </a:ext>
+            </a:extLst>
+          </a:blip>
+          <a:stretch>
+            <a:fillRect/>
+          </a:stretch>
+        </p:blipFill>
+        <p:spPr>
+          <a:xfrm>
+            <a:off x="3020267" y="0"/>
+            <a:ext cx="6151465" cy="6858000"/>
+          </a:xfrm>
+          <a:prstGeom prst="rect">
+            <a:avLst/>
+          </a:prstGeom>
+        </p:spPr>
+      </p:pic>
+    </p:spTree>
+    <p:extLst>
+      <p:ext uri="{BB962C8B-B14F-4D97-AF65-F5344CB8AC3E}">
+        <p14:creationId xmlns:p14="http://schemas.microsoft.com/office/powerpoint/2010/main" val="1458503390"/>
+      </p:ext>
+    </p:extLst>
+  </p:cSld>
+  <p:clrMapOvr>
+    <a:masterClrMapping/>
+  </p:clrMapOvr>
+</p:sld>
+</file>
+
+<file path=ppt/slides/slide13.xml><?xml version="1.0" encoding="utf-8"?>
+<p:sld xmlns:a="http://schemas.openxmlformats.org/drawingml/2006/main" xmlns:r="http://schemas.openxmlformats.org/officeDocument/2006/relationships" xmlns:p="http://schemas.openxmlformats.org/presentationml/2006/main">
+  <p:cSld>
+    <p:spTree>
+      <p:nvGrpSpPr>
+        <p:cNvPr id="1" name=""/>
+        <p:cNvGrpSpPr/>
+        <p:nvPr/>
+      </p:nvGrpSpPr>
+      <p:grpSpPr>
+        <a:xfrm>
+          <a:off x="0" y="0"/>
+          <a:ext cx="0" cy="0"/>
+          <a:chOff x="0" y="0"/>
+          <a:chExt cx="0" cy="0"/>
+        </a:xfrm>
+      </p:grpSpPr>
+      <p:sp>
+        <p:nvSpPr>
+          <p:cNvPr id="4" name="타원 3">
+            <a:extLst>
+              <a:ext uri="{FF2B5EF4-FFF2-40B4-BE49-F238E27FC236}">
+                <a16:creationId xmlns:a16="http://schemas.microsoft.com/office/drawing/2014/main" id="{6BEC0AAC-FE02-DF27-3A44-CD87A258999E}"/>
+              </a:ext>
+            </a:extLst>
+          </p:cNvPr>
+          <p:cNvSpPr/>
+          <p:nvPr/>
+        </p:nvSpPr>
+        <p:spPr>
+          <a:xfrm>
+            <a:off x="4749679" y="2738865"/>
+            <a:ext cx="1716126" cy="1716126"/>
+          </a:xfrm>
+          <a:prstGeom prst="ellipse">
+            <a:avLst/>
+          </a:prstGeom>
+        </p:spPr>
+        <p:style>
+          <a:lnRef idx="2">
+            <a:schemeClr val="accent1">
+              <a:shade val="50000"/>
+            </a:schemeClr>
+          </a:lnRef>
+          <a:fillRef idx="1">
+            <a:schemeClr val="accent1"/>
+          </a:fillRef>
+          <a:effectRef idx="0">
+            <a:schemeClr val="accent1"/>
+          </a:effectRef>
+          <a:fontRef idx="minor">
+            <a:schemeClr val="lt1"/>
+          </a:fontRef>
+        </p:style>
+        <p:txBody>
+          <a:bodyPr rtlCol="0" anchor="ctr"/>
+          <a:lstStyle/>
+          <a:p>
+            <a:pPr algn="ctr"/>
+            <a:endParaRPr lang="ko-KR" altLang="en-US"/>
+          </a:p>
+        </p:txBody>
+      </p:sp>
+      <p:sp>
+        <p:nvSpPr>
+          <p:cNvPr id="6" name="타원 5">
+            <a:extLst>
+              <a:ext uri="{FF2B5EF4-FFF2-40B4-BE49-F238E27FC236}">
+                <a16:creationId xmlns:a16="http://schemas.microsoft.com/office/drawing/2014/main" id="{F3166636-5269-EF3C-0EE9-F6D39995609A}"/>
+              </a:ext>
+            </a:extLst>
+          </p:cNvPr>
+          <p:cNvSpPr/>
+          <p:nvPr/>
+        </p:nvSpPr>
+        <p:spPr>
+          <a:xfrm>
+            <a:off x="5399727" y="3394331"/>
+            <a:ext cx="416030" cy="416030"/>
+          </a:xfrm>
+          <a:prstGeom prst="ellipse">
+            <a:avLst/>
+          </a:prstGeom>
+        </p:spPr>
+        <p:style>
+          <a:lnRef idx="2">
+            <a:schemeClr val="accent1">
+              <a:shade val="50000"/>
+            </a:schemeClr>
+          </a:lnRef>
+          <a:fillRef idx="1">
+            <a:schemeClr val="accent1"/>
+          </a:fillRef>
+          <a:effectRef idx="0">
+            <a:schemeClr val="accent1"/>
+          </a:effectRef>
+          <a:fontRef idx="minor">
+            <a:schemeClr val="lt1"/>
+          </a:fontRef>
+        </p:style>
+        <p:txBody>
+          <a:bodyPr rtlCol="0" anchor="ctr"/>
+          <a:lstStyle/>
+          <a:p>
+            <a:pPr algn="ctr"/>
+            <a:endParaRPr lang="ko-KR" altLang="en-US"/>
+          </a:p>
+        </p:txBody>
+      </p:sp>
     </p:spTree>
     <p:extLst>
       <p:ext uri="{BB962C8B-B14F-4D97-AF65-F5344CB8AC3E}">
@@ -4141,7 +5426,7 @@
 </p:sld>
 </file>
 
-<file path=ppt/slides/slide11.xml><?xml version="1.0" encoding="utf-8"?>
+<file path=ppt/slides/slide14.xml><?xml version="1.0" encoding="utf-8"?>
 <p:sld xmlns:a="http://schemas.openxmlformats.org/drawingml/2006/main" xmlns:r="http://schemas.openxmlformats.org/officeDocument/2006/relationships" xmlns:p="http://schemas.openxmlformats.org/presentationml/2006/main">
   <p:cSld>
     <p:bg>
@@ -9085,7 +10370,7 @@
           <a:p>
             <a:pPr algn="ctr"/>
             <a:r>
-              <a:rPr lang="en-US" altLang="ko-KR" sz="1400" dirty="0" err="1">
+              <a:rPr lang="en-US" altLang="ko-KR" sz="1200" dirty="0" err="1">
                 <a:solidFill>
                   <a:schemeClr val="bg1"/>
                 </a:solidFill>
@@ -9093,7 +10378,7 @@
               </a:rPr>
               <a:t>Soliely</a:t>
             </a:r>
-            <a:endParaRPr lang="en-US" altLang="ko-KR" sz="1800" dirty="0">
+            <a:endParaRPr lang="en-US" altLang="ko-KR" sz="1600" dirty="0">
               <a:solidFill>
                 <a:schemeClr val="bg1"/>
               </a:solidFill>
@@ -9103,7 +10388,7 @@
           <a:p>
             <a:pPr algn="ctr"/>
             <a:r>
-              <a:rPr lang="en-US" altLang="ko-KR" sz="2000" dirty="0">
+              <a:rPr lang="en-US" altLang="ko-KR" dirty="0">
                 <a:solidFill>
                   <a:schemeClr val="bg1"/>
                 </a:solidFill>
@@ -9111,7 +10396,7 @@
               </a:rPr>
               <a:t>Renatus</a:t>
             </a:r>
-            <a:endParaRPr lang="en-US" altLang="ko-KR" sz="1800" dirty="0">
+            <a:endParaRPr lang="en-US" altLang="ko-KR" sz="1600" dirty="0">
               <a:solidFill>
                 <a:schemeClr val="bg1"/>
               </a:solidFill>
@@ -9121,7 +10406,7 @@
           <a:p>
             <a:pPr algn="ctr"/>
             <a:r>
-              <a:rPr lang="en-US" altLang="ko-KR" sz="1800" dirty="0">
+              <a:rPr lang="en-US" altLang="ko-KR" sz="1600">
                 <a:solidFill>
                   <a:schemeClr val="bg1"/>
                 </a:solidFill>
@@ -9129,6 +10414,24 @@
               </a:rPr>
               <a:t>Normal</a:t>
             </a:r>
+          </a:p>
+          <a:p>
+            <a:pPr algn="ctr"/>
+            <a:r>
+              <a:rPr lang="en-US" altLang="ko-KR" sz="1200">
+                <a:solidFill>
+                  <a:schemeClr val="bg1"/>
+                </a:solidFill>
+                <a:latin typeface="Comic Sans MS" panose="030F0702030302020204" pitchFamily="66" charset="0"/>
+              </a:rPr>
+              <a:t>Gamu</a:t>
+            </a:r>
+            <a:endParaRPr lang="en-US" altLang="ko-KR" sz="1600" dirty="0">
+              <a:solidFill>
+                <a:schemeClr val="bg1"/>
+              </a:solidFill>
+              <a:latin typeface="Comic Sans MS" panose="030F0702030302020204" pitchFamily="66" charset="0"/>
+            </a:endParaRPr>
           </a:p>
         </p:txBody>
       </p:sp>
@@ -12061,7 +13364,7 @@
         </p:nvSpPr>
         <p:spPr>
           <a:xfrm>
-            <a:off x="7145744" y="361932"/>
+            <a:off x="7145744" y="322176"/>
             <a:ext cx="1308097" cy="411660"/>
           </a:xfrm>
           <a:prstGeom prst="roundRect">
@@ -12094,25 +13397,7 @@
           <a:p>
             <a:pPr algn="r"/>
             <a:r>
-              <a:rPr lang="en-US" altLang="ko-KR" sz="1200" dirty="0" err="1">
-                <a:solidFill>
-                  <a:schemeClr val="tx1"/>
-                </a:solidFill>
-                <a:latin typeface="Comic Sans MS" panose="030F0702030302020204" pitchFamily="66" charset="0"/>
-              </a:rPr>
-              <a:t>Gamu</a:t>
-            </a:r>
-            <a:endParaRPr lang="en-US" altLang="ko-KR" sz="1200" dirty="0">
-              <a:solidFill>
-                <a:schemeClr val="tx1"/>
-              </a:solidFill>
-              <a:latin typeface="Comic Sans MS" panose="030F0702030302020204" pitchFamily="66" charset="0"/>
-            </a:endParaRPr>
-          </a:p>
-          <a:p>
-            <a:pPr algn="r"/>
-            <a:r>
-              <a:rPr lang="ko-KR" altLang="en-US" sz="1200" dirty="0">
+              <a:rPr lang="ko-KR" altLang="en-US" sz="1200">
                 <a:solidFill>
                   <a:schemeClr val="tx1"/>
                 </a:solidFill>
@@ -23658,6 +24943,651 @@
     <p:bg>
       <p:bgPr>
         <a:solidFill>
+          <a:schemeClr val="accent4"/>
+        </a:solidFill>
+        <a:effectLst/>
+      </p:bgPr>
+    </p:bg>
+    <p:spTree>
+      <p:nvGrpSpPr>
+        <p:cNvPr id="1" name=""/>
+        <p:cNvGrpSpPr/>
+        <p:nvPr/>
+      </p:nvGrpSpPr>
+      <p:grpSpPr>
+        <a:xfrm>
+          <a:off x="0" y="0"/>
+          <a:ext cx="0" cy="0"/>
+          <a:chOff x="0" y="0"/>
+          <a:chExt cx="0" cy="0"/>
+        </a:xfrm>
+      </p:grpSpPr>
+      <p:pic>
+        <p:nvPicPr>
+          <p:cNvPr id="3" name="그래픽 2">
+            <a:extLst>
+              <a:ext uri="{FF2B5EF4-FFF2-40B4-BE49-F238E27FC236}">
+                <a16:creationId xmlns:a16="http://schemas.microsoft.com/office/drawing/2014/main" id="{D466E050-9399-05AC-A674-782ECFDD829E}"/>
+              </a:ext>
+            </a:extLst>
+          </p:cNvPr>
+          <p:cNvPicPr>
+            <a:picLocks noChangeAspect="1"/>
+          </p:cNvPicPr>
+          <p:nvPr/>
+        </p:nvPicPr>
+        <p:blipFill>
+          <a:blip r:embed="rId2">
+            <a:extLst>
+              <a:ext uri="{28A0092B-C50C-407E-A947-70E740481C1C}">
+                <a14:useLocalDpi xmlns:a14="http://schemas.microsoft.com/office/drawing/2010/main" val="0"/>
+              </a:ext>
+              <a:ext uri="{96DAC541-7B7A-43D3-8B79-37D633B846F1}">
+                <asvg:svgBlip xmlns:asvg="http://schemas.microsoft.com/office/drawing/2016/SVG/main" r:embed="rId3"/>
+              </a:ext>
+            </a:extLst>
+          </a:blip>
+          <a:stretch>
+            <a:fillRect/>
+          </a:stretch>
+        </p:blipFill>
+        <p:spPr>
+          <a:xfrm>
+            <a:off x="3020267" y="0"/>
+            <a:ext cx="6151465" cy="6858000"/>
+          </a:xfrm>
+          <a:prstGeom prst="rect">
+            <a:avLst/>
+          </a:prstGeom>
+        </p:spPr>
+      </p:pic>
+      <p:sp>
+        <p:nvSpPr>
+          <p:cNvPr id="2" name="사각형: 둥근 모서리 1">
+            <a:extLst>
+              <a:ext uri="{FF2B5EF4-FFF2-40B4-BE49-F238E27FC236}">
+                <a16:creationId xmlns:a16="http://schemas.microsoft.com/office/drawing/2014/main" id="{73B70AB6-1D94-9A33-5633-A21E4D2DEBDF}"/>
+              </a:ext>
+            </a:extLst>
+          </p:cNvPr>
+          <p:cNvSpPr/>
+          <p:nvPr/>
+        </p:nvSpPr>
+        <p:spPr>
+          <a:xfrm>
+            <a:off x="1564691" y="4138125"/>
+            <a:ext cx="4731798" cy="1118586"/>
+          </a:xfrm>
+          <a:prstGeom prst="roundRect">
+            <a:avLst>
+              <a:gd name="adj" fmla="val 0"/>
+            </a:avLst>
+          </a:prstGeom>
+          <a:solidFill>
+            <a:srgbClr val="A5A5A5">
+              <a:alpha val="74902"/>
+            </a:srgbClr>
+          </a:solidFill>
+          <a:ln>
+            <a:noFill/>
+          </a:ln>
+        </p:spPr>
+        <p:style>
+          <a:lnRef idx="2">
+            <a:schemeClr val="accent3">
+              <a:shade val="50000"/>
+            </a:schemeClr>
+          </a:lnRef>
+          <a:fillRef idx="1">
+            <a:schemeClr val="accent3"/>
+          </a:fillRef>
+          <a:effectRef idx="0">
+            <a:schemeClr val="accent3"/>
+          </a:effectRef>
+          <a:fontRef idx="minor">
+            <a:schemeClr val="lt1"/>
+          </a:fontRef>
+        </p:style>
+        <p:txBody>
+          <a:bodyPr rtlCol="0" anchor="ctr"/>
+          <a:lstStyle/>
+          <a:p>
+            <a:pPr algn="ctr"/>
+            <a:r>
+              <a:rPr lang="en-US" altLang="ko-KR"/>
+              <a:t>Hello</a:t>
+            </a:r>
+            <a:endParaRPr lang="ko-KR" altLang="en-US"/>
+          </a:p>
+        </p:txBody>
+      </p:sp>
+    </p:spTree>
+    <p:extLst>
+      <p:ext uri="{BB962C8B-B14F-4D97-AF65-F5344CB8AC3E}">
+        <p14:creationId xmlns:p14="http://schemas.microsoft.com/office/powerpoint/2010/main" val="1127730400"/>
+      </p:ext>
+    </p:extLst>
+  </p:cSld>
+  <p:clrMapOvr>
+    <a:masterClrMapping/>
+  </p:clrMapOvr>
+</p:sld>
+</file>
+
+<file path=ppt/slides/slide6.xml><?xml version="1.0" encoding="utf-8"?>
+<p:sld xmlns:a="http://schemas.openxmlformats.org/drawingml/2006/main" xmlns:r="http://schemas.openxmlformats.org/officeDocument/2006/relationships" xmlns:p="http://schemas.openxmlformats.org/presentationml/2006/main">
+  <p:cSld>
+    <p:bg>
+      <p:bgPr>
+        <a:solidFill>
+          <a:schemeClr val="bg1"/>
+        </a:solidFill>
+        <a:effectLst/>
+      </p:bgPr>
+    </p:bg>
+    <p:spTree>
+      <p:nvGrpSpPr>
+        <p:cNvPr id="1" name=""/>
+        <p:cNvGrpSpPr/>
+        <p:nvPr/>
+      </p:nvGrpSpPr>
+      <p:grpSpPr>
+        <a:xfrm>
+          <a:off x="0" y="0"/>
+          <a:ext cx="0" cy="0"/>
+          <a:chOff x="0" y="0"/>
+          <a:chExt cx="0" cy="0"/>
+        </a:xfrm>
+      </p:grpSpPr>
+      <p:sp>
+        <p:nvSpPr>
+          <p:cNvPr id="8" name="Rectangle 7">
+            <a:extLst>
+              <a:ext uri="{FF2B5EF4-FFF2-40B4-BE49-F238E27FC236}">
+                <a16:creationId xmlns:a16="http://schemas.microsoft.com/office/drawing/2014/main" id="{42A4FC2C-047E-45A5-965D-8E1E3BF09BC6}"/>
+              </a:ext>
+              <a:ext uri="{C183D7F6-B498-43B3-948B-1728B52AA6E4}">
+                <adec:decorative xmlns:adec="http://schemas.microsoft.com/office/drawing/2017/decorative" val="1"/>
+              </a:ext>
+            </a:extLst>
+          </p:cNvPr>
+          <p:cNvSpPr>
+            <a:spLocks noGrp="1" noRot="1" noChangeAspect="1" noMove="1" noResize="1" noEditPoints="1" noAdjustHandles="1" noChangeArrowheads="1" noChangeShapeType="1" noTextEdit="1"/>
+          </p:cNvSpPr>
+          <p:nvPr>
+            <p:extLst>
+              <p:ext uri="{386F3935-93C4-4BCD-93E2-E3B085C9AB24}">
+                <p16:designElem xmlns:p16="http://schemas.microsoft.com/office/powerpoint/2015/main" val="1"/>
+              </p:ext>
+            </p:extLst>
+          </p:nvPr>
+        </p:nvSpPr>
+        <p:spPr bwMode="white">
+          <a:xfrm>
+            <a:off x="1524" y="0"/>
+            <a:ext cx="12188952" cy="6858000"/>
+          </a:xfrm>
+          <a:prstGeom prst="rect">
+            <a:avLst/>
+          </a:prstGeom>
+          <a:noFill/>
+          <a:ln>
+            <a:noFill/>
+          </a:ln>
+        </p:spPr>
+        <p:style>
+          <a:lnRef idx="2">
+            <a:schemeClr val="accent1">
+              <a:shade val="50000"/>
+            </a:schemeClr>
+          </a:lnRef>
+          <a:fillRef idx="1">
+            <a:schemeClr val="accent1"/>
+          </a:fillRef>
+          <a:effectRef idx="0">
+            <a:schemeClr val="accent1"/>
+          </a:effectRef>
+          <a:fontRef idx="minor">
+            <a:schemeClr val="lt1"/>
+          </a:fontRef>
+        </p:style>
+        <p:txBody>
+          <a:bodyPr rtlCol="0" anchor="ctr"/>
+          <a:lstStyle>
+            <a:defPPr>
+              <a:defRPr lang="en-US"/>
+            </a:defPPr>
+            <a:lvl1pPr marL="0" algn="l" defTabSz="914400" rtl="0" eaLnBrk="1" latinLnBrk="0" hangingPunct="1">
+              <a:defRPr sz="1800" kern="1200">
+                <a:solidFill>
+                  <a:schemeClr val="lt1"/>
+                </a:solidFill>
+                <a:latin typeface="+mn-lt"/>
+                <a:ea typeface="+mn-ea"/>
+                <a:cs typeface="+mn-cs"/>
+              </a:defRPr>
+            </a:lvl1pPr>
+            <a:lvl2pPr marL="457200" algn="l" defTabSz="914400" rtl="0" eaLnBrk="1" latinLnBrk="0" hangingPunct="1">
+              <a:defRPr sz="1800" kern="1200">
+                <a:solidFill>
+                  <a:schemeClr val="lt1"/>
+                </a:solidFill>
+                <a:latin typeface="+mn-lt"/>
+                <a:ea typeface="+mn-ea"/>
+                <a:cs typeface="+mn-cs"/>
+              </a:defRPr>
+            </a:lvl2pPr>
+            <a:lvl3pPr marL="914400" algn="l" defTabSz="914400" rtl="0" eaLnBrk="1" latinLnBrk="0" hangingPunct="1">
+              <a:defRPr sz="1800" kern="1200">
+                <a:solidFill>
+                  <a:schemeClr val="lt1"/>
+                </a:solidFill>
+                <a:latin typeface="+mn-lt"/>
+                <a:ea typeface="+mn-ea"/>
+                <a:cs typeface="+mn-cs"/>
+              </a:defRPr>
+            </a:lvl3pPr>
+            <a:lvl4pPr marL="1371600" algn="l" defTabSz="914400" rtl="0" eaLnBrk="1" latinLnBrk="0" hangingPunct="1">
+              <a:defRPr sz="1800" kern="1200">
+                <a:solidFill>
+                  <a:schemeClr val="lt1"/>
+                </a:solidFill>
+                <a:latin typeface="+mn-lt"/>
+                <a:ea typeface="+mn-ea"/>
+                <a:cs typeface="+mn-cs"/>
+              </a:defRPr>
+            </a:lvl4pPr>
+            <a:lvl5pPr marL="1828800" algn="l" defTabSz="914400" rtl="0" eaLnBrk="1" latinLnBrk="0" hangingPunct="1">
+              <a:defRPr sz="1800" kern="1200">
+                <a:solidFill>
+                  <a:schemeClr val="lt1"/>
+                </a:solidFill>
+                <a:latin typeface="+mn-lt"/>
+                <a:ea typeface="+mn-ea"/>
+                <a:cs typeface="+mn-cs"/>
+              </a:defRPr>
+            </a:lvl5pPr>
+            <a:lvl6pPr marL="2286000" algn="l" defTabSz="914400" rtl="0" eaLnBrk="1" latinLnBrk="0" hangingPunct="1">
+              <a:defRPr sz="1800" kern="1200">
+                <a:solidFill>
+                  <a:schemeClr val="lt1"/>
+                </a:solidFill>
+                <a:latin typeface="+mn-lt"/>
+                <a:ea typeface="+mn-ea"/>
+                <a:cs typeface="+mn-cs"/>
+              </a:defRPr>
+            </a:lvl6pPr>
+            <a:lvl7pPr marL="2743200" algn="l" defTabSz="914400" rtl="0" eaLnBrk="1" latinLnBrk="0" hangingPunct="1">
+              <a:defRPr sz="1800" kern="1200">
+                <a:solidFill>
+                  <a:schemeClr val="lt1"/>
+                </a:solidFill>
+                <a:latin typeface="+mn-lt"/>
+                <a:ea typeface="+mn-ea"/>
+                <a:cs typeface="+mn-cs"/>
+              </a:defRPr>
+            </a:lvl7pPr>
+            <a:lvl8pPr marL="3200400" algn="l" defTabSz="914400" rtl="0" eaLnBrk="1" latinLnBrk="0" hangingPunct="1">
+              <a:defRPr sz="1800" kern="1200">
+                <a:solidFill>
+                  <a:schemeClr val="lt1"/>
+                </a:solidFill>
+                <a:latin typeface="+mn-lt"/>
+                <a:ea typeface="+mn-ea"/>
+                <a:cs typeface="+mn-cs"/>
+              </a:defRPr>
+            </a:lvl8pPr>
+            <a:lvl9pPr marL="3657600" algn="l" defTabSz="914400" rtl="0" eaLnBrk="1" latinLnBrk="0" hangingPunct="1">
+              <a:defRPr sz="1800" kern="1200">
+                <a:solidFill>
+                  <a:schemeClr val="lt1"/>
+                </a:solidFill>
+                <a:latin typeface="+mn-lt"/>
+                <a:ea typeface="+mn-ea"/>
+                <a:cs typeface="+mn-cs"/>
+              </a:defRPr>
+            </a:lvl9pPr>
+          </a:lstStyle>
+          <a:p>
+            <a:pPr algn="ctr"/>
+            <a:endParaRPr lang="en-US"/>
+          </a:p>
+        </p:txBody>
+      </p:sp>
+      <p:sp>
+        <p:nvSpPr>
+          <p:cNvPr id="4" name="사각형: 둥근 모서리 3">
+            <a:extLst>
+              <a:ext uri="{FF2B5EF4-FFF2-40B4-BE49-F238E27FC236}">
+                <a16:creationId xmlns:a16="http://schemas.microsoft.com/office/drawing/2014/main" id="{06531FB0-C27C-4197-5834-5C93592CE6D0}"/>
+              </a:ext>
+            </a:extLst>
+          </p:cNvPr>
+          <p:cNvSpPr/>
+          <p:nvPr/>
+        </p:nvSpPr>
+        <p:spPr>
+          <a:xfrm>
+            <a:off x="0" y="2026404"/>
+            <a:ext cx="4731798" cy="1118586"/>
+          </a:xfrm>
+          <a:prstGeom prst="roundRect">
+            <a:avLst>
+              <a:gd name="adj" fmla="val 0"/>
+            </a:avLst>
+          </a:prstGeom>
+          <a:solidFill>
+            <a:srgbClr val="808080">
+              <a:alpha val="50196"/>
+            </a:srgbClr>
+          </a:solidFill>
+          <a:ln>
+            <a:noFill/>
+          </a:ln>
+        </p:spPr>
+        <p:style>
+          <a:lnRef idx="2">
+            <a:schemeClr val="accent3">
+              <a:shade val="50000"/>
+            </a:schemeClr>
+          </a:lnRef>
+          <a:fillRef idx="1">
+            <a:schemeClr val="accent3"/>
+          </a:fillRef>
+          <a:effectRef idx="0">
+            <a:schemeClr val="accent3"/>
+          </a:effectRef>
+          <a:fontRef idx="minor">
+            <a:schemeClr val="lt1"/>
+          </a:fontRef>
+        </p:style>
+        <p:txBody>
+          <a:bodyPr rtlCol="0" anchor="ctr"/>
+          <a:lstStyle/>
+          <a:p>
+            <a:pPr algn="ctr"/>
+            <a:r>
+              <a:rPr lang="en-US" altLang="ko-KR"/>
+              <a:t>MuangMuangE</a:t>
+            </a:r>
+            <a:endParaRPr lang="ko-KR" altLang="en-US"/>
+          </a:p>
+        </p:txBody>
+      </p:sp>
+      <p:sp>
+        <p:nvSpPr>
+          <p:cNvPr id="5" name="사각형: 둥근 모서리 4">
+            <a:extLst>
+              <a:ext uri="{FF2B5EF4-FFF2-40B4-BE49-F238E27FC236}">
+                <a16:creationId xmlns:a16="http://schemas.microsoft.com/office/drawing/2014/main" id="{39519D81-76B0-5B6E-AF21-201D56849930}"/>
+              </a:ext>
+            </a:extLst>
+          </p:cNvPr>
+          <p:cNvSpPr/>
+          <p:nvPr/>
+        </p:nvSpPr>
+        <p:spPr>
+          <a:xfrm>
+            <a:off x="0" y="907818"/>
+            <a:ext cx="4731798" cy="1118586"/>
+          </a:xfrm>
+          <a:prstGeom prst="roundRect">
+            <a:avLst>
+              <a:gd name="adj" fmla="val 0"/>
+            </a:avLst>
+          </a:prstGeom>
+          <a:solidFill>
+            <a:srgbClr val="606060">
+              <a:alpha val="49804"/>
+            </a:srgbClr>
+          </a:solidFill>
+          <a:ln>
+            <a:noFill/>
+          </a:ln>
+        </p:spPr>
+        <p:style>
+          <a:lnRef idx="2">
+            <a:schemeClr val="accent3">
+              <a:shade val="50000"/>
+            </a:schemeClr>
+          </a:lnRef>
+          <a:fillRef idx="1">
+            <a:schemeClr val="accent3"/>
+          </a:fillRef>
+          <a:effectRef idx="0">
+            <a:schemeClr val="accent3"/>
+          </a:effectRef>
+          <a:fontRef idx="minor">
+            <a:schemeClr val="lt1"/>
+          </a:fontRef>
+        </p:style>
+        <p:txBody>
+          <a:bodyPr rtlCol="0" anchor="ctr"/>
+          <a:lstStyle/>
+          <a:p>
+            <a:pPr algn="ctr"/>
+            <a:r>
+              <a:rPr lang="en-US" altLang="ko-KR"/>
+              <a:t>MuangMuangE</a:t>
+            </a:r>
+            <a:endParaRPr lang="ko-KR" altLang="en-US"/>
+          </a:p>
+        </p:txBody>
+      </p:sp>
+    </p:spTree>
+    <p:extLst>
+      <p:ext uri="{BB962C8B-B14F-4D97-AF65-F5344CB8AC3E}">
+        <p14:creationId xmlns:p14="http://schemas.microsoft.com/office/powerpoint/2010/main" val="1054180590"/>
+      </p:ext>
+    </p:extLst>
+  </p:cSld>
+  <p:clrMapOvr>
+    <a:masterClrMapping/>
+  </p:clrMapOvr>
+</p:sld>
+</file>
+
+<file path=ppt/slides/slide7.xml><?xml version="1.0" encoding="utf-8"?>
+<p:sld xmlns:a="http://schemas.openxmlformats.org/drawingml/2006/main" xmlns:r="http://schemas.openxmlformats.org/officeDocument/2006/relationships" xmlns:p="http://schemas.openxmlformats.org/presentationml/2006/main">
+  <p:cSld>
+    <p:spTree>
+      <p:nvGrpSpPr>
+        <p:cNvPr id="1" name=""/>
+        <p:cNvGrpSpPr/>
+        <p:nvPr/>
+      </p:nvGrpSpPr>
+      <p:grpSpPr>
+        <a:xfrm>
+          <a:off x="0" y="0"/>
+          <a:ext cx="0" cy="0"/>
+          <a:chOff x="0" y="0"/>
+          <a:chExt cx="0" cy="0"/>
+        </a:xfrm>
+      </p:grpSpPr>
+      <p:pic>
+        <p:nvPicPr>
+          <p:cNvPr id="6" name="그림 5">
+            <a:extLst>
+              <a:ext uri="{FF2B5EF4-FFF2-40B4-BE49-F238E27FC236}">
+                <a16:creationId xmlns:a16="http://schemas.microsoft.com/office/drawing/2014/main" id="{6FF1A87D-AD76-1EAE-0DCB-E92874A5EA14}"/>
+              </a:ext>
+            </a:extLst>
+          </p:cNvPr>
+          <p:cNvPicPr>
+            <a:picLocks noChangeAspect="1"/>
+          </p:cNvPicPr>
+          <p:nvPr/>
+        </p:nvPicPr>
+        <p:blipFill>
+          <a:blip r:embed="rId2">
+            <a:extLst>
+              <a:ext uri="{BEBA8EAE-BF5A-486C-A8C5-ECC9F3942E4B}">
+                <a14:imgProps xmlns:a14="http://schemas.microsoft.com/office/drawing/2010/main">
+                  <a14:imgLayer r:embed="rId3">
+                    <a14:imgEffect>
+                      <a14:brightnessContrast bright="-40000"/>
+                    </a14:imgEffect>
+                  </a14:imgLayer>
+                </a14:imgProps>
+              </a:ext>
+              <a:ext uri="{28A0092B-C50C-407E-A947-70E740481C1C}">
+                <a14:useLocalDpi xmlns:a14="http://schemas.microsoft.com/office/drawing/2010/main" val="0"/>
+              </a:ext>
+            </a:extLst>
+          </a:blip>
+          <a:stretch>
+            <a:fillRect/>
+          </a:stretch>
+        </p:blipFill>
+        <p:spPr>
+          <a:xfrm>
+            <a:off x="0" y="0"/>
+            <a:ext cx="12192000" cy="6858000"/>
+          </a:xfrm>
+          <a:prstGeom prst="rect">
+            <a:avLst/>
+          </a:prstGeom>
+        </p:spPr>
+      </p:pic>
+      <p:sp>
+        <p:nvSpPr>
+          <p:cNvPr id="9" name="사각형: 둥근 모서리 8">
+            <a:extLst>
+              <a:ext uri="{FF2B5EF4-FFF2-40B4-BE49-F238E27FC236}">
+                <a16:creationId xmlns:a16="http://schemas.microsoft.com/office/drawing/2014/main" id="{67EF1A14-94A1-84E9-74CE-C14EDC880BE6}"/>
+              </a:ext>
+            </a:extLst>
+          </p:cNvPr>
+          <p:cNvSpPr/>
+          <p:nvPr/>
+        </p:nvSpPr>
+        <p:spPr>
+          <a:xfrm>
+            <a:off x="0" y="2026404"/>
+            <a:ext cx="4731798" cy="1118586"/>
+          </a:xfrm>
+          <a:prstGeom prst="roundRect">
+            <a:avLst>
+              <a:gd name="adj" fmla="val 0"/>
+            </a:avLst>
+          </a:prstGeom>
+          <a:solidFill>
+            <a:srgbClr val="808080">
+              <a:alpha val="50196"/>
+            </a:srgbClr>
+          </a:solidFill>
+          <a:ln>
+            <a:noFill/>
+          </a:ln>
+        </p:spPr>
+        <p:style>
+          <a:lnRef idx="2">
+            <a:schemeClr val="accent3">
+              <a:shade val="50000"/>
+            </a:schemeClr>
+          </a:lnRef>
+          <a:fillRef idx="1">
+            <a:schemeClr val="accent3"/>
+          </a:fillRef>
+          <a:effectRef idx="0">
+            <a:schemeClr val="accent3"/>
+          </a:effectRef>
+          <a:fontRef idx="minor">
+            <a:schemeClr val="lt1"/>
+          </a:fontRef>
+        </p:style>
+        <p:txBody>
+          <a:bodyPr rtlCol="0" anchor="ctr"/>
+          <a:lstStyle/>
+          <a:p>
+            <a:pPr algn="ctr"/>
+            <a:r>
+              <a:rPr lang="en-US" altLang="ko-KR"/>
+              <a:t>MuangMuangE</a:t>
+            </a:r>
+            <a:endParaRPr lang="ko-KR" altLang="en-US"/>
+          </a:p>
+        </p:txBody>
+      </p:sp>
+      <p:sp>
+        <p:nvSpPr>
+          <p:cNvPr id="10" name="사각형: 둥근 모서리 9">
+            <a:extLst>
+              <a:ext uri="{FF2B5EF4-FFF2-40B4-BE49-F238E27FC236}">
+                <a16:creationId xmlns:a16="http://schemas.microsoft.com/office/drawing/2014/main" id="{D454A6AF-0F9A-53B5-25D3-C3A78F2569B3}"/>
+              </a:ext>
+            </a:extLst>
+          </p:cNvPr>
+          <p:cNvSpPr/>
+          <p:nvPr/>
+        </p:nvSpPr>
+        <p:spPr>
+          <a:xfrm>
+            <a:off x="0" y="907818"/>
+            <a:ext cx="4731798" cy="1118586"/>
+          </a:xfrm>
+          <a:prstGeom prst="roundRect">
+            <a:avLst>
+              <a:gd name="adj" fmla="val 0"/>
+            </a:avLst>
+          </a:prstGeom>
+          <a:solidFill>
+            <a:srgbClr val="606060">
+              <a:alpha val="49804"/>
+            </a:srgbClr>
+          </a:solidFill>
+          <a:ln>
+            <a:noFill/>
+          </a:ln>
+        </p:spPr>
+        <p:style>
+          <a:lnRef idx="2">
+            <a:schemeClr val="accent3">
+              <a:shade val="50000"/>
+            </a:schemeClr>
+          </a:lnRef>
+          <a:fillRef idx="1">
+            <a:schemeClr val="accent3"/>
+          </a:fillRef>
+          <a:effectRef idx="0">
+            <a:schemeClr val="accent3"/>
+          </a:effectRef>
+          <a:fontRef idx="minor">
+            <a:schemeClr val="lt1"/>
+          </a:fontRef>
+        </p:style>
+        <p:txBody>
+          <a:bodyPr rtlCol="0" anchor="ctr"/>
+          <a:lstStyle/>
+          <a:p>
+            <a:pPr algn="ctr"/>
+            <a:r>
+              <a:rPr lang="en-US" altLang="ko-KR"/>
+              <a:t>MuangMuangE</a:t>
+            </a:r>
+            <a:endParaRPr lang="ko-KR" altLang="en-US"/>
+          </a:p>
+        </p:txBody>
+      </p:sp>
+    </p:spTree>
+    <p:extLst>
+      <p:ext uri="{BB962C8B-B14F-4D97-AF65-F5344CB8AC3E}">
+        <p14:creationId xmlns:p14="http://schemas.microsoft.com/office/powerpoint/2010/main" val="1658710548"/>
+      </p:ext>
+    </p:extLst>
+  </p:cSld>
+  <p:clrMapOvr>
+    <a:masterClrMapping/>
+  </p:clrMapOvr>
+</p:sld>
+</file>
+
+<file path=ppt/slides/slide8.xml><?xml version="1.0" encoding="utf-8"?>
+<p:sld xmlns:a="http://schemas.openxmlformats.org/drawingml/2006/main" xmlns:r="http://schemas.openxmlformats.org/officeDocument/2006/relationships" xmlns:p="http://schemas.openxmlformats.org/presentationml/2006/main">
+  <p:cSld>
+    <p:bg>
+      <p:bgPr>
+        <a:solidFill>
           <a:schemeClr val="tx1"/>
         </a:solidFill>
         <a:effectLst/>
@@ -24556,7 +26486,7 @@
 </p:sld>
 </file>
 
-<file path=ppt/slides/slide6.xml><?xml version="1.0" encoding="utf-8"?>
+<file path=ppt/slides/slide9.xml><?xml version="1.0" encoding="utf-8"?>
 <p:sld xmlns:a="http://schemas.openxmlformats.org/drawingml/2006/main" xmlns:r="http://schemas.openxmlformats.org/officeDocument/2006/relationships" xmlns:p="http://schemas.openxmlformats.org/presentationml/2006/main">
   <p:cSld>
     <p:spTree>
@@ -24831,1288 +26761,6 @@
     <p:extLst>
       <p:ext uri="{BB962C8B-B14F-4D97-AF65-F5344CB8AC3E}">
         <p14:creationId xmlns:p14="http://schemas.microsoft.com/office/powerpoint/2010/main" val="2317737549"/>
-      </p:ext>
-    </p:extLst>
-  </p:cSld>
-  <p:clrMapOvr>
-    <a:masterClrMapping/>
-  </p:clrMapOvr>
-</p:sld>
-</file>
-
-<file path=ppt/slides/slide7.xml><?xml version="1.0" encoding="utf-8"?>
-<p:sld xmlns:a="http://schemas.openxmlformats.org/drawingml/2006/main" xmlns:r="http://schemas.openxmlformats.org/officeDocument/2006/relationships" xmlns:p="http://schemas.openxmlformats.org/presentationml/2006/main">
-  <p:cSld>
-    <p:spTree>
-      <p:nvGrpSpPr>
-        <p:cNvPr id="1" name=""/>
-        <p:cNvGrpSpPr/>
-        <p:nvPr/>
-      </p:nvGrpSpPr>
-      <p:grpSpPr>
-        <a:xfrm>
-          <a:off x="0" y="0"/>
-          <a:ext cx="0" cy="0"/>
-          <a:chOff x="0" y="0"/>
-          <a:chExt cx="0" cy="0"/>
-        </a:xfrm>
-      </p:grpSpPr>
-      <p:sp>
-        <p:nvSpPr>
-          <p:cNvPr id="3" name="자유형: 도형 2">
-            <a:extLst>
-              <a:ext uri="{FF2B5EF4-FFF2-40B4-BE49-F238E27FC236}">
-                <a16:creationId xmlns:a16="http://schemas.microsoft.com/office/drawing/2014/main" id="{D7BEE3F0-B4DD-5654-3E15-D7C68DCB4F79}"/>
-              </a:ext>
-            </a:extLst>
-          </p:cNvPr>
-          <p:cNvSpPr/>
-          <p:nvPr/>
-        </p:nvSpPr>
-        <p:spPr>
-          <a:xfrm flipV="1">
-            <a:off x="0" y="5524500"/>
-            <a:ext cx="4311941" cy="1294528"/>
-          </a:xfrm>
-          <a:custGeom>
-            <a:avLst/>
-            <a:gdLst>
-              <a:gd name="connsiteX0" fmla="*/ 0 w 4311941"/>
-              <a:gd name="connsiteY0" fmla="*/ 1283516 h 1327406"/>
-              <a:gd name="connsiteX1" fmla="*/ 1996580 w 4311941"/>
-              <a:gd name="connsiteY1" fmla="*/ 1266738 h 1327406"/>
-              <a:gd name="connsiteX2" fmla="*/ 3028426 w 4311941"/>
-              <a:gd name="connsiteY2" fmla="*/ 696286 h 1327406"/>
-              <a:gd name="connsiteX3" fmla="*/ 4009938 w 4311941"/>
-              <a:gd name="connsiteY3" fmla="*/ 352338 h 1327406"/>
-              <a:gd name="connsiteX4" fmla="*/ 4311941 w 4311941"/>
-              <a:gd name="connsiteY4" fmla="*/ 0 h 1327406"/>
-              <a:gd name="connsiteX0" fmla="*/ 0 w 4311941"/>
-              <a:gd name="connsiteY0" fmla="*/ 1283516 h 1314688"/>
-              <a:gd name="connsiteX1" fmla="*/ 1996580 w 4311941"/>
-              <a:gd name="connsiteY1" fmla="*/ 1266738 h 1314688"/>
-              <a:gd name="connsiteX2" fmla="*/ 3028426 w 4311941"/>
-              <a:gd name="connsiteY2" fmla="*/ 696286 h 1314688"/>
-              <a:gd name="connsiteX3" fmla="*/ 4009938 w 4311941"/>
-              <a:gd name="connsiteY3" fmla="*/ 352338 h 1314688"/>
-              <a:gd name="connsiteX4" fmla="*/ 4311941 w 4311941"/>
-              <a:gd name="connsiteY4" fmla="*/ 0 h 1314688"/>
-              <a:gd name="connsiteX0" fmla="*/ 0 w 4311941"/>
-              <a:gd name="connsiteY0" fmla="*/ 1283516 h 1294528"/>
-              <a:gd name="connsiteX1" fmla="*/ 1996580 w 4311941"/>
-              <a:gd name="connsiteY1" fmla="*/ 1233182 h 1294528"/>
-              <a:gd name="connsiteX2" fmla="*/ 3028426 w 4311941"/>
-              <a:gd name="connsiteY2" fmla="*/ 696286 h 1294528"/>
-              <a:gd name="connsiteX3" fmla="*/ 4009938 w 4311941"/>
-              <a:gd name="connsiteY3" fmla="*/ 352338 h 1294528"/>
-              <a:gd name="connsiteX4" fmla="*/ 4311941 w 4311941"/>
-              <a:gd name="connsiteY4" fmla="*/ 0 h 1294528"/>
-            </a:gdLst>
-            <a:ahLst/>
-            <a:cxnLst>
-              <a:cxn ang="0">
-                <a:pos x="connsiteX0" y="connsiteY0"/>
-              </a:cxn>
-              <a:cxn ang="0">
-                <a:pos x="connsiteX1" y="connsiteY1"/>
-              </a:cxn>
-              <a:cxn ang="0">
-                <a:pos x="connsiteX2" y="connsiteY2"/>
-              </a:cxn>
-              <a:cxn ang="0">
-                <a:pos x="connsiteX3" y="connsiteY3"/>
-              </a:cxn>
-              <a:cxn ang="0">
-                <a:pos x="connsiteX4" y="connsiteY4"/>
-              </a:cxn>
-            </a:cxnLst>
-            <a:rect l="l" t="t" r="r" b="b"/>
-            <a:pathLst>
-              <a:path w="4311941" h="1294528">
-                <a:moveTo>
-                  <a:pt x="0" y="1283516"/>
-                </a:moveTo>
-                <a:cubicBezTo>
-                  <a:pt x="729143" y="1282118"/>
-                  <a:pt x="1491842" y="1331054"/>
-                  <a:pt x="1996580" y="1233182"/>
-                </a:cubicBezTo>
-                <a:cubicBezTo>
-                  <a:pt x="2501318" y="1135310"/>
-                  <a:pt x="2692866" y="843093"/>
-                  <a:pt x="3028426" y="696286"/>
-                </a:cubicBezTo>
-                <a:cubicBezTo>
-                  <a:pt x="3363986" y="549479"/>
-                  <a:pt x="3796019" y="468386"/>
-                  <a:pt x="4009938" y="352338"/>
-                </a:cubicBezTo>
-                <a:cubicBezTo>
-                  <a:pt x="4223857" y="236290"/>
-                  <a:pt x="4263005" y="57325"/>
-                  <a:pt x="4311941" y="0"/>
-                </a:cubicBezTo>
-              </a:path>
-            </a:pathLst>
-          </a:custGeom>
-          <a:noFill/>
-        </p:spPr>
-        <p:style>
-          <a:lnRef idx="2">
-            <a:schemeClr val="accent1">
-              <a:shade val="50000"/>
-            </a:schemeClr>
-          </a:lnRef>
-          <a:fillRef idx="1">
-            <a:schemeClr val="accent1"/>
-          </a:fillRef>
-          <a:effectRef idx="0">
-            <a:schemeClr val="accent1"/>
-          </a:effectRef>
-          <a:fontRef idx="minor">
-            <a:schemeClr val="lt1"/>
-          </a:fontRef>
-        </p:style>
-        <p:txBody>
-          <a:bodyPr rtlCol="0" anchor="ctr"/>
-          <a:lstStyle/>
-          <a:p>
-            <a:pPr algn="ctr"/>
-            <a:endParaRPr lang="ko-KR" altLang="en-US"/>
-          </a:p>
-        </p:txBody>
-      </p:sp>
-      <p:sp>
-        <p:nvSpPr>
-          <p:cNvPr id="5" name="자유형: 도형 4">
-            <a:extLst>
-              <a:ext uri="{FF2B5EF4-FFF2-40B4-BE49-F238E27FC236}">
-                <a16:creationId xmlns:a16="http://schemas.microsoft.com/office/drawing/2014/main" id="{A24E09F5-C8BD-501D-37A9-39114F526031}"/>
-              </a:ext>
-            </a:extLst>
-          </p:cNvPr>
-          <p:cNvSpPr/>
-          <p:nvPr/>
-        </p:nvSpPr>
-        <p:spPr>
-          <a:xfrm>
-            <a:off x="0" y="-104775"/>
-            <a:ext cx="4457700" cy="1655847"/>
-          </a:xfrm>
-          <a:custGeom>
-            <a:avLst/>
-            <a:gdLst>
-              <a:gd name="connsiteX0" fmla="*/ 0 w 4311941"/>
-              <a:gd name="connsiteY0" fmla="*/ 1283516 h 1327406"/>
-              <a:gd name="connsiteX1" fmla="*/ 1996580 w 4311941"/>
-              <a:gd name="connsiteY1" fmla="*/ 1266738 h 1327406"/>
-              <a:gd name="connsiteX2" fmla="*/ 3028426 w 4311941"/>
-              <a:gd name="connsiteY2" fmla="*/ 696286 h 1327406"/>
-              <a:gd name="connsiteX3" fmla="*/ 4009938 w 4311941"/>
-              <a:gd name="connsiteY3" fmla="*/ 352338 h 1327406"/>
-              <a:gd name="connsiteX4" fmla="*/ 4311941 w 4311941"/>
-              <a:gd name="connsiteY4" fmla="*/ 0 h 1327406"/>
-              <a:gd name="connsiteX0" fmla="*/ 0 w 4311941"/>
-              <a:gd name="connsiteY0" fmla="*/ 1283516 h 1314688"/>
-              <a:gd name="connsiteX1" fmla="*/ 1996580 w 4311941"/>
-              <a:gd name="connsiteY1" fmla="*/ 1266738 h 1314688"/>
-              <a:gd name="connsiteX2" fmla="*/ 3028426 w 4311941"/>
-              <a:gd name="connsiteY2" fmla="*/ 696286 h 1314688"/>
-              <a:gd name="connsiteX3" fmla="*/ 4009938 w 4311941"/>
-              <a:gd name="connsiteY3" fmla="*/ 352338 h 1314688"/>
-              <a:gd name="connsiteX4" fmla="*/ 4311941 w 4311941"/>
-              <a:gd name="connsiteY4" fmla="*/ 0 h 1314688"/>
-              <a:gd name="connsiteX0" fmla="*/ 0 w 4311941"/>
-              <a:gd name="connsiteY0" fmla="*/ 1283516 h 1294528"/>
-              <a:gd name="connsiteX1" fmla="*/ 1996580 w 4311941"/>
-              <a:gd name="connsiteY1" fmla="*/ 1233182 h 1294528"/>
-              <a:gd name="connsiteX2" fmla="*/ 3028426 w 4311941"/>
-              <a:gd name="connsiteY2" fmla="*/ 696286 h 1294528"/>
-              <a:gd name="connsiteX3" fmla="*/ 4009938 w 4311941"/>
-              <a:gd name="connsiteY3" fmla="*/ 352338 h 1294528"/>
-              <a:gd name="connsiteX4" fmla="*/ 4311941 w 4311941"/>
-              <a:gd name="connsiteY4" fmla="*/ 0 h 1294528"/>
-            </a:gdLst>
-            <a:ahLst/>
-            <a:cxnLst>
-              <a:cxn ang="0">
-                <a:pos x="connsiteX0" y="connsiteY0"/>
-              </a:cxn>
-              <a:cxn ang="0">
-                <a:pos x="connsiteX1" y="connsiteY1"/>
-              </a:cxn>
-              <a:cxn ang="0">
-                <a:pos x="connsiteX2" y="connsiteY2"/>
-              </a:cxn>
-              <a:cxn ang="0">
-                <a:pos x="connsiteX3" y="connsiteY3"/>
-              </a:cxn>
-              <a:cxn ang="0">
-                <a:pos x="connsiteX4" y="connsiteY4"/>
-              </a:cxn>
-            </a:cxnLst>
-            <a:rect l="l" t="t" r="r" b="b"/>
-            <a:pathLst>
-              <a:path w="4311941" h="1294528">
-                <a:moveTo>
-                  <a:pt x="0" y="1283516"/>
-                </a:moveTo>
-                <a:cubicBezTo>
-                  <a:pt x="729143" y="1282118"/>
-                  <a:pt x="1491842" y="1331054"/>
-                  <a:pt x="1996580" y="1233182"/>
-                </a:cubicBezTo>
-                <a:cubicBezTo>
-                  <a:pt x="2501318" y="1135310"/>
-                  <a:pt x="2692866" y="843093"/>
-                  <a:pt x="3028426" y="696286"/>
-                </a:cubicBezTo>
-                <a:cubicBezTo>
-                  <a:pt x="3363986" y="549479"/>
-                  <a:pt x="3796019" y="468386"/>
-                  <a:pt x="4009938" y="352338"/>
-                </a:cubicBezTo>
-                <a:cubicBezTo>
-                  <a:pt x="4223857" y="236290"/>
-                  <a:pt x="4263005" y="57325"/>
-                  <a:pt x="4311941" y="0"/>
-                </a:cubicBezTo>
-              </a:path>
-            </a:pathLst>
-          </a:custGeom>
-          <a:ln/>
-        </p:spPr>
-        <p:style>
-          <a:lnRef idx="1">
-            <a:schemeClr val="dk1"/>
-          </a:lnRef>
-          <a:fillRef idx="0">
-            <a:schemeClr val="dk1"/>
-          </a:fillRef>
-          <a:effectRef idx="0">
-            <a:schemeClr val="dk1"/>
-          </a:effectRef>
-          <a:fontRef idx="minor">
-            <a:schemeClr val="tx1"/>
-          </a:fontRef>
-        </p:style>
-        <p:txBody>
-          <a:bodyPr rtlCol="0" anchor="ctr"/>
-          <a:lstStyle/>
-          <a:p>
-            <a:pPr algn="ctr"/>
-            <a:endParaRPr lang="ko-KR" altLang="en-US"/>
-          </a:p>
-        </p:txBody>
-      </p:sp>
-    </p:spTree>
-    <p:extLst>
-      <p:ext uri="{BB962C8B-B14F-4D97-AF65-F5344CB8AC3E}">
-        <p14:creationId xmlns:p14="http://schemas.microsoft.com/office/powerpoint/2010/main" val="3132788510"/>
-      </p:ext>
-    </p:extLst>
-  </p:cSld>
-  <p:clrMapOvr>
-    <a:masterClrMapping/>
-  </p:clrMapOvr>
-</p:sld>
-</file>
-
-<file path=ppt/slides/slide8.xml><?xml version="1.0" encoding="utf-8"?>
-<p:sld xmlns:a="http://schemas.openxmlformats.org/drawingml/2006/main" xmlns:r="http://schemas.openxmlformats.org/officeDocument/2006/relationships" xmlns:p="http://schemas.openxmlformats.org/presentationml/2006/main">
-  <p:cSld>
-    <p:spTree>
-      <p:nvGrpSpPr>
-        <p:cNvPr id="1" name=""/>
-        <p:cNvGrpSpPr/>
-        <p:nvPr/>
-      </p:nvGrpSpPr>
-      <p:grpSpPr>
-        <a:xfrm>
-          <a:off x="0" y="0"/>
-          <a:ext cx="0" cy="0"/>
-          <a:chOff x="0" y="0"/>
-          <a:chExt cx="0" cy="0"/>
-        </a:xfrm>
-      </p:grpSpPr>
-      <p:sp>
-        <p:nvSpPr>
-          <p:cNvPr id="13" name="직사각형 12">
-            <a:extLst>
-              <a:ext uri="{FF2B5EF4-FFF2-40B4-BE49-F238E27FC236}">
-                <a16:creationId xmlns:a16="http://schemas.microsoft.com/office/drawing/2014/main" id="{CBE2EBA4-B7A7-CE94-6364-F07290FD5DB6}"/>
-              </a:ext>
-            </a:extLst>
-          </p:cNvPr>
-          <p:cNvSpPr/>
-          <p:nvPr/>
-        </p:nvSpPr>
-        <p:spPr>
-          <a:xfrm>
-            <a:off x="0" y="0"/>
-            <a:ext cx="12192000" cy="559837"/>
-          </a:xfrm>
-          <a:prstGeom prst="rect">
-            <a:avLst/>
-          </a:prstGeom>
-          <a:solidFill>
-            <a:schemeClr val="bg2"/>
-          </a:solidFill>
-          <a:ln>
-            <a:noFill/>
-          </a:ln>
-        </p:spPr>
-        <p:style>
-          <a:lnRef idx="2">
-            <a:schemeClr val="accent1">
-              <a:shade val="50000"/>
-            </a:schemeClr>
-          </a:lnRef>
-          <a:fillRef idx="1">
-            <a:schemeClr val="accent1"/>
-          </a:fillRef>
-          <a:effectRef idx="0">
-            <a:schemeClr val="accent1"/>
-          </a:effectRef>
-          <a:fontRef idx="minor">
-            <a:schemeClr val="lt1"/>
-          </a:fontRef>
-        </p:style>
-        <p:txBody>
-          <a:bodyPr rtlCol="0" anchor="ctr"/>
-          <a:lstStyle/>
-          <a:p>
-            <a:pPr algn="ctr"/>
-            <a:endParaRPr lang="ko-KR" altLang="en-US"/>
-          </a:p>
-        </p:txBody>
-      </p:sp>
-      <p:sp>
-        <p:nvSpPr>
-          <p:cNvPr id="4" name="직사각형 3">
-            <a:extLst>
-              <a:ext uri="{FF2B5EF4-FFF2-40B4-BE49-F238E27FC236}">
-                <a16:creationId xmlns:a16="http://schemas.microsoft.com/office/drawing/2014/main" id="{F55349CF-3223-CC91-09D1-C84B3F1651FA}"/>
-              </a:ext>
-            </a:extLst>
-          </p:cNvPr>
-          <p:cNvSpPr/>
-          <p:nvPr/>
-        </p:nvSpPr>
-        <p:spPr>
-          <a:xfrm>
-            <a:off x="0" y="6298163"/>
-            <a:ext cx="12192000" cy="559837"/>
-          </a:xfrm>
-          <a:prstGeom prst="rect">
-            <a:avLst/>
-          </a:prstGeom>
-          <a:solidFill>
-            <a:schemeClr val="bg2"/>
-          </a:solidFill>
-          <a:ln>
-            <a:noFill/>
-          </a:ln>
-        </p:spPr>
-        <p:style>
-          <a:lnRef idx="2">
-            <a:schemeClr val="accent1">
-              <a:shade val="50000"/>
-            </a:schemeClr>
-          </a:lnRef>
-          <a:fillRef idx="1">
-            <a:schemeClr val="accent1"/>
-          </a:fillRef>
-          <a:effectRef idx="0">
-            <a:schemeClr val="accent1"/>
-          </a:effectRef>
-          <a:fontRef idx="minor">
-            <a:schemeClr val="lt1"/>
-          </a:fontRef>
-        </p:style>
-        <p:txBody>
-          <a:bodyPr rtlCol="0" anchor="ctr"/>
-          <a:lstStyle/>
-          <a:p>
-            <a:pPr algn="ctr"/>
-            <a:endParaRPr lang="ko-KR" altLang="en-US"/>
-          </a:p>
-        </p:txBody>
-      </p:sp>
-      <p:sp>
-        <p:nvSpPr>
-          <p:cNvPr id="5" name="직사각형 4">
-            <a:extLst>
-              <a:ext uri="{FF2B5EF4-FFF2-40B4-BE49-F238E27FC236}">
-                <a16:creationId xmlns:a16="http://schemas.microsoft.com/office/drawing/2014/main" id="{802DB6B5-FAA6-79F1-98D9-6F23BE1E3C85}"/>
-              </a:ext>
-            </a:extLst>
-          </p:cNvPr>
-          <p:cNvSpPr/>
-          <p:nvPr/>
-        </p:nvSpPr>
-        <p:spPr>
-          <a:xfrm>
-            <a:off x="5350635" y="-9501"/>
-            <a:ext cx="1029020" cy="559837"/>
-          </a:xfrm>
-          <a:prstGeom prst="rect">
-            <a:avLst/>
-          </a:prstGeom>
-          <a:solidFill>
-            <a:schemeClr val="accent3"/>
-          </a:solidFill>
-          <a:ln>
-            <a:solidFill>
-              <a:schemeClr val="tx1"/>
-            </a:solidFill>
-          </a:ln>
-        </p:spPr>
-        <p:style>
-          <a:lnRef idx="2">
-            <a:schemeClr val="accent1">
-              <a:shade val="50000"/>
-            </a:schemeClr>
-          </a:lnRef>
-          <a:fillRef idx="1">
-            <a:schemeClr val="accent1"/>
-          </a:fillRef>
-          <a:effectRef idx="0">
-            <a:schemeClr val="accent1"/>
-          </a:effectRef>
-          <a:fontRef idx="minor">
-            <a:schemeClr val="lt1"/>
-          </a:fontRef>
-        </p:style>
-        <p:txBody>
-          <a:bodyPr rtlCol="0" anchor="ctr"/>
-          <a:lstStyle/>
-          <a:p>
-            <a:pPr algn="ctr"/>
-            <a:r>
-              <a:rPr lang="en-US" altLang="ko-KR"/>
-              <a:t>Mods</a:t>
-            </a:r>
-            <a:endParaRPr lang="ko-KR" altLang="en-US"/>
-          </a:p>
-        </p:txBody>
-      </p:sp>
-      <p:sp>
-        <p:nvSpPr>
-          <p:cNvPr id="7" name="직사각형 6">
-            <a:extLst>
-              <a:ext uri="{FF2B5EF4-FFF2-40B4-BE49-F238E27FC236}">
-                <a16:creationId xmlns:a16="http://schemas.microsoft.com/office/drawing/2014/main" id="{CA9BFD7C-DFD4-5312-0BE0-8928C36C4AEF}"/>
-              </a:ext>
-            </a:extLst>
-          </p:cNvPr>
-          <p:cNvSpPr/>
-          <p:nvPr/>
-        </p:nvSpPr>
-        <p:spPr>
-          <a:xfrm>
-            <a:off x="-8389" y="6298163"/>
-            <a:ext cx="1029020" cy="559837"/>
-          </a:xfrm>
-          <a:prstGeom prst="rect">
-            <a:avLst/>
-          </a:prstGeom>
-          <a:solidFill>
-            <a:schemeClr val="accent3"/>
-          </a:solidFill>
-          <a:ln>
-            <a:solidFill>
-              <a:schemeClr val="tx1"/>
-            </a:solidFill>
-          </a:ln>
-        </p:spPr>
-        <p:style>
-          <a:lnRef idx="2">
-            <a:schemeClr val="accent1">
-              <a:shade val="50000"/>
-            </a:schemeClr>
-          </a:lnRef>
-          <a:fillRef idx="1">
-            <a:schemeClr val="accent1"/>
-          </a:fillRef>
-          <a:effectRef idx="0">
-            <a:schemeClr val="accent1"/>
-          </a:effectRef>
-          <a:fontRef idx="minor">
-            <a:schemeClr val="lt1"/>
-          </a:fontRef>
-        </p:style>
-        <p:txBody>
-          <a:bodyPr rtlCol="0" anchor="ctr"/>
-          <a:lstStyle/>
-          <a:p>
-            <a:pPr algn="ctr"/>
-            <a:r>
-              <a:rPr lang="en-US" altLang="ko-KR"/>
-              <a:t>Back</a:t>
-            </a:r>
-            <a:endParaRPr lang="ko-KR" altLang="en-US"/>
-          </a:p>
-        </p:txBody>
-      </p:sp>
-      <p:sp>
-        <p:nvSpPr>
-          <p:cNvPr id="9" name="직사각형 8">
-            <a:extLst>
-              <a:ext uri="{FF2B5EF4-FFF2-40B4-BE49-F238E27FC236}">
-                <a16:creationId xmlns:a16="http://schemas.microsoft.com/office/drawing/2014/main" id="{9A572247-B942-D5F1-81FB-4EDFED2EC5AB}"/>
-              </a:ext>
-            </a:extLst>
-          </p:cNvPr>
-          <p:cNvSpPr/>
-          <p:nvPr/>
-        </p:nvSpPr>
-        <p:spPr>
-          <a:xfrm>
-            <a:off x="10276514" y="5771627"/>
-            <a:ext cx="1915486" cy="1095874"/>
-          </a:xfrm>
-          <a:prstGeom prst="rect">
-            <a:avLst/>
-          </a:prstGeom>
-          <a:solidFill>
-            <a:schemeClr val="accent3"/>
-          </a:solidFill>
-          <a:ln>
-            <a:solidFill>
-              <a:schemeClr val="tx1"/>
-            </a:solidFill>
-          </a:ln>
-        </p:spPr>
-        <p:style>
-          <a:lnRef idx="2">
-            <a:schemeClr val="accent1">
-              <a:shade val="50000"/>
-            </a:schemeClr>
-          </a:lnRef>
-          <a:fillRef idx="1">
-            <a:schemeClr val="accent1"/>
-          </a:fillRef>
-          <a:effectRef idx="0">
-            <a:schemeClr val="accent1"/>
-          </a:effectRef>
-          <a:fontRef idx="minor">
-            <a:schemeClr val="lt1"/>
-          </a:fontRef>
-        </p:style>
-        <p:txBody>
-          <a:bodyPr rtlCol="0" anchor="ctr"/>
-          <a:lstStyle/>
-          <a:p>
-            <a:pPr algn="ctr"/>
-            <a:r>
-              <a:rPr lang="en-US" altLang="ko-KR" sz="2400"/>
-              <a:t>Play</a:t>
-            </a:r>
-            <a:endParaRPr lang="ko-KR" altLang="en-US" sz="2400"/>
-          </a:p>
-        </p:txBody>
-      </p:sp>
-      <p:sp>
-        <p:nvSpPr>
-          <p:cNvPr id="11" name="직사각형 10">
-            <a:extLst>
-              <a:ext uri="{FF2B5EF4-FFF2-40B4-BE49-F238E27FC236}">
-                <a16:creationId xmlns:a16="http://schemas.microsoft.com/office/drawing/2014/main" id="{3AA847A8-0A67-2861-A011-7249D32DB7E4}"/>
-              </a:ext>
-            </a:extLst>
-          </p:cNvPr>
-          <p:cNvSpPr/>
-          <p:nvPr/>
-        </p:nvSpPr>
-        <p:spPr>
-          <a:xfrm>
-            <a:off x="2779922" y="6297050"/>
-            <a:ext cx="1029020" cy="559837"/>
-          </a:xfrm>
-          <a:prstGeom prst="rect">
-            <a:avLst/>
-          </a:prstGeom>
-          <a:solidFill>
-            <a:schemeClr val="accent3"/>
-          </a:solidFill>
-          <a:ln>
-            <a:solidFill>
-              <a:schemeClr val="tx1"/>
-            </a:solidFill>
-          </a:ln>
-        </p:spPr>
-        <p:style>
-          <a:lnRef idx="2">
-            <a:schemeClr val="accent1">
-              <a:shade val="50000"/>
-            </a:schemeClr>
-          </a:lnRef>
-          <a:fillRef idx="1">
-            <a:schemeClr val="accent1"/>
-          </a:fillRef>
-          <a:effectRef idx="0">
-            <a:schemeClr val="accent1"/>
-          </a:effectRef>
-          <a:fontRef idx="minor">
-            <a:schemeClr val="lt1"/>
-          </a:fontRef>
-        </p:style>
-        <p:txBody>
-          <a:bodyPr rtlCol="0" anchor="ctr"/>
-          <a:lstStyle/>
-          <a:p>
-            <a:pPr algn="ctr"/>
-            <a:r>
-              <a:rPr lang="en-US" altLang="ko-KR"/>
-              <a:t>Tags</a:t>
-            </a:r>
-            <a:br>
-              <a:rPr lang="en-US" altLang="ko-KR"/>
-            </a:br>
-            <a:r>
-              <a:rPr lang="en-US" altLang="ko-KR"/>
-              <a:t>Collect.</a:t>
-            </a:r>
-            <a:endParaRPr lang="ko-KR" altLang="en-US"/>
-          </a:p>
-        </p:txBody>
-      </p:sp>
-      <p:sp>
-        <p:nvSpPr>
-          <p:cNvPr id="15" name="직사각형 14">
-            <a:extLst>
-              <a:ext uri="{FF2B5EF4-FFF2-40B4-BE49-F238E27FC236}">
-                <a16:creationId xmlns:a16="http://schemas.microsoft.com/office/drawing/2014/main" id="{B8E9083D-7CF8-C4BE-9644-9BB7DC2E119B}"/>
-              </a:ext>
-            </a:extLst>
-          </p:cNvPr>
-          <p:cNvSpPr/>
-          <p:nvPr/>
-        </p:nvSpPr>
-        <p:spPr>
-          <a:xfrm>
-            <a:off x="3817331" y="6298163"/>
-            <a:ext cx="1029020" cy="559837"/>
-          </a:xfrm>
-          <a:prstGeom prst="rect">
-            <a:avLst/>
-          </a:prstGeom>
-          <a:solidFill>
-            <a:schemeClr val="accent3"/>
-          </a:solidFill>
-          <a:ln>
-            <a:solidFill>
-              <a:schemeClr val="tx1"/>
-            </a:solidFill>
-          </a:ln>
-        </p:spPr>
-        <p:style>
-          <a:lnRef idx="2">
-            <a:schemeClr val="accent1">
-              <a:shade val="50000"/>
-            </a:schemeClr>
-          </a:lnRef>
-          <a:fillRef idx="1">
-            <a:schemeClr val="accent1"/>
-          </a:fillRef>
-          <a:effectRef idx="0">
-            <a:schemeClr val="accent1"/>
-          </a:effectRef>
-          <a:fontRef idx="minor">
-            <a:schemeClr val="lt1"/>
-          </a:fontRef>
-        </p:style>
-        <p:txBody>
-          <a:bodyPr rtlCol="0" anchor="ctr"/>
-          <a:lstStyle/>
-          <a:p>
-            <a:pPr algn="ctr"/>
-            <a:r>
-              <a:rPr lang="en-US" altLang="ko-KR"/>
-              <a:t>Editor</a:t>
-            </a:r>
-            <a:endParaRPr lang="ko-KR" altLang="en-US"/>
-          </a:p>
-        </p:txBody>
-      </p:sp>
-      <p:sp>
-        <p:nvSpPr>
-          <p:cNvPr id="19" name="직사각형 18">
-            <a:extLst>
-              <a:ext uri="{FF2B5EF4-FFF2-40B4-BE49-F238E27FC236}">
-                <a16:creationId xmlns:a16="http://schemas.microsoft.com/office/drawing/2014/main" id="{36B73C17-F75D-DE64-730C-2FD219EEAB3A}"/>
-              </a:ext>
-            </a:extLst>
-          </p:cNvPr>
-          <p:cNvSpPr/>
-          <p:nvPr/>
-        </p:nvSpPr>
-        <p:spPr>
-          <a:xfrm>
-            <a:off x="7416188" y="0"/>
-            <a:ext cx="712694" cy="560950"/>
-          </a:xfrm>
-          <a:prstGeom prst="rect">
-            <a:avLst/>
-          </a:prstGeom>
-          <a:solidFill>
-            <a:schemeClr val="accent3"/>
-          </a:solidFill>
-          <a:ln>
-            <a:solidFill>
-              <a:schemeClr val="tx1"/>
-            </a:solidFill>
-          </a:ln>
-        </p:spPr>
-        <p:style>
-          <a:lnRef idx="2">
-            <a:schemeClr val="accent1">
-              <a:shade val="50000"/>
-            </a:schemeClr>
-          </a:lnRef>
-          <a:fillRef idx="1">
-            <a:schemeClr val="accent1"/>
-          </a:fillRef>
-          <a:effectRef idx="0">
-            <a:schemeClr val="accent1"/>
-          </a:effectRef>
-          <a:fontRef idx="minor">
-            <a:schemeClr val="lt1"/>
-          </a:fontRef>
-        </p:style>
-        <p:txBody>
-          <a:bodyPr rtlCol="0" anchor="ctr"/>
-          <a:lstStyle/>
-          <a:p>
-            <a:pPr algn="ctr"/>
-            <a:r>
-              <a:rPr lang="en-US" altLang="ko-KR" sz="1600"/>
-              <a:t>Img</a:t>
-            </a:r>
-            <a:endParaRPr lang="ko-KR" altLang="en-US" sz="1600"/>
-          </a:p>
-        </p:txBody>
-      </p:sp>
-      <p:sp>
-        <p:nvSpPr>
-          <p:cNvPr id="21" name="직사각형 20">
-            <a:extLst>
-              <a:ext uri="{FF2B5EF4-FFF2-40B4-BE49-F238E27FC236}">
-                <a16:creationId xmlns:a16="http://schemas.microsoft.com/office/drawing/2014/main" id="{783120F7-80E0-5C78-5FC7-A8E41948E1F6}"/>
-              </a:ext>
-            </a:extLst>
-          </p:cNvPr>
-          <p:cNvSpPr/>
-          <p:nvPr/>
-        </p:nvSpPr>
-        <p:spPr>
-          <a:xfrm>
-            <a:off x="8147370" y="-1113"/>
-            <a:ext cx="2039510" cy="559837"/>
-          </a:xfrm>
-          <a:prstGeom prst="rect">
-            <a:avLst/>
-          </a:prstGeom>
-          <a:solidFill>
-            <a:schemeClr val="accent3"/>
-          </a:solidFill>
-          <a:ln>
-            <a:solidFill>
-              <a:schemeClr val="tx1"/>
-            </a:solidFill>
-          </a:ln>
-        </p:spPr>
-        <p:style>
-          <a:lnRef idx="2">
-            <a:schemeClr val="accent1">
-              <a:shade val="50000"/>
-            </a:schemeClr>
-          </a:lnRef>
-          <a:fillRef idx="1">
-            <a:schemeClr val="accent1"/>
-          </a:fillRef>
-          <a:effectRef idx="0">
-            <a:schemeClr val="accent1"/>
-          </a:effectRef>
-          <a:fontRef idx="minor">
-            <a:schemeClr val="lt1"/>
-          </a:fontRef>
-        </p:style>
-        <p:txBody>
-          <a:bodyPr rtlCol="0" anchor="ctr"/>
-          <a:lstStyle/>
-          <a:p>
-            <a:pPr algn="ctr"/>
-            <a:r>
-              <a:rPr lang="en-US" altLang="ko-KR" dirty="0"/>
-              <a:t>User</a:t>
-            </a:r>
-            <a:endParaRPr lang="ko-KR" altLang="en-US" dirty="0"/>
-          </a:p>
-        </p:txBody>
-      </p:sp>
-      <p:sp>
-        <p:nvSpPr>
-          <p:cNvPr id="22" name="직사각형 21">
-            <a:extLst>
-              <a:ext uri="{FF2B5EF4-FFF2-40B4-BE49-F238E27FC236}">
-                <a16:creationId xmlns:a16="http://schemas.microsoft.com/office/drawing/2014/main" id="{106803AF-5303-1F9A-F988-48832606EC10}"/>
-              </a:ext>
-            </a:extLst>
-          </p:cNvPr>
-          <p:cNvSpPr/>
-          <p:nvPr/>
-        </p:nvSpPr>
-        <p:spPr>
-          <a:xfrm>
-            <a:off x="-8389" y="-9501"/>
-            <a:ext cx="4330005" cy="2621903"/>
-          </a:xfrm>
-          <a:prstGeom prst="rect">
-            <a:avLst/>
-          </a:prstGeom>
-        </p:spPr>
-        <p:style>
-          <a:lnRef idx="2">
-            <a:schemeClr val="accent4">
-              <a:shade val="50000"/>
-            </a:schemeClr>
-          </a:lnRef>
-          <a:fillRef idx="1">
-            <a:schemeClr val="accent4"/>
-          </a:fillRef>
-          <a:effectRef idx="0">
-            <a:schemeClr val="accent4"/>
-          </a:effectRef>
-          <a:fontRef idx="minor">
-            <a:schemeClr val="lt1"/>
-          </a:fontRef>
-        </p:style>
-        <p:txBody>
-          <a:bodyPr rtlCol="0" anchor="ctr"/>
-          <a:lstStyle/>
-          <a:p>
-            <a:pPr algn="ctr"/>
-            <a:r>
-              <a:rPr lang="en-US" altLang="ko-KR"/>
-              <a:t>Chart info</a:t>
-            </a:r>
-            <a:endParaRPr lang="ko-KR" altLang="en-US"/>
-          </a:p>
-        </p:txBody>
-      </p:sp>
-      <p:sp>
-        <p:nvSpPr>
-          <p:cNvPr id="24" name="직사각형 23">
-            <a:extLst>
-              <a:ext uri="{FF2B5EF4-FFF2-40B4-BE49-F238E27FC236}">
-                <a16:creationId xmlns:a16="http://schemas.microsoft.com/office/drawing/2014/main" id="{BE994B68-DC4A-0B08-4216-55DF0BCAD89D}"/>
-              </a:ext>
-            </a:extLst>
-          </p:cNvPr>
-          <p:cNvSpPr/>
-          <p:nvPr/>
-        </p:nvSpPr>
-        <p:spPr>
-          <a:xfrm>
-            <a:off x="-8390" y="2596393"/>
-            <a:ext cx="4330005" cy="3691156"/>
-          </a:xfrm>
-          <a:prstGeom prst="rect">
-            <a:avLst/>
-          </a:prstGeom>
-        </p:spPr>
-        <p:style>
-          <a:lnRef idx="2">
-            <a:schemeClr val="accent6">
-              <a:shade val="50000"/>
-            </a:schemeClr>
-          </a:lnRef>
-          <a:fillRef idx="1">
-            <a:schemeClr val="accent6"/>
-          </a:fillRef>
-          <a:effectRef idx="0">
-            <a:schemeClr val="accent6"/>
-          </a:effectRef>
-          <a:fontRef idx="minor">
-            <a:schemeClr val="lt1"/>
-          </a:fontRef>
-        </p:style>
-        <p:txBody>
-          <a:bodyPr rtlCol="0" anchor="ctr"/>
-          <a:lstStyle/>
-          <a:p>
-            <a:pPr algn="ctr"/>
-            <a:r>
-              <a:rPr lang="en-US" altLang="ko-KR" dirty="0"/>
-              <a:t>Ranking</a:t>
-            </a:r>
-          </a:p>
-          <a:p>
-            <a:pPr algn="ctr"/>
-            <a:r>
-              <a:rPr lang="en-US" altLang="ko-KR" dirty="0"/>
-              <a:t>Player list when at lobby</a:t>
-            </a:r>
-            <a:endParaRPr lang="ko-KR" altLang="en-US" dirty="0"/>
-          </a:p>
-        </p:txBody>
-      </p:sp>
-      <p:sp>
-        <p:nvSpPr>
-          <p:cNvPr id="26" name="직사각형 25">
-            <a:extLst>
-              <a:ext uri="{FF2B5EF4-FFF2-40B4-BE49-F238E27FC236}">
-                <a16:creationId xmlns:a16="http://schemas.microsoft.com/office/drawing/2014/main" id="{90367FBA-6188-A74D-C15D-63715A60AFD5}"/>
-              </a:ext>
-            </a:extLst>
-          </p:cNvPr>
-          <p:cNvSpPr/>
-          <p:nvPr/>
-        </p:nvSpPr>
-        <p:spPr>
-          <a:xfrm>
-            <a:off x="6370390" y="-9501"/>
-            <a:ext cx="1029020" cy="559837"/>
-          </a:xfrm>
-          <a:prstGeom prst="rect">
-            <a:avLst/>
-          </a:prstGeom>
-          <a:solidFill>
-            <a:schemeClr val="accent3"/>
-          </a:solidFill>
-          <a:ln>
-            <a:solidFill>
-              <a:schemeClr val="tx1"/>
-            </a:solidFill>
-          </a:ln>
-        </p:spPr>
-        <p:style>
-          <a:lnRef idx="2">
-            <a:schemeClr val="accent1">
-              <a:shade val="50000"/>
-            </a:schemeClr>
-          </a:lnRef>
-          <a:fillRef idx="1">
-            <a:schemeClr val="accent1"/>
-          </a:fillRef>
-          <a:effectRef idx="0">
-            <a:schemeClr val="accent1"/>
-          </a:effectRef>
-          <a:fontRef idx="minor">
-            <a:schemeClr val="lt1"/>
-          </a:fontRef>
-        </p:style>
-        <p:txBody>
-          <a:bodyPr rtlCol="0" anchor="ctr"/>
-          <a:lstStyle/>
-          <a:p>
-            <a:pPr algn="ctr"/>
-            <a:r>
-              <a:rPr lang="en-US" altLang="ko-KR"/>
-              <a:t>Sort</a:t>
-            </a:r>
-            <a:endParaRPr lang="ko-KR" altLang="en-US"/>
-          </a:p>
-        </p:txBody>
-      </p:sp>
-      <p:sp>
-        <p:nvSpPr>
-          <p:cNvPr id="28" name="직사각형 27">
-            <a:extLst>
-              <a:ext uri="{FF2B5EF4-FFF2-40B4-BE49-F238E27FC236}">
-                <a16:creationId xmlns:a16="http://schemas.microsoft.com/office/drawing/2014/main" id="{B00EE38B-799F-650C-81FD-141EA904738F}"/>
-              </a:ext>
-            </a:extLst>
-          </p:cNvPr>
-          <p:cNvSpPr/>
-          <p:nvPr/>
-        </p:nvSpPr>
-        <p:spPr>
-          <a:xfrm>
-            <a:off x="4321615" y="-19001"/>
-            <a:ext cx="1029020" cy="559837"/>
-          </a:xfrm>
-          <a:prstGeom prst="rect">
-            <a:avLst/>
-          </a:prstGeom>
-          <a:solidFill>
-            <a:schemeClr val="accent3"/>
-          </a:solidFill>
-          <a:ln>
-            <a:solidFill>
-              <a:schemeClr val="tx1"/>
-            </a:solidFill>
-          </a:ln>
-        </p:spPr>
-        <p:style>
-          <a:lnRef idx="2">
-            <a:schemeClr val="accent1">
-              <a:shade val="50000"/>
-            </a:schemeClr>
-          </a:lnRef>
-          <a:fillRef idx="1">
-            <a:schemeClr val="accent1"/>
-          </a:fillRef>
-          <a:effectRef idx="0">
-            <a:schemeClr val="accent1"/>
-          </a:effectRef>
-          <a:fontRef idx="minor">
-            <a:schemeClr val="lt1"/>
-          </a:fontRef>
-        </p:style>
-        <p:txBody>
-          <a:bodyPr rtlCol="0" anchor="ctr"/>
-          <a:lstStyle/>
-          <a:p>
-            <a:pPr algn="ctr"/>
-            <a:r>
-              <a:rPr lang="en-US" altLang="ko-KR"/>
-              <a:t>Mode</a:t>
-            </a:r>
-            <a:endParaRPr lang="ko-KR" altLang="en-US"/>
-          </a:p>
-        </p:txBody>
-      </p:sp>
-      <p:sp>
-        <p:nvSpPr>
-          <p:cNvPr id="32" name="직사각형 31">
-            <a:extLst>
-              <a:ext uri="{FF2B5EF4-FFF2-40B4-BE49-F238E27FC236}">
-                <a16:creationId xmlns:a16="http://schemas.microsoft.com/office/drawing/2014/main" id="{0D283D03-E6F9-FDC9-157B-7BB76EFFD791}"/>
-              </a:ext>
-            </a:extLst>
-          </p:cNvPr>
-          <p:cNvSpPr/>
-          <p:nvPr/>
-        </p:nvSpPr>
-        <p:spPr>
-          <a:xfrm>
-            <a:off x="7416188" y="578837"/>
-            <a:ext cx="4784201" cy="279919"/>
-          </a:xfrm>
-          <a:prstGeom prst="rect">
-            <a:avLst/>
-          </a:prstGeom>
-          <a:ln/>
-        </p:spPr>
-        <p:style>
-          <a:lnRef idx="3">
-            <a:schemeClr val="lt1"/>
-          </a:lnRef>
-          <a:fillRef idx="1">
-            <a:schemeClr val="accent1"/>
-          </a:fillRef>
-          <a:effectRef idx="1">
-            <a:schemeClr val="accent1"/>
-          </a:effectRef>
-          <a:fontRef idx="minor">
-            <a:schemeClr val="lt1"/>
-          </a:fontRef>
-        </p:style>
-        <p:txBody>
-          <a:bodyPr rtlCol="0" anchor="ctr"/>
-          <a:lstStyle/>
-          <a:p>
-            <a:pPr algn="ctr"/>
-            <a:r>
-              <a:rPr lang="en-US" altLang="ko-KR"/>
-              <a:t>Search</a:t>
-            </a:r>
-            <a:endParaRPr lang="ko-KR" altLang="en-US"/>
-          </a:p>
-        </p:txBody>
-      </p:sp>
-      <p:sp>
-        <p:nvSpPr>
-          <p:cNvPr id="34" name="직사각형 33">
-            <a:extLst>
-              <a:ext uri="{FF2B5EF4-FFF2-40B4-BE49-F238E27FC236}">
-                <a16:creationId xmlns:a16="http://schemas.microsoft.com/office/drawing/2014/main" id="{588E1E37-2295-3D1E-EFFA-F3242066BF1F}"/>
-              </a:ext>
-            </a:extLst>
-          </p:cNvPr>
-          <p:cNvSpPr/>
-          <p:nvPr/>
-        </p:nvSpPr>
-        <p:spPr>
-          <a:xfrm>
-            <a:off x="4836125" y="6298163"/>
-            <a:ext cx="1029020" cy="559837"/>
-          </a:xfrm>
-          <a:prstGeom prst="rect">
-            <a:avLst/>
-          </a:prstGeom>
-          <a:solidFill>
-            <a:schemeClr val="accent3"/>
-          </a:solidFill>
-          <a:ln>
-            <a:solidFill>
-              <a:schemeClr val="tx1"/>
-            </a:solidFill>
-          </a:ln>
-        </p:spPr>
-        <p:style>
-          <a:lnRef idx="2">
-            <a:schemeClr val="accent1">
-              <a:shade val="50000"/>
-            </a:schemeClr>
-          </a:lnRef>
-          <a:fillRef idx="1">
-            <a:schemeClr val="accent1"/>
-          </a:fillRef>
-          <a:effectRef idx="0">
-            <a:schemeClr val="accent1"/>
-          </a:effectRef>
-          <a:fontRef idx="minor">
-            <a:schemeClr val="lt1"/>
-          </a:fontRef>
-        </p:style>
-        <p:txBody>
-          <a:bodyPr rtlCol="0" anchor="ctr"/>
-          <a:lstStyle/>
-          <a:p>
-            <a:pPr algn="ctr"/>
-            <a:r>
-              <a:rPr lang="en-US" altLang="ko-KR"/>
-              <a:t>Options</a:t>
-            </a:r>
-            <a:endParaRPr lang="ko-KR" altLang="en-US"/>
-          </a:p>
-        </p:txBody>
-      </p:sp>
-      <p:sp>
-        <p:nvSpPr>
-          <p:cNvPr id="3" name="직사각형 2">
-            <a:extLst>
-              <a:ext uri="{FF2B5EF4-FFF2-40B4-BE49-F238E27FC236}">
-                <a16:creationId xmlns:a16="http://schemas.microsoft.com/office/drawing/2014/main" id="{DCB1CA92-C1A3-3222-BF0B-A42BAD23AF3F}"/>
-              </a:ext>
-            </a:extLst>
-          </p:cNvPr>
-          <p:cNvSpPr/>
-          <p:nvPr/>
-        </p:nvSpPr>
-        <p:spPr>
-          <a:xfrm>
-            <a:off x="10186880" y="-9501"/>
-            <a:ext cx="2039510" cy="559837"/>
-          </a:xfrm>
-          <a:prstGeom prst="rect">
-            <a:avLst/>
-          </a:prstGeom>
-          <a:solidFill>
-            <a:schemeClr val="accent3"/>
-          </a:solidFill>
-          <a:ln>
-            <a:solidFill>
-              <a:schemeClr val="tx1"/>
-            </a:solidFill>
-          </a:ln>
-        </p:spPr>
-        <p:style>
-          <a:lnRef idx="2">
-            <a:schemeClr val="accent1">
-              <a:shade val="50000"/>
-            </a:schemeClr>
-          </a:lnRef>
-          <a:fillRef idx="1">
-            <a:schemeClr val="accent1"/>
-          </a:fillRef>
-          <a:effectRef idx="0">
-            <a:schemeClr val="accent1"/>
-          </a:effectRef>
-          <a:fontRef idx="minor">
-            <a:schemeClr val="lt1"/>
-          </a:fontRef>
-        </p:style>
-        <p:txBody>
-          <a:bodyPr rtlCol="0" anchor="ctr"/>
-          <a:lstStyle/>
-          <a:p>
-            <a:pPr algn="ctr"/>
-            <a:r>
-              <a:rPr lang="en-US" altLang="ko-KR"/>
-              <a:t>Statistics</a:t>
-            </a:r>
-            <a:endParaRPr lang="ko-KR" altLang="en-US" dirty="0"/>
-          </a:p>
-        </p:txBody>
-      </p:sp>
-    </p:spTree>
-    <p:extLst>
-      <p:ext uri="{BB962C8B-B14F-4D97-AF65-F5344CB8AC3E}">
-        <p14:creationId xmlns:p14="http://schemas.microsoft.com/office/powerpoint/2010/main" val="3371721876"/>
-      </p:ext>
-    </p:extLst>
-  </p:cSld>
-  <p:clrMapOvr>
-    <a:masterClrMapping/>
-  </p:clrMapOvr>
-</p:sld>
-</file>
-
-<file path=ppt/slides/slide9.xml><?xml version="1.0" encoding="utf-8"?>
-<p:sld xmlns:a="http://schemas.openxmlformats.org/drawingml/2006/main" xmlns:r="http://schemas.openxmlformats.org/officeDocument/2006/relationships" xmlns:p="http://schemas.openxmlformats.org/presentationml/2006/main">
-  <p:cSld>
-    <p:spTree>
-      <p:nvGrpSpPr>
-        <p:cNvPr id="1" name=""/>
-        <p:cNvGrpSpPr/>
-        <p:nvPr/>
-      </p:nvGrpSpPr>
-      <p:grpSpPr>
-        <a:xfrm>
-          <a:off x="0" y="0"/>
-          <a:ext cx="0" cy="0"/>
-          <a:chOff x="0" y="0"/>
-          <a:chExt cx="0" cy="0"/>
-        </a:xfrm>
-      </p:grpSpPr>
-      <p:pic>
-        <p:nvPicPr>
-          <p:cNvPr id="3" name="그래픽 2">
-            <a:extLst>
-              <a:ext uri="{FF2B5EF4-FFF2-40B4-BE49-F238E27FC236}">
-                <a16:creationId xmlns:a16="http://schemas.microsoft.com/office/drawing/2014/main" id="{6EF15F76-81F4-63B1-B380-56118D68C9C4}"/>
-              </a:ext>
-            </a:extLst>
-          </p:cNvPr>
-          <p:cNvPicPr>
-            <a:picLocks noChangeAspect="1"/>
-          </p:cNvPicPr>
-          <p:nvPr/>
-        </p:nvPicPr>
-        <p:blipFill>
-          <a:blip r:embed="rId2">
-            <a:extLst>
-              <a:ext uri="{28A0092B-C50C-407E-A947-70E740481C1C}">
-                <a14:useLocalDpi xmlns:a14="http://schemas.microsoft.com/office/drawing/2010/main" val="0"/>
-              </a:ext>
-              <a:ext uri="{96DAC541-7B7A-43D3-8B79-37D633B846F1}">
-                <asvg:svgBlip xmlns:asvg="http://schemas.microsoft.com/office/drawing/2016/SVG/main" r:embed="rId3"/>
-              </a:ext>
-            </a:extLst>
-          </a:blip>
-          <a:stretch>
-            <a:fillRect/>
-          </a:stretch>
-        </p:blipFill>
-        <p:spPr>
-          <a:xfrm>
-            <a:off x="3020267" y="0"/>
-            <a:ext cx="6151465" cy="6858000"/>
-          </a:xfrm>
-          <a:prstGeom prst="rect">
-            <a:avLst/>
-          </a:prstGeom>
-        </p:spPr>
-      </p:pic>
-    </p:spTree>
-    <p:extLst>
-      <p:ext uri="{BB962C8B-B14F-4D97-AF65-F5344CB8AC3E}">
-        <p14:creationId xmlns:p14="http://schemas.microsoft.com/office/powerpoint/2010/main" val="1458503390"/>
       </p:ext>
     </p:extLst>
   </p:cSld>

--- a/gosu-ui.pptx
+++ b/gosu-ui.pptx
@@ -16679,7 +16679,7 @@
           <a:p>
             <a:r>
               <a:rPr lang="en-US" altLang="ko-KR" sz="1200"/>
-              <a:t>Max Combo </a:t>
+              <a:t>Max Combo 0~</a:t>
             </a:r>
           </a:p>
           <a:p>
